--- a/Prasentation/raytracing.pptx
+++ b/Prasentation/raytracing.pptx
@@ -5,20 +5,26 @@
     <p:sldMasterId id="2147483648" r:id="rId1"/>
   </p:sldMasterIdLst>
   <p:notesMasterIdLst>
-    <p:notesMasterId r:id="rId10"/>
+    <p:notesMasterId r:id="rId16"/>
   </p:notesMasterIdLst>
   <p:handoutMasterIdLst>
-    <p:handoutMasterId r:id="rId11"/>
+    <p:handoutMasterId r:id="rId17"/>
   </p:handoutMasterIdLst>
   <p:sldIdLst>
     <p:sldId id="256" r:id="rId2"/>
     <p:sldId id="283" r:id="rId3"/>
-    <p:sldId id="285" r:id="rId4"/>
+    <p:sldId id="292" r:id="rId4"/>
     <p:sldId id="286" r:id="rId5"/>
     <p:sldId id="287" r:id="rId6"/>
     <p:sldId id="288" r:id="rId7"/>
     <p:sldId id="289" r:id="rId8"/>
     <p:sldId id="290" r:id="rId9"/>
+    <p:sldId id="293" r:id="rId10"/>
+    <p:sldId id="294" r:id="rId11"/>
+    <p:sldId id="295" r:id="rId12"/>
+    <p:sldId id="296" r:id="rId13"/>
+    <p:sldId id="297" r:id="rId14"/>
+    <p:sldId id="298" r:id="rId15"/>
   </p:sldIdLst>
   <p:sldSz cx="12192000" cy="6858000"/>
   <p:notesSz cx="6858000" cy="9144000"/>
@@ -136,6 +142,18 @@
 </p:presentation>
 </file>
 
+<file path=ppt/commentAuthors.xml><?xml version="1.0" encoding="utf-8"?>
+<p:cmAuthorLst xmlns:a="http://schemas.openxmlformats.org/drawingml/2006/main" xmlns:r="http://schemas.openxmlformats.org/officeDocument/2006/relationships" xmlns:p="http://schemas.openxmlformats.org/presentationml/2006/main">
+  <p:cmAuthor id="1" name="Lucky Chandrautama" initials="LC" lastIdx="1" clrIdx="0">
+    <p:extLst>
+      <p:ext uri="{19B8F6BF-5375-455C-9EA6-DF929625EA0E}">
+        <p15:presenceInfo xmlns:p15="http://schemas.microsoft.com/office/powerpoint/2012/main" userId="fa7969b1e59d2473" providerId="Windows Live"/>
+      </p:ext>
+    </p:extLst>
+  </p:cmAuthor>
+</p:cmAuthorLst>
+</file>
+
 <file path=ppt/handoutMasters/handoutMaster1.xml><?xml version="1.0" encoding="utf-8"?>
 <p:handoutMaster xmlns:a="http://schemas.openxmlformats.org/drawingml/2006/main" xmlns:r="http://schemas.openxmlformats.org/officeDocument/2006/relationships" xmlns:p="http://schemas.openxmlformats.org/presentationml/2006/main">
   <p:cSld>
@@ -163,7 +181,7 @@
           <p:cNvPr id="2" name="Header Placeholder 1">
             <a:extLst>
               <a:ext uri="{FF2B5EF4-FFF2-40B4-BE49-F238E27FC236}">
-                <a16:creationId xmlns:a16="http://schemas.microsoft.com/office/drawing/2014/main" xmlns="" id="{B79BFBC2-2198-46A3-9EB2-B81AB4467CA0}"/>
+                <a16:creationId xmlns:a16="http://schemas.microsoft.com/office/drawing/2014/main" id="{B79BFBC2-2198-46A3-9EB2-B81AB4467CA0}"/>
               </a:ext>
             </a:extLst>
           </p:cNvPr>
@@ -200,7 +218,7 @@
           <p:cNvPr id="3" name="Date Placeholder 2">
             <a:extLst>
               <a:ext uri="{FF2B5EF4-FFF2-40B4-BE49-F238E27FC236}">
-                <a16:creationId xmlns:a16="http://schemas.microsoft.com/office/drawing/2014/main" xmlns="" id="{FF91BC7E-0C72-4340-BC40-CB9D7AD0A642}"/>
+                <a16:creationId xmlns:a16="http://schemas.microsoft.com/office/drawing/2014/main" id="{FF91BC7E-0C72-4340-BC40-CB9D7AD0A642}"/>
               </a:ext>
             </a:extLst>
           </p:cNvPr>
@@ -230,7 +248,7 @@
           <a:p>
             <a:fld id="{727CB3D3-9682-4CBA-94E8-ED2846373387}" type="datetimeFigureOut">
               <a:rPr lang="en-IN" smtClean="0"/>
-              <a:t>11-09-2018</a:t>
+              <a:t>12-09-2018</a:t>
             </a:fld>
             <a:endParaRPr lang="en-IN"/>
           </a:p>
@@ -241,7 +259,7 @@
           <p:cNvPr id="4" name="Footer Placeholder 3">
             <a:extLst>
               <a:ext uri="{FF2B5EF4-FFF2-40B4-BE49-F238E27FC236}">
-                <a16:creationId xmlns:a16="http://schemas.microsoft.com/office/drawing/2014/main" xmlns="" id="{A4C512CF-A139-416E-8EB7-8606C4564733}"/>
+                <a16:creationId xmlns:a16="http://schemas.microsoft.com/office/drawing/2014/main" id="{A4C512CF-A139-416E-8EB7-8606C4564733}"/>
               </a:ext>
             </a:extLst>
           </p:cNvPr>
@@ -278,7 +296,7 @@
           <p:cNvPr id="5" name="Slide Number Placeholder 4">
             <a:extLst>
               <a:ext uri="{FF2B5EF4-FFF2-40B4-BE49-F238E27FC236}">
-                <a16:creationId xmlns:a16="http://schemas.microsoft.com/office/drawing/2014/main" xmlns="" id="{35FEFB71-1A06-49BD-B2F6-901B54BDF87E}"/>
+                <a16:creationId xmlns:a16="http://schemas.microsoft.com/office/drawing/2014/main" id="{35FEFB71-1A06-49BD-B2F6-901B54BDF87E}"/>
               </a:ext>
             </a:extLst>
           </p:cNvPr>
@@ -308,7 +326,7 @@
           <a:p>
             <a:fld id="{6D8AFCA8-780F-4711-800D-FE907475D347}" type="slidenum">
               <a:rPr lang="en-IN" smtClean="0"/>
-              <a:t>‹#›</a:t>
+              <a:t>‹Nr.›</a:t>
             </a:fld>
             <a:endParaRPr lang="en-IN"/>
           </a:p>
@@ -407,7 +425,7 @@
           <a:p>
             <a:fld id="{1786D931-9A6C-4305-A044-6E643877EFD7}" type="datetimeFigureOut">
               <a:rPr lang="en-IN" smtClean="0"/>
-              <a:t>11-09-2018</a:t>
+              <a:t>12-09-2018</a:t>
             </a:fld>
             <a:endParaRPr lang="en-IN"/>
           </a:p>
@@ -566,7 +584,7 @@
           <a:p>
             <a:fld id="{9C9590F9-2444-4B04-BB06-CCCA1671A106}" type="slidenum">
               <a:rPr lang="en-IN" smtClean="0"/>
-              <a:t>‹#›</a:t>
+              <a:t>‹Nr.›</a:t>
             </a:fld>
             <a:endParaRPr lang="en-IN"/>
           </a:p>
@@ -675,6 +693,895 @@
 </p:notesMaster>
 </file>
 
+<file path=ppt/notesSlides/notesSlide1.xml><?xml version="1.0" encoding="utf-8"?>
+<p:notes xmlns:a="http://schemas.openxmlformats.org/drawingml/2006/main" xmlns:r="http://schemas.openxmlformats.org/officeDocument/2006/relationships" xmlns:p="http://schemas.openxmlformats.org/presentationml/2006/main">
+  <p:cSld>
+    <p:spTree>
+      <p:nvGrpSpPr>
+        <p:cNvPr id="1" name=""/>
+        <p:cNvGrpSpPr/>
+        <p:nvPr/>
+      </p:nvGrpSpPr>
+      <p:grpSpPr>
+        <a:xfrm>
+          <a:off x="0" y="0"/>
+          <a:ext cx="0" cy="0"/>
+          <a:chOff x="0" y="0"/>
+          <a:chExt cx="0" cy="0"/>
+        </a:xfrm>
+      </p:grpSpPr>
+      <p:sp>
+        <p:nvSpPr>
+          <p:cNvPr id="2" name="Folienbildplatzhalter 1"/>
+          <p:cNvSpPr>
+            <a:spLocks noGrp="1" noRot="1" noChangeAspect="1"/>
+          </p:cNvSpPr>
+          <p:nvPr>
+            <p:ph type="sldImg"/>
+          </p:nvPr>
+        </p:nvSpPr>
+        <p:spPr/>
+      </p:sp>
+      <p:sp>
+        <p:nvSpPr>
+          <p:cNvPr id="3" name="Notizenplatzhalter 2"/>
+          <p:cNvSpPr>
+            <a:spLocks noGrp="1"/>
+          </p:cNvSpPr>
+          <p:nvPr>
+            <p:ph type="body" idx="1"/>
+          </p:nvPr>
+        </p:nvSpPr>
+        <p:spPr/>
+        <p:txBody>
+          <a:bodyPr/>
+          <a:lstStyle/>
+          <a:p>
+            <a:endParaRPr lang="de-DE" dirty="0"/>
+          </a:p>
+        </p:txBody>
+      </p:sp>
+      <p:sp>
+        <p:nvSpPr>
+          <p:cNvPr id="4" name="Foliennummernplatzhalter 3"/>
+          <p:cNvSpPr>
+            <a:spLocks noGrp="1"/>
+          </p:cNvSpPr>
+          <p:nvPr>
+            <p:ph type="sldNum" sz="quarter" idx="5"/>
+          </p:nvPr>
+        </p:nvSpPr>
+        <p:spPr/>
+        <p:txBody>
+          <a:bodyPr/>
+          <a:lstStyle/>
+          <a:p>
+            <a:fld id="{9C9590F9-2444-4B04-BB06-CCCA1671A106}" type="slidenum">
+              <a:rPr lang="en-IN" smtClean="0"/>
+              <a:t>1</a:t>
+            </a:fld>
+            <a:endParaRPr lang="en-IN"/>
+          </a:p>
+        </p:txBody>
+      </p:sp>
+    </p:spTree>
+    <p:extLst>
+      <p:ext uri="{BB962C8B-B14F-4D97-AF65-F5344CB8AC3E}">
+        <p14:creationId xmlns:p14="http://schemas.microsoft.com/office/powerpoint/2010/main" val="1863290813"/>
+      </p:ext>
+    </p:extLst>
+  </p:cSld>
+  <p:clrMapOvr>
+    <a:masterClrMapping/>
+  </p:clrMapOvr>
+</p:notes>
+</file>
+
+<file path=ppt/notesSlides/notesSlide2.xml><?xml version="1.0" encoding="utf-8"?>
+<p:notes xmlns:a="http://schemas.openxmlformats.org/drawingml/2006/main" xmlns:r="http://schemas.openxmlformats.org/officeDocument/2006/relationships" xmlns:p="http://schemas.openxmlformats.org/presentationml/2006/main">
+  <p:cSld>
+    <p:spTree>
+      <p:nvGrpSpPr>
+        <p:cNvPr id="1" name=""/>
+        <p:cNvGrpSpPr/>
+        <p:nvPr/>
+      </p:nvGrpSpPr>
+      <p:grpSpPr>
+        <a:xfrm>
+          <a:off x="0" y="0"/>
+          <a:ext cx="0" cy="0"/>
+          <a:chOff x="0" y="0"/>
+          <a:chExt cx="0" cy="0"/>
+        </a:xfrm>
+      </p:grpSpPr>
+      <p:sp>
+        <p:nvSpPr>
+          <p:cNvPr id="2" name="Folienbildplatzhalter 1"/>
+          <p:cNvSpPr>
+            <a:spLocks noGrp="1" noRot="1" noChangeAspect="1"/>
+          </p:cNvSpPr>
+          <p:nvPr>
+            <p:ph type="sldImg"/>
+          </p:nvPr>
+        </p:nvSpPr>
+        <p:spPr/>
+      </p:sp>
+      <p:sp>
+        <p:nvSpPr>
+          <p:cNvPr id="3" name="Notizenplatzhalter 2"/>
+          <p:cNvSpPr>
+            <a:spLocks noGrp="1"/>
+          </p:cNvSpPr>
+          <p:nvPr>
+            <p:ph type="body" idx="1"/>
+          </p:nvPr>
+        </p:nvSpPr>
+        <p:spPr/>
+        <p:txBody>
+          <a:bodyPr/>
+          <a:lstStyle/>
+          <a:p>
+            <a:r>
+              <a:rPr lang="de-DE" dirty="0" err="1"/>
+              <a:t>Raytracing</a:t>
+            </a:r>
+            <a:r>
+              <a:rPr lang="de-DE" dirty="0"/>
+              <a:t> ist ein </a:t>
+            </a:r>
+            <a:r>
+              <a:rPr lang="de-DE" dirty="0" err="1"/>
+              <a:t>Rendernverfahren</a:t>
+            </a:r>
+            <a:r>
+              <a:rPr lang="de-DE" dirty="0"/>
+              <a:t> zur Projektion der dreidimensionale Geometrie zu zweidimensionale Ebene.  Mittels diese Strahlen werden jede Pixel des Bildes in Reihenfolge vor des Kameras gerendert. </a:t>
+            </a:r>
+            <a:r>
+              <a:rPr lang="de-DE" dirty="0" err="1"/>
+              <a:t>Dh</a:t>
+            </a:r>
+            <a:r>
+              <a:rPr lang="de-DE" dirty="0"/>
+              <a:t> wir rechnen der kleinste </a:t>
+            </a:r>
+            <a:r>
+              <a:rPr lang="de-DE" dirty="0" err="1"/>
+              <a:t>Enfernung</a:t>
+            </a:r>
+            <a:r>
+              <a:rPr lang="de-DE" dirty="0"/>
+              <a:t> (Distanz) zwischen der Objekte und Standpunkt des Kamera. Danach wird der Ausschnitt bzw. Schnittpunkt der Geometrie mit dem Strahl ermittelt. Dies wird für jede Pixel ausgeführt. </a:t>
+            </a:r>
+          </a:p>
+          <a:p>
+            <a:pPr marL="0" marR="0" lvl="0" indent="0" algn="l" defTabSz="914363" rtl="0" eaLnBrk="1" fontAlgn="auto" latinLnBrk="0" hangingPunct="1">
+              <a:lnSpc>
+                <a:spcPct val="100000"/>
+              </a:lnSpc>
+              <a:spcBef>
+                <a:spcPts val="0"/>
+              </a:spcBef>
+              <a:spcAft>
+                <a:spcPts val="0"/>
+              </a:spcAft>
+              <a:buClrTx/>
+              <a:buSzTx/>
+              <a:buFontTx/>
+              <a:buNone/>
+              <a:tabLst/>
+              <a:defRPr/>
+            </a:pPr>
+            <a:r>
+              <a:rPr lang="de-DE" dirty="0"/>
+              <a:t>Unsere </a:t>
+            </a:r>
+            <a:r>
+              <a:rPr lang="de-DE" dirty="0" err="1"/>
+              <a:t>Raytracing</a:t>
+            </a:r>
+            <a:r>
+              <a:rPr lang="de-DE" dirty="0"/>
+              <a:t> ermöglicht auch Schatten zu rendern. Von diesem Schnittpunkt zur Lichtquelle wird auch einen Strahl erzeugt, schneidet dieser Strahl eine andere Objekt, dann liegt diese Punkt im Schatten.</a:t>
+            </a:r>
+          </a:p>
+          <a:p>
+            <a:endParaRPr lang="de-DE" dirty="0"/>
+          </a:p>
+        </p:txBody>
+      </p:sp>
+      <p:sp>
+        <p:nvSpPr>
+          <p:cNvPr id="4" name="Foliennummernplatzhalter 3"/>
+          <p:cNvSpPr>
+            <a:spLocks noGrp="1"/>
+          </p:cNvSpPr>
+          <p:nvPr>
+            <p:ph type="sldNum" sz="quarter" idx="5"/>
+          </p:nvPr>
+        </p:nvSpPr>
+        <p:spPr/>
+        <p:txBody>
+          <a:bodyPr/>
+          <a:lstStyle/>
+          <a:p>
+            <a:fld id="{9C9590F9-2444-4B04-BB06-CCCA1671A106}" type="slidenum">
+              <a:rPr lang="en-IN" smtClean="0"/>
+              <a:t>2</a:t>
+            </a:fld>
+            <a:endParaRPr lang="en-IN"/>
+          </a:p>
+        </p:txBody>
+      </p:sp>
+    </p:spTree>
+    <p:extLst>
+      <p:ext uri="{BB962C8B-B14F-4D97-AF65-F5344CB8AC3E}">
+        <p14:creationId xmlns:p14="http://schemas.microsoft.com/office/powerpoint/2010/main" val="1131892046"/>
+      </p:ext>
+    </p:extLst>
+  </p:cSld>
+  <p:clrMapOvr>
+    <a:masterClrMapping/>
+  </p:clrMapOvr>
+</p:notes>
+</file>
+
+<file path=ppt/notesSlides/notesSlide3.xml><?xml version="1.0" encoding="utf-8"?>
+<p:notes xmlns:a="http://schemas.openxmlformats.org/drawingml/2006/main" xmlns:r="http://schemas.openxmlformats.org/officeDocument/2006/relationships" xmlns:p="http://schemas.openxmlformats.org/presentationml/2006/main">
+  <p:cSld>
+    <p:spTree>
+      <p:nvGrpSpPr>
+        <p:cNvPr id="1" name=""/>
+        <p:cNvGrpSpPr/>
+        <p:nvPr/>
+      </p:nvGrpSpPr>
+      <p:grpSpPr>
+        <a:xfrm>
+          <a:off x="0" y="0"/>
+          <a:ext cx="0" cy="0"/>
+          <a:chOff x="0" y="0"/>
+          <a:chExt cx="0" cy="0"/>
+        </a:xfrm>
+      </p:grpSpPr>
+      <p:sp>
+        <p:nvSpPr>
+          <p:cNvPr id="2" name="Folienbildplatzhalter 1"/>
+          <p:cNvSpPr>
+            <a:spLocks noGrp="1" noRot="1" noChangeAspect="1"/>
+          </p:cNvSpPr>
+          <p:nvPr>
+            <p:ph type="sldImg"/>
+          </p:nvPr>
+        </p:nvSpPr>
+        <p:spPr/>
+      </p:sp>
+      <p:sp>
+        <p:nvSpPr>
+          <p:cNvPr id="3" name="Notizenplatzhalter 2"/>
+          <p:cNvSpPr>
+            <a:spLocks noGrp="1"/>
+          </p:cNvSpPr>
+          <p:nvPr>
+            <p:ph type="body" idx="1"/>
+          </p:nvPr>
+        </p:nvSpPr>
+        <p:spPr/>
+        <p:txBody>
+          <a:bodyPr/>
+          <a:lstStyle/>
+          <a:p>
+            <a:pPr marL="0" marR="0" lvl="0" indent="0" algn="l" defTabSz="914363" rtl="0" eaLnBrk="1" fontAlgn="auto" latinLnBrk="0" hangingPunct="1">
+              <a:lnSpc>
+                <a:spcPct val="100000"/>
+              </a:lnSpc>
+              <a:spcBef>
+                <a:spcPts val="0"/>
+              </a:spcBef>
+              <a:spcAft>
+                <a:spcPts val="0"/>
+              </a:spcAft>
+              <a:buClrTx/>
+              <a:buSzTx/>
+              <a:buFontTx/>
+              <a:buNone/>
+              <a:tabLst/>
+              <a:defRPr/>
+            </a:pPr>
+            <a:r>
+              <a:rPr lang="de-DE" dirty="0"/>
+              <a:t>So bisher ist </a:t>
+            </a:r>
+            <a:r>
+              <a:rPr lang="de-DE" dirty="0" err="1"/>
+              <a:t>Raytracing</a:t>
+            </a:r>
+            <a:r>
+              <a:rPr lang="de-DE" dirty="0"/>
+              <a:t> prinzipiell ähnlich wie eine andere </a:t>
+            </a:r>
+            <a:r>
+              <a:rPr lang="de-DE" dirty="0" err="1"/>
+              <a:t>Renderverfahren</a:t>
+            </a:r>
+            <a:r>
+              <a:rPr lang="de-DE" dirty="0"/>
+              <a:t> mit ähnlichem Name, </a:t>
+            </a:r>
+            <a:r>
+              <a:rPr lang="de-DE" dirty="0" err="1"/>
+              <a:t>Raycasting</a:t>
+            </a:r>
+            <a:r>
+              <a:rPr lang="de-DE" dirty="0"/>
+              <a:t>. Der Unterschied liegt auf der Grad visuelle Realismus ihres gerenderte Bilds. </a:t>
+            </a:r>
+            <a:r>
+              <a:rPr lang="de-DE" dirty="0" err="1"/>
+              <a:t>Raytracing</a:t>
+            </a:r>
+            <a:r>
+              <a:rPr lang="de-DE" dirty="0"/>
+              <a:t> kann die Lichtreflexion/ -brechung/ -streuung und auch Spiegelung berechnen und auf dem Bildebene zeigen. Aber diese Vorteil kommt mit einer Nachteil. </a:t>
+            </a:r>
+            <a:r>
+              <a:rPr lang="de-DE" dirty="0" err="1"/>
+              <a:t>Raytracing</a:t>
+            </a:r>
+            <a:r>
+              <a:rPr lang="de-DE" dirty="0"/>
+              <a:t> mit Spiegelung ist viel langsamer und benötigt mehrere Rekursion zum Rendern. Aus der Schnittpunkt wird ein neuer Strahl in der Richtung der Reflexion erzeugt und sucht einen weitere Schnittpunkt. Die Reflexion Diese Method läuft rekursiv. </a:t>
+            </a:r>
+            <a:r>
+              <a:rPr lang="de-DE" dirty="0" err="1"/>
+              <a:t>Dh</a:t>
+            </a:r>
+            <a:r>
+              <a:rPr lang="de-DE" dirty="0"/>
+              <a:t> Es rendern der Pixel wenn dies Rekursion stoppt und nehmt die letzte Schnittpunkt.  </a:t>
+            </a:r>
+          </a:p>
+        </p:txBody>
+      </p:sp>
+      <p:sp>
+        <p:nvSpPr>
+          <p:cNvPr id="4" name="Foliennummernplatzhalter 3"/>
+          <p:cNvSpPr>
+            <a:spLocks noGrp="1"/>
+          </p:cNvSpPr>
+          <p:nvPr>
+            <p:ph type="sldNum" sz="quarter" idx="5"/>
+          </p:nvPr>
+        </p:nvSpPr>
+        <p:spPr/>
+        <p:txBody>
+          <a:bodyPr/>
+          <a:lstStyle/>
+          <a:p>
+            <a:fld id="{9C9590F9-2444-4B04-BB06-CCCA1671A106}" type="slidenum">
+              <a:rPr lang="en-IN" smtClean="0"/>
+              <a:t>3</a:t>
+            </a:fld>
+            <a:endParaRPr lang="en-IN"/>
+          </a:p>
+        </p:txBody>
+      </p:sp>
+    </p:spTree>
+    <p:extLst>
+      <p:ext uri="{BB962C8B-B14F-4D97-AF65-F5344CB8AC3E}">
+        <p14:creationId xmlns:p14="http://schemas.microsoft.com/office/powerpoint/2010/main" val="1153376535"/>
+      </p:ext>
+    </p:extLst>
+  </p:cSld>
+  <p:clrMapOvr>
+    <a:masterClrMapping/>
+  </p:clrMapOvr>
+</p:notes>
+</file>
+
+<file path=ppt/notesSlides/notesSlide4.xml><?xml version="1.0" encoding="utf-8"?>
+<p:notes xmlns:a="http://schemas.openxmlformats.org/drawingml/2006/main" xmlns:r="http://schemas.openxmlformats.org/officeDocument/2006/relationships" xmlns:p="http://schemas.openxmlformats.org/presentationml/2006/main">
+  <p:cSld>
+    <p:spTree>
+      <p:nvGrpSpPr>
+        <p:cNvPr id="1" name=""/>
+        <p:cNvGrpSpPr/>
+        <p:nvPr/>
+      </p:nvGrpSpPr>
+      <p:grpSpPr>
+        <a:xfrm>
+          <a:off x="0" y="0"/>
+          <a:ext cx="0" cy="0"/>
+          <a:chOff x="0" y="0"/>
+          <a:chExt cx="0" cy="0"/>
+        </a:xfrm>
+      </p:grpSpPr>
+      <p:sp>
+        <p:nvSpPr>
+          <p:cNvPr id="2" name="Folienbildplatzhalter 1"/>
+          <p:cNvSpPr>
+            <a:spLocks noGrp="1" noRot="1" noChangeAspect="1"/>
+          </p:cNvSpPr>
+          <p:nvPr>
+            <p:ph type="sldImg"/>
+          </p:nvPr>
+        </p:nvSpPr>
+        <p:spPr/>
+      </p:sp>
+      <p:sp>
+        <p:nvSpPr>
+          <p:cNvPr id="3" name="Notizenplatzhalter 2"/>
+          <p:cNvSpPr>
+            <a:spLocks noGrp="1"/>
+          </p:cNvSpPr>
+          <p:nvPr>
+            <p:ph type="body" idx="1"/>
+          </p:nvPr>
+        </p:nvSpPr>
+        <p:spPr/>
+        <p:txBody>
+          <a:bodyPr/>
+          <a:lstStyle/>
+          <a:p>
+            <a:endParaRPr lang="de-DE" dirty="0"/>
+          </a:p>
+        </p:txBody>
+      </p:sp>
+      <p:sp>
+        <p:nvSpPr>
+          <p:cNvPr id="4" name="Foliennummernplatzhalter 3"/>
+          <p:cNvSpPr>
+            <a:spLocks noGrp="1"/>
+          </p:cNvSpPr>
+          <p:nvPr>
+            <p:ph type="sldNum" sz="quarter" idx="5"/>
+          </p:nvPr>
+        </p:nvSpPr>
+        <p:spPr/>
+        <p:txBody>
+          <a:bodyPr/>
+          <a:lstStyle/>
+          <a:p>
+            <a:fld id="{9C9590F9-2444-4B04-BB06-CCCA1671A106}" type="slidenum">
+              <a:rPr lang="en-IN" smtClean="0"/>
+              <a:t>9</a:t>
+            </a:fld>
+            <a:endParaRPr lang="en-IN"/>
+          </a:p>
+        </p:txBody>
+      </p:sp>
+    </p:spTree>
+    <p:extLst>
+      <p:ext uri="{BB962C8B-B14F-4D97-AF65-F5344CB8AC3E}">
+        <p14:creationId xmlns:p14="http://schemas.microsoft.com/office/powerpoint/2010/main" val="3309252394"/>
+      </p:ext>
+    </p:extLst>
+  </p:cSld>
+  <p:clrMapOvr>
+    <a:masterClrMapping/>
+  </p:clrMapOvr>
+</p:notes>
+</file>
+
+<file path=ppt/notesSlides/notesSlide5.xml><?xml version="1.0" encoding="utf-8"?>
+<p:notes xmlns:a="http://schemas.openxmlformats.org/drawingml/2006/main" xmlns:r="http://schemas.openxmlformats.org/officeDocument/2006/relationships" xmlns:p="http://schemas.openxmlformats.org/presentationml/2006/main">
+  <p:cSld>
+    <p:spTree>
+      <p:nvGrpSpPr>
+        <p:cNvPr id="1" name=""/>
+        <p:cNvGrpSpPr/>
+        <p:nvPr/>
+      </p:nvGrpSpPr>
+      <p:grpSpPr>
+        <a:xfrm>
+          <a:off x="0" y="0"/>
+          <a:ext cx="0" cy="0"/>
+          <a:chOff x="0" y="0"/>
+          <a:chExt cx="0" cy="0"/>
+        </a:xfrm>
+      </p:grpSpPr>
+      <p:sp>
+        <p:nvSpPr>
+          <p:cNvPr id="2" name="Folienbildplatzhalter 1"/>
+          <p:cNvSpPr>
+            <a:spLocks noGrp="1" noRot="1" noChangeAspect="1"/>
+          </p:cNvSpPr>
+          <p:nvPr>
+            <p:ph type="sldImg"/>
+          </p:nvPr>
+        </p:nvSpPr>
+        <p:spPr/>
+      </p:sp>
+      <p:sp>
+        <p:nvSpPr>
+          <p:cNvPr id="3" name="Notizenplatzhalter 2"/>
+          <p:cNvSpPr>
+            <a:spLocks noGrp="1"/>
+          </p:cNvSpPr>
+          <p:nvPr>
+            <p:ph type="body" idx="1"/>
+          </p:nvPr>
+        </p:nvSpPr>
+        <p:spPr/>
+        <p:txBody>
+          <a:bodyPr/>
+          <a:lstStyle/>
+          <a:p>
+            <a:endParaRPr lang="de-DE" dirty="0"/>
+          </a:p>
+        </p:txBody>
+      </p:sp>
+      <p:sp>
+        <p:nvSpPr>
+          <p:cNvPr id="4" name="Foliennummernplatzhalter 3"/>
+          <p:cNvSpPr>
+            <a:spLocks noGrp="1"/>
+          </p:cNvSpPr>
+          <p:nvPr>
+            <p:ph type="sldNum" sz="quarter" idx="5"/>
+          </p:nvPr>
+        </p:nvSpPr>
+        <p:spPr/>
+        <p:txBody>
+          <a:bodyPr/>
+          <a:lstStyle/>
+          <a:p>
+            <a:fld id="{9C9590F9-2444-4B04-BB06-CCCA1671A106}" type="slidenum">
+              <a:rPr lang="en-IN" smtClean="0"/>
+              <a:t>10</a:t>
+            </a:fld>
+            <a:endParaRPr lang="en-IN"/>
+          </a:p>
+        </p:txBody>
+      </p:sp>
+    </p:spTree>
+    <p:extLst>
+      <p:ext uri="{BB962C8B-B14F-4D97-AF65-F5344CB8AC3E}">
+        <p14:creationId xmlns:p14="http://schemas.microsoft.com/office/powerpoint/2010/main" val="2767690331"/>
+      </p:ext>
+    </p:extLst>
+  </p:cSld>
+  <p:clrMapOvr>
+    <a:masterClrMapping/>
+  </p:clrMapOvr>
+</p:notes>
+</file>
+
+<file path=ppt/notesSlides/notesSlide6.xml><?xml version="1.0" encoding="utf-8"?>
+<p:notes xmlns:a="http://schemas.openxmlformats.org/drawingml/2006/main" xmlns:r="http://schemas.openxmlformats.org/officeDocument/2006/relationships" xmlns:p="http://schemas.openxmlformats.org/presentationml/2006/main">
+  <p:cSld>
+    <p:spTree>
+      <p:nvGrpSpPr>
+        <p:cNvPr id="1" name=""/>
+        <p:cNvGrpSpPr/>
+        <p:nvPr/>
+      </p:nvGrpSpPr>
+      <p:grpSpPr>
+        <a:xfrm>
+          <a:off x="0" y="0"/>
+          <a:ext cx="0" cy="0"/>
+          <a:chOff x="0" y="0"/>
+          <a:chExt cx="0" cy="0"/>
+        </a:xfrm>
+      </p:grpSpPr>
+      <p:sp>
+        <p:nvSpPr>
+          <p:cNvPr id="2" name="Folienbildplatzhalter 1"/>
+          <p:cNvSpPr>
+            <a:spLocks noGrp="1" noRot="1" noChangeAspect="1"/>
+          </p:cNvSpPr>
+          <p:nvPr>
+            <p:ph type="sldImg"/>
+          </p:nvPr>
+        </p:nvSpPr>
+        <p:spPr/>
+      </p:sp>
+      <p:sp>
+        <p:nvSpPr>
+          <p:cNvPr id="3" name="Notizenplatzhalter 2"/>
+          <p:cNvSpPr>
+            <a:spLocks noGrp="1"/>
+          </p:cNvSpPr>
+          <p:nvPr>
+            <p:ph type="body" idx="1"/>
+          </p:nvPr>
+        </p:nvSpPr>
+        <p:spPr/>
+        <p:txBody>
+          <a:bodyPr/>
+          <a:lstStyle/>
+          <a:p>
+            <a:endParaRPr lang="de-DE" dirty="0"/>
+          </a:p>
+        </p:txBody>
+      </p:sp>
+      <p:sp>
+        <p:nvSpPr>
+          <p:cNvPr id="4" name="Foliennummernplatzhalter 3"/>
+          <p:cNvSpPr>
+            <a:spLocks noGrp="1"/>
+          </p:cNvSpPr>
+          <p:nvPr>
+            <p:ph type="sldNum" sz="quarter" idx="5"/>
+          </p:nvPr>
+        </p:nvSpPr>
+        <p:spPr/>
+        <p:txBody>
+          <a:bodyPr/>
+          <a:lstStyle/>
+          <a:p>
+            <a:fld id="{9C9590F9-2444-4B04-BB06-CCCA1671A106}" type="slidenum">
+              <a:rPr lang="en-IN" smtClean="0"/>
+              <a:t>11</a:t>
+            </a:fld>
+            <a:endParaRPr lang="en-IN"/>
+          </a:p>
+        </p:txBody>
+      </p:sp>
+    </p:spTree>
+    <p:extLst>
+      <p:ext uri="{BB962C8B-B14F-4D97-AF65-F5344CB8AC3E}">
+        <p14:creationId xmlns:p14="http://schemas.microsoft.com/office/powerpoint/2010/main" val="826914671"/>
+      </p:ext>
+    </p:extLst>
+  </p:cSld>
+  <p:clrMapOvr>
+    <a:masterClrMapping/>
+  </p:clrMapOvr>
+</p:notes>
+</file>
+
+<file path=ppt/notesSlides/notesSlide7.xml><?xml version="1.0" encoding="utf-8"?>
+<p:notes xmlns:a="http://schemas.openxmlformats.org/drawingml/2006/main" xmlns:r="http://schemas.openxmlformats.org/officeDocument/2006/relationships" xmlns:p="http://schemas.openxmlformats.org/presentationml/2006/main">
+  <p:cSld>
+    <p:spTree>
+      <p:nvGrpSpPr>
+        <p:cNvPr id="1" name=""/>
+        <p:cNvGrpSpPr/>
+        <p:nvPr/>
+      </p:nvGrpSpPr>
+      <p:grpSpPr>
+        <a:xfrm>
+          <a:off x="0" y="0"/>
+          <a:ext cx="0" cy="0"/>
+          <a:chOff x="0" y="0"/>
+          <a:chExt cx="0" cy="0"/>
+        </a:xfrm>
+      </p:grpSpPr>
+      <p:sp>
+        <p:nvSpPr>
+          <p:cNvPr id="2" name="Folienbildplatzhalter 1"/>
+          <p:cNvSpPr>
+            <a:spLocks noGrp="1" noRot="1" noChangeAspect="1"/>
+          </p:cNvSpPr>
+          <p:nvPr>
+            <p:ph type="sldImg"/>
+          </p:nvPr>
+        </p:nvSpPr>
+        <p:spPr/>
+      </p:sp>
+      <p:sp>
+        <p:nvSpPr>
+          <p:cNvPr id="3" name="Notizenplatzhalter 2"/>
+          <p:cNvSpPr>
+            <a:spLocks noGrp="1"/>
+          </p:cNvSpPr>
+          <p:nvPr>
+            <p:ph type="body" idx="1"/>
+          </p:nvPr>
+        </p:nvSpPr>
+        <p:spPr/>
+        <p:txBody>
+          <a:bodyPr/>
+          <a:lstStyle/>
+          <a:p>
+            <a:endParaRPr lang="de-DE" dirty="0"/>
+          </a:p>
+        </p:txBody>
+      </p:sp>
+      <p:sp>
+        <p:nvSpPr>
+          <p:cNvPr id="4" name="Foliennummernplatzhalter 3"/>
+          <p:cNvSpPr>
+            <a:spLocks noGrp="1"/>
+          </p:cNvSpPr>
+          <p:nvPr>
+            <p:ph type="sldNum" sz="quarter" idx="5"/>
+          </p:nvPr>
+        </p:nvSpPr>
+        <p:spPr/>
+        <p:txBody>
+          <a:bodyPr/>
+          <a:lstStyle/>
+          <a:p>
+            <a:fld id="{9C9590F9-2444-4B04-BB06-CCCA1671A106}" type="slidenum">
+              <a:rPr lang="en-IN" smtClean="0"/>
+              <a:t>12</a:t>
+            </a:fld>
+            <a:endParaRPr lang="en-IN"/>
+          </a:p>
+        </p:txBody>
+      </p:sp>
+    </p:spTree>
+    <p:extLst>
+      <p:ext uri="{BB962C8B-B14F-4D97-AF65-F5344CB8AC3E}">
+        <p14:creationId xmlns:p14="http://schemas.microsoft.com/office/powerpoint/2010/main" val="2032586173"/>
+      </p:ext>
+    </p:extLst>
+  </p:cSld>
+  <p:clrMapOvr>
+    <a:masterClrMapping/>
+  </p:clrMapOvr>
+</p:notes>
+</file>
+
+<file path=ppt/notesSlides/notesSlide8.xml><?xml version="1.0" encoding="utf-8"?>
+<p:notes xmlns:a="http://schemas.openxmlformats.org/drawingml/2006/main" xmlns:r="http://schemas.openxmlformats.org/officeDocument/2006/relationships" xmlns:p="http://schemas.openxmlformats.org/presentationml/2006/main">
+  <p:cSld>
+    <p:spTree>
+      <p:nvGrpSpPr>
+        <p:cNvPr id="1" name=""/>
+        <p:cNvGrpSpPr/>
+        <p:nvPr/>
+      </p:nvGrpSpPr>
+      <p:grpSpPr>
+        <a:xfrm>
+          <a:off x="0" y="0"/>
+          <a:ext cx="0" cy="0"/>
+          <a:chOff x="0" y="0"/>
+          <a:chExt cx="0" cy="0"/>
+        </a:xfrm>
+      </p:grpSpPr>
+      <p:sp>
+        <p:nvSpPr>
+          <p:cNvPr id="2" name="Folienbildplatzhalter 1"/>
+          <p:cNvSpPr>
+            <a:spLocks noGrp="1" noRot="1" noChangeAspect="1"/>
+          </p:cNvSpPr>
+          <p:nvPr>
+            <p:ph type="sldImg"/>
+          </p:nvPr>
+        </p:nvSpPr>
+        <p:spPr/>
+      </p:sp>
+      <p:sp>
+        <p:nvSpPr>
+          <p:cNvPr id="3" name="Notizenplatzhalter 2"/>
+          <p:cNvSpPr>
+            <a:spLocks noGrp="1"/>
+          </p:cNvSpPr>
+          <p:nvPr>
+            <p:ph type="body" idx="1"/>
+          </p:nvPr>
+        </p:nvSpPr>
+        <p:spPr/>
+        <p:txBody>
+          <a:bodyPr/>
+          <a:lstStyle/>
+          <a:p>
+            <a:endParaRPr lang="de-DE" dirty="0"/>
+          </a:p>
+        </p:txBody>
+      </p:sp>
+      <p:sp>
+        <p:nvSpPr>
+          <p:cNvPr id="4" name="Foliennummernplatzhalter 3"/>
+          <p:cNvSpPr>
+            <a:spLocks noGrp="1"/>
+          </p:cNvSpPr>
+          <p:nvPr>
+            <p:ph type="sldNum" sz="quarter" idx="5"/>
+          </p:nvPr>
+        </p:nvSpPr>
+        <p:spPr/>
+        <p:txBody>
+          <a:bodyPr/>
+          <a:lstStyle/>
+          <a:p>
+            <a:fld id="{9C9590F9-2444-4B04-BB06-CCCA1671A106}" type="slidenum">
+              <a:rPr lang="en-IN" smtClean="0"/>
+              <a:t>13</a:t>
+            </a:fld>
+            <a:endParaRPr lang="en-IN"/>
+          </a:p>
+        </p:txBody>
+      </p:sp>
+    </p:spTree>
+    <p:extLst>
+      <p:ext uri="{BB962C8B-B14F-4D97-AF65-F5344CB8AC3E}">
+        <p14:creationId xmlns:p14="http://schemas.microsoft.com/office/powerpoint/2010/main" val="2090935822"/>
+      </p:ext>
+    </p:extLst>
+  </p:cSld>
+  <p:clrMapOvr>
+    <a:masterClrMapping/>
+  </p:clrMapOvr>
+</p:notes>
+</file>
+
+<file path=ppt/notesSlides/notesSlide9.xml><?xml version="1.0" encoding="utf-8"?>
+<p:notes xmlns:a="http://schemas.openxmlformats.org/drawingml/2006/main" xmlns:r="http://schemas.openxmlformats.org/officeDocument/2006/relationships" xmlns:p="http://schemas.openxmlformats.org/presentationml/2006/main">
+  <p:cSld>
+    <p:spTree>
+      <p:nvGrpSpPr>
+        <p:cNvPr id="1" name=""/>
+        <p:cNvGrpSpPr/>
+        <p:nvPr/>
+      </p:nvGrpSpPr>
+      <p:grpSpPr>
+        <a:xfrm>
+          <a:off x="0" y="0"/>
+          <a:ext cx="0" cy="0"/>
+          <a:chOff x="0" y="0"/>
+          <a:chExt cx="0" cy="0"/>
+        </a:xfrm>
+      </p:grpSpPr>
+      <p:sp>
+        <p:nvSpPr>
+          <p:cNvPr id="2" name="Folienbildplatzhalter 1"/>
+          <p:cNvSpPr>
+            <a:spLocks noGrp="1" noRot="1" noChangeAspect="1"/>
+          </p:cNvSpPr>
+          <p:nvPr>
+            <p:ph type="sldImg"/>
+          </p:nvPr>
+        </p:nvSpPr>
+        <p:spPr/>
+      </p:sp>
+      <p:sp>
+        <p:nvSpPr>
+          <p:cNvPr id="3" name="Notizenplatzhalter 2"/>
+          <p:cNvSpPr>
+            <a:spLocks noGrp="1"/>
+          </p:cNvSpPr>
+          <p:nvPr>
+            <p:ph type="body" idx="1"/>
+          </p:nvPr>
+        </p:nvSpPr>
+        <p:spPr/>
+        <p:txBody>
+          <a:bodyPr/>
+          <a:lstStyle/>
+          <a:p>
+            <a:endParaRPr lang="de-DE" dirty="0"/>
+          </a:p>
+        </p:txBody>
+      </p:sp>
+      <p:sp>
+        <p:nvSpPr>
+          <p:cNvPr id="4" name="Foliennummernplatzhalter 3"/>
+          <p:cNvSpPr>
+            <a:spLocks noGrp="1"/>
+          </p:cNvSpPr>
+          <p:nvPr>
+            <p:ph type="sldNum" sz="quarter" idx="5"/>
+          </p:nvPr>
+        </p:nvSpPr>
+        <p:spPr/>
+        <p:txBody>
+          <a:bodyPr/>
+          <a:lstStyle/>
+          <a:p>
+            <a:fld id="{9C9590F9-2444-4B04-BB06-CCCA1671A106}" type="slidenum">
+              <a:rPr lang="en-IN" smtClean="0"/>
+              <a:t>14</a:t>
+            </a:fld>
+            <a:endParaRPr lang="en-IN"/>
+          </a:p>
+        </p:txBody>
+      </p:sp>
+    </p:spTree>
+    <p:extLst>
+      <p:ext uri="{BB962C8B-B14F-4D97-AF65-F5344CB8AC3E}">
+        <p14:creationId xmlns:p14="http://schemas.microsoft.com/office/powerpoint/2010/main" val="544065286"/>
+      </p:ext>
+    </p:extLst>
+  </p:cSld>
+  <p:clrMapOvr>
+    <a:masterClrMapping/>
+  </p:clrMapOvr>
+</p:notes>
+</file>
+
 <file path=ppt/slideLayouts/slideLayout1.xml><?xml version="1.0" encoding="utf-8"?>
 <p:sldLayout xmlns:a="http://schemas.openxmlformats.org/drawingml/2006/main" xmlns:r="http://schemas.openxmlformats.org/officeDocument/2006/relationships" xmlns:p="http://schemas.openxmlformats.org/presentationml/2006/main" type="title" preserve="1">
   <p:cSld name="Title Slide">
@@ -697,7 +1604,7 @@
           <p:cNvPr id="2" name="Title 1">
             <a:extLst>
               <a:ext uri="{FF2B5EF4-FFF2-40B4-BE49-F238E27FC236}">
-                <a16:creationId xmlns:a16="http://schemas.microsoft.com/office/drawing/2014/main" xmlns="" id="{E5BC5933-1ACE-460A-8B06-9C453B038B62}"/>
+                <a16:creationId xmlns:a16="http://schemas.microsoft.com/office/drawing/2014/main" id="{E5BC5933-1ACE-460A-8B06-9C453B038B62}"/>
               </a:ext>
             </a:extLst>
           </p:cNvPr>
@@ -735,7 +1642,7 @@
           <p:cNvPr id="3" name="Subtitle 2">
             <a:extLst>
               <a:ext uri="{FF2B5EF4-FFF2-40B4-BE49-F238E27FC236}">
-                <a16:creationId xmlns:a16="http://schemas.microsoft.com/office/drawing/2014/main" xmlns="" id="{DD7FD7A1-B949-4B22-98AB-2D7ED90B1F4B}"/>
+                <a16:creationId xmlns:a16="http://schemas.microsoft.com/office/drawing/2014/main" id="{DD7FD7A1-B949-4B22-98AB-2D7ED90B1F4B}"/>
               </a:ext>
             </a:extLst>
           </p:cNvPr>
@@ -806,7 +1713,7 @@
           <p:cNvPr id="4" name="Date Placeholder 3">
             <a:extLst>
               <a:ext uri="{FF2B5EF4-FFF2-40B4-BE49-F238E27FC236}">
-                <a16:creationId xmlns:a16="http://schemas.microsoft.com/office/drawing/2014/main" xmlns="" id="{0AAB9891-5781-44DE-B496-2AD7FEFCE2D5}"/>
+                <a16:creationId xmlns:a16="http://schemas.microsoft.com/office/drawing/2014/main" id="{0AAB9891-5781-44DE-B496-2AD7FEFCE2D5}"/>
               </a:ext>
             </a:extLst>
           </p:cNvPr>
@@ -824,7 +1731,7 @@
           <a:p>
             <a:fld id="{38D69507-EEEA-4964-AC41-89F1B619239D}" type="datetime1">
               <a:rPr lang="en-US" smtClean="0"/>
-              <a:t>9/11/2018</a:t>
+              <a:t>9/12/2018</a:t>
             </a:fld>
             <a:endParaRPr lang="en-IN"/>
           </a:p>
@@ -835,7 +1742,7 @@
           <p:cNvPr id="5" name="Footer Placeholder 4">
             <a:extLst>
               <a:ext uri="{FF2B5EF4-FFF2-40B4-BE49-F238E27FC236}">
-                <a16:creationId xmlns:a16="http://schemas.microsoft.com/office/drawing/2014/main" xmlns="" id="{F1C5BAB4-EC6F-4ADA-AA33-DCA7F62B076C}"/>
+                <a16:creationId xmlns:a16="http://schemas.microsoft.com/office/drawing/2014/main" id="{F1C5BAB4-EC6F-4ADA-AA33-DCA7F62B076C}"/>
               </a:ext>
             </a:extLst>
           </p:cNvPr>
@@ -863,7 +1770,7 @@
           <p:cNvPr id="6" name="Slide Number Placeholder 5">
             <a:extLst>
               <a:ext uri="{FF2B5EF4-FFF2-40B4-BE49-F238E27FC236}">
-                <a16:creationId xmlns:a16="http://schemas.microsoft.com/office/drawing/2014/main" xmlns="" id="{77F8F9D2-4D22-47B0-BFD8-D11A180213AB}"/>
+                <a16:creationId xmlns:a16="http://schemas.microsoft.com/office/drawing/2014/main" id="{77F8F9D2-4D22-47B0-BFD8-D11A180213AB}"/>
               </a:ext>
             </a:extLst>
           </p:cNvPr>
@@ -881,7 +1788,7 @@
           <a:p>
             <a:fld id="{30CB2C95-D074-4631-BAB9-32CDA51380C6}" type="slidenum">
               <a:rPr lang="en-IN" smtClean="0"/>
-              <a:t>‹#›</a:t>
+              <a:t>‹Nr.›</a:t>
             </a:fld>
             <a:endParaRPr lang="en-IN"/>
           </a:p>
@@ -922,7 +1829,7 @@
           <p:cNvPr id="2" name="Title 1">
             <a:extLst>
               <a:ext uri="{FF2B5EF4-FFF2-40B4-BE49-F238E27FC236}">
-                <a16:creationId xmlns:a16="http://schemas.microsoft.com/office/drawing/2014/main" xmlns="" id="{E852BE02-349F-4AF0-A7C6-D687E30FF08C}"/>
+                <a16:creationId xmlns:a16="http://schemas.microsoft.com/office/drawing/2014/main" id="{E852BE02-349F-4AF0-A7C6-D687E30FF08C}"/>
               </a:ext>
             </a:extLst>
           </p:cNvPr>
@@ -951,7 +1858,7 @@
           <p:cNvPr id="3" name="Vertical Text Placeholder 2">
             <a:extLst>
               <a:ext uri="{FF2B5EF4-FFF2-40B4-BE49-F238E27FC236}">
-                <a16:creationId xmlns:a16="http://schemas.microsoft.com/office/drawing/2014/main" xmlns="" id="{6F78F0CD-1C88-4713-B96F-10A7B0FBADCE}"/>
+                <a16:creationId xmlns:a16="http://schemas.microsoft.com/office/drawing/2014/main" id="{6F78F0CD-1C88-4713-B96F-10A7B0FBADCE}"/>
               </a:ext>
             </a:extLst>
           </p:cNvPr>
@@ -1009,7 +1916,7 @@
           <p:cNvPr id="4" name="Date Placeholder 3">
             <a:extLst>
               <a:ext uri="{FF2B5EF4-FFF2-40B4-BE49-F238E27FC236}">
-                <a16:creationId xmlns:a16="http://schemas.microsoft.com/office/drawing/2014/main" xmlns="" id="{26309E75-ACA3-4242-9F10-53E337E3F519}"/>
+                <a16:creationId xmlns:a16="http://schemas.microsoft.com/office/drawing/2014/main" id="{26309E75-ACA3-4242-9F10-53E337E3F519}"/>
               </a:ext>
             </a:extLst>
           </p:cNvPr>
@@ -1027,7 +1934,7 @@
           <a:p>
             <a:fld id="{4E9420F1-ECC8-4A62-B4FE-4F0906A849DF}" type="datetime1">
               <a:rPr lang="en-US" smtClean="0"/>
-              <a:t>9/11/2018</a:t>
+              <a:t>9/12/2018</a:t>
             </a:fld>
             <a:endParaRPr lang="en-IN"/>
           </a:p>
@@ -1038,7 +1945,7 @@
           <p:cNvPr id="5" name="Footer Placeholder 4">
             <a:extLst>
               <a:ext uri="{FF2B5EF4-FFF2-40B4-BE49-F238E27FC236}">
-                <a16:creationId xmlns:a16="http://schemas.microsoft.com/office/drawing/2014/main" xmlns="" id="{6D34FAF4-ACC9-4C2E-AA31-742B533C24ED}"/>
+                <a16:creationId xmlns:a16="http://schemas.microsoft.com/office/drawing/2014/main" id="{6D34FAF4-ACC9-4C2E-AA31-742B533C24ED}"/>
               </a:ext>
             </a:extLst>
           </p:cNvPr>
@@ -1066,7 +1973,7 @@
           <p:cNvPr id="6" name="Slide Number Placeholder 5">
             <a:extLst>
               <a:ext uri="{FF2B5EF4-FFF2-40B4-BE49-F238E27FC236}">
-                <a16:creationId xmlns:a16="http://schemas.microsoft.com/office/drawing/2014/main" xmlns="" id="{159A4F07-AD1F-4D49-B455-3BEAA12454C8}"/>
+                <a16:creationId xmlns:a16="http://schemas.microsoft.com/office/drawing/2014/main" id="{159A4F07-AD1F-4D49-B455-3BEAA12454C8}"/>
               </a:ext>
             </a:extLst>
           </p:cNvPr>
@@ -1084,7 +1991,7 @@
           <a:p>
             <a:fld id="{30CB2C95-D074-4631-BAB9-32CDA51380C6}" type="slidenum">
               <a:rPr lang="en-IN" smtClean="0"/>
-              <a:t>‹#›</a:t>
+              <a:t>‹Nr.›</a:t>
             </a:fld>
             <a:endParaRPr lang="en-IN"/>
           </a:p>
@@ -1125,7 +2032,7 @@
           <p:cNvPr id="2" name="Vertical Title 1">
             <a:extLst>
               <a:ext uri="{FF2B5EF4-FFF2-40B4-BE49-F238E27FC236}">
-                <a16:creationId xmlns:a16="http://schemas.microsoft.com/office/drawing/2014/main" xmlns="" id="{573F6228-C5DC-43A0-BC0C-0609ACE4AD70}"/>
+                <a16:creationId xmlns:a16="http://schemas.microsoft.com/office/drawing/2014/main" id="{573F6228-C5DC-43A0-BC0C-0609ACE4AD70}"/>
               </a:ext>
             </a:extLst>
           </p:cNvPr>
@@ -1159,7 +2066,7 @@
           <p:cNvPr id="3" name="Vertical Text Placeholder 2">
             <a:extLst>
               <a:ext uri="{FF2B5EF4-FFF2-40B4-BE49-F238E27FC236}">
-                <a16:creationId xmlns:a16="http://schemas.microsoft.com/office/drawing/2014/main" xmlns="" id="{5ABB8ECC-87EF-4A64-ABCD-EF659B3DEF1B}"/>
+                <a16:creationId xmlns:a16="http://schemas.microsoft.com/office/drawing/2014/main" id="{5ABB8ECC-87EF-4A64-ABCD-EF659B3DEF1B}"/>
               </a:ext>
             </a:extLst>
           </p:cNvPr>
@@ -1222,7 +2129,7 @@
           <p:cNvPr id="4" name="Date Placeholder 3">
             <a:extLst>
               <a:ext uri="{FF2B5EF4-FFF2-40B4-BE49-F238E27FC236}">
-                <a16:creationId xmlns:a16="http://schemas.microsoft.com/office/drawing/2014/main" xmlns="" id="{7DFC8D55-DDE8-4EA8-9EB7-78595B31F798}"/>
+                <a16:creationId xmlns:a16="http://schemas.microsoft.com/office/drawing/2014/main" id="{7DFC8D55-DDE8-4EA8-9EB7-78595B31F798}"/>
               </a:ext>
             </a:extLst>
           </p:cNvPr>
@@ -1240,7 +2147,7 @@
           <a:p>
             <a:fld id="{6D344871-4617-4FB3-9444-5D41983529EF}" type="datetime1">
               <a:rPr lang="en-US" smtClean="0"/>
-              <a:t>9/11/2018</a:t>
+              <a:t>9/12/2018</a:t>
             </a:fld>
             <a:endParaRPr lang="en-IN" dirty="0"/>
           </a:p>
@@ -1251,7 +2158,7 @@
           <p:cNvPr id="5" name="Footer Placeholder 4">
             <a:extLst>
               <a:ext uri="{FF2B5EF4-FFF2-40B4-BE49-F238E27FC236}">
-                <a16:creationId xmlns:a16="http://schemas.microsoft.com/office/drawing/2014/main" xmlns="" id="{CDA0D7D7-AEFD-48A8-82E8-9F3577F70CDB}"/>
+                <a16:creationId xmlns:a16="http://schemas.microsoft.com/office/drawing/2014/main" id="{CDA0D7D7-AEFD-48A8-82E8-9F3577F70CDB}"/>
               </a:ext>
             </a:extLst>
           </p:cNvPr>
@@ -1279,7 +2186,7 @@
           <p:cNvPr id="6" name="Slide Number Placeholder 5">
             <a:extLst>
               <a:ext uri="{FF2B5EF4-FFF2-40B4-BE49-F238E27FC236}">
-                <a16:creationId xmlns:a16="http://schemas.microsoft.com/office/drawing/2014/main" xmlns="" id="{30008636-19B9-4A6E-848A-BF06D8D7C3E2}"/>
+                <a16:creationId xmlns:a16="http://schemas.microsoft.com/office/drawing/2014/main" id="{30008636-19B9-4A6E-848A-BF06D8D7C3E2}"/>
               </a:ext>
             </a:extLst>
           </p:cNvPr>
@@ -1297,7 +2204,7 @@
           <a:p>
             <a:fld id="{30CB2C95-D074-4631-BAB9-32CDA51380C6}" type="slidenum">
               <a:rPr lang="en-IN" smtClean="0"/>
-              <a:t>‹#›</a:t>
+              <a:t>‹Nr.›</a:t>
             </a:fld>
             <a:endParaRPr lang="en-IN" dirty="0"/>
           </a:p>
@@ -1338,7 +2245,7 @@
           <p:cNvPr id="2" name="Title 1">
             <a:extLst>
               <a:ext uri="{FF2B5EF4-FFF2-40B4-BE49-F238E27FC236}">
-                <a16:creationId xmlns:a16="http://schemas.microsoft.com/office/drawing/2014/main" xmlns="" id="{F24437D7-4D3B-4254-AF22-BD6028D4A2AA}"/>
+                <a16:creationId xmlns:a16="http://schemas.microsoft.com/office/drawing/2014/main" id="{F24437D7-4D3B-4254-AF22-BD6028D4A2AA}"/>
               </a:ext>
             </a:extLst>
           </p:cNvPr>
@@ -1367,7 +2274,7 @@
           <p:cNvPr id="3" name="Date Placeholder 2">
             <a:extLst>
               <a:ext uri="{FF2B5EF4-FFF2-40B4-BE49-F238E27FC236}">
-                <a16:creationId xmlns:a16="http://schemas.microsoft.com/office/drawing/2014/main" xmlns="" id="{0983D8D3-69CB-453B-A1B2-A1A4AF30BB91}"/>
+                <a16:creationId xmlns:a16="http://schemas.microsoft.com/office/drawing/2014/main" id="{0983D8D3-69CB-453B-A1B2-A1A4AF30BB91}"/>
               </a:ext>
             </a:extLst>
           </p:cNvPr>
@@ -1407,7 +2314,7 @@
                   </a:schemeClr>
                 </a:solidFill>
               </a:rPr>
-              <a:t>9/11/2018</a:t>
+              <a:t>9/12/2018</a:t>
             </a:fld>
             <a:endParaRPr lang="en-IN" dirty="0">
               <a:solidFill>
@@ -1425,7 +2332,7 @@
           <p:cNvPr id="4" name="Footer Placeholder 3">
             <a:extLst>
               <a:ext uri="{FF2B5EF4-FFF2-40B4-BE49-F238E27FC236}">
-                <a16:creationId xmlns:a16="http://schemas.microsoft.com/office/drawing/2014/main" xmlns="" id="{54C28752-9E2E-41FD-8AFB-7C3BC0EB2744}"/>
+                <a16:creationId xmlns:a16="http://schemas.microsoft.com/office/drawing/2014/main" id="{54C28752-9E2E-41FD-8AFB-7C3BC0EB2744}"/>
               </a:ext>
             </a:extLst>
           </p:cNvPr>
@@ -1485,7 +2392,7 @@
           <p:cNvPr id="8" name="Straight Connector 7">
             <a:extLst>
               <a:ext uri="{FF2B5EF4-FFF2-40B4-BE49-F238E27FC236}">
-                <a16:creationId xmlns:a16="http://schemas.microsoft.com/office/drawing/2014/main" xmlns="" id="{5E6E1919-081F-4F3A-A8D9-1A7B4644E713}"/>
+                <a16:creationId xmlns:a16="http://schemas.microsoft.com/office/drawing/2014/main" id="{5E6E1919-081F-4F3A-A8D9-1A7B4644E713}"/>
               </a:ext>
             </a:extLst>
           </p:cNvPr>
@@ -1524,7 +2431,7 @@
           <p:cNvPr id="10" name="Date Placeholder 2">
             <a:extLst>
               <a:ext uri="{FF2B5EF4-FFF2-40B4-BE49-F238E27FC236}">
-                <a16:creationId xmlns:a16="http://schemas.microsoft.com/office/drawing/2014/main" xmlns="" id="{E00F0969-157C-4AE6-B3F2-76049D02A109}"/>
+                <a16:creationId xmlns:a16="http://schemas.microsoft.com/office/drawing/2014/main" id="{E00F0969-157C-4AE6-B3F2-76049D02A109}"/>
               </a:ext>
             </a:extLst>
           </p:cNvPr>
@@ -1704,7 +2611,7 @@
           <p:cNvPr id="2" name="Title 1">
             <a:extLst>
               <a:ext uri="{FF2B5EF4-FFF2-40B4-BE49-F238E27FC236}">
-                <a16:creationId xmlns:a16="http://schemas.microsoft.com/office/drawing/2014/main" xmlns="" id="{AC7531F7-58A9-40B7-9D74-8809AC614BB7}"/>
+                <a16:creationId xmlns:a16="http://schemas.microsoft.com/office/drawing/2014/main" id="{AC7531F7-58A9-40B7-9D74-8809AC614BB7}"/>
               </a:ext>
             </a:extLst>
           </p:cNvPr>
@@ -1733,7 +2640,7 @@
           <p:cNvPr id="3" name="Content Placeholder 2">
             <a:extLst>
               <a:ext uri="{FF2B5EF4-FFF2-40B4-BE49-F238E27FC236}">
-                <a16:creationId xmlns:a16="http://schemas.microsoft.com/office/drawing/2014/main" xmlns="" id="{A6487D5B-C3D2-43B4-804F-EC97B7520B58}"/>
+                <a16:creationId xmlns:a16="http://schemas.microsoft.com/office/drawing/2014/main" id="{A6487D5B-C3D2-43B4-804F-EC97B7520B58}"/>
               </a:ext>
             </a:extLst>
           </p:cNvPr>
@@ -1791,7 +2698,7 @@
           <p:cNvPr id="4" name="Date Placeholder 3">
             <a:extLst>
               <a:ext uri="{FF2B5EF4-FFF2-40B4-BE49-F238E27FC236}">
-                <a16:creationId xmlns:a16="http://schemas.microsoft.com/office/drawing/2014/main" xmlns="" id="{93D59530-7A8F-4CD7-B8B2-B0B957B28EF0}"/>
+                <a16:creationId xmlns:a16="http://schemas.microsoft.com/office/drawing/2014/main" id="{93D59530-7A8F-4CD7-B8B2-B0B957B28EF0}"/>
               </a:ext>
             </a:extLst>
           </p:cNvPr>
@@ -1809,7 +2716,7 @@
           <a:p>
             <a:fld id="{9C93AF68-106E-4554-A295-DF583C47C4C5}" type="datetime1">
               <a:rPr lang="en-US" smtClean="0"/>
-              <a:t>9/11/2018</a:t>
+              <a:t>9/12/2018</a:t>
             </a:fld>
             <a:endParaRPr lang="en-IN"/>
           </a:p>
@@ -1820,7 +2727,7 @@
           <p:cNvPr id="5" name="Footer Placeholder 4">
             <a:extLst>
               <a:ext uri="{FF2B5EF4-FFF2-40B4-BE49-F238E27FC236}">
-                <a16:creationId xmlns:a16="http://schemas.microsoft.com/office/drawing/2014/main" xmlns="" id="{352C0661-BC9D-4B8E-A94C-BFD488A3E8E9}"/>
+                <a16:creationId xmlns:a16="http://schemas.microsoft.com/office/drawing/2014/main" id="{352C0661-BC9D-4B8E-A94C-BFD488A3E8E9}"/>
               </a:ext>
             </a:extLst>
           </p:cNvPr>
@@ -1848,7 +2755,7 @@
           <p:cNvPr id="6" name="Slide Number Placeholder 5">
             <a:extLst>
               <a:ext uri="{FF2B5EF4-FFF2-40B4-BE49-F238E27FC236}">
-                <a16:creationId xmlns:a16="http://schemas.microsoft.com/office/drawing/2014/main" xmlns="" id="{1FD04A23-3071-41D6-96F9-BE13738682D8}"/>
+                <a16:creationId xmlns:a16="http://schemas.microsoft.com/office/drawing/2014/main" id="{1FD04A23-3071-41D6-96F9-BE13738682D8}"/>
               </a:ext>
             </a:extLst>
           </p:cNvPr>
@@ -1866,7 +2773,7 @@
           <a:p>
             <a:fld id="{30CB2C95-D074-4631-BAB9-32CDA51380C6}" type="slidenum">
               <a:rPr lang="en-IN" smtClean="0"/>
-              <a:t>‹#›</a:t>
+              <a:t>‹Nr.›</a:t>
             </a:fld>
             <a:endParaRPr lang="en-IN"/>
           </a:p>
@@ -1907,7 +2814,7 @@
           <p:cNvPr id="2" name="Title 1">
             <a:extLst>
               <a:ext uri="{FF2B5EF4-FFF2-40B4-BE49-F238E27FC236}">
-                <a16:creationId xmlns:a16="http://schemas.microsoft.com/office/drawing/2014/main" xmlns="" id="{19DD5A87-D79F-4245-95E2-D7B778EAA7CA}"/>
+                <a16:creationId xmlns:a16="http://schemas.microsoft.com/office/drawing/2014/main" id="{19DD5A87-D79F-4245-95E2-D7B778EAA7CA}"/>
               </a:ext>
             </a:extLst>
           </p:cNvPr>
@@ -1945,7 +2852,7 @@
           <p:cNvPr id="3" name="Text Placeholder 2">
             <a:extLst>
               <a:ext uri="{FF2B5EF4-FFF2-40B4-BE49-F238E27FC236}">
-                <a16:creationId xmlns:a16="http://schemas.microsoft.com/office/drawing/2014/main" xmlns="" id="{9835C8A4-B9DC-4126-8508-3AB17BB85594}"/>
+                <a16:creationId xmlns:a16="http://schemas.microsoft.com/office/drawing/2014/main" id="{9835C8A4-B9DC-4126-8508-3AB17BB85594}"/>
               </a:ext>
             </a:extLst>
           </p:cNvPr>
@@ -2070,7 +2977,7 @@
           <p:cNvPr id="4" name="Date Placeholder 3">
             <a:extLst>
               <a:ext uri="{FF2B5EF4-FFF2-40B4-BE49-F238E27FC236}">
-                <a16:creationId xmlns:a16="http://schemas.microsoft.com/office/drawing/2014/main" xmlns="" id="{B63F5ED3-888B-44D8-AEA3-760C5E03C503}"/>
+                <a16:creationId xmlns:a16="http://schemas.microsoft.com/office/drawing/2014/main" id="{B63F5ED3-888B-44D8-AEA3-760C5E03C503}"/>
               </a:ext>
             </a:extLst>
           </p:cNvPr>
@@ -2088,7 +2995,7 @@
           <a:p>
             <a:fld id="{4349FF82-B85A-4F04-B66A-EE752464CB47}" type="datetime1">
               <a:rPr lang="en-US" smtClean="0"/>
-              <a:t>9/11/2018</a:t>
+              <a:t>9/12/2018</a:t>
             </a:fld>
             <a:endParaRPr lang="en-IN"/>
           </a:p>
@@ -2099,7 +3006,7 @@
           <p:cNvPr id="5" name="Footer Placeholder 4">
             <a:extLst>
               <a:ext uri="{FF2B5EF4-FFF2-40B4-BE49-F238E27FC236}">
-                <a16:creationId xmlns:a16="http://schemas.microsoft.com/office/drawing/2014/main" xmlns="" id="{8F5B650E-833B-49D6-9601-855398677C8F}"/>
+                <a16:creationId xmlns:a16="http://schemas.microsoft.com/office/drawing/2014/main" id="{8F5B650E-833B-49D6-9601-855398677C8F}"/>
               </a:ext>
             </a:extLst>
           </p:cNvPr>
@@ -2127,7 +3034,7 @@
           <p:cNvPr id="6" name="Slide Number Placeholder 5">
             <a:extLst>
               <a:ext uri="{FF2B5EF4-FFF2-40B4-BE49-F238E27FC236}">
-                <a16:creationId xmlns:a16="http://schemas.microsoft.com/office/drawing/2014/main" xmlns="" id="{ADE76E39-7854-44CF-B5EF-1A018E2CA182}"/>
+                <a16:creationId xmlns:a16="http://schemas.microsoft.com/office/drawing/2014/main" id="{ADE76E39-7854-44CF-B5EF-1A018E2CA182}"/>
               </a:ext>
             </a:extLst>
           </p:cNvPr>
@@ -2145,7 +3052,7 @@
           <a:p>
             <a:fld id="{30CB2C95-D074-4631-BAB9-32CDA51380C6}" type="slidenum">
               <a:rPr lang="en-IN" smtClean="0"/>
-              <a:t>‹#›</a:t>
+              <a:t>‹Nr.›</a:t>
             </a:fld>
             <a:endParaRPr lang="en-IN"/>
           </a:p>
@@ -2186,7 +3093,7 @@
           <p:cNvPr id="2" name="Title 1">
             <a:extLst>
               <a:ext uri="{FF2B5EF4-FFF2-40B4-BE49-F238E27FC236}">
-                <a16:creationId xmlns:a16="http://schemas.microsoft.com/office/drawing/2014/main" xmlns="" id="{01CD7055-7F02-4EF3-82EC-0B3E9127208D}"/>
+                <a16:creationId xmlns:a16="http://schemas.microsoft.com/office/drawing/2014/main" id="{01CD7055-7F02-4EF3-82EC-0B3E9127208D}"/>
               </a:ext>
             </a:extLst>
           </p:cNvPr>
@@ -2215,7 +3122,7 @@
           <p:cNvPr id="3" name="Content Placeholder 2">
             <a:extLst>
               <a:ext uri="{FF2B5EF4-FFF2-40B4-BE49-F238E27FC236}">
-                <a16:creationId xmlns:a16="http://schemas.microsoft.com/office/drawing/2014/main" xmlns="" id="{92BFE6EC-5AC1-4C2E-BEE4-4D24B8E960F9}"/>
+                <a16:creationId xmlns:a16="http://schemas.microsoft.com/office/drawing/2014/main" id="{92BFE6EC-5AC1-4C2E-BEE4-4D24B8E960F9}"/>
               </a:ext>
             </a:extLst>
           </p:cNvPr>
@@ -2278,7 +3185,7 @@
           <p:cNvPr id="4" name="Content Placeholder 3">
             <a:extLst>
               <a:ext uri="{FF2B5EF4-FFF2-40B4-BE49-F238E27FC236}">
-                <a16:creationId xmlns:a16="http://schemas.microsoft.com/office/drawing/2014/main" xmlns="" id="{2710FE51-262F-46F0-80CC-FEB1647A9394}"/>
+                <a16:creationId xmlns:a16="http://schemas.microsoft.com/office/drawing/2014/main" id="{2710FE51-262F-46F0-80CC-FEB1647A9394}"/>
               </a:ext>
             </a:extLst>
           </p:cNvPr>
@@ -2371,7 +3278,7 @@
           <p:cNvPr id="2" name="Title 1">
             <a:extLst>
               <a:ext uri="{FF2B5EF4-FFF2-40B4-BE49-F238E27FC236}">
-                <a16:creationId xmlns:a16="http://schemas.microsoft.com/office/drawing/2014/main" xmlns="" id="{F71BC8D0-A076-4F4D-8DE7-D79DDA651F01}"/>
+                <a16:creationId xmlns:a16="http://schemas.microsoft.com/office/drawing/2014/main" id="{F71BC8D0-A076-4F4D-8DE7-D79DDA651F01}"/>
               </a:ext>
             </a:extLst>
           </p:cNvPr>
@@ -2405,7 +3312,7 @@
           <p:cNvPr id="3" name="Text Placeholder 2">
             <a:extLst>
               <a:ext uri="{FF2B5EF4-FFF2-40B4-BE49-F238E27FC236}">
-                <a16:creationId xmlns:a16="http://schemas.microsoft.com/office/drawing/2014/main" xmlns="" id="{BAF8532B-D279-4DD4-B484-8219644118A8}"/>
+                <a16:creationId xmlns:a16="http://schemas.microsoft.com/office/drawing/2014/main" id="{BAF8532B-D279-4DD4-B484-8219644118A8}"/>
               </a:ext>
             </a:extLst>
           </p:cNvPr>
@@ -2476,7 +3383,7 @@
           <p:cNvPr id="4" name="Content Placeholder 3">
             <a:extLst>
               <a:ext uri="{FF2B5EF4-FFF2-40B4-BE49-F238E27FC236}">
-                <a16:creationId xmlns:a16="http://schemas.microsoft.com/office/drawing/2014/main" xmlns="" id="{DD3A4C21-69C4-4207-80B5-1BE7EDE238AB}"/>
+                <a16:creationId xmlns:a16="http://schemas.microsoft.com/office/drawing/2014/main" id="{DD3A4C21-69C4-4207-80B5-1BE7EDE238AB}"/>
               </a:ext>
             </a:extLst>
           </p:cNvPr>
@@ -2539,7 +3446,7 @@
           <p:cNvPr id="5" name="Text Placeholder 4">
             <a:extLst>
               <a:ext uri="{FF2B5EF4-FFF2-40B4-BE49-F238E27FC236}">
-                <a16:creationId xmlns:a16="http://schemas.microsoft.com/office/drawing/2014/main" xmlns="" id="{6605F242-8C3C-4E15-A1FA-3B76D6B67A2D}"/>
+                <a16:creationId xmlns:a16="http://schemas.microsoft.com/office/drawing/2014/main" id="{6605F242-8C3C-4E15-A1FA-3B76D6B67A2D}"/>
               </a:ext>
             </a:extLst>
           </p:cNvPr>
@@ -2610,7 +3517,7 @@
           <p:cNvPr id="6" name="Content Placeholder 5">
             <a:extLst>
               <a:ext uri="{FF2B5EF4-FFF2-40B4-BE49-F238E27FC236}">
-                <a16:creationId xmlns:a16="http://schemas.microsoft.com/office/drawing/2014/main" xmlns="" id="{A073F289-1237-4F44-9727-AFB134F5EA5D}"/>
+                <a16:creationId xmlns:a16="http://schemas.microsoft.com/office/drawing/2014/main" id="{A073F289-1237-4F44-9727-AFB134F5EA5D}"/>
               </a:ext>
             </a:extLst>
           </p:cNvPr>
@@ -2673,7 +3580,7 @@
           <p:cNvPr id="7" name="Date Placeholder 6">
             <a:extLst>
               <a:ext uri="{FF2B5EF4-FFF2-40B4-BE49-F238E27FC236}">
-                <a16:creationId xmlns:a16="http://schemas.microsoft.com/office/drawing/2014/main" xmlns="" id="{FFE86BB1-13C4-4813-B8CE-D32F0B50FDA9}"/>
+                <a16:creationId xmlns:a16="http://schemas.microsoft.com/office/drawing/2014/main" id="{FFE86BB1-13C4-4813-B8CE-D32F0B50FDA9}"/>
               </a:ext>
             </a:extLst>
           </p:cNvPr>
@@ -2691,7 +3598,7 @@
           <a:p>
             <a:fld id="{A6050B9B-1BC8-4CA3-82DA-6F77721A2CD7}" type="datetime1">
               <a:rPr lang="en-US" smtClean="0"/>
-              <a:t>9/11/2018</a:t>
+              <a:t>9/12/2018</a:t>
             </a:fld>
             <a:endParaRPr lang="en-IN"/>
           </a:p>
@@ -2702,7 +3609,7 @@
           <p:cNvPr id="8" name="Footer Placeholder 7">
             <a:extLst>
               <a:ext uri="{FF2B5EF4-FFF2-40B4-BE49-F238E27FC236}">
-                <a16:creationId xmlns:a16="http://schemas.microsoft.com/office/drawing/2014/main" xmlns="" id="{EBF1F5FF-240A-45A7-9EEF-DC692A2A788F}"/>
+                <a16:creationId xmlns:a16="http://schemas.microsoft.com/office/drawing/2014/main" id="{EBF1F5FF-240A-45A7-9EEF-DC692A2A788F}"/>
               </a:ext>
             </a:extLst>
           </p:cNvPr>
@@ -2730,7 +3637,7 @@
           <p:cNvPr id="9" name="Slide Number Placeholder 8">
             <a:extLst>
               <a:ext uri="{FF2B5EF4-FFF2-40B4-BE49-F238E27FC236}">
-                <a16:creationId xmlns:a16="http://schemas.microsoft.com/office/drawing/2014/main" xmlns="" id="{18DCA60C-18B5-4E65-AE47-E0A9F13AA2EB}"/>
+                <a16:creationId xmlns:a16="http://schemas.microsoft.com/office/drawing/2014/main" id="{18DCA60C-18B5-4E65-AE47-E0A9F13AA2EB}"/>
               </a:ext>
             </a:extLst>
           </p:cNvPr>
@@ -2748,7 +3655,7 @@
           <a:p>
             <a:fld id="{30CB2C95-D074-4631-BAB9-32CDA51380C6}" type="slidenum">
               <a:rPr lang="en-IN" smtClean="0"/>
-              <a:t>‹#›</a:t>
+              <a:t>‹Nr.›</a:t>
             </a:fld>
             <a:endParaRPr lang="en-IN"/>
           </a:p>
@@ -2789,7 +3696,7 @@
           <p:cNvPr id="2" name="Title 1">
             <a:extLst>
               <a:ext uri="{FF2B5EF4-FFF2-40B4-BE49-F238E27FC236}">
-                <a16:creationId xmlns:a16="http://schemas.microsoft.com/office/drawing/2014/main" xmlns="" id="{DD5CA510-AEB8-4128-9EA1-2842F183F842}"/>
+                <a16:creationId xmlns:a16="http://schemas.microsoft.com/office/drawing/2014/main" id="{DD5CA510-AEB8-4128-9EA1-2842F183F842}"/>
               </a:ext>
             </a:extLst>
           </p:cNvPr>
@@ -2818,7 +3725,7 @@
           <p:cNvPr id="3" name="Date Placeholder 2">
             <a:extLst>
               <a:ext uri="{FF2B5EF4-FFF2-40B4-BE49-F238E27FC236}">
-                <a16:creationId xmlns:a16="http://schemas.microsoft.com/office/drawing/2014/main" xmlns="" id="{977611F6-736E-4C77-AEBB-EC129B6996C2}"/>
+                <a16:creationId xmlns:a16="http://schemas.microsoft.com/office/drawing/2014/main" id="{977611F6-736E-4C77-AEBB-EC129B6996C2}"/>
               </a:ext>
             </a:extLst>
           </p:cNvPr>
@@ -2836,7 +3743,7 @@
           <a:p>
             <a:fld id="{7BB3DCEF-6C7C-4D94-B98B-4760A5E4E479}" type="datetime1">
               <a:rPr lang="en-US" smtClean="0"/>
-              <a:t>9/11/2018</a:t>
+              <a:t>9/12/2018</a:t>
             </a:fld>
             <a:endParaRPr lang="en-IN"/>
           </a:p>
@@ -2847,7 +3754,7 @@
           <p:cNvPr id="4" name="Footer Placeholder 3">
             <a:extLst>
               <a:ext uri="{FF2B5EF4-FFF2-40B4-BE49-F238E27FC236}">
-                <a16:creationId xmlns:a16="http://schemas.microsoft.com/office/drawing/2014/main" xmlns="" id="{62933F78-2CEA-4DCE-AAA6-CF20AA95C26C}"/>
+                <a16:creationId xmlns:a16="http://schemas.microsoft.com/office/drawing/2014/main" id="{62933F78-2CEA-4DCE-AAA6-CF20AA95C26C}"/>
               </a:ext>
             </a:extLst>
           </p:cNvPr>
@@ -2875,7 +3782,7 @@
           <p:cNvPr id="5" name="Slide Number Placeholder 4">
             <a:extLst>
               <a:ext uri="{FF2B5EF4-FFF2-40B4-BE49-F238E27FC236}">
-                <a16:creationId xmlns:a16="http://schemas.microsoft.com/office/drawing/2014/main" xmlns="" id="{FDCB1C38-B552-4594-A0C6-19E123633E87}"/>
+                <a16:creationId xmlns:a16="http://schemas.microsoft.com/office/drawing/2014/main" id="{FDCB1C38-B552-4594-A0C6-19E123633E87}"/>
               </a:ext>
             </a:extLst>
           </p:cNvPr>
@@ -2893,7 +3800,7 @@
           <a:p>
             <a:fld id="{30CB2C95-D074-4631-BAB9-32CDA51380C6}" type="slidenum">
               <a:rPr lang="en-IN" smtClean="0"/>
-              <a:t>‹#›</a:t>
+              <a:t>‹Nr.›</a:t>
             </a:fld>
             <a:endParaRPr lang="en-IN"/>
           </a:p>
@@ -2934,7 +3841,7 @@
           <p:cNvPr id="2" name="Date Placeholder 1">
             <a:extLst>
               <a:ext uri="{FF2B5EF4-FFF2-40B4-BE49-F238E27FC236}">
-                <a16:creationId xmlns:a16="http://schemas.microsoft.com/office/drawing/2014/main" xmlns="" id="{CED5A8BD-EB5C-4AE7-AC1C-C92F49D2A5A9}"/>
+                <a16:creationId xmlns:a16="http://schemas.microsoft.com/office/drawing/2014/main" id="{CED5A8BD-EB5C-4AE7-AC1C-C92F49D2A5A9}"/>
               </a:ext>
             </a:extLst>
           </p:cNvPr>
@@ -2952,7 +3859,7 @@
           <a:p>
             <a:fld id="{27EA8829-E4BB-4FB8-829A-9DEDDC97D24F}" type="datetime1">
               <a:rPr lang="en-US" smtClean="0"/>
-              <a:t>9/11/2018</a:t>
+              <a:t>9/12/2018</a:t>
             </a:fld>
             <a:endParaRPr lang="en-IN"/>
           </a:p>
@@ -2963,7 +3870,7 @@
           <p:cNvPr id="3" name="Footer Placeholder 2">
             <a:extLst>
               <a:ext uri="{FF2B5EF4-FFF2-40B4-BE49-F238E27FC236}">
-                <a16:creationId xmlns:a16="http://schemas.microsoft.com/office/drawing/2014/main" xmlns="" id="{5DA128EA-B032-4074-BC07-E3D01FBA308D}"/>
+                <a16:creationId xmlns:a16="http://schemas.microsoft.com/office/drawing/2014/main" id="{5DA128EA-B032-4074-BC07-E3D01FBA308D}"/>
               </a:ext>
             </a:extLst>
           </p:cNvPr>
@@ -2991,7 +3898,7 @@
           <p:cNvPr id="4" name="Slide Number Placeholder 3">
             <a:extLst>
               <a:ext uri="{FF2B5EF4-FFF2-40B4-BE49-F238E27FC236}">
-                <a16:creationId xmlns:a16="http://schemas.microsoft.com/office/drawing/2014/main" xmlns="" id="{E657A638-4080-4865-AD33-09DE6E90D001}"/>
+                <a16:creationId xmlns:a16="http://schemas.microsoft.com/office/drawing/2014/main" id="{E657A638-4080-4865-AD33-09DE6E90D001}"/>
               </a:ext>
             </a:extLst>
           </p:cNvPr>
@@ -3009,7 +3916,7 @@
           <a:p>
             <a:fld id="{30CB2C95-D074-4631-BAB9-32CDA51380C6}" type="slidenum">
               <a:rPr lang="en-IN" smtClean="0"/>
-              <a:t>‹#›</a:t>
+              <a:t>‹Nr.›</a:t>
             </a:fld>
             <a:endParaRPr lang="en-IN"/>
           </a:p>
@@ -3050,7 +3957,7 @@
           <p:cNvPr id="2" name="Title 1">
             <a:extLst>
               <a:ext uri="{FF2B5EF4-FFF2-40B4-BE49-F238E27FC236}">
-                <a16:creationId xmlns:a16="http://schemas.microsoft.com/office/drawing/2014/main" xmlns="" id="{6798B78C-4287-4A9D-9364-3F918CA72C81}"/>
+                <a16:creationId xmlns:a16="http://schemas.microsoft.com/office/drawing/2014/main" id="{6798B78C-4287-4A9D-9364-3F918CA72C81}"/>
               </a:ext>
             </a:extLst>
           </p:cNvPr>
@@ -3088,7 +3995,7 @@
           <p:cNvPr id="3" name="Content Placeholder 2">
             <a:extLst>
               <a:ext uri="{FF2B5EF4-FFF2-40B4-BE49-F238E27FC236}">
-                <a16:creationId xmlns:a16="http://schemas.microsoft.com/office/drawing/2014/main" xmlns="" id="{C3550577-4DBB-4D22-9D7F-A701C3DF3A25}"/>
+                <a16:creationId xmlns:a16="http://schemas.microsoft.com/office/drawing/2014/main" id="{C3550577-4DBB-4D22-9D7F-A701C3DF3A25}"/>
               </a:ext>
             </a:extLst>
           </p:cNvPr>
@@ -3179,7 +4086,7 @@
           <p:cNvPr id="4" name="Text Placeholder 3">
             <a:extLst>
               <a:ext uri="{FF2B5EF4-FFF2-40B4-BE49-F238E27FC236}">
-                <a16:creationId xmlns:a16="http://schemas.microsoft.com/office/drawing/2014/main" xmlns="" id="{E7522999-BACF-4582-AB3E-59D3E4A867A9}"/>
+                <a16:creationId xmlns:a16="http://schemas.microsoft.com/office/drawing/2014/main" id="{E7522999-BACF-4582-AB3E-59D3E4A867A9}"/>
               </a:ext>
             </a:extLst>
           </p:cNvPr>
@@ -3250,7 +4157,7 @@
           <p:cNvPr id="5" name="Date Placeholder 4">
             <a:extLst>
               <a:ext uri="{FF2B5EF4-FFF2-40B4-BE49-F238E27FC236}">
-                <a16:creationId xmlns:a16="http://schemas.microsoft.com/office/drawing/2014/main" xmlns="" id="{AAE5E98F-521F-426F-92EB-49F91CAF1A2D}"/>
+                <a16:creationId xmlns:a16="http://schemas.microsoft.com/office/drawing/2014/main" id="{AAE5E98F-521F-426F-92EB-49F91CAF1A2D}"/>
               </a:ext>
             </a:extLst>
           </p:cNvPr>
@@ -3268,7 +4175,7 @@
           <a:p>
             <a:fld id="{339E292C-70A2-466B-A6AA-073D34F79EBD}" type="datetime1">
               <a:rPr lang="en-US" smtClean="0"/>
-              <a:t>9/11/2018</a:t>
+              <a:t>9/12/2018</a:t>
             </a:fld>
             <a:endParaRPr lang="en-IN"/>
           </a:p>
@@ -3279,7 +4186,7 @@
           <p:cNvPr id="6" name="Footer Placeholder 5">
             <a:extLst>
               <a:ext uri="{FF2B5EF4-FFF2-40B4-BE49-F238E27FC236}">
-                <a16:creationId xmlns:a16="http://schemas.microsoft.com/office/drawing/2014/main" xmlns="" id="{94F9DCA8-05E0-4CEC-9003-CC7329DB777E}"/>
+                <a16:creationId xmlns:a16="http://schemas.microsoft.com/office/drawing/2014/main" id="{94F9DCA8-05E0-4CEC-9003-CC7329DB777E}"/>
               </a:ext>
             </a:extLst>
           </p:cNvPr>
@@ -3307,7 +4214,7 @@
           <p:cNvPr id="7" name="Slide Number Placeholder 6">
             <a:extLst>
               <a:ext uri="{FF2B5EF4-FFF2-40B4-BE49-F238E27FC236}">
-                <a16:creationId xmlns:a16="http://schemas.microsoft.com/office/drawing/2014/main" xmlns="" id="{B52D49E5-39E9-450E-9BAC-1902FFA40648}"/>
+                <a16:creationId xmlns:a16="http://schemas.microsoft.com/office/drawing/2014/main" id="{B52D49E5-39E9-450E-9BAC-1902FFA40648}"/>
               </a:ext>
             </a:extLst>
           </p:cNvPr>
@@ -3325,7 +4232,7 @@
           <a:p>
             <a:fld id="{30CB2C95-D074-4631-BAB9-32CDA51380C6}" type="slidenum">
               <a:rPr lang="en-IN" smtClean="0"/>
-              <a:t>‹#›</a:t>
+              <a:t>‹Nr.›</a:t>
             </a:fld>
             <a:endParaRPr lang="en-IN"/>
           </a:p>
@@ -3366,7 +4273,7 @@
           <p:cNvPr id="2" name="Title 1">
             <a:extLst>
               <a:ext uri="{FF2B5EF4-FFF2-40B4-BE49-F238E27FC236}">
-                <a16:creationId xmlns:a16="http://schemas.microsoft.com/office/drawing/2014/main" xmlns="" id="{E38A7FCC-384F-420A-993E-54D258385FB4}"/>
+                <a16:creationId xmlns:a16="http://schemas.microsoft.com/office/drawing/2014/main" id="{E38A7FCC-384F-420A-993E-54D258385FB4}"/>
               </a:ext>
             </a:extLst>
           </p:cNvPr>
@@ -3404,7 +4311,7 @@
           <p:cNvPr id="3" name="Picture Placeholder 2">
             <a:extLst>
               <a:ext uri="{FF2B5EF4-FFF2-40B4-BE49-F238E27FC236}">
-                <a16:creationId xmlns:a16="http://schemas.microsoft.com/office/drawing/2014/main" xmlns="" id="{7E4ECFE1-69BD-4341-A317-3791147537D1}"/>
+                <a16:creationId xmlns:a16="http://schemas.microsoft.com/office/drawing/2014/main" id="{7E4ECFE1-69BD-4341-A317-3791147537D1}"/>
               </a:ext>
             </a:extLst>
           </p:cNvPr>
@@ -3471,7 +4378,7 @@
           <p:cNvPr id="4" name="Text Placeholder 3">
             <a:extLst>
               <a:ext uri="{FF2B5EF4-FFF2-40B4-BE49-F238E27FC236}">
-                <a16:creationId xmlns:a16="http://schemas.microsoft.com/office/drawing/2014/main" xmlns="" id="{B82AD758-7601-4A87-AF7B-600FDD6D17D6}"/>
+                <a16:creationId xmlns:a16="http://schemas.microsoft.com/office/drawing/2014/main" id="{B82AD758-7601-4A87-AF7B-600FDD6D17D6}"/>
               </a:ext>
             </a:extLst>
           </p:cNvPr>
@@ -3542,7 +4449,7 @@
           <p:cNvPr id="5" name="Date Placeholder 4">
             <a:extLst>
               <a:ext uri="{FF2B5EF4-FFF2-40B4-BE49-F238E27FC236}">
-                <a16:creationId xmlns:a16="http://schemas.microsoft.com/office/drawing/2014/main" xmlns="" id="{ADA6082D-8C4A-4BB7-9AFE-16DADD6B7B6F}"/>
+                <a16:creationId xmlns:a16="http://schemas.microsoft.com/office/drawing/2014/main" id="{ADA6082D-8C4A-4BB7-9AFE-16DADD6B7B6F}"/>
               </a:ext>
             </a:extLst>
           </p:cNvPr>
@@ -3560,7 +4467,7 @@
           <a:p>
             <a:fld id="{7F96983B-C021-4463-AEEB-0487B7DE15FC}" type="datetime1">
               <a:rPr lang="en-US" smtClean="0"/>
-              <a:t>9/11/2018</a:t>
+              <a:t>9/12/2018</a:t>
             </a:fld>
             <a:endParaRPr lang="en-IN"/>
           </a:p>
@@ -3571,7 +4478,7 @@
           <p:cNvPr id="6" name="Footer Placeholder 5">
             <a:extLst>
               <a:ext uri="{FF2B5EF4-FFF2-40B4-BE49-F238E27FC236}">
-                <a16:creationId xmlns:a16="http://schemas.microsoft.com/office/drawing/2014/main" xmlns="" id="{15FF11C7-F99A-447F-9D49-B09DCF645860}"/>
+                <a16:creationId xmlns:a16="http://schemas.microsoft.com/office/drawing/2014/main" id="{15FF11C7-F99A-447F-9D49-B09DCF645860}"/>
               </a:ext>
             </a:extLst>
           </p:cNvPr>
@@ -3599,7 +4506,7 @@
           <p:cNvPr id="7" name="Slide Number Placeholder 6">
             <a:extLst>
               <a:ext uri="{FF2B5EF4-FFF2-40B4-BE49-F238E27FC236}">
-                <a16:creationId xmlns:a16="http://schemas.microsoft.com/office/drawing/2014/main" xmlns="" id="{03DA21CD-1E89-4E9D-8076-56FF6054F325}"/>
+                <a16:creationId xmlns:a16="http://schemas.microsoft.com/office/drawing/2014/main" id="{03DA21CD-1E89-4E9D-8076-56FF6054F325}"/>
               </a:ext>
             </a:extLst>
           </p:cNvPr>
@@ -3617,7 +4524,7 @@
           <a:p>
             <a:fld id="{30CB2C95-D074-4631-BAB9-32CDA51380C6}" type="slidenum">
               <a:rPr lang="en-IN" smtClean="0"/>
-              <a:t>‹#›</a:t>
+              <a:t>‹Nr.›</a:t>
             </a:fld>
             <a:endParaRPr lang="en-IN"/>
           </a:p>
@@ -3663,7 +4570,7 @@
           <p:cNvPr id="2" name="Title Placeholder 1">
             <a:extLst>
               <a:ext uri="{FF2B5EF4-FFF2-40B4-BE49-F238E27FC236}">
-                <a16:creationId xmlns:a16="http://schemas.microsoft.com/office/drawing/2014/main" xmlns="" id="{A0A622CE-8CA6-494D-94A6-BC43BC13C31D}"/>
+                <a16:creationId xmlns:a16="http://schemas.microsoft.com/office/drawing/2014/main" id="{A0A622CE-8CA6-494D-94A6-BC43BC13C31D}"/>
               </a:ext>
             </a:extLst>
           </p:cNvPr>
@@ -3702,7 +4609,7 @@
           <p:cNvPr id="3" name="Text Placeholder 2">
             <a:extLst>
               <a:ext uri="{FF2B5EF4-FFF2-40B4-BE49-F238E27FC236}">
-                <a16:creationId xmlns:a16="http://schemas.microsoft.com/office/drawing/2014/main" xmlns="" id="{2897D63F-B318-4D28-9EAD-6A1B1FD36976}"/>
+                <a16:creationId xmlns:a16="http://schemas.microsoft.com/office/drawing/2014/main" id="{2897D63F-B318-4D28-9EAD-6A1B1FD36976}"/>
               </a:ext>
             </a:extLst>
           </p:cNvPr>
@@ -3770,7 +4677,7 @@
           <p:cNvPr id="4" name="Date Placeholder 3">
             <a:extLst>
               <a:ext uri="{FF2B5EF4-FFF2-40B4-BE49-F238E27FC236}">
-                <a16:creationId xmlns:a16="http://schemas.microsoft.com/office/drawing/2014/main" xmlns="" id="{184D99BC-6479-4914-AF03-F0ED15CDB36B}"/>
+                <a16:creationId xmlns:a16="http://schemas.microsoft.com/office/drawing/2014/main" id="{184D99BC-6479-4914-AF03-F0ED15CDB36B}"/>
               </a:ext>
             </a:extLst>
           </p:cNvPr>
@@ -3806,7 +4713,7 @@
           <a:p>
             <a:fld id="{4AC68366-01C1-4B35-AF5D-CCC67BA95106}" type="datetime1">
               <a:rPr lang="en-US" smtClean="0"/>
-              <a:t>9/11/2018</a:t>
+              <a:t>9/12/2018</a:t>
             </a:fld>
             <a:endParaRPr lang="en-IN"/>
           </a:p>
@@ -3817,7 +4724,7 @@
           <p:cNvPr id="5" name="Footer Placeholder 4">
             <a:extLst>
               <a:ext uri="{FF2B5EF4-FFF2-40B4-BE49-F238E27FC236}">
-                <a16:creationId xmlns:a16="http://schemas.microsoft.com/office/drawing/2014/main" xmlns="" id="{4345C3BD-3D0D-4E8D-AC47-299937A47A58}"/>
+                <a16:creationId xmlns:a16="http://schemas.microsoft.com/office/drawing/2014/main" id="{4345C3BD-3D0D-4E8D-AC47-299937A47A58}"/>
               </a:ext>
             </a:extLst>
           </p:cNvPr>
@@ -3863,7 +4770,7 @@
           <p:cNvPr id="6" name="Slide Number Placeholder 5">
             <a:extLst>
               <a:ext uri="{FF2B5EF4-FFF2-40B4-BE49-F238E27FC236}">
-                <a16:creationId xmlns:a16="http://schemas.microsoft.com/office/drawing/2014/main" xmlns="" id="{6E801136-EAB4-444B-A0E7-33399A7BEB31}"/>
+                <a16:creationId xmlns:a16="http://schemas.microsoft.com/office/drawing/2014/main" id="{6E801136-EAB4-444B-A0E7-33399A7BEB31}"/>
               </a:ext>
             </a:extLst>
           </p:cNvPr>
@@ -3899,7 +4806,7 @@
           <a:p>
             <a:fld id="{30CB2C95-D074-4631-BAB9-32CDA51380C6}" type="slidenum">
               <a:rPr lang="en-IN" smtClean="0"/>
-              <a:t>‹#›</a:t>
+              <a:t>‹Nr.›</a:t>
             </a:fld>
             <a:endParaRPr lang="en-IN"/>
           </a:p>
@@ -4233,7 +5140,7 @@
           <p:cNvPr id="5" name="Rectangle 4">
             <a:extLst>
               <a:ext uri="{FF2B5EF4-FFF2-40B4-BE49-F238E27FC236}">
-                <a16:creationId xmlns:a16="http://schemas.microsoft.com/office/drawing/2014/main" xmlns="" id="{C51C950A-E31E-416F-8640-D2B78EAD4B9B}"/>
+                <a16:creationId xmlns:a16="http://schemas.microsoft.com/office/drawing/2014/main" id="{C51C950A-E31E-416F-8640-D2B78EAD4B9B}"/>
               </a:ext>
             </a:extLst>
           </p:cNvPr>
@@ -4256,22 +5163,21 @@
           <a:lstStyle/>
           <a:p>
             <a:r>
-              <a:rPr lang="en-IN" dirty="0" err="1" smtClean="0"/>
+              <a:rPr lang="en-IN" dirty="0" err="1"/>
               <a:t>Nhu</a:t>
             </a:r>
             <a:r>
-              <a:rPr lang="en-IN" dirty="0" smtClean="0"/>
+              <a:rPr lang="en-IN" dirty="0"/>
               <a:t> </a:t>
             </a:r>
             <a:r>
-              <a:rPr lang="en-IN" dirty="0" err="1" smtClean="0"/>
+              <a:rPr lang="en-IN" dirty="0" err="1"/>
               <a:t>Quang</a:t>
             </a:r>
             <a:r>
-              <a:rPr lang="en-IN" dirty="0" smtClean="0"/>
+              <a:rPr lang="en-IN" dirty="0"/>
               <a:t> Dang (113814)</a:t>
             </a:r>
-            <a:endParaRPr lang="en-IN" dirty="0"/>
           </a:p>
         </p:txBody>
       </p:sp>
@@ -4280,7 +5186,7 @@
           <p:cNvPr id="6" name="Rectangle 5">
             <a:extLst>
               <a:ext uri="{FF2B5EF4-FFF2-40B4-BE49-F238E27FC236}">
-                <a16:creationId xmlns:a16="http://schemas.microsoft.com/office/drawing/2014/main" xmlns="" id="{24E7FFBD-1F79-4309-9FA2-375DF46F9F10}"/>
+                <a16:creationId xmlns:a16="http://schemas.microsoft.com/office/drawing/2014/main" id="{24E7FFBD-1F79-4309-9FA2-375DF46F9F10}"/>
               </a:ext>
             </a:extLst>
           </p:cNvPr>
@@ -4303,14 +5209,13 @@
           <a:lstStyle/>
           <a:p>
             <a:r>
-              <a:rPr lang="en-IN" dirty="0" err="1" smtClean="0"/>
+              <a:rPr lang="en-IN" dirty="0" err="1"/>
               <a:t>Chandrautama</a:t>
             </a:r>
             <a:r>
-              <a:rPr lang="en-IN" dirty="0" smtClean="0"/>
+              <a:rPr lang="en-IN" dirty="0"/>
               <a:t> Lucky (113864) </a:t>
             </a:r>
-            <a:endParaRPr lang="en-IN" dirty="0"/>
           </a:p>
         </p:txBody>
       </p:sp>
@@ -4319,7 +5224,7 @@
           <p:cNvPr id="13" name="Date Placeholder 2">
             <a:extLst>
               <a:ext uri="{FF2B5EF4-FFF2-40B4-BE49-F238E27FC236}">
-                <a16:creationId xmlns:a16="http://schemas.microsoft.com/office/drawing/2014/main" xmlns="" id="{CF0E13E0-3A7C-4B34-8560-EB7544F93A86}"/>
+                <a16:creationId xmlns:a16="http://schemas.microsoft.com/office/drawing/2014/main" id="{CF0E13E0-3A7C-4B34-8560-EB7544F93A86}"/>
               </a:ext>
             </a:extLst>
           </p:cNvPr>
@@ -4456,7 +5361,7 @@
           <p:cNvPr id="14" name="Date Placeholder 2">
             <a:extLst>
               <a:ext uri="{FF2B5EF4-FFF2-40B4-BE49-F238E27FC236}">
-                <a16:creationId xmlns:a16="http://schemas.microsoft.com/office/drawing/2014/main" xmlns="" id="{FEFC45B0-A45F-4AD1-9B02-07D26B99CABB}"/>
+                <a16:creationId xmlns:a16="http://schemas.microsoft.com/office/drawing/2014/main" id="{FEFC45B0-A45F-4AD1-9B02-07D26B99CABB}"/>
               </a:ext>
             </a:extLst>
           </p:cNvPr>
@@ -4585,6 +5490,42 @@
                 </a:schemeClr>
               </a:solidFill>
             </a:endParaRPr>
+          </a:p>
+        </p:txBody>
+      </p:sp>
+      <p:sp>
+        <p:nvSpPr>
+          <p:cNvPr id="2" name="Textfeld 1">
+            <a:extLst>
+              <a:ext uri="{FF2B5EF4-FFF2-40B4-BE49-F238E27FC236}">
+                <a16:creationId xmlns:a16="http://schemas.microsoft.com/office/drawing/2014/main" id="{7A249C66-5B7C-4DC5-AF63-4F38BD679EFF}"/>
+              </a:ext>
+            </a:extLst>
+          </p:cNvPr>
+          <p:cNvSpPr txBox="1"/>
+          <p:nvPr/>
+        </p:nvSpPr>
+        <p:spPr>
+          <a:xfrm>
+            <a:off x="0" y="3429000"/>
+            <a:ext cx="12192000" cy="369332"/>
+          </a:xfrm>
+          <a:prstGeom prst="rect">
+            <a:avLst/>
+          </a:prstGeom>
+          <a:noFill/>
+        </p:spPr>
+        <p:txBody>
+          <a:bodyPr wrap="square" rtlCol="0">
+            <a:spAutoFit/>
+          </a:bodyPr>
+          <a:lstStyle/>
+          <a:p>
+            <a:pPr algn="ctr"/>
+            <a:r>
+              <a:rPr lang="de-DE" dirty="0"/>
+              <a:t>https://github.com/Batshaw/Coorp</a:t>
+            </a:r>
           </a:p>
         </p:txBody>
       </p:sp>
@@ -4598,13 +5539,4030 @@
   <p:clrMapOvr>
     <a:masterClrMapping/>
   </p:clrMapOvr>
-  <p:timing>
-    <p:tnLst>
-      <p:par>
-        <p:cTn id="1" dur="indefinite" restart="never" nodeType="tmRoot"/>
-      </p:par>
-    </p:tnLst>
-  </p:timing>
+</p:sld>
+</file>
+
+<file path=ppt/slides/slide10.xml><?xml version="1.0" encoding="utf-8"?>
+<p:sld xmlns:a="http://schemas.openxmlformats.org/drawingml/2006/main" xmlns:r="http://schemas.openxmlformats.org/officeDocument/2006/relationships" xmlns:p="http://schemas.openxmlformats.org/presentationml/2006/main">
+  <p:cSld>
+    <p:spTree>
+      <p:nvGrpSpPr>
+        <p:cNvPr id="1" name=""/>
+        <p:cNvGrpSpPr/>
+        <p:nvPr/>
+      </p:nvGrpSpPr>
+      <p:grpSpPr>
+        <a:xfrm>
+          <a:off x="0" y="0"/>
+          <a:ext cx="0" cy="0"/>
+          <a:chOff x="0" y="0"/>
+          <a:chExt cx="0" cy="0"/>
+        </a:xfrm>
+      </p:grpSpPr>
+      <p:sp>
+        <p:nvSpPr>
+          <p:cNvPr id="2" name="Date Placeholder 2">
+            <a:extLst>
+              <a:ext uri="{FF2B5EF4-FFF2-40B4-BE49-F238E27FC236}">
+                <a16:creationId xmlns:a16="http://schemas.microsoft.com/office/drawing/2014/main" id="{180FC470-B565-4FB6-B0D5-7C8F5744990B}"/>
+              </a:ext>
+            </a:extLst>
+          </p:cNvPr>
+          <p:cNvSpPr>
+            <a:spLocks noGrp="1"/>
+          </p:cNvSpPr>
+          <p:nvPr>
+            <p:ph type="dt" sz="half" idx="10"/>
+          </p:nvPr>
+        </p:nvSpPr>
+        <p:spPr>
+          <a:xfrm>
+            <a:off x="7819457" y="6310312"/>
+            <a:ext cx="3971073" cy="365125"/>
+          </a:xfrm>
+        </p:spPr>
+        <p:txBody>
+          <a:bodyPr/>
+          <a:lstStyle>
+            <a:lvl1pPr>
+              <a:defRPr>
+                <a:solidFill>
+                  <a:schemeClr val="tx1"/>
+                </a:solidFill>
+                <a:latin typeface="Arial" panose="020B0604020202020204" pitchFamily="34" charset="0"/>
+                <a:cs typeface="Arial" panose="020B0604020202020204" pitchFamily="34" charset="0"/>
+              </a:defRPr>
+            </a:lvl1pPr>
+          </a:lstStyle>
+          <a:p>
+            <a:r>
+              <a:rPr lang="en-IN" dirty="0" err="1"/>
+              <a:t>Nhu</a:t>
+            </a:r>
+            <a:r>
+              <a:rPr lang="en-IN" dirty="0"/>
+              <a:t> </a:t>
+            </a:r>
+            <a:r>
+              <a:rPr lang="en-IN" dirty="0" err="1"/>
+              <a:t>Quang</a:t>
+            </a:r>
+            <a:r>
+              <a:rPr lang="en-IN" dirty="0"/>
+              <a:t> Dang, </a:t>
+            </a:r>
+            <a:r>
+              <a:rPr lang="en-IN" dirty="0" err="1"/>
+              <a:t>Chandrautama</a:t>
+            </a:r>
+            <a:r>
+              <a:rPr lang="en-IN" dirty="0"/>
+              <a:t> Lucky| </a:t>
+            </a:r>
+            <a:r>
+              <a:rPr lang="en-IN" dirty="0" err="1">
+                <a:solidFill>
+                  <a:schemeClr val="tx1">
+                    <a:lumMod val="50000"/>
+                    <a:lumOff val="50000"/>
+                  </a:schemeClr>
+                </a:solidFill>
+              </a:rPr>
+              <a:t>Sose</a:t>
+            </a:r>
+            <a:r>
+              <a:rPr lang="en-IN" dirty="0">
+                <a:solidFill>
+                  <a:schemeClr val="tx1">
+                    <a:lumMod val="50000"/>
+                    <a:lumOff val="50000"/>
+                  </a:schemeClr>
+                </a:solidFill>
+              </a:rPr>
+              <a:t> 2018</a:t>
+            </a:r>
+          </a:p>
+        </p:txBody>
+      </p:sp>
+      <p:sp>
+        <p:nvSpPr>
+          <p:cNvPr id="3" name="Footer Placeholder 3">
+            <a:extLst>
+              <a:ext uri="{FF2B5EF4-FFF2-40B4-BE49-F238E27FC236}">
+                <a16:creationId xmlns:a16="http://schemas.microsoft.com/office/drawing/2014/main" id="{AA1A078D-2DA1-41AC-A894-48E19FF3FAE3}"/>
+              </a:ext>
+            </a:extLst>
+          </p:cNvPr>
+          <p:cNvSpPr>
+            <a:spLocks noGrp="1"/>
+          </p:cNvSpPr>
+          <p:nvPr>
+            <p:ph type="ftr" sz="quarter" idx="11"/>
+          </p:nvPr>
+        </p:nvSpPr>
+        <p:spPr>
+          <a:xfrm>
+            <a:off x="401470" y="6320453"/>
+            <a:ext cx="2123366" cy="365125"/>
+          </a:xfrm>
+        </p:spPr>
+        <p:style>
+          <a:lnRef idx="2">
+            <a:schemeClr val="dk1">
+              <a:shade val="50000"/>
+            </a:schemeClr>
+          </a:lnRef>
+          <a:fillRef idx="1">
+            <a:schemeClr val="dk1"/>
+          </a:fillRef>
+          <a:effectRef idx="0">
+            <a:schemeClr val="dk1"/>
+          </a:effectRef>
+          <a:fontRef idx="minor">
+            <a:schemeClr val="lt1"/>
+          </a:fontRef>
+        </p:style>
+        <p:txBody>
+          <a:bodyPr/>
+          <a:lstStyle>
+            <a:lvl1pPr>
+              <a:defRPr>
+                <a:solidFill>
+                  <a:schemeClr val="bg1"/>
+                </a:solidFill>
+                <a:latin typeface="Arial" panose="020B0604020202020204" pitchFamily="34" charset="0"/>
+                <a:cs typeface="Arial" panose="020B0604020202020204" pitchFamily="34" charset="0"/>
+              </a:defRPr>
+            </a:lvl1pPr>
+          </a:lstStyle>
+          <a:p>
+            <a:r>
+              <a:rPr lang="en-IN" dirty="0"/>
+              <a:t>Bauhaus-Universit</a:t>
+            </a:r>
+            <a:r>
+              <a:rPr lang="en-IN" b="1" dirty="0"/>
+              <a:t>ä</a:t>
+            </a:r>
+            <a:r>
+              <a:rPr lang="en-IN" dirty="0"/>
+              <a:t>t Weimar</a:t>
+            </a:r>
+          </a:p>
+        </p:txBody>
+      </p:sp>
+      <p:sp>
+        <p:nvSpPr>
+          <p:cNvPr id="4" name="Date Placeholder 2">
+            <a:extLst>
+              <a:ext uri="{FF2B5EF4-FFF2-40B4-BE49-F238E27FC236}">
+                <a16:creationId xmlns:a16="http://schemas.microsoft.com/office/drawing/2014/main" id="{254BB5F0-2280-4072-A92F-9321101FB009}"/>
+              </a:ext>
+            </a:extLst>
+          </p:cNvPr>
+          <p:cNvSpPr txBox="1">
+            <a:spLocks/>
+          </p:cNvSpPr>
+          <p:nvPr/>
+        </p:nvSpPr>
+        <p:spPr>
+          <a:xfrm>
+            <a:off x="2553252" y="6326232"/>
+            <a:ext cx="4271618" cy="365125"/>
+          </a:xfrm>
+          <a:prstGeom prst="rect">
+            <a:avLst/>
+          </a:prstGeom>
+        </p:spPr>
+        <p:txBody>
+          <a:bodyPr vert="horz" lIns="91440" tIns="45720" rIns="91440" bIns="45720" rtlCol="0" anchor="ctr"/>
+          <a:lstStyle>
+            <a:defPPr>
+              <a:defRPr lang="en-US"/>
+            </a:defPPr>
+            <a:lvl1pPr marL="0" algn="l" defTabSz="914400" rtl="0" eaLnBrk="1" latinLnBrk="0" hangingPunct="1">
+              <a:defRPr sz="1200" kern="1200">
+                <a:solidFill>
+                  <a:schemeClr val="tx1"/>
+                </a:solidFill>
+                <a:latin typeface="Arial" panose="020B0604020202020204" pitchFamily="34" charset="0"/>
+                <a:ea typeface="+mn-ea"/>
+                <a:cs typeface="Arial" panose="020B0604020202020204" pitchFamily="34" charset="0"/>
+              </a:defRPr>
+            </a:lvl1pPr>
+            <a:lvl2pPr marL="457200" algn="l" defTabSz="914400" rtl="0" eaLnBrk="1" latinLnBrk="0" hangingPunct="1">
+              <a:defRPr sz="1800" kern="1200">
+                <a:solidFill>
+                  <a:schemeClr val="tx1"/>
+                </a:solidFill>
+                <a:latin typeface="+mn-lt"/>
+                <a:ea typeface="+mn-ea"/>
+                <a:cs typeface="+mn-cs"/>
+              </a:defRPr>
+            </a:lvl2pPr>
+            <a:lvl3pPr marL="914400" algn="l" defTabSz="914400" rtl="0" eaLnBrk="1" latinLnBrk="0" hangingPunct="1">
+              <a:defRPr sz="1800" kern="1200">
+                <a:solidFill>
+                  <a:schemeClr val="tx1"/>
+                </a:solidFill>
+                <a:latin typeface="+mn-lt"/>
+                <a:ea typeface="+mn-ea"/>
+                <a:cs typeface="+mn-cs"/>
+              </a:defRPr>
+            </a:lvl3pPr>
+            <a:lvl4pPr marL="1371600" algn="l" defTabSz="914400" rtl="0" eaLnBrk="1" latinLnBrk="0" hangingPunct="1">
+              <a:defRPr sz="1800" kern="1200">
+                <a:solidFill>
+                  <a:schemeClr val="tx1"/>
+                </a:solidFill>
+                <a:latin typeface="+mn-lt"/>
+                <a:ea typeface="+mn-ea"/>
+                <a:cs typeface="+mn-cs"/>
+              </a:defRPr>
+            </a:lvl4pPr>
+            <a:lvl5pPr marL="1828800" algn="l" defTabSz="914400" rtl="0" eaLnBrk="1" latinLnBrk="0" hangingPunct="1">
+              <a:defRPr sz="1800" kern="1200">
+                <a:solidFill>
+                  <a:schemeClr val="tx1"/>
+                </a:solidFill>
+                <a:latin typeface="+mn-lt"/>
+                <a:ea typeface="+mn-ea"/>
+                <a:cs typeface="+mn-cs"/>
+              </a:defRPr>
+            </a:lvl5pPr>
+            <a:lvl6pPr marL="2286000" algn="l" defTabSz="914400" rtl="0" eaLnBrk="1" latinLnBrk="0" hangingPunct="1">
+              <a:defRPr sz="1800" kern="1200">
+                <a:solidFill>
+                  <a:schemeClr val="tx1"/>
+                </a:solidFill>
+                <a:latin typeface="+mn-lt"/>
+                <a:ea typeface="+mn-ea"/>
+                <a:cs typeface="+mn-cs"/>
+              </a:defRPr>
+            </a:lvl6pPr>
+            <a:lvl7pPr marL="2743200" algn="l" defTabSz="914400" rtl="0" eaLnBrk="1" latinLnBrk="0" hangingPunct="1">
+              <a:defRPr sz="1800" kern="1200">
+                <a:solidFill>
+                  <a:schemeClr val="tx1"/>
+                </a:solidFill>
+                <a:latin typeface="+mn-lt"/>
+                <a:ea typeface="+mn-ea"/>
+                <a:cs typeface="+mn-cs"/>
+              </a:defRPr>
+            </a:lvl7pPr>
+            <a:lvl8pPr marL="3200400" algn="l" defTabSz="914400" rtl="0" eaLnBrk="1" latinLnBrk="0" hangingPunct="1">
+              <a:defRPr sz="1800" kern="1200">
+                <a:solidFill>
+                  <a:schemeClr val="tx1"/>
+                </a:solidFill>
+                <a:latin typeface="+mn-lt"/>
+                <a:ea typeface="+mn-ea"/>
+                <a:cs typeface="+mn-cs"/>
+              </a:defRPr>
+            </a:lvl8pPr>
+            <a:lvl9pPr marL="3657600" algn="l" defTabSz="914400" rtl="0" eaLnBrk="1" latinLnBrk="0" hangingPunct="1">
+              <a:defRPr sz="1800" kern="1200">
+                <a:solidFill>
+                  <a:schemeClr val="tx1"/>
+                </a:solidFill>
+                <a:latin typeface="+mn-lt"/>
+                <a:ea typeface="+mn-ea"/>
+                <a:cs typeface="+mn-cs"/>
+              </a:defRPr>
+            </a:lvl9pPr>
+          </a:lstStyle>
+          <a:p>
+            <a:r>
+              <a:rPr lang="de-DE" dirty="0"/>
+              <a:t>Raytracing-System</a:t>
+            </a:r>
+            <a:endParaRPr lang="en-IN" b="1" dirty="0">
+              <a:solidFill>
+                <a:schemeClr val="tx1">
+                  <a:lumMod val="50000"/>
+                  <a:lumOff val="50000"/>
+                </a:schemeClr>
+              </a:solidFill>
+            </a:endParaRPr>
+          </a:p>
+        </p:txBody>
+      </p:sp>
+      <p:cxnSp>
+        <p:nvCxnSpPr>
+          <p:cNvPr id="5" name="Straight Connector 4">
+            <a:extLst>
+              <a:ext uri="{FF2B5EF4-FFF2-40B4-BE49-F238E27FC236}">
+                <a16:creationId xmlns:a16="http://schemas.microsoft.com/office/drawing/2014/main" id="{0B6697B4-1AD9-4089-92FD-6CFE29B6E807}"/>
+              </a:ext>
+            </a:extLst>
+          </p:cNvPr>
+          <p:cNvCxnSpPr>
+            <a:cxnSpLocks/>
+          </p:cNvCxnSpPr>
+          <p:nvPr/>
+        </p:nvCxnSpPr>
+        <p:spPr>
+          <a:xfrm>
+            <a:off x="0" y="6310312"/>
+            <a:ext cx="12192000" cy="0"/>
+          </a:xfrm>
+          <a:prstGeom prst="line">
+            <a:avLst/>
+          </a:prstGeom>
+          <a:ln/>
+        </p:spPr>
+        <p:style>
+          <a:lnRef idx="3">
+            <a:schemeClr val="dk1"/>
+          </a:lnRef>
+          <a:fillRef idx="0">
+            <a:schemeClr val="dk1"/>
+          </a:fillRef>
+          <a:effectRef idx="2">
+            <a:schemeClr val="dk1"/>
+          </a:effectRef>
+          <a:fontRef idx="minor">
+            <a:schemeClr val="tx1"/>
+          </a:fontRef>
+        </p:style>
+      </p:cxnSp>
+      <p:sp>
+        <p:nvSpPr>
+          <p:cNvPr id="6" name="Subtitle 1"/>
+          <p:cNvSpPr txBox="1">
+            <a:spLocks/>
+          </p:cNvSpPr>
+          <p:nvPr/>
+        </p:nvSpPr>
+        <p:spPr>
+          <a:xfrm>
+            <a:off x="3465319" y="563117"/>
+            <a:ext cx="5261361" cy="952870"/>
+          </a:xfrm>
+          <a:prstGeom prst="rect">
+            <a:avLst/>
+          </a:prstGeom>
+        </p:spPr>
+        <p:txBody>
+          <a:bodyPr>
+            <a:normAutofit/>
+          </a:bodyPr>
+          <a:lstStyle>
+            <a:lvl1pPr marL="228600" indent="-228600" algn="l" defTabSz="914400" rtl="0" eaLnBrk="1" latinLnBrk="0" hangingPunct="1">
+              <a:lnSpc>
+                <a:spcPct val="90000"/>
+              </a:lnSpc>
+              <a:spcBef>
+                <a:spcPts val="1000"/>
+              </a:spcBef>
+              <a:buFont typeface="Arial" panose="020B0604020202020204" pitchFamily="34" charset="0"/>
+              <a:buChar char="•"/>
+              <a:defRPr sz="2800" kern="1200">
+                <a:solidFill>
+                  <a:schemeClr val="tx1"/>
+                </a:solidFill>
+                <a:latin typeface="+mn-lt"/>
+                <a:ea typeface="+mn-ea"/>
+                <a:cs typeface="+mn-cs"/>
+              </a:defRPr>
+            </a:lvl1pPr>
+            <a:lvl2pPr marL="685800" indent="-228600" algn="l" defTabSz="914400" rtl="0" eaLnBrk="1" latinLnBrk="0" hangingPunct="1">
+              <a:lnSpc>
+                <a:spcPct val="90000"/>
+              </a:lnSpc>
+              <a:spcBef>
+                <a:spcPts val="500"/>
+              </a:spcBef>
+              <a:buFont typeface="Arial" panose="020B0604020202020204" pitchFamily="34" charset="0"/>
+              <a:buChar char="•"/>
+              <a:defRPr sz="2400" kern="1200">
+                <a:solidFill>
+                  <a:schemeClr val="tx1"/>
+                </a:solidFill>
+                <a:latin typeface="+mn-lt"/>
+                <a:ea typeface="+mn-ea"/>
+                <a:cs typeface="+mn-cs"/>
+              </a:defRPr>
+            </a:lvl2pPr>
+            <a:lvl3pPr marL="1143000" indent="-228600" algn="l" defTabSz="914400" rtl="0" eaLnBrk="1" latinLnBrk="0" hangingPunct="1">
+              <a:lnSpc>
+                <a:spcPct val="90000"/>
+              </a:lnSpc>
+              <a:spcBef>
+                <a:spcPts val="500"/>
+              </a:spcBef>
+              <a:buFont typeface="Arial" panose="020B0604020202020204" pitchFamily="34" charset="0"/>
+              <a:buChar char="•"/>
+              <a:defRPr sz="2000" kern="1200">
+                <a:solidFill>
+                  <a:schemeClr val="tx1"/>
+                </a:solidFill>
+                <a:latin typeface="+mn-lt"/>
+                <a:ea typeface="+mn-ea"/>
+                <a:cs typeface="+mn-cs"/>
+              </a:defRPr>
+            </a:lvl3pPr>
+            <a:lvl4pPr marL="1600200" indent="-228600" algn="l" defTabSz="914400" rtl="0" eaLnBrk="1" latinLnBrk="0" hangingPunct="1">
+              <a:lnSpc>
+                <a:spcPct val="90000"/>
+              </a:lnSpc>
+              <a:spcBef>
+                <a:spcPts val="500"/>
+              </a:spcBef>
+              <a:buFont typeface="Arial" panose="020B0604020202020204" pitchFamily="34" charset="0"/>
+              <a:buChar char="•"/>
+              <a:defRPr sz="1800" kern="1200">
+                <a:solidFill>
+                  <a:schemeClr val="tx1"/>
+                </a:solidFill>
+                <a:latin typeface="+mn-lt"/>
+                <a:ea typeface="+mn-ea"/>
+                <a:cs typeface="+mn-cs"/>
+              </a:defRPr>
+            </a:lvl4pPr>
+            <a:lvl5pPr marL="2057400" indent="-228600" algn="l" defTabSz="914400" rtl="0" eaLnBrk="1" latinLnBrk="0" hangingPunct="1">
+              <a:lnSpc>
+                <a:spcPct val="90000"/>
+              </a:lnSpc>
+              <a:spcBef>
+                <a:spcPts val="500"/>
+              </a:spcBef>
+              <a:buFont typeface="Arial" panose="020B0604020202020204" pitchFamily="34" charset="0"/>
+              <a:buChar char="•"/>
+              <a:defRPr sz="1800" kern="1200">
+                <a:solidFill>
+                  <a:schemeClr val="tx1"/>
+                </a:solidFill>
+                <a:latin typeface="+mn-lt"/>
+                <a:ea typeface="+mn-ea"/>
+                <a:cs typeface="+mn-cs"/>
+              </a:defRPr>
+            </a:lvl5pPr>
+            <a:lvl6pPr marL="2514600" indent="-228600" algn="l" defTabSz="914400" rtl="0" eaLnBrk="1" latinLnBrk="0" hangingPunct="1">
+              <a:lnSpc>
+                <a:spcPct val="90000"/>
+              </a:lnSpc>
+              <a:spcBef>
+                <a:spcPts val="500"/>
+              </a:spcBef>
+              <a:buFont typeface="Arial" panose="020B0604020202020204" pitchFamily="34" charset="0"/>
+              <a:buChar char="•"/>
+              <a:defRPr sz="1800" kern="1200">
+                <a:solidFill>
+                  <a:schemeClr val="tx1"/>
+                </a:solidFill>
+                <a:latin typeface="+mn-lt"/>
+                <a:ea typeface="+mn-ea"/>
+                <a:cs typeface="+mn-cs"/>
+              </a:defRPr>
+            </a:lvl6pPr>
+            <a:lvl7pPr marL="2971800" indent="-228600" algn="l" defTabSz="914400" rtl="0" eaLnBrk="1" latinLnBrk="0" hangingPunct="1">
+              <a:lnSpc>
+                <a:spcPct val="90000"/>
+              </a:lnSpc>
+              <a:spcBef>
+                <a:spcPts val="500"/>
+              </a:spcBef>
+              <a:buFont typeface="Arial" panose="020B0604020202020204" pitchFamily="34" charset="0"/>
+              <a:buChar char="•"/>
+              <a:defRPr sz="1800" kern="1200">
+                <a:solidFill>
+                  <a:schemeClr val="tx1"/>
+                </a:solidFill>
+                <a:latin typeface="+mn-lt"/>
+                <a:ea typeface="+mn-ea"/>
+                <a:cs typeface="+mn-cs"/>
+              </a:defRPr>
+            </a:lvl7pPr>
+            <a:lvl8pPr marL="3429000" indent="-228600" algn="l" defTabSz="914400" rtl="0" eaLnBrk="1" latinLnBrk="0" hangingPunct="1">
+              <a:lnSpc>
+                <a:spcPct val="90000"/>
+              </a:lnSpc>
+              <a:spcBef>
+                <a:spcPts val="500"/>
+              </a:spcBef>
+              <a:buFont typeface="Arial" panose="020B0604020202020204" pitchFamily="34" charset="0"/>
+              <a:buChar char="•"/>
+              <a:defRPr sz="1800" kern="1200">
+                <a:solidFill>
+                  <a:schemeClr val="tx1"/>
+                </a:solidFill>
+                <a:latin typeface="+mn-lt"/>
+                <a:ea typeface="+mn-ea"/>
+                <a:cs typeface="+mn-cs"/>
+              </a:defRPr>
+            </a:lvl8pPr>
+            <a:lvl9pPr marL="3886200" indent="-228600" algn="l" defTabSz="914400" rtl="0" eaLnBrk="1" latinLnBrk="0" hangingPunct="1">
+              <a:lnSpc>
+                <a:spcPct val="90000"/>
+              </a:lnSpc>
+              <a:spcBef>
+                <a:spcPts val="500"/>
+              </a:spcBef>
+              <a:buFont typeface="Arial" panose="020B0604020202020204" pitchFamily="34" charset="0"/>
+              <a:buChar char="•"/>
+              <a:defRPr sz="1800" kern="1200">
+                <a:solidFill>
+                  <a:schemeClr val="tx1"/>
+                </a:solidFill>
+                <a:latin typeface="+mn-lt"/>
+                <a:ea typeface="+mn-ea"/>
+                <a:cs typeface="+mn-cs"/>
+              </a:defRPr>
+            </a:lvl9pPr>
+          </a:lstStyle>
+          <a:p>
+            <a:pPr marL="0" indent="0" algn="ctr">
+              <a:buNone/>
+            </a:pPr>
+            <a:r>
+              <a:rPr lang="de-DE" sz="3600" dirty="0"/>
+              <a:t>Evolution des Systems</a:t>
+            </a:r>
+          </a:p>
+        </p:txBody>
+      </p:sp>
+      <p:sp>
+        <p:nvSpPr>
+          <p:cNvPr id="7" name="TextBox 6"/>
+          <p:cNvSpPr txBox="1"/>
+          <p:nvPr/>
+        </p:nvSpPr>
+        <p:spPr>
+          <a:xfrm>
+            <a:off x="401471" y="1175329"/>
+            <a:ext cx="2529736" cy="523220"/>
+          </a:xfrm>
+          <a:prstGeom prst="rect">
+            <a:avLst/>
+          </a:prstGeom>
+          <a:noFill/>
+        </p:spPr>
+        <p:txBody>
+          <a:bodyPr wrap="square" rtlCol="0">
+            <a:spAutoFit/>
+          </a:bodyPr>
+          <a:lstStyle/>
+          <a:p>
+            <a:r>
+              <a:rPr lang="de-DE" sz="2800" dirty="0"/>
+              <a:t>Transformation </a:t>
+            </a:r>
+          </a:p>
+        </p:txBody>
+      </p:sp>
+      <p:pic>
+        <p:nvPicPr>
+          <p:cNvPr id="14" name="Grafik 13">
+            <a:extLst>
+              <a:ext uri="{FF2B5EF4-FFF2-40B4-BE49-F238E27FC236}">
+                <a16:creationId xmlns:a16="http://schemas.microsoft.com/office/drawing/2014/main" id="{30070DF8-EFCF-4015-A828-CC61A45D2F76}"/>
+              </a:ext>
+            </a:extLst>
+          </p:cNvPr>
+          <p:cNvPicPr>
+            <a:picLocks noChangeAspect="1"/>
+          </p:cNvPicPr>
+          <p:nvPr/>
+        </p:nvPicPr>
+        <p:blipFill>
+          <a:blip r:embed="rId3">
+            <a:extLst>
+              <a:ext uri="{28A0092B-C50C-407E-A947-70E740481C1C}">
+                <a14:useLocalDpi xmlns:a14="http://schemas.microsoft.com/office/drawing/2010/main" val="0"/>
+              </a:ext>
+            </a:extLst>
+          </a:blip>
+          <a:stretch>
+            <a:fillRect/>
+          </a:stretch>
+        </p:blipFill>
+        <p:spPr>
+          <a:xfrm>
+            <a:off x="8726680" y="1693683"/>
+            <a:ext cx="2857500" cy="2857500"/>
+          </a:xfrm>
+          <a:prstGeom prst="rect">
+            <a:avLst/>
+          </a:prstGeom>
+        </p:spPr>
+      </p:pic>
+      <p:pic>
+        <p:nvPicPr>
+          <p:cNvPr id="16" name="Grafik 15">
+            <a:extLst>
+              <a:ext uri="{FF2B5EF4-FFF2-40B4-BE49-F238E27FC236}">
+                <a16:creationId xmlns:a16="http://schemas.microsoft.com/office/drawing/2014/main" id="{7B3E85BF-5263-4DF3-85A9-188892BAEAFC}"/>
+              </a:ext>
+            </a:extLst>
+          </p:cNvPr>
+          <p:cNvPicPr>
+            <a:picLocks noChangeAspect="1"/>
+          </p:cNvPicPr>
+          <p:nvPr/>
+        </p:nvPicPr>
+        <p:blipFill>
+          <a:blip r:embed="rId4">
+            <a:extLst>
+              <a:ext uri="{28A0092B-C50C-407E-A947-70E740481C1C}">
+                <a14:useLocalDpi xmlns:a14="http://schemas.microsoft.com/office/drawing/2010/main" val="0"/>
+              </a:ext>
+            </a:extLst>
+          </a:blip>
+          <a:stretch>
+            <a:fillRect/>
+          </a:stretch>
+        </p:blipFill>
+        <p:spPr>
+          <a:xfrm>
+            <a:off x="401470" y="5074139"/>
+            <a:ext cx="7240010" cy="704948"/>
+          </a:xfrm>
+          <a:prstGeom prst="rect">
+            <a:avLst/>
+          </a:prstGeom>
+        </p:spPr>
+      </p:pic>
+      <p:sp>
+        <p:nvSpPr>
+          <p:cNvPr id="18" name="Textfeld 17">
+            <a:extLst>
+              <a:ext uri="{FF2B5EF4-FFF2-40B4-BE49-F238E27FC236}">
+                <a16:creationId xmlns:a16="http://schemas.microsoft.com/office/drawing/2014/main" id="{B876B811-5ABD-4E20-9CB1-12A5781F5738}"/>
+              </a:ext>
+            </a:extLst>
+          </p:cNvPr>
+          <p:cNvSpPr txBox="1"/>
+          <p:nvPr/>
+        </p:nvSpPr>
+        <p:spPr>
+          <a:xfrm>
+            <a:off x="8726680" y="1324351"/>
+            <a:ext cx="2646812" cy="369332"/>
+          </a:xfrm>
+          <a:prstGeom prst="rect">
+            <a:avLst/>
+          </a:prstGeom>
+          <a:noFill/>
+        </p:spPr>
+        <p:txBody>
+          <a:bodyPr wrap="square" rtlCol="0">
+            <a:spAutoFit/>
+          </a:bodyPr>
+          <a:lstStyle/>
+          <a:p>
+            <a:r>
+              <a:rPr lang="de-DE" dirty="0"/>
+              <a:t>Fehler!</a:t>
+            </a:r>
+          </a:p>
+        </p:txBody>
+      </p:sp>
+      <p:pic>
+        <p:nvPicPr>
+          <p:cNvPr id="23" name="Grafik 22">
+            <a:extLst>
+              <a:ext uri="{FF2B5EF4-FFF2-40B4-BE49-F238E27FC236}">
+                <a16:creationId xmlns:a16="http://schemas.microsoft.com/office/drawing/2014/main" id="{1B86C143-8F14-4123-874B-C18126AAB778}"/>
+              </a:ext>
+            </a:extLst>
+          </p:cNvPr>
+          <p:cNvPicPr>
+            <a:picLocks noChangeAspect="1"/>
+          </p:cNvPicPr>
+          <p:nvPr/>
+        </p:nvPicPr>
+        <p:blipFill>
+          <a:blip r:embed="rId5">
+            <a:extLst>
+              <a:ext uri="{28A0092B-C50C-407E-A947-70E740481C1C}">
+                <a14:useLocalDpi xmlns:a14="http://schemas.microsoft.com/office/drawing/2010/main" val="0"/>
+              </a:ext>
+            </a:extLst>
+          </a:blip>
+          <a:stretch>
+            <a:fillRect/>
+          </a:stretch>
+        </p:blipFill>
+        <p:spPr>
+          <a:xfrm>
+            <a:off x="401470" y="2161756"/>
+            <a:ext cx="7792537" cy="1762371"/>
+          </a:xfrm>
+          <a:prstGeom prst="rect">
+            <a:avLst/>
+          </a:prstGeom>
+        </p:spPr>
+      </p:pic>
+      <p:pic>
+        <p:nvPicPr>
+          <p:cNvPr id="28" name="Grafik 27">
+            <a:extLst>
+              <a:ext uri="{FF2B5EF4-FFF2-40B4-BE49-F238E27FC236}">
+                <a16:creationId xmlns:a16="http://schemas.microsoft.com/office/drawing/2014/main" id="{01633D3A-3FB7-42F0-9526-F79359EB0224}"/>
+              </a:ext>
+            </a:extLst>
+          </p:cNvPr>
+          <p:cNvPicPr>
+            <a:picLocks noChangeAspect="1"/>
+          </p:cNvPicPr>
+          <p:nvPr/>
+        </p:nvPicPr>
+        <p:blipFill rotWithShape="1">
+          <a:blip r:embed="rId6">
+            <a:extLst>
+              <a:ext uri="{28A0092B-C50C-407E-A947-70E740481C1C}">
+                <a14:useLocalDpi xmlns:a14="http://schemas.microsoft.com/office/drawing/2010/main" val="0"/>
+              </a:ext>
+            </a:extLst>
+          </a:blip>
+          <a:srcRect r="23342" b="79544"/>
+          <a:stretch/>
+        </p:blipFill>
+        <p:spPr>
+          <a:xfrm>
+            <a:off x="397128" y="4032798"/>
+            <a:ext cx="7602099" cy="241635"/>
+          </a:xfrm>
+          <a:prstGeom prst="rect">
+            <a:avLst/>
+          </a:prstGeom>
+        </p:spPr>
+      </p:pic>
+      <p:sp>
+        <p:nvSpPr>
+          <p:cNvPr id="29" name="Textfeld 28">
+            <a:extLst>
+              <a:ext uri="{FF2B5EF4-FFF2-40B4-BE49-F238E27FC236}">
+                <a16:creationId xmlns:a16="http://schemas.microsoft.com/office/drawing/2014/main" id="{26DBC978-DA98-49EE-947B-DFABC2995D06}"/>
+              </a:ext>
+            </a:extLst>
+          </p:cNvPr>
+          <p:cNvSpPr txBox="1"/>
+          <p:nvPr/>
+        </p:nvSpPr>
+        <p:spPr>
+          <a:xfrm>
+            <a:off x="342333" y="1745486"/>
+            <a:ext cx="1120820" cy="369332"/>
+          </a:xfrm>
+          <a:prstGeom prst="rect">
+            <a:avLst/>
+          </a:prstGeom>
+          <a:noFill/>
+        </p:spPr>
+        <p:txBody>
+          <a:bodyPr wrap="none" rtlCol="0">
+            <a:spAutoFit/>
+          </a:bodyPr>
+          <a:lstStyle/>
+          <a:p>
+            <a:r>
+              <a:rPr lang="de-DE" dirty="0"/>
+              <a:t>Für Shape</a:t>
+            </a:r>
+          </a:p>
+        </p:txBody>
+      </p:sp>
+      <p:sp>
+        <p:nvSpPr>
+          <p:cNvPr id="39" name="Textfeld 38">
+            <a:extLst>
+              <a:ext uri="{FF2B5EF4-FFF2-40B4-BE49-F238E27FC236}">
+                <a16:creationId xmlns:a16="http://schemas.microsoft.com/office/drawing/2014/main" id="{A76B2EDC-7430-4925-83E0-432D71121C96}"/>
+              </a:ext>
+            </a:extLst>
+          </p:cNvPr>
+          <p:cNvSpPr txBox="1"/>
+          <p:nvPr/>
+        </p:nvSpPr>
+        <p:spPr>
+          <a:xfrm>
+            <a:off x="342333" y="4704807"/>
+            <a:ext cx="1265155" cy="369332"/>
+          </a:xfrm>
+          <a:prstGeom prst="rect">
+            <a:avLst/>
+          </a:prstGeom>
+          <a:noFill/>
+        </p:spPr>
+        <p:txBody>
+          <a:bodyPr wrap="none" rtlCol="0">
+            <a:spAutoFit/>
+          </a:bodyPr>
+          <a:lstStyle/>
+          <a:p>
+            <a:r>
+              <a:rPr lang="de-DE" dirty="0"/>
+              <a:t>Für </a:t>
+            </a:r>
+            <a:r>
+              <a:rPr lang="de-DE" dirty="0" err="1"/>
+              <a:t>Camera</a:t>
+            </a:r>
+            <a:endParaRPr lang="de-DE" dirty="0"/>
+          </a:p>
+        </p:txBody>
+      </p:sp>
+    </p:spTree>
+    <p:extLst>
+      <p:ext uri="{BB962C8B-B14F-4D97-AF65-F5344CB8AC3E}">
+        <p14:creationId xmlns:p14="http://schemas.microsoft.com/office/powerpoint/2010/main" val="1937562440"/>
+      </p:ext>
+    </p:extLst>
+  </p:cSld>
+  <p:clrMapOvr>
+    <a:masterClrMapping/>
+  </p:clrMapOvr>
+</p:sld>
+</file>
+
+<file path=ppt/slides/slide11.xml><?xml version="1.0" encoding="utf-8"?>
+<p:sld xmlns:a="http://schemas.openxmlformats.org/drawingml/2006/main" xmlns:r="http://schemas.openxmlformats.org/officeDocument/2006/relationships" xmlns:p="http://schemas.openxmlformats.org/presentationml/2006/main">
+  <p:cSld>
+    <p:spTree>
+      <p:nvGrpSpPr>
+        <p:cNvPr id="1" name=""/>
+        <p:cNvGrpSpPr/>
+        <p:nvPr/>
+      </p:nvGrpSpPr>
+      <p:grpSpPr>
+        <a:xfrm>
+          <a:off x="0" y="0"/>
+          <a:ext cx="0" cy="0"/>
+          <a:chOff x="0" y="0"/>
+          <a:chExt cx="0" cy="0"/>
+        </a:xfrm>
+      </p:grpSpPr>
+      <p:pic>
+        <p:nvPicPr>
+          <p:cNvPr id="22" name="Grafik 21">
+            <a:extLst>
+              <a:ext uri="{FF2B5EF4-FFF2-40B4-BE49-F238E27FC236}">
+                <a16:creationId xmlns:a16="http://schemas.microsoft.com/office/drawing/2014/main" id="{E7A12F0A-3879-4BE1-ACBD-89901B1FC531}"/>
+              </a:ext>
+            </a:extLst>
+          </p:cNvPr>
+          <p:cNvPicPr>
+            <a:picLocks noChangeAspect="1"/>
+          </p:cNvPicPr>
+          <p:nvPr/>
+        </p:nvPicPr>
+        <p:blipFill>
+          <a:blip r:embed="rId3">
+            <a:extLst>
+              <a:ext uri="{28A0092B-C50C-407E-A947-70E740481C1C}">
+                <a14:useLocalDpi xmlns:a14="http://schemas.microsoft.com/office/drawing/2010/main" val="0"/>
+              </a:ext>
+            </a:extLst>
+          </a:blip>
+          <a:stretch>
+            <a:fillRect/>
+          </a:stretch>
+        </p:blipFill>
+        <p:spPr>
+          <a:xfrm>
+            <a:off x="8726680" y="1701643"/>
+            <a:ext cx="2857500" cy="2857500"/>
+          </a:xfrm>
+          <a:prstGeom prst="rect">
+            <a:avLst/>
+          </a:prstGeom>
+        </p:spPr>
+      </p:pic>
+      <p:sp>
+        <p:nvSpPr>
+          <p:cNvPr id="2" name="Date Placeholder 2">
+            <a:extLst>
+              <a:ext uri="{FF2B5EF4-FFF2-40B4-BE49-F238E27FC236}">
+                <a16:creationId xmlns:a16="http://schemas.microsoft.com/office/drawing/2014/main" id="{180FC470-B565-4FB6-B0D5-7C8F5744990B}"/>
+              </a:ext>
+            </a:extLst>
+          </p:cNvPr>
+          <p:cNvSpPr>
+            <a:spLocks noGrp="1"/>
+          </p:cNvSpPr>
+          <p:nvPr>
+            <p:ph type="dt" sz="half" idx="10"/>
+          </p:nvPr>
+        </p:nvSpPr>
+        <p:spPr>
+          <a:xfrm>
+            <a:off x="7819457" y="6310312"/>
+            <a:ext cx="3971073" cy="365125"/>
+          </a:xfrm>
+        </p:spPr>
+        <p:txBody>
+          <a:bodyPr/>
+          <a:lstStyle>
+            <a:lvl1pPr>
+              <a:defRPr>
+                <a:solidFill>
+                  <a:schemeClr val="tx1"/>
+                </a:solidFill>
+                <a:latin typeface="Arial" panose="020B0604020202020204" pitchFamily="34" charset="0"/>
+                <a:cs typeface="Arial" panose="020B0604020202020204" pitchFamily="34" charset="0"/>
+              </a:defRPr>
+            </a:lvl1pPr>
+          </a:lstStyle>
+          <a:p>
+            <a:r>
+              <a:rPr lang="en-IN" dirty="0" err="1"/>
+              <a:t>Nhu</a:t>
+            </a:r>
+            <a:r>
+              <a:rPr lang="en-IN" dirty="0"/>
+              <a:t> </a:t>
+            </a:r>
+            <a:r>
+              <a:rPr lang="en-IN" dirty="0" err="1"/>
+              <a:t>Quang</a:t>
+            </a:r>
+            <a:r>
+              <a:rPr lang="en-IN" dirty="0"/>
+              <a:t> Dang, </a:t>
+            </a:r>
+            <a:r>
+              <a:rPr lang="en-IN" dirty="0" err="1"/>
+              <a:t>Chandrautama</a:t>
+            </a:r>
+            <a:r>
+              <a:rPr lang="en-IN" dirty="0"/>
+              <a:t> Lucky| </a:t>
+            </a:r>
+            <a:r>
+              <a:rPr lang="en-IN" dirty="0" err="1">
+                <a:solidFill>
+                  <a:schemeClr val="tx1">
+                    <a:lumMod val="50000"/>
+                    <a:lumOff val="50000"/>
+                  </a:schemeClr>
+                </a:solidFill>
+              </a:rPr>
+              <a:t>Sose</a:t>
+            </a:r>
+            <a:r>
+              <a:rPr lang="en-IN" dirty="0">
+                <a:solidFill>
+                  <a:schemeClr val="tx1">
+                    <a:lumMod val="50000"/>
+                    <a:lumOff val="50000"/>
+                  </a:schemeClr>
+                </a:solidFill>
+              </a:rPr>
+              <a:t> 2018</a:t>
+            </a:r>
+          </a:p>
+        </p:txBody>
+      </p:sp>
+      <p:sp>
+        <p:nvSpPr>
+          <p:cNvPr id="3" name="Footer Placeholder 3">
+            <a:extLst>
+              <a:ext uri="{FF2B5EF4-FFF2-40B4-BE49-F238E27FC236}">
+                <a16:creationId xmlns:a16="http://schemas.microsoft.com/office/drawing/2014/main" id="{AA1A078D-2DA1-41AC-A894-48E19FF3FAE3}"/>
+              </a:ext>
+            </a:extLst>
+          </p:cNvPr>
+          <p:cNvSpPr>
+            <a:spLocks noGrp="1"/>
+          </p:cNvSpPr>
+          <p:nvPr>
+            <p:ph type="ftr" sz="quarter" idx="11"/>
+          </p:nvPr>
+        </p:nvSpPr>
+        <p:spPr>
+          <a:xfrm>
+            <a:off x="401470" y="6320453"/>
+            <a:ext cx="2123366" cy="365125"/>
+          </a:xfrm>
+        </p:spPr>
+        <p:style>
+          <a:lnRef idx="2">
+            <a:schemeClr val="dk1">
+              <a:shade val="50000"/>
+            </a:schemeClr>
+          </a:lnRef>
+          <a:fillRef idx="1">
+            <a:schemeClr val="dk1"/>
+          </a:fillRef>
+          <a:effectRef idx="0">
+            <a:schemeClr val="dk1"/>
+          </a:effectRef>
+          <a:fontRef idx="minor">
+            <a:schemeClr val="lt1"/>
+          </a:fontRef>
+        </p:style>
+        <p:txBody>
+          <a:bodyPr/>
+          <a:lstStyle>
+            <a:lvl1pPr>
+              <a:defRPr>
+                <a:solidFill>
+                  <a:schemeClr val="bg1"/>
+                </a:solidFill>
+                <a:latin typeface="Arial" panose="020B0604020202020204" pitchFamily="34" charset="0"/>
+                <a:cs typeface="Arial" panose="020B0604020202020204" pitchFamily="34" charset="0"/>
+              </a:defRPr>
+            </a:lvl1pPr>
+          </a:lstStyle>
+          <a:p>
+            <a:r>
+              <a:rPr lang="en-IN" dirty="0"/>
+              <a:t>Bauhaus-Universit</a:t>
+            </a:r>
+            <a:r>
+              <a:rPr lang="en-IN" b="1" dirty="0"/>
+              <a:t>ä</a:t>
+            </a:r>
+            <a:r>
+              <a:rPr lang="en-IN" dirty="0"/>
+              <a:t>t Weimar</a:t>
+            </a:r>
+          </a:p>
+        </p:txBody>
+      </p:sp>
+      <p:sp>
+        <p:nvSpPr>
+          <p:cNvPr id="4" name="Date Placeholder 2">
+            <a:extLst>
+              <a:ext uri="{FF2B5EF4-FFF2-40B4-BE49-F238E27FC236}">
+                <a16:creationId xmlns:a16="http://schemas.microsoft.com/office/drawing/2014/main" id="{254BB5F0-2280-4072-A92F-9321101FB009}"/>
+              </a:ext>
+            </a:extLst>
+          </p:cNvPr>
+          <p:cNvSpPr txBox="1">
+            <a:spLocks/>
+          </p:cNvSpPr>
+          <p:nvPr/>
+        </p:nvSpPr>
+        <p:spPr>
+          <a:xfrm>
+            <a:off x="2553252" y="6326232"/>
+            <a:ext cx="4271618" cy="365125"/>
+          </a:xfrm>
+          <a:prstGeom prst="rect">
+            <a:avLst/>
+          </a:prstGeom>
+        </p:spPr>
+        <p:txBody>
+          <a:bodyPr vert="horz" lIns="91440" tIns="45720" rIns="91440" bIns="45720" rtlCol="0" anchor="ctr"/>
+          <a:lstStyle>
+            <a:defPPr>
+              <a:defRPr lang="en-US"/>
+            </a:defPPr>
+            <a:lvl1pPr marL="0" algn="l" defTabSz="914400" rtl="0" eaLnBrk="1" latinLnBrk="0" hangingPunct="1">
+              <a:defRPr sz="1200" kern="1200">
+                <a:solidFill>
+                  <a:schemeClr val="tx1"/>
+                </a:solidFill>
+                <a:latin typeface="Arial" panose="020B0604020202020204" pitchFamily="34" charset="0"/>
+                <a:ea typeface="+mn-ea"/>
+                <a:cs typeface="Arial" panose="020B0604020202020204" pitchFamily="34" charset="0"/>
+              </a:defRPr>
+            </a:lvl1pPr>
+            <a:lvl2pPr marL="457200" algn="l" defTabSz="914400" rtl="0" eaLnBrk="1" latinLnBrk="0" hangingPunct="1">
+              <a:defRPr sz="1800" kern="1200">
+                <a:solidFill>
+                  <a:schemeClr val="tx1"/>
+                </a:solidFill>
+                <a:latin typeface="+mn-lt"/>
+                <a:ea typeface="+mn-ea"/>
+                <a:cs typeface="+mn-cs"/>
+              </a:defRPr>
+            </a:lvl2pPr>
+            <a:lvl3pPr marL="914400" algn="l" defTabSz="914400" rtl="0" eaLnBrk="1" latinLnBrk="0" hangingPunct="1">
+              <a:defRPr sz="1800" kern="1200">
+                <a:solidFill>
+                  <a:schemeClr val="tx1"/>
+                </a:solidFill>
+                <a:latin typeface="+mn-lt"/>
+                <a:ea typeface="+mn-ea"/>
+                <a:cs typeface="+mn-cs"/>
+              </a:defRPr>
+            </a:lvl3pPr>
+            <a:lvl4pPr marL="1371600" algn="l" defTabSz="914400" rtl="0" eaLnBrk="1" latinLnBrk="0" hangingPunct="1">
+              <a:defRPr sz="1800" kern="1200">
+                <a:solidFill>
+                  <a:schemeClr val="tx1"/>
+                </a:solidFill>
+                <a:latin typeface="+mn-lt"/>
+                <a:ea typeface="+mn-ea"/>
+                <a:cs typeface="+mn-cs"/>
+              </a:defRPr>
+            </a:lvl4pPr>
+            <a:lvl5pPr marL="1828800" algn="l" defTabSz="914400" rtl="0" eaLnBrk="1" latinLnBrk="0" hangingPunct="1">
+              <a:defRPr sz="1800" kern="1200">
+                <a:solidFill>
+                  <a:schemeClr val="tx1"/>
+                </a:solidFill>
+                <a:latin typeface="+mn-lt"/>
+                <a:ea typeface="+mn-ea"/>
+                <a:cs typeface="+mn-cs"/>
+              </a:defRPr>
+            </a:lvl5pPr>
+            <a:lvl6pPr marL="2286000" algn="l" defTabSz="914400" rtl="0" eaLnBrk="1" latinLnBrk="0" hangingPunct="1">
+              <a:defRPr sz="1800" kern="1200">
+                <a:solidFill>
+                  <a:schemeClr val="tx1"/>
+                </a:solidFill>
+                <a:latin typeface="+mn-lt"/>
+                <a:ea typeface="+mn-ea"/>
+                <a:cs typeface="+mn-cs"/>
+              </a:defRPr>
+            </a:lvl6pPr>
+            <a:lvl7pPr marL="2743200" algn="l" defTabSz="914400" rtl="0" eaLnBrk="1" latinLnBrk="0" hangingPunct="1">
+              <a:defRPr sz="1800" kern="1200">
+                <a:solidFill>
+                  <a:schemeClr val="tx1"/>
+                </a:solidFill>
+                <a:latin typeface="+mn-lt"/>
+                <a:ea typeface="+mn-ea"/>
+                <a:cs typeface="+mn-cs"/>
+              </a:defRPr>
+            </a:lvl7pPr>
+            <a:lvl8pPr marL="3200400" algn="l" defTabSz="914400" rtl="0" eaLnBrk="1" latinLnBrk="0" hangingPunct="1">
+              <a:defRPr sz="1800" kern="1200">
+                <a:solidFill>
+                  <a:schemeClr val="tx1"/>
+                </a:solidFill>
+                <a:latin typeface="+mn-lt"/>
+                <a:ea typeface="+mn-ea"/>
+                <a:cs typeface="+mn-cs"/>
+              </a:defRPr>
+            </a:lvl8pPr>
+            <a:lvl9pPr marL="3657600" algn="l" defTabSz="914400" rtl="0" eaLnBrk="1" latinLnBrk="0" hangingPunct="1">
+              <a:defRPr sz="1800" kern="1200">
+                <a:solidFill>
+                  <a:schemeClr val="tx1"/>
+                </a:solidFill>
+                <a:latin typeface="+mn-lt"/>
+                <a:ea typeface="+mn-ea"/>
+                <a:cs typeface="+mn-cs"/>
+              </a:defRPr>
+            </a:lvl9pPr>
+          </a:lstStyle>
+          <a:p>
+            <a:r>
+              <a:rPr lang="de-DE" dirty="0"/>
+              <a:t>Raytracing-System</a:t>
+            </a:r>
+            <a:endParaRPr lang="en-IN" b="1" dirty="0">
+              <a:solidFill>
+                <a:schemeClr val="tx1">
+                  <a:lumMod val="50000"/>
+                  <a:lumOff val="50000"/>
+                </a:schemeClr>
+              </a:solidFill>
+            </a:endParaRPr>
+          </a:p>
+        </p:txBody>
+      </p:sp>
+      <p:cxnSp>
+        <p:nvCxnSpPr>
+          <p:cNvPr id="5" name="Straight Connector 4">
+            <a:extLst>
+              <a:ext uri="{FF2B5EF4-FFF2-40B4-BE49-F238E27FC236}">
+                <a16:creationId xmlns:a16="http://schemas.microsoft.com/office/drawing/2014/main" id="{0B6697B4-1AD9-4089-92FD-6CFE29B6E807}"/>
+              </a:ext>
+            </a:extLst>
+          </p:cNvPr>
+          <p:cNvCxnSpPr>
+            <a:cxnSpLocks/>
+          </p:cNvCxnSpPr>
+          <p:nvPr/>
+        </p:nvCxnSpPr>
+        <p:spPr>
+          <a:xfrm>
+            <a:off x="0" y="6310312"/>
+            <a:ext cx="12192000" cy="0"/>
+          </a:xfrm>
+          <a:prstGeom prst="line">
+            <a:avLst/>
+          </a:prstGeom>
+          <a:ln/>
+        </p:spPr>
+        <p:style>
+          <a:lnRef idx="3">
+            <a:schemeClr val="dk1"/>
+          </a:lnRef>
+          <a:fillRef idx="0">
+            <a:schemeClr val="dk1"/>
+          </a:fillRef>
+          <a:effectRef idx="2">
+            <a:schemeClr val="dk1"/>
+          </a:effectRef>
+          <a:fontRef idx="minor">
+            <a:schemeClr val="tx1"/>
+          </a:fontRef>
+        </p:style>
+      </p:cxnSp>
+      <p:sp>
+        <p:nvSpPr>
+          <p:cNvPr id="6" name="Subtitle 1"/>
+          <p:cNvSpPr txBox="1">
+            <a:spLocks/>
+          </p:cNvSpPr>
+          <p:nvPr/>
+        </p:nvSpPr>
+        <p:spPr>
+          <a:xfrm>
+            <a:off x="3465319" y="563117"/>
+            <a:ext cx="5261361" cy="952870"/>
+          </a:xfrm>
+          <a:prstGeom prst="rect">
+            <a:avLst/>
+          </a:prstGeom>
+        </p:spPr>
+        <p:txBody>
+          <a:bodyPr>
+            <a:normAutofit/>
+          </a:bodyPr>
+          <a:lstStyle>
+            <a:lvl1pPr marL="228600" indent="-228600" algn="l" defTabSz="914400" rtl="0" eaLnBrk="1" latinLnBrk="0" hangingPunct="1">
+              <a:lnSpc>
+                <a:spcPct val="90000"/>
+              </a:lnSpc>
+              <a:spcBef>
+                <a:spcPts val="1000"/>
+              </a:spcBef>
+              <a:buFont typeface="Arial" panose="020B0604020202020204" pitchFamily="34" charset="0"/>
+              <a:buChar char="•"/>
+              <a:defRPr sz="2800" kern="1200">
+                <a:solidFill>
+                  <a:schemeClr val="tx1"/>
+                </a:solidFill>
+                <a:latin typeface="+mn-lt"/>
+                <a:ea typeface="+mn-ea"/>
+                <a:cs typeface="+mn-cs"/>
+              </a:defRPr>
+            </a:lvl1pPr>
+            <a:lvl2pPr marL="685800" indent="-228600" algn="l" defTabSz="914400" rtl="0" eaLnBrk="1" latinLnBrk="0" hangingPunct="1">
+              <a:lnSpc>
+                <a:spcPct val="90000"/>
+              </a:lnSpc>
+              <a:spcBef>
+                <a:spcPts val="500"/>
+              </a:spcBef>
+              <a:buFont typeface="Arial" panose="020B0604020202020204" pitchFamily="34" charset="0"/>
+              <a:buChar char="•"/>
+              <a:defRPr sz="2400" kern="1200">
+                <a:solidFill>
+                  <a:schemeClr val="tx1"/>
+                </a:solidFill>
+                <a:latin typeface="+mn-lt"/>
+                <a:ea typeface="+mn-ea"/>
+                <a:cs typeface="+mn-cs"/>
+              </a:defRPr>
+            </a:lvl2pPr>
+            <a:lvl3pPr marL="1143000" indent="-228600" algn="l" defTabSz="914400" rtl="0" eaLnBrk="1" latinLnBrk="0" hangingPunct="1">
+              <a:lnSpc>
+                <a:spcPct val="90000"/>
+              </a:lnSpc>
+              <a:spcBef>
+                <a:spcPts val="500"/>
+              </a:spcBef>
+              <a:buFont typeface="Arial" panose="020B0604020202020204" pitchFamily="34" charset="0"/>
+              <a:buChar char="•"/>
+              <a:defRPr sz="2000" kern="1200">
+                <a:solidFill>
+                  <a:schemeClr val="tx1"/>
+                </a:solidFill>
+                <a:latin typeface="+mn-lt"/>
+                <a:ea typeface="+mn-ea"/>
+                <a:cs typeface="+mn-cs"/>
+              </a:defRPr>
+            </a:lvl3pPr>
+            <a:lvl4pPr marL="1600200" indent="-228600" algn="l" defTabSz="914400" rtl="0" eaLnBrk="1" latinLnBrk="0" hangingPunct="1">
+              <a:lnSpc>
+                <a:spcPct val="90000"/>
+              </a:lnSpc>
+              <a:spcBef>
+                <a:spcPts val="500"/>
+              </a:spcBef>
+              <a:buFont typeface="Arial" panose="020B0604020202020204" pitchFamily="34" charset="0"/>
+              <a:buChar char="•"/>
+              <a:defRPr sz="1800" kern="1200">
+                <a:solidFill>
+                  <a:schemeClr val="tx1"/>
+                </a:solidFill>
+                <a:latin typeface="+mn-lt"/>
+                <a:ea typeface="+mn-ea"/>
+                <a:cs typeface="+mn-cs"/>
+              </a:defRPr>
+            </a:lvl4pPr>
+            <a:lvl5pPr marL="2057400" indent="-228600" algn="l" defTabSz="914400" rtl="0" eaLnBrk="1" latinLnBrk="0" hangingPunct="1">
+              <a:lnSpc>
+                <a:spcPct val="90000"/>
+              </a:lnSpc>
+              <a:spcBef>
+                <a:spcPts val="500"/>
+              </a:spcBef>
+              <a:buFont typeface="Arial" panose="020B0604020202020204" pitchFamily="34" charset="0"/>
+              <a:buChar char="•"/>
+              <a:defRPr sz="1800" kern="1200">
+                <a:solidFill>
+                  <a:schemeClr val="tx1"/>
+                </a:solidFill>
+                <a:latin typeface="+mn-lt"/>
+                <a:ea typeface="+mn-ea"/>
+                <a:cs typeface="+mn-cs"/>
+              </a:defRPr>
+            </a:lvl5pPr>
+            <a:lvl6pPr marL="2514600" indent="-228600" algn="l" defTabSz="914400" rtl="0" eaLnBrk="1" latinLnBrk="0" hangingPunct="1">
+              <a:lnSpc>
+                <a:spcPct val="90000"/>
+              </a:lnSpc>
+              <a:spcBef>
+                <a:spcPts val="500"/>
+              </a:spcBef>
+              <a:buFont typeface="Arial" panose="020B0604020202020204" pitchFamily="34" charset="0"/>
+              <a:buChar char="•"/>
+              <a:defRPr sz="1800" kern="1200">
+                <a:solidFill>
+                  <a:schemeClr val="tx1"/>
+                </a:solidFill>
+                <a:latin typeface="+mn-lt"/>
+                <a:ea typeface="+mn-ea"/>
+                <a:cs typeface="+mn-cs"/>
+              </a:defRPr>
+            </a:lvl6pPr>
+            <a:lvl7pPr marL="2971800" indent="-228600" algn="l" defTabSz="914400" rtl="0" eaLnBrk="1" latinLnBrk="0" hangingPunct="1">
+              <a:lnSpc>
+                <a:spcPct val="90000"/>
+              </a:lnSpc>
+              <a:spcBef>
+                <a:spcPts val="500"/>
+              </a:spcBef>
+              <a:buFont typeface="Arial" panose="020B0604020202020204" pitchFamily="34" charset="0"/>
+              <a:buChar char="•"/>
+              <a:defRPr sz="1800" kern="1200">
+                <a:solidFill>
+                  <a:schemeClr val="tx1"/>
+                </a:solidFill>
+                <a:latin typeface="+mn-lt"/>
+                <a:ea typeface="+mn-ea"/>
+                <a:cs typeface="+mn-cs"/>
+              </a:defRPr>
+            </a:lvl7pPr>
+            <a:lvl8pPr marL="3429000" indent="-228600" algn="l" defTabSz="914400" rtl="0" eaLnBrk="1" latinLnBrk="0" hangingPunct="1">
+              <a:lnSpc>
+                <a:spcPct val="90000"/>
+              </a:lnSpc>
+              <a:spcBef>
+                <a:spcPts val="500"/>
+              </a:spcBef>
+              <a:buFont typeface="Arial" panose="020B0604020202020204" pitchFamily="34" charset="0"/>
+              <a:buChar char="•"/>
+              <a:defRPr sz="1800" kern="1200">
+                <a:solidFill>
+                  <a:schemeClr val="tx1"/>
+                </a:solidFill>
+                <a:latin typeface="+mn-lt"/>
+                <a:ea typeface="+mn-ea"/>
+                <a:cs typeface="+mn-cs"/>
+              </a:defRPr>
+            </a:lvl8pPr>
+            <a:lvl9pPr marL="3886200" indent="-228600" algn="l" defTabSz="914400" rtl="0" eaLnBrk="1" latinLnBrk="0" hangingPunct="1">
+              <a:lnSpc>
+                <a:spcPct val="90000"/>
+              </a:lnSpc>
+              <a:spcBef>
+                <a:spcPts val="500"/>
+              </a:spcBef>
+              <a:buFont typeface="Arial" panose="020B0604020202020204" pitchFamily="34" charset="0"/>
+              <a:buChar char="•"/>
+              <a:defRPr sz="1800" kern="1200">
+                <a:solidFill>
+                  <a:schemeClr val="tx1"/>
+                </a:solidFill>
+                <a:latin typeface="+mn-lt"/>
+                <a:ea typeface="+mn-ea"/>
+                <a:cs typeface="+mn-cs"/>
+              </a:defRPr>
+            </a:lvl9pPr>
+          </a:lstStyle>
+          <a:p>
+            <a:pPr marL="0" indent="0" algn="ctr">
+              <a:buNone/>
+            </a:pPr>
+            <a:r>
+              <a:rPr lang="de-DE" sz="3600" dirty="0"/>
+              <a:t>Evolution des Systems</a:t>
+            </a:r>
+          </a:p>
+        </p:txBody>
+      </p:sp>
+      <p:sp>
+        <p:nvSpPr>
+          <p:cNvPr id="7" name="TextBox 6"/>
+          <p:cNvSpPr txBox="1"/>
+          <p:nvPr/>
+        </p:nvSpPr>
+        <p:spPr>
+          <a:xfrm>
+            <a:off x="401471" y="1175329"/>
+            <a:ext cx="2529736" cy="523220"/>
+          </a:xfrm>
+          <a:prstGeom prst="rect">
+            <a:avLst/>
+          </a:prstGeom>
+          <a:noFill/>
+        </p:spPr>
+        <p:txBody>
+          <a:bodyPr wrap="square" rtlCol="0">
+            <a:spAutoFit/>
+          </a:bodyPr>
+          <a:lstStyle/>
+          <a:p>
+            <a:r>
+              <a:rPr lang="de-DE" sz="2800" dirty="0"/>
+              <a:t>Transformation </a:t>
+            </a:r>
+          </a:p>
+        </p:txBody>
+      </p:sp>
+      <p:sp>
+        <p:nvSpPr>
+          <p:cNvPr id="18" name="Textfeld 17">
+            <a:extLst>
+              <a:ext uri="{FF2B5EF4-FFF2-40B4-BE49-F238E27FC236}">
+                <a16:creationId xmlns:a16="http://schemas.microsoft.com/office/drawing/2014/main" id="{B876B811-5ABD-4E20-9CB1-12A5781F5738}"/>
+              </a:ext>
+            </a:extLst>
+          </p:cNvPr>
+          <p:cNvSpPr txBox="1"/>
+          <p:nvPr/>
+        </p:nvSpPr>
+        <p:spPr>
+          <a:xfrm>
+            <a:off x="8726680" y="1324351"/>
+            <a:ext cx="2646812" cy="369332"/>
+          </a:xfrm>
+          <a:prstGeom prst="rect">
+            <a:avLst/>
+          </a:prstGeom>
+          <a:noFill/>
+        </p:spPr>
+        <p:txBody>
+          <a:bodyPr wrap="square" rtlCol="0">
+            <a:spAutoFit/>
+          </a:bodyPr>
+          <a:lstStyle/>
+          <a:p>
+            <a:r>
+              <a:rPr lang="de-DE" dirty="0"/>
+              <a:t>Fehler!</a:t>
+            </a:r>
+          </a:p>
+        </p:txBody>
+      </p:sp>
+      <p:sp>
+        <p:nvSpPr>
+          <p:cNvPr id="8" name="Textfeld 7">
+            <a:extLst>
+              <a:ext uri="{FF2B5EF4-FFF2-40B4-BE49-F238E27FC236}">
+                <a16:creationId xmlns:a16="http://schemas.microsoft.com/office/drawing/2014/main" id="{BD9D6613-68FA-4599-9D1C-E43BCCB5BB8E}"/>
+              </a:ext>
+            </a:extLst>
+          </p:cNvPr>
+          <p:cNvSpPr txBox="1"/>
+          <p:nvPr/>
+        </p:nvSpPr>
+        <p:spPr>
+          <a:xfrm>
+            <a:off x="472905" y="1635168"/>
+            <a:ext cx="6513816" cy="923330"/>
+          </a:xfrm>
+          <a:prstGeom prst="rect">
+            <a:avLst/>
+          </a:prstGeom>
+          <a:noFill/>
+        </p:spPr>
+        <p:txBody>
+          <a:bodyPr wrap="square" rtlCol="0">
+            <a:spAutoFit/>
+          </a:bodyPr>
+          <a:lstStyle/>
+          <a:p>
+            <a:r>
+              <a:rPr lang="de-DE" dirty="0"/>
+              <a:t>Lösung 1:</a:t>
+            </a:r>
+          </a:p>
+          <a:p>
+            <a:r>
+              <a:rPr lang="de-DE" dirty="0"/>
+              <a:t>Statt selbst implementierten Skalierung, Rotation und Translation, nutzen wir von GLM gegebenen Funktion. </a:t>
+            </a:r>
+          </a:p>
+        </p:txBody>
+      </p:sp>
+      <p:pic>
+        <p:nvPicPr>
+          <p:cNvPr id="10" name="Grafik 9">
+            <a:extLst>
+              <a:ext uri="{FF2B5EF4-FFF2-40B4-BE49-F238E27FC236}">
+                <a16:creationId xmlns:a16="http://schemas.microsoft.com/office/drawing/2014/main" id="{7C1DF412-F438-4913-BD7E-78DB51915227}"/>
+              </a:ext>
+            </a:extLst>
+          </p:cNvPr>
+          <p:cNvPicPr>
+            <a:picLocks noChangeAspect="1"/>
+          </p:cNvPicPr>
+          <p:nvPr/>
+        </p:nvPicPr>
+        <p:blipFill>
+          <a:blip r:embed="rId4">
+            <a:extLst>
+              <a:ext uri="{28A0092B-C50C-407E-A947-70E740481C1C}">
+                <a14:useLocalDpi xmlns:a14="http://schemas.microsoft.com/office/drawing/2010/main" val="0"/>
+              </a:ext>
+            </a:extLst>
+          </a:blip>
+          <a:stretch>
+            <a:fillRect/>
+          </a:stretch>
+        </p:blipFill>
+        <p:spPr>
+          <a:xfrm>
+            <a:off x="556449" y="3176779"/>
+            <a:ext cx="6430272" cy="352474"/>
+          </a:xfrm>
+          <a:prstGeom prst="rect">
+            <a:avLst/>
+          </a:prstGeom>
+        </p:spPr>
+      </p:pic>
+      <p:pic>
+        <p:nvPicPr>
+          <p:cNvPr id="12" name="Grafik 11">
+            <a:extLst>
+              <a:ext uri="{FF2B5EF4-FFF2-40B4-BE49-F238E27FC236}">
+                <a16:creationId xmlns:a16="http://schemas.microsoft.com/office/drawing/2014/main" id="{1853E116-1907-4CEC-BF91-6A2DE4EDD24E}"/>
+              </a:ext>
+            </a:extLst>
+          </p:cNvPr>
+          <p:cNvPicPr>
+            <a:picLocks noChangeAspect="1"/>
+          </p:cNvPicPr>
+          <p:nvPr/>
+        </p:nvPicPr>
+        <p:blipFill>
+          <a:blip r:embed="rId5">
+            <a:extLst>
+              <a:ext uri="{28A0092B-C50C-407E-A947-70E740481C1C}">
+                <a14:useLocalDpi xmlns:a14="http://schemas.microsoft.com/office/drawing/2010/main" val="0"/>
+              </a:ext>
+            </a:extLst>
+          </a:blip>
+          <a:stretch>
+            <a:fillRect/>
+          </a:stretch>
+        </p:blipFill>
+        <p:spPr>
+          <a:xfrm>
+            <a:off x="556449" y="2897331"/>
+            <a:ext cx="4887007" cy="333422"/>
+          </a:xfrm>
+          <a:prstGeom prst="rect">
+            <a:avLst/>
+          </a:prstGeom>
+        </p:spPr>
+      </p:pic>
+      <p:pic>
+        <p:nvPicPr>
+          <p:cNvPr id="15" name="Grafik 14">
+            <a:extLst>
+              <a:ext uri="{FF2B5EF4-FFF2-40B4-BE49-F238E27FC236}">
+                <a16:creationId xmlns:a16="http://schemas.microsoft.com/office/drawing/2014/main" id="{92CA5C78-9D5D-46F6-BA91-B793858B1D8F}"/>
+              </a:ext>
+            </a:extLst>
+          </p:cNvPr>
+          <p:cNvPicPr>
+            <a:picLocks noChangeAspect="1"/>
+          </p:cNvPicPr>
+          <p:nvPr/>
+        </p:nvPicPr>
+        <p:blipFill>
+          <a:blip r:embed="rId6">
+            <a:extLst>
+              <a:ext uri="{28A0092B-C50C-407E-A947-70E740481C1C}">
+                <a14:useLocalDpi xmlns:a14="http://schemas.microsoft.com/office/drawing/2010/main" val="0"/>
+              </a:ext>
+            </a:extLst>
+          </a:blip>
+          <a:stretch>
+            <a:fillRect/>
+          </a:stretch>
+        </p:blipFill>
+        <p:spPr>
+          <a:xfrm>
+            <a:off x="556449" y="2598831"/>
+            <a:ext cx="5744377" cy="323895"/>
+          </a:xfrm>
+          <a:prstGeom prst="rect">
+            <a:avLst/>
+          </a:prstGeom>
+        </p:spPr>
+      </p:pic>
+      <p:sp>
+        <p:nvSpPr>
+          <p:cNvPr id="19" name="Textfeld 18">
+            <a:extLst>
+              <a:ext uri="{FF2B5EF4-FFF2-40B4-BE49-F238E27FC236}">
+                <a16:creationId xmlns:a16="http://schemas.microsoft.com/office/drawing/2014/main" id="{8C60D714-A774-4CF8-9E81-77BDC1BB7CB7}"/>
+              </a:ext>
+            </a:extLst>
+          </p:cNvPr>
+          <p:cNvSpPr txBox="1"/>
+          <p:nvPr/>
+        </p:nvSpPr>
+        <p:spPr>
+          <a:xfrm>
+            <a:off x="556449" y="3748577"/>
+            <a:ext cx="6513816" cy="646331"/>
+          </a:xfrm>
+          <a:prstGeom prst="rect">
+            <a:avLst/>
+          </a:prstGeom>
+          <a:noFill/>
+        </p:spPr>
+        <p:txBody>
+          <a:bodyPr wrap="square" rtlCol="0">
+            <a:spAutoFit/>
+          </a:bodyPr>
+          <a:lstStyle/>
+          <a:p>
+            <a:r>
+              <a:rPr lang="de-DE" dirty="0"/>
+              <a:t>Lösung 2:</a:t>
+            </a:r>
+          </a:p>
+          <a:p>
+            <a:r>
+              <a:rPr lang="de-DE" dirty="0"/>
+              <a:t>Wir korrigieren den transformierte Strahl.</a:t>
+            </a:r>
+          </a:p>
+        </p:txBody>
+      </p:sp>
+      <p:pic>
+        <p:nvPicPr>
+          <p:cNvPr id="20" name="Grafik 19">
+            <a:extLst>
+              <a:ext uri="{FF2B5EF4-FFF2-40B4-BE49-F238E27FC236}">
+                <a16:creationId xmlns:a16="http://schemas.microsoft.com/office/drawing/2014/main" id="{637D8D4A-162B-44CA-9F73-F2CF478D0750}"/>
+              </a:ext>
+            </a:extLst>
+          </p:cNvPr>
+          <p:cNvPicPr>
+            <a:picLocks noChangeAspect="1"/>
+          </p:cNvPicPr>
+          <p:nvPr/>
+        </p:nvPicPr>
+        <p:blipFill>
+          <a:blip r:embed="rId7">
+            <a:extLst>
+              <a:ext uri="{28A0092B-C50C-407E-A947-70E740481C1C}">
+                <a14:useLocalDpi xmlns:a14="http://schemas.microsoft.com/office/drawing/2010/main" val="0"/>
+              </a:ext>
+            </a:extLst>
+          </a:blip>
+          <a:stretch>
+            <a:fillRect/>
+          </a:stretch>
+        </p:blipFill>
+        <p:spPr>
+          <a:xfrm>
+            <a:off x="556449" y="5768890"/>
+            <a:ext cx="9097645" cy="485843"/>
+          </a:xfrm>
+          <a:prstGeom prst="rect">
+            <a:avLst/>
+          </a:prstGeom>
+        </p:spPr>
+      </p:pic>
+      <p:sp>
+        <p:nvSpPr>
+          <p:cNvPr id="24" name="Textfeld 23">
+            <a:extLst>
+              <a:ext uri="{FF2B5EF4-FFF2-40B4-BE49-F238E27FC236}">
+                <a16:creationId xmlns:a16="http://schemas.microsoft.com/office/drawing/2014/main" id="{0EB49B03-61D4-4E6D-ACB5-0FE502B6E022}"/>
+              </a:ext>
+            </a:extLst>
+          </p:cNvPr>
+          <p:cNvSpPr txBox="1"/>
+          <p:nvPr/>
+        </p:nvSpPr>
+        <p:spPr>
+          <a:xfrm>
+            <a:off x="520613" y="4877892"/>
+            <a:ext cx="6513816" cy="923330"/>
+          </a:xfrm>
+          <a:prstGeom prst="rect">
+            <a:avLst/>
+          </a:prstGeom>
+          <a:noFill/>
+        </p:spPr>
+        <p:txBody>
+          <a:bodyPr wrap="square" rtlCol="0">
+            <a:spAutoFit/>
+          </a:bodyPr>
+          <a:lstStyle/>
+          <a:p>
+            <a:r>
+              <a:rPr lang="de-DE" dirty="0"/>
+              <a:t>Lösung 3:</a:t>
+            </a:r>
+          </a:p>
+          <a:p>
+            <a:r>
+              <a:rPr lang="de-DE" dirty="0"/>
+              <a:t>Wir rechnen die Distanz zwischen Schnittpunkt der transformierten Geometrie und Kamera wieder.</a:t>
+            </a:r>
+          </a:p>
+        </p:txBody>
+      </p:sp>
+      <p:pic>
+        <p:nvPicPr>
+          <p:cNvPr id="25" name="Grafik 24">
+            <a:extLst>
+              <a:ext uri="{FF2B5EF4-FFF2-40B4-BE49-F238E27FC236}">
+                <a16:creationId xmlns:a16="http://schemas.microsoft.com/office/drawing/2014/main" id="{A37E6C8D-0BE4-4454-8BD2-E3A7B6312D99}"/>
+              </a:ext>
+            </a:extLst>
+          </p:cNvPr>
+          <p:cNvPicPr>
+            <a:picLocks noChangeAspect="1"/>
+          </p:cNvPicPr>
+          <p:nvPr/>
+        </p:nvPicPr>
+        <p:blipFill>
+          <a:blip r:embed="rId8">
+            <a:extLst>
+              <a:ext uri="{28A0092B-C50C-407E-A947-70E740481C1C}">
+                <a14:useLocalDpi xmlns:a14="http://schemas.microsoft.com/office/drawing/2010/main" val="0"/>
+              </a:ext>
+            </a:extLst>
+          </a:blip>
+          <a:stretch>
+            <a:fillRect/>
+          </a:stretch>
+        </p:blipFill>
+        <p:spPr>
+          <a:xfrm>
+            <a:off x="607820" y="4397631"/>
+            <a:ext cx="5925377" cy="276264"/>
+          </a:xfrm>
+          <a:prstGeom prst="rect">
+            <a:avLst/>
+          </a:prstGeom>
+        </p:spPr>
+      </p:pic>
+      <p:pic>
+        <p:nvPicPr>
+          <p:cNvPr id="28" name="Grafik 27">
+            <a:extLst>
+              <a:ext uri="{FF2B5EF4-FFF2-40B4-BE49-F238E27FC236}">
+                <a16:creationId xmlns:a16="http://schemas.microsoft.com/office/drawing/2014/main" id="{6D8BB6AB-0D3C-407A-A1BC-DDE56C59A5FD}"/>
+              </a:ext>
+            </a:extLst>
+          </p:cNvPr>
+          <p:cNvPicPr>
+            <a:picLocks noChangeAspect="1"/>
+          </p:cNvPicPr>
+          <p:nvPr/>
+        </p:nvPicPr>
+        <p:blipFill>
+          <a:blip r:embed="rId9">
+            <a:extLst>
+              <a:ext uri="{28A0092B-C50C-407E-A947-70E740481C1C}">
+                <a14:useLocalDpi xmlns:a14="http://schemas.microsoft.com/office/drawing/2010/main" val="0"/>
+              </a:ext>
+            </a:extLst>
+          </a:blip>
+          <a:stretch>
+            <a:fillRect/>
+          </a:stretch>
+        </p:blipFill>
+        <p:spPr>
+          <a:xfrm>
+            <a:off x="607820" y="4656815"/>
+            <a:ext cx="7087589" cy="238158"/>
+          </a:xfrm>
+          <a:prstGeom prst="rect">
+            <a:avLst/>
+          </a:prstGeom>
+        </p:spPr>
+      </p:pic>
+    </p:spTree>
+    <p:extLst>
+      <p:ext uri="{BB962C8B-B14F-4D97-AF65-F5344CB8AC3E}">
+        <p14:creationId xmlns:p14="http://schemas.microsoft.com/office/powerpoint/2010/main" val="907062341"/>
+      </p:ext>
+    </p:extLst>
+  </p:cSld>
+  <p:clrMapOvr>
+    <a:masterClrMapping/>
+  </p:clrMapOvr>
+</p:sld>
+</file>
+
+<file path=ppt/slides/slide12.xml><?xml version="1.0" encoding="utf-8"?>
+<p:sld xmlns:a="http://schemas.openxmlformats.org/drawingml/2006/main" xmlns:r="http://schemas.openxmlformats.org/officeDocument/2006/relationships" xmlns:p="http://schemas.openxmlformats.org/presentationml/2006/main">
+  <p:cSld>
+    <p:spTree>
+      <p:nvGrpSpPr>
+        <p:cNvPr id="1" name=""/>
+        <p:cNvGrpSpPr/>
+        <p:nvPr/>
+      </p:nvGrpSpPr>
+      <p:grpSpPr>
+        <a:xfrm>
+          <a:off x="0" y="0"/>
+          <a:ext cx="0" cy="0"/>
+          <a:chOff x="0" y="0"/>
+          <a:chExt cx="0" cy="0"/>
+        </a:xfrm>
+      </p:grpSpPr>
+      <p:sp>
+        <p:nvSpPr>
+          <p:cNvPr id="2" name="Date Placeholder 2">
+            <a:extLst>
+              <a:ext uri="{FF2B5EF4-FFF2-40B4-BE49-F238E27FC236}">
+                <a16:creationId xmlns:a16="http://schemas.microsoft.com/office/drawing/2014/main" id="{180FC470-B565-4FB6-B0D5-7C8F5744990B}"/>
+              </a:ext>
+            </a:extLst>
+          </p:cNvPr>
+          <p:cNvSpPr>
+            <a:spLocks noGrp="1"/>
+          </p:cNvSpPr>
+          <p:nvPr>
+            <p:ph type="dt" sz="half" idx="10"/>
+          </p:nvPr>
+        </p:nvSpPr>
+        <p:spPr>
+          <a:xfrm>
+            <a:off x="7819457" y="6310312"/>
+            <a:ext cx="3971073" cy="365125"/>
+          </a:xfrm>
+        </p:spPr>
+        <p:txBody>
+          <a:bodyPr/>
+          <a:lstStyle>
+            <a:lvl1pPr>
+              <a:defRPr>
+                <a:solidFill>
+                  <a:schemeClr val="tx1"/>
+                </a:solidFill>
+                <a:latin typeface="Arial" panose="020B0604020202020204" pitchFamily="34" charset="0"/>
+                <a:cs typeface="Arial" panose="020B0604020202020204" pitchFamily="34" charset="0"/>
+              </a:defRPr>
+            </a:lvl1pPr>
+          </a:lstStyle>
+          <a:p>
+            <a:r>
+              <a:rPr lang="en-IN" dirty="0" err="1"/>
+              <a:t>Nhu</a:t>
+            </a:r>
+            <a:r>
+              <a:rPr lang="en-IN" dirty="0"/>
+              <a:t> </a:t>
+            </a:r>
+            <a:r>
+              <a:rPr lang="en-IN" dirty="0" err="1"/>
+              <a:t>Quang</a:t>
+            </a:r>
+            <a:r>
+              <a:rPr lang="en-IN" dirty="0"/>
+              <a:t> Dang, </a:t>
+            </a:r>
+            <a:r>
+              <a:rPr lang="en-IN" dirty="0" err="1"/>
+              <a:t>Chandrautama</a:t>
+            </a:r>
+            <a:r>
+              <a:rPr lang="en-IN" dirty="0"/>
+              <a:t> Lucky| </a:t>
+            </a:r>
+            <a:r>
+              <a:rPr lang="en-IN" dirty="0" err="1">
+                <a:solidFill>
+                  <a:schemeClr val="tx1">
+                    <a:lumMod val="50000"/>
+                    <a:lumOff val="50000"/>
+                  </a:schemeClr>
+                </a:solidFill>
+              </a:rPr>
+              <a:t>Sose</a:t>
+            </a:r>
+            <a:r>
+              <a:rPr lang="en-IN" dirty="0">
+                <a:solidFill>
+                  <a:schemeClr val="tx1">
+                    <a:lumMod val="50000"/>
+                    <a:lumOff val="50000"/>
+                  </a:schemeClr>
+                </a:solidFill>
+              </a:rPr>
+              <a:t> 2018</a:t>
+            </a:r>
+          </a:p>
+        </p:txBody>
+      </p:sp>
+      <p:sp>
+        <p:nvSpPr>
+          <p:cNvPr id="3" name="Footer Placeholder 3">
+            <a:extLst>
+              <a:ext uri="{FF2B5EF4-FFF2-40B4-BE49-F238E27FC236}">
+                <a16:creationId xmlns:a16="http://schemas.microsoft.com/office/drawing/2014/main" id="{AA1A078D-2DA1-41AC-A894-48E19FF3FAE3}"/>
+              </a:ext>
+            </a:extLst>
+          </p:cNvPr>
+          <p:cNvSpPr>
+            <a:spLocks noGrp="1"/>
+          </p:cNvSpPr>
+          <p:nvPr>
+            <p:ph type="ftr" sz="quarter" idx="11"/>
+          </p:nvPr>
+        </p:nvSpPr>
+        <p:spPr>
+          <a:xfrm>
+            <a:off x="401470" y="6320453"/>
+            <a:ext cx="2123366" cy="365125"/>
+          </a:xfrm>
+        </p:spPr>
+        <p:style>
+          <a:lnRef idx="2">
+            <a:schemeClr val="dk1">
+              <a:shade val="50000"/>
+            </a:schemeClr>
+          </a:lnRef>
+          <a:fillRef idx="1">
+            <a:schemeClr val="dk1"/>
+          </a:fillRef>
+          <a:effectRef idx="0">
+            <a:schemeClr val="dk1"/>
+          </a:effectRef>
+          <a:fontRef idx="minor">
+            <a:schemeClr val="lt1"/>
+          </a:fontRef>
+        </p:style>
+        <p:txBody>
+          <a:bodyPr/>
+          <a:lstStyle>
+            <a:lvl1pPr>
+              <a:defRPr>
+                <a:solidFill>
+                  <a:schemeClr val="bg1"/>
+                </a:solidFill>
+                <a:latin typeface="Arial" panose="020B0604020202020204" pitchFamily="34" charset="0"/>
+                <a:cs typeface="Arial" panose="020B0604020202020204" pitchFamily="34" charset="0"/>
+              </a:defRPr>
+            </a:lvl1pPr>
+          </a:lstStyle>
+          <a:p>
+            <a:r>
+              <a:rPr lang="en-IN" dirty="0"/>
+              <a:t>Bauhaus-Universit</a:t>
+            </a:r>
+            <a:r>
+              <a:rPr lang="en-IN" b="1" dirty="0"/>
+              <a:t>ä</a:t>
+            </a:r>
+            <a:r>
+              <a:rPr lang="en-IN" dirty="0"/>
+              <a:t>t Weimar</a:t>
+            </a:r>
+          </a:p>
+        </p:txBody>
+      </p:sp>
+      <p:sp>
+        <p:nvSpPr>
+          <p:cNvPr id="4" name="Date Placeholder 2">
+            <a:extLst>
+              <a:ext uri="{FF2B5EF4-FFF2-40B4-BE49-F238E27FC236}">
+                <a16:creationId xmlns:a16="http://schemas.microsoft.com/office/drawing/2014/main" id="{254BB5F0-2280-4072-A92F-9321101FB009}"/>
+              </a:ext>
+            </a:extLst>
+          </p:cNvPr>
+          <p:cNvSpPr txBox="1">
+            <a:spLocks/>
+          </p:cNvSpPr>
+          <p:nvPr/>
+        </p:nvSpPr>
+        <p:spPr>
+          <a:xfrm>
+            <a:off x="2553252" y="6326232"/>
+            <a:ext cx="4271618" cy="365125"/>
+          </a:xfrm>
+          <a:prstGeom prst="rect">
+            <a:avLst/>
+          </a:prstGeom>
+        </p:spPr>
+        <p:txBody>
+          <a:bodyPr vert="horz" lIns="91440" tIns="45720" rIns="91440" bIns="45720" rtlCol="0" anchor="ctr"/>
+          <a:lstStyle>
+            <a:defPPr>
+              <a:defRPr lang="en-US"/>
+            </a:defPPr>
+            <a:lvl1pPr marL="0" algn="l" defTabSz="914400" rtl="0" eaLnBrk="1" latinLnBrk="0" hangingPunct="1">
+              <a:defRPr sz="1200" kern="1200">
+                <a:solidFill>
+                  <a:schemeClr val="tx1"/>
+                </a:solidFill>
+                <a:latin typeface="Arial" panose="020B0604020202020204" pitchFamily="34" charset="0"/>
+                <a:ea typeface="+mn-ea"/>
+                <a:cs typeface="Arial" panose="020B0604020202020204" pitchFamily="34" charset="0"/>
+              </a:defRPr>
+            </a:lvl1pPr>
+            <a:lvl2pPr marL="457200" algn="l" defTabSz="914400" rtl="0" eaLnBrk="1" latinLnBrk="0" hangingPunct="1">
+              <a:defRPr sz="1800" kern="1200">
+                <a:solidFill>
+                  <a:schemeClr val="tx1"/>
+                </a:solidFill>
+                <a:latin typeface="+mn-lt"/>
+                <a:ea typeface="+mn-ea"/>
+                <a:cs typeface="+mn-cs"/>
+              </a:defRPr>
+            </a:lvl2pPr>
+            <a:lvl3pPr marL="914400" algn="l" defTabSz="914400" rtl="0" eaLnBrk="1" latinLnBrk="0" hangingPunct="1">
+              <a:defRPr sz="1800" kern="1200">
+                <a:solidFill>
+                  <a:schemeClr val="tx1"/>
+                </a:solidFill>
+                <a:latin typeface="+mn-lt"/>
+                <a:ea typeface="+mn-ea"/>
+                <a:cs typeface="+mn-cs"/>
+              </a:defRPr>
+            </a:lvl3pPr>
+            <a:lvl4pPr marL="1371600" algn="l" defTabSz="914400" rtl="0" eaLnBrk="1" latinLnBrk="0" hangingPunct="1">
+              <a:defRPr sz="1800" kern="1200">
+                <a:solidFill>
+                  <a:schemeClr val="tx1"/>
+                </a:solidFill>
+                <a:latin typeface="+mn-lt"/>
+                <a:ea typeface="+mn-ea"/>
+                <a:cs typeface="+mn-cs"/>
+              </a:defRPr>
+            </a:lvl4pPr>
+            <a:lvl5pPr marL="1828800" algn="l" defTabSz="914400" rtl="0" eaLnBrk="1" latinLnBrk="0" hangingPunct="1">
+              <a:defRPr sz="1800" kern="1200">
+                <a:solidFill>
+                  <a:schemeClr val="tx1"/>
+                </a:solidFill>
+                <a:latin typeface="+mn-lt"/>
+                <a:ea typeface="+mn-ea"/>
+                <a:cs typeface="+mn-cs"/>
+              </a:defRPr>
+            </a:lvl5pPr>
+            <a:lvl6pPr marL="2286000" algn="l" defTabSz="914400" rtl="0" eaLnBrk="1" latinLnBrk="0" hangingPunct="1">
+              <a:defRPr sz="1800" kern="1200">
+                <a:solidFill>
+                  <a:schemeClr val="tx1"/>
+                </a:solidFill>
+                <a:latin typeface="+mn-lt"/>
+                <a:ea typeface="+mn-ea"/>
+                <a:cs typeface="+mn-cs"/>
+              </a:defRPr>
+            </a:lvl6pPr>
+            <a:lvl7pPr marL="2743200" algn="l" defTabSz="914400" rtl="0" eaLnBrk="1" latinLnBrk="0" hangingPunct="1">
+              <a:defRPr sz="1800" kern="1200">
+                <a:solidFill>
+                  <a:schemeClr val="tx1"/>
+                </a:solidFill>
+                <a:latin typeface="+mn-lt"/>
+                <a:ea typeface="+mn-ea"/>
+                <a:cs typeface="+mn-cs"/>
+              </a:defRPr>
+            </a:lvl7pPr>
+            <a:lvl8pPr marL="3200400" algn="l" defTabSz="914400" rtl="0" eaLnBrk="1" latinLnBrk="0" hangingPunct="1">
+              <a:defRPr sz="1800" kern="1200">
+                <a:solidFill>
+                  <a:schemeClr val="tx1"/>
+                </a:solidFill>
+                <a:latin typeface="+mn-lt"/>
+                <a:ea typeface="+mn-ea"/>
+                <a:cs typeface="+mn-cs"/>
+              </a:defRPr>
+            </a:lvl8pPr>
+            <a:lvl9pPr marL="3657600" algn="l" defTabSz="914400" rtl="0" eaLnBrk="1" latinLnBrk="0" hangingPunct="1">
+              <a:defRPr sz="1800" kern="1200">
+                <a:solidFill>
+                  <a:schemeClr val="tx1"/>
+                </a:solidFill>
+                <a:latin typeface="+mn-lt"/>
+                <a:ea typeface="+mn-ea"/>
+                <a:cs typeface="+mn-cs"/>
+              </a:defRPr>
+            </a:lvl9pPr>
+          </a:lstStyle>
+          <a:p>
+            <a:r>
+              <a:rPr lang="de-DE" dirty="0"/>
+              <a:t>Raytracing-System</a:t>
+            </a:r>
+            <a:endParaRPr lang="en-IN" b="1" dirty="0">
+              <a:solidFill>
+                <a:schemeClr val="tx1">
+                  <a:lumMod val="50000"/>
+                  <a:lumOff val="50000"/>
+                </a:schemeClr>
+              </a:solidFill>
+            </a:endParaRPr>
+          </a:p>
+        </p:txBody>
+      </p:sp>
+      <p:cxnSp>
+        <p:nvCxnSpPr>
+          <p:cNvPr id="5" name="Straight Connector 4">
+            <a:extLst>
+              <a:ext uri="{FF2B5EF4-FFF2-40B4-BE49-F238E27FC236}">
+                <a16:creationId xmlns:a16="http://schemas.microsoft.com/office/drawing/2014/main" id="{0B6697B4-1AD9-4089-92FD-6CFE29B6E807}"/>
+              </a:ext>
+            </a:extLst>
+          </p:cNvPr>
+          <p:cNvCxnSpPr>
+            <a:cxnSpLocks/>
+          </p:cNvCxnSpPr>
+          <p:nvPr/>
+        </p:nvCxnSpPr>
+        <p:spPr>
+          <a:xfrm>
+            <a:off x="0" y="6310312"/>
+            <a:ext cx="12192000" cy="0"/>
+          </a:xfrm>
+          <a:prstGeom prst="line">
+            <a:avLst/>
+          </a:prstGeom>
+          <a:ln/>
+        </p:spPr>
+        <p:style>
+          <a:lnRef idx="3">
+            <a:schemeClr val="dk1"/>
+          </a:lnRef>
+          <a:fillRef idx="0">
+            <a:schemeClr val="dk1"/>
+          </a:fillRef>
+          <a:effectRef idx="2">
+            <a:schemeClr val="dk1"/>
+          </a:effectRef>
+          <a:fontRef idx="minor">
+            <a:schemeClr val="tx1"/>
+          </a:fontRef>
+        </p:style>
+      </p:cxnSp>
+      <p:sp>
+        <p:nvSpPr>
+          <p:cNvPr id="6" name="Subtitle 1"/>
+          <p:cNvSpPr txBox="1">
+            <a:spLocks/>
+          </p:cNvSpPr>
+          <p:nvPr/>
+        </p:nvSpPr>
+        <p:spPr>
+          <a:xfrm>
+            <a:off x="3465319" y="563117"/>
+            <a:ext cx="5261361" cy="952870"/>
+          </a:xfrm>
+          <a:prstGeom prst="rect">
+            <a:avLst/>
+          </a:prstGeom>
+        </p:spPr>
+        <p:txBody>
+          <a:bodyPr>
+            <a:normAutofit/>
+          </a:bodyPr>
+          <a:lstStyle>
+            <a:lvl1pPr marL="228600" indent="-228600" algn="l" defTabSz="914400" rtl="0" eaLnBrk="1" latinLnBrk="0" hangingPunct="1">
+              <a:lnSpc>
+                <a:spcPct val="90000"/>
+              </a:lnSpc>
+              <a:spcBef>
+                <a:spcPts val="1000"/>
+              </a:spcBef>
+              <a:buFont typeface="Arial" panose="020B0604020202020204" pitchFamily="34" charset="0"/>
+              <a:buChar char="•"/>
+              <a:defRPr sz="2800" kern="1200">
+                <a:solidFill>
+                  <a:schemeClr val="tx1"/>
+                </a:solidFill>
+                <a:latin typeface="+mn-lt"/>
+                <a:ea typeface="+mn-ea"/>
+                <a:cs typeface="+mn-cs"/>
+              </a:defRPr>
+            </a:lvl1pPr>
+            <a:lvl2pPr marL="685800" indent="-228600" algn="l" defTabSz="914400" rtl="0" eaLnBrk="1" latinLnBrk="0" hangingPunct="1">
+              <a:lnSpc>
+                <a:spcPct val="90000"/>
+              </a:lnSpc>
+              <a:spcBef>
+                <a:spcPts val="500"/>
+              </a:spcBef>
+              <a:buFont typeface="Arial" panose="020B0604020202020204" pitchFamily="34" charset="0"/>
+              <a:buChar char="•"/>
+              <a:defRPr sz="2400" kern="1200">
+                <a:solidFill>
+                  <a:schemeClr val="tx1"/>
+                </a:solidFill>
+                <a:latin typeface="+mn-lt"/>
+                <a:ea typeface="+mn-ea"/>
+                <a:cs typeface="+mn-cs"/>
+              </a:defRPr>
+            </a:lvl2pPr>
+            <a:lvl3pPr marL="1143000" indent="-228600" algn="l" defTabSz="914400" rtl="0" eaLnBrk="1" latinLnBrk="0" hangingPunct="1">
+              <a:lnSpc>
+                <a:spcPct val="90000"/>
+              </a:lnSpc>
+              <a:spcBef>
+                <a:spcPts val="500"/>
+              </a:spcBef>
+              <a:buFont typeface="Arial" panose="020B0604020202020204" pitchFamily="34" charset="0"/>
+              <a:buChar char="•"/>
+              <a:defRPr sz="2000" kern="1200">
+                <a:solidFill>
+                  <a:schemeClr val="tx1"/>
+                </a:solidFill>
+                <a:latin typeface="+mn-lt"/>
+                <a:ea typeface="+mn-ea"/>
+                <a:cs typeface="+mn-cs"/>
+              </a:defRPr>
+            </a:lvl3pPr>
+            <a:lvl4pPr marL="1600200" indent="-228600" algn="l" defTabSz="914400" rtl="0" eaLnBrk="1" latinLnBrk="0" hangingPunct="1">
+              <a:lnSpc>
+                <a:spcPct val="90000"/>
+              </a:lnSpc>
+              <a:spcBef>
+                <a:spcPts val="500"/>
+              </a:spcBef>
+              <a:buFont typeface="Arial" panose="020B0604020202020204" pitchFamily="34" charset="0"/>
+              <a:buChar char="•"/>
+              <a:defRPr sz="1800" kern="1200">
+                <a:solidFill>
+                  <a:schemeClr val="tx1"/>
+                </a:solidFill>
+                <a:latin typeface="+mn-lt"/>
+                <a:ea typeface="+mn-ea"/>
+                <a:cs typeface="+mn-cs"/>
+              </a:defRPr>
+            </a:lvl4pPr>
+            <a:lvl5pPr marL="2057400" indent="-228600" algn="l" defTabSz="914400" rtl="0" eaLnBrk="1" latinLnBrk="0" hangingPunct="1">
+              <a:lnSpc>
+                <a:spcPct val="90000"/>
+              </a:lnSpc>
+              <a:spcBef>
+                <a:spcPts val="500"/>
+              </a:spcBef>
+              <a:buFont typeface="Arial" panose="020B0604020202020204" pitchFamily="34" charset="0"/>
+              <a:buChar char="•"/>
+              <a:defRPr sz="1800" kern="1200">
+                <a:solidFill>
+                  <a:schemeClr val="tx1"/>
+                </a:solidFill>
+                <a:latin typeface="+mn-lt"/>
+                <a:ea typeface="+mn-ea"/>
+                <a:cs typeface="+mn-cs"/>
+              </a:defRPr>
+            </a:lvl5pPr>
+            <a:lvl6pPr marL="2514600" indent="-228600" algn="l" defTabSz="914400" rtl="0" eaLnBrk="1" latinLnBrk="0" hangingPunct="1">
+              <a:lnSpc>
+                <a:spcPct val="90000"/>
+              </a:lnSpc>
+              <a:spcBef>
+                <a:spcPts val="500"/>
+              </a:spcBef>
+              <a:buFont typeface="Arial" panose="020B0604020202020204" pitchFamily="34" charset="0"/>
+              <a:buChar char="•"/>
+              <a:defRPr sz="1800" kern="1200">
+                <a:solidFill>
+                  <a:schemeClr val="tx1"/>
+                </a:solidFill>
+                <a:latin typeface="+mn-lt"/>
+                <a:ea typeface="+mn-ea"/>
+                <a:cs typeface="+mn-cs"/>
+              </a:defRPr>
+            </a:lvl6pPr>
+            <a:lvl7pPr marL="2971800" indent="-228600" algn="l" defTabSz="914400" rtl="0" eaLnBrk="1" latinLnBrk="0" hangingPunct="1">
+              <a:lnSpc>
+                <a:spcPct val="90000"/>
+              </a:lnSpc>
+              <a:spcBef>
+                <a:spcPts val="500"/>
+              </a:spcBef>
+              <a:buFont typeface="Arial" panose="020B0604020202020204" pitchFamily="34" charset="0"/>
+              <a:buChar char="•"/>
+              <a:defRPr sz="1800" kern="1200">
+                <a:solidFill>
+                  <a:schemeClr val="tx1"/>
+                </a:solidFill>
+                <a:latin typeface="+mn-lt"/>
+                <a:ea typeface="+mn-ea"/>
+                <a:cs typeface="+mn-cs"/>
+              </a:defRPr>
+            </a:lvl7pPr>
+            <a:lvl8pPr marL="3429000" indent="-228600" algn="l" defTabSz="914400" rtl="0" eaLnBrk="1" latinLnBrk="0" hangingPunct="1">
+              <a:lnSpc>
+                <a:spcPct val="90000"/>
+              </a:lnSpc>
+              <a:spcBef>
+                <a:spcPts val="500"/>
+              </a:spcBef>
+              <a:buFont typeface="Arial" panose="020B0604020202020204" pitchFamily="34" charset="0"/>
+              <a:buChar char="•"/>
+              <a:defRPr sz="1800" kern="1200">
+                <a:solidFill>
+                  <a:schemeClr val="tx1"/>
+                </a:solidFill>
+                <a:latin typeface="+mn-lt"/>
+                <a:ea typeface="+mn-ea"/>
+                <a:cs typeface="+mn-cs"/>
+              </a:defRPr>
+            </a:lvl8pPr>
+            <a:lvl9pPr marL="3886200" indent="-228600" algn="l" defTabSz="914400" rtl="0" eaLnBrk="1" latinLnBrk="0" hangingPunct="1">
+              <a:lnSpc>
+                <a:spcPct val="90000"/>
+              </a:lnSpc>
+              <a:spcBef>
+                <a:spcPts val="500"/>
+              </a:spcBef>
+              <a:buFont typeface="Arial" panose="020B0604020202020204" pitchFamily="34" charset="0"/>
+              <a:buChar char="•"/>
+              <a:defRPr sz="1800" kern="1200">
+                <a:solidFill>
+                  <a:schemeClr val="tx1"/>
+                </a:solidFill>
+                <a:latin typeface="+mn-lt"/>
+                <a:ea typeface="+mn-ea"/>
+                <a:cs typeface="+mn-cs"/>
+              </a:defRPr>
+            </a:lvl9pPr>
+          </a:lstStyle>
+          <a:p>
+            <a:pPr marL="0" indent="0" algn="ctr">
+              <a:buNone/>
+            </a:pPr>
+            <a:r>
+              <a:rPr lang="de-DE" sz="3600" dirty="0"/>
+              <a:t>Evolution des Systems</a:t>
+            </a:r>
+          </a:p>
+        </p:txBody>
+      </p:sp>
+      <p:sp>
+        <p:nvSpPr>
+          <p:cNvPr id="7" name="TextBox 6"/>
+          <p:cNvSpPr txBox="1"/>
+          <p:nvPr/>
+        </p:nvSpPr>
+        <p:spPr>
+          <a:xfrm>
+            <a:off x="401471" y="1175329"/>
+            <a:ext cx="2529736" cy="523220"/>
+          </a:xfrm>
+          <a:prstGeom prst="rect">
+            <a:avLst/>
+          </a:prstGeom>
+          <a:noFill/>
+        </p:spPr>
+        <p:txBody>
+          <a:bodyPr wrap="square" rtlCol="0">
+            <a:spAutoFit/>
+          </a:bodyPr>
+          <a:lstStyle/>
+          <a:p>
+            <a:r>
+              <a:rPr lang="de-DE" sz="2800" dirty="0"/>
+              <a:t>Animation </a:t>
+            </a:r>
+          </a:p>
+        </p:txBody>
+      </p:sp>
+      <p:sp>
+        <p:nvSpPr>
+          <p:cNvPr id="8" name="Textfeld 7">
+            <a:extLst>
+              <a:ext uri="{FF2B5EF4-FFF2-40B4-BE49-F238E27FC236}">
+                <a16:creationId xmlns:a16="http://schemas.microsoft.com/office/drawing/2014/main" id="{BD9D6613-68FA-4599-9D1C-E43BCCB5BB8E}"/>
+              </a:ext>
+            </a:extLst>
+          </p:cNvPr>
+          <p:cNvSpPr txBox="1"/>
+          <p:nvPr/>
+        </p:nvSpPr>
+        <p:spPr>
+          <a:xfrm>
+            <a:off x="401470" y="1666534"/>
+            <a:ext cx="4178993" cy="2585323"/>
+          </a:xfrm>
+          <a:prstGeom prst="rect">
+            <a:avLst/>
+          </a:prstGeom>
+          <a:noFill/>
+        </p:spPr>
+        <p:txBody>
+          <a:bodyPr wrap="square" rtlCol="0">
+            <a:spAutoFit/>
+          </a:bodyPr>
+          <a:lstStyle/>
+          <a:p>
+            <a:r>
+              <a:rPr lang="de-DE" dirty="0"/>
+              <a:t>Wir erweitern </a:t>
+            </a:r>
+            <a:r>
+              <a:rPr lang="de-DE" dirty="0" err="1"/>
+              <a:t>load_sdf</a:t>
+            </a:r>
+            <a:r>
+              <a:rPr lang="de-DE" dirty="0"/>
+              <a:t> </a:t>
+            </a:r>
+            <a:r>
+              <a:rPr lang="de-DE" dirty="0" err="1"/>
+              <a:t>funktion</a:t>
+            </a:r>
+            <a:r>
+              <a:rPr lang="de-DE" dirty="0"/>
+              <a:t> sodass es mehrere .ppm Bildner bei Ausführung des </a:t>
+            </a:r>
+            <a:r>
+              <a:rPr lang="de-DE" dirty="0" err="1"/>
+              <a:t>Program</a:t>
+            </a:r>
+            <a:r>
+              <a:rPr lang="de-DE" dirty="0"/>
+              <a:t> nur mit einer SDF </a:t>
+            </a:r>
+            <a:r>
+              <a:rPr lang="de-DE" dirty="0" err="1"/>
+              <a:t>file</a:t>
+            </a:r>
+            <a:r>
+              <a:rPr lang="de-DE" dirty="0"/>
+              <a:t>.</a:t>
+            </a:r>
+          </a:p>
+          <a:p>
+            <a:endParaRPr lang="de-DE" dirty="0"/>
+          </a:p>
+          <a:p>
+            <a:r>
+              <a:rPr lang="de-DE" dirty="0"/>
+              <a:t>Zusätzlich brauchen wir:</a:t>
+            </a:r>
+          </a:p>
+          <a:p>
+            <a:r>
+              <a:rPr lang="de-DE" dirty="0"/>
+              <a:t>1. neue SDF </a:t>
+            </a:r>
+            <a:r>
+              <a:rPr lang="de-DE" dirty="0" err="1"/>
+              <a:t>keyword</a:t>
+            </a:r>
+            <a:r>
+              <a:rPr lang="de-DE" dirty="0"/>
+              <a:t> zum Animieren.</a:t>
+            </a:r>
+          </a:p>
+          <a:p>
+            <a:r>
+              <a:rPr lang="de-DE" dirty="0"/>
+              <a:t>2. Boolean temporäre/</a:t>
+            </a:r>
+            <a:r>
+              <a:rPr lang="de-DE" dirty="0" err="1"/>
+              <a:t>local</a:t>
+            </a:r>
+            <a:r>
+              <a:rPr lang="de-DE" dirty="0"/>
+              <a:t> variable</a:t>
+            </a:r>
+          </a:p>
+          <a:p>
+            <a:r>
+              <a:rPr lang="de-DE" dirty="0"/>
+              <a:t>3. Schleife</a:t>
+            </a:r>
+          </a:p>
+          <a:p>
+            <a:r>
+              <a:rPr lang="de-DE" dirty="0"/>
+              <a:t>4. Neue </a:t>
+            </a:r>
+            <a:r>
+              <a:rPr lang="de-DE" dirty="0" err="1"/>
+              <a:t>renderer</a:t>
+            </a:r>
+            <a:r>
+              <a:rPr lang="de-DE" dirty="0"/>
+              <a:t> Instanz jede Iteration </a:t>
+            </a:r>
+          </a:p>
+        </p:txBody>
+      </p:sp>
+      <p:pic>
+        <p:nvPicPr>
+          <p:cNvPr id="11" name="Grafik 10">
+            <a:extLst>
+              <a:ext uri="{FF2B5EF4-FFF2-40B4-BE49-F238E27FC236}">
+                <a16:creationId xmlns:a16="http://schemas.microsoft.com/office/drawing/2014/main" id="{9DDA2B9E-0559-4EDC-BF95-AE46DE03A0B8}"/>
+              </a:ext>
+            </a:extLst>
+          </p:cNvPr>
+          <p:cNvPicPr>
+            <a:picLocks noChangeAspect="1"/>
+          </p:cNvPicPr>
+          <p:nvPr/>
+        </p:nvPicPr>
+        <p:blipFill rotWithShape="1">
+          <a:blip r:embed="rId3">
+            <a:extLst>
+              <a:ext uri="{28A0092B-C50C-407E-A947-70E740481C1C}">
+                <a14:useLocalDpi xmlns:a14="http://schemas.microsoft.com/office/drawing/2010/main" val="0"/>
+              </a:ext>
+            </a:extLst>
+          </a:blip>
+          <a:srcRect b="11456"/>
+          <a:stretch/>
+        </p:blipFill>
+        <p:spPr>
+          <a:xfrm>
+            <a:off x="4580463" y="1175329"/>
+            <a:ext cx="7611537" cy="4926053"/>
+          </a:xfrm>
+          <a:prstGeom prst="rect">
+            <a:avLst/>
+          </a:prstGeom>
+        </p:spPr>
+      </p:pic>
+    </p:spTree>
+    <p:extLst>
+      <p:ext uri="{BB962C8B-B14F-4D97-AF65-F5344CB8AC3E}">
+        <p14:creationId xmlns:p14="http://schemas.microsoft.com/office/powerpoint/2010/main" val="2649223463"/>
+      </p:ext>
+    </p:extLst>
+  </p:cSld>
+  <p:clrMapOvr>
+    <a:masterClrMapping/>
+  </p:clrMapOvr>
+</p:sld>
+</file>
+
+<file path=ppt/slides/slide13.xml><?xml version="1.0" encoding="utf-8"?>
+<p:sld xmlns:a="http://schemas.openxmlformats.org/drawingml/2006/main" xmlns:r="http://schemas.openxmlformats.org/officeDocument/2006/relationships" xmlns:p="http://schemas.openxmlformats.org/presentationml/2006/main">
+  <p:cSld>
+    <p:spTree>
+      <p:nvGrpSpPr>
+        <p:cNvPr id="1" name=""/>
+        <p:cNvGrpSpPr/>
+        <p:nvPr/>
+      </p:nvGrpSpPr>
+      <p:grpSpPr>
+        <a:xfrm>
+          <a:off x="0" y="0"/>
+          <a:ext cx="0" cy="0"/>
+          <a:chOff x="0" y="0"/>
+          <a:chExt cx="0" cy="0"/>
+        </a:xfrm>
+      </p:grpSpPr>
+      <p:sp>
+        <p:nvSpPr>
+          <p:cNvPr id="2" name="Date Placeholder 2">
+            <a:extLst>
+              <a:ext uri="{FF2B5EF4-FFF2-40B4-BE49-F238E27FC236}">
+                <a16:creationId xmlns:a16="http://schemas.microsoft.com/office/drawing/2014/main" id="{180FC470-B565-4FB6-B0D5-7C8F5744990B}"/>
+              </a:ext>
+            </a:extLst>
+          </p:cNvPr>
+          <p:cNvSpPr>
+            <a:spLocks noGrp="1"/>
+          </p:cNvSpPr>
+          <p:nvPr>
+            <p:ph type="dt" sz="half" idx="10"/>
+          </p:nvPr>
+        </p:nvSpPr>
+        <p:spPr>
+          <a:xfrm>
+            <a:off x="7819457" y="6310312"/>
+            <a:ext cx="3971073" cy="365125"/>
+          </a:xfrm>
+        </p:spPr>
+        <p:txBody>
+          <a:bodyPr/>
+          <a:lstStyle>
+            <a:lvl1pPr>
+              <a:defRPr>
+                <a:solidFill>
+                  <a:schemeClr val="tx1"/>
+                </a:solidFill>
+                <a:latin typeface="Arial" panose="020B0604020202020204" pitchFamily="34" charset="0"/>
+                <a:cs typeface="Arial" panose="020B0604020202020204" pitchFamily="34" charset="0"/>
+              </a:defRPr>
+            </a:lvl1pPr>
+          </a:lstStyle>
+          <a:p>
+            <a:r>
+              <a:rPr lang="en-IN" dirty="0" err="1"/>
+              <a:t>Nhu</a:t>
+            </a:r>
+            <a:r>
+              <a:rPr lang="en-IN" dirty="0"/>
+              <a:t> </a:t>
+            </a:r>
+            <a:r>
+              <a:rPr lang="en-IN" dirty="0" err="1"/>
+              <a:t>Quang</a:t>
+            </a:r>
+            <a:r>
+              <a:rPr lang="en-IN" dirty="0"/>
+              <a:t> Dang, </a:t>
+            </a:r>
+            <a:r>
+              <a:rPr lang="en-IN" dirty="0" err="1"/>
+              <a:t>Chandrautama</a:t>
+            </a:r>
+            <a:r>
+              <a:rPr lang="en-IN" dirty="0"/>
+              <a:t> Lucky| </a:t>
+            </a:r>
+            <a:r>
+              <a:rPr lang="en-IN" dirty="0" err="1">
+                <a:solidFill>
+                  <a:schemeClr val="tx1">
+                    <a:lumMod val="50000"/>
+                    <a:lumOff val="50000"/>
+                  </a:schemeClr>
+                </a:solidFill>
+              </a:rPr>
+              <a:t>Sose</a:t>
+            </a:r>
+            <a:r>
+              <a:rPr lang="en-IN" dirty="0">
+                <a:solidFill>
+                  <a:schemeClr val="tx1">
+                    <a:lumMod val="50000"/>
+                    <a:lumOff val="50000"/>
+                  </a:schemeClr>
+                </a:solidFill>
+              </a:rPr>
+              <a:t> 2018</a:t>
+            </a:r>
+          </a:p>
+        </p:txBody>
+      </p:sp>
+      <p:sp>
+        <p:nvSpPr>
+          <p:cNvPr id="3" name="Footer Placeholder 3">
+            <a:extLst>
+              <a:ext uri="{FF2B5EF4-FFF2-40B4-BE49-F238E27FC236}">
+                <a16:creationId xmlns:a16="http://schemas.microsoft.com/office/drawing/2014/main" id="{AA1A078D-2DA1-41AC-A894-48E19FF3FAE3}"/>
+              </a:ext>
+            </a:extLst>
+          </p:cNvPr>
+          <p:cNvSpPr>
+            <a:spLocks noGrp="1"/>
+          </p:cNvSpPr>
+          <p:nvPr>
+            <p:ph type="ftr" sz="quarter" idx="11"/>
+          </p:nvPr>
+        </p:nvSpPr>
+        <p:spPr>
+          <a:xfrm>
+            <a:off x="401470" y="6320453"/>
+            <a:ext cx="2123366" cy="365125"/>
+          </a:xfrm>
+        </p:spPr>
+        <p:style>
+          <a:lnRef idx="2">
+            <a:schemeClr val="dk1">
+              <a:shade val="50000"/>
+            </a:schemeClr>
+          </a:lnRef>
+          <a:fillRef idx="1">
+            <a:schemeClr val="dk1"/>
+          </a:fillRef>
+          <a:effectRef idx="0">
+            <a:schemeClr val="dk1"/>
+          </a:effectRef>
+          <a:fontRef idx="minor">
+            <a:schemeClr val="lt1"/>
+          </a:fontRef>
+        </p:style>
+        <p:txBody>
+          <a:bodyPr/>
+          <a:lstStyle>
+            <a:lvl1pPr>
+              <a:defRPr>
+                <a:solidFill>
+                  <a:schemeClr val="bg1"/>
+                </a:solidFill>
+                <a:latin typeface="Arial" panose="020B0604020202020204" pitchFamily="34" charset="0"/>
+                <a:cs typeface="Arial" panose="020B0604020202020204" pitchFamily="34" charset="0"/>
+              </a:defRPr>
+            </a:lvl1pPr>
+          </a:lstStyle>
+          <a:p>
+            <a:r>
+              <a:rPr lang="en-IN" dirty="0"/>
+              <a:t>Bauhaus-Universit</a:t>
+            </a:r>
+            <a:r>
+              <a:rPr lang="en-IN" b="1" dirty="0"/>
+              <a:t>ä</a:t>
+            </a:r>
+            <a:r>
+              <a:rPr lang="en-IN" dirty="0"/>
+              <a:t>t Weimar</a:t>
+            </a:r>
+          </a:p>
+        </p:txBody>
+      </p:sp>
+      <p:sp>
+        <p:nvSpPr>
+          <p:cNvPr id="4" name="Date Placeholder 2">
+            <a:extLst>
+              <a:ext uri="{FF2B5EF4-FFF2-40B4-BE49-F238E27FC236}">
+                <a16:creationId xmlns:a16="http://schemas.microsoft.com/office/drawing/2014/main" id="{254BB5F0-2280-4072-A92F-9321101FB009}"/>
+              </a:ext>
+            </a:extLst>
+          </p:cNvPr>
+          <p:cNvSpPr txBox="1">
+            <a:spLocks/>
+          </p:cNvSpPr>
+          <p:nvPr/>
+        </p:nvSpPr>
+        <p:spPr>
+          <a:xfrm>
+            <a:off x="2553252" y="6326232"/>
+            <a:ext cx="4271618" cy="365125"/>
+          </a:xfrm>
+          <a:prstGeom prst="rect">
+            <a:avLst/>
+          </a:prstGeom>
+        </p:spPr>
+        <p:txBody>
+          <a:bodyPr vert="horz" lIns="91440" tIns="45720" rIns="91440" bIns="45720" rtlCol="0" anchor="ctr"/>
+          <a:lstStyle>
+            <a:defPPr>
+              <a:defRPr lang="en-US"/>
+            </a:defPPr>
+            <a:lvl1pPr marL="0" algn="l" defTabSz="914400" rtl="0" eaLnBrk="1" latinLnBrk="0" hangingPunct="1">
+              <a:defRPr sz="1200" kern="1200">
+                <a:solidFill>
+                  <a:schemeClr val="tx1"/>
+                </a:solidFill>
+                <a:latin typeface="Arial" panose="020B0604020202020204" pitchFamily="34" charset="0"/>
+                <a:ea typeface="+mn-ea"/>
+                <a:cs typeface="Arial" panose="020B0604020202020204" pitchFamily="34" charset="0"/>
+              </a:defRPr>
+            </a:lvl1pPr>
+            <a:lvl2pPr marL="457200" algn="l" defTabSz="914400" rtl="0" eaLnBrk="1" latinLnBrk="0" hangingPunct="1">
+              <a:defRPr sz="1800" kern="1200">
+                <a:solidFill>
+                  <a:schemeClr val="tx1"/>
+                </a:solidFill>
+                <a:latin typeface="+mn-lt"/>
+                <a:ea typeface="+mn-ea"/>
+                <a:cs typeface="+mn-cs"/>
+              </a:defRPr>
+            </a:lvl2pPr>
+            <a:lvl3pPr marL="914400" algn="l" defTabSz="914400" rtl="0" eaLnBrk="1" latinLnBrk="0" hangingPunct="1">
+              <a:defRPr sz="1800" kern="1200">
+                <a:solidFill>
+                  <a:schemeClr val="tx1"/>
+                </a:solidFill>
+                <a:latin typeface="+mn-lt"/>
+                <a:ea typeface="+mn-ea"/>
+                <a:cs typeface="+mn-cs"/>
+              </a:defRPr>
+            </a:lvl3pPr>
+            <a:lvl4pPr marL="1371600" algn="l" defTabSz="914400" rtl="0" eaLnBrk="1" latinLnBrk="0" hangingPunct="1">
+              <a:defRPr sz="1800" kern="1200">
+                <a:solidFill>
+                  <a:schemeClr val="tx1"/>
+                </a:solidFill>
+                <a:latin typeface="+mn-lt"/>
+                <a:ea typeface="+mn-ea"/>
+                <a:cs typeface="+mn-cs"/>
+              </a:defRPr>
+            </a:lvl4pPr>
+            <a:lvl5pPr marL="1828800" algn="l" defTabSz="914400" rtl="0" eaLnBrk="1" latinLnBrk="0" hangingPunct="1">
+              <a:defRPr sz="1800" kern="1200">
+                <a:solidFill>
+                  <a:schemeClr val="tx1"/>
+                </a:solidFill>
+                <a:latin typeface="+mn-lt"/>
+                <a:ea typeface="+mn-ea"/>
+                <a:cs typeface="+mn-cs"/>
+              </a:defRPr>
+            </a:lvl5pPr>
+            <a:lvl6pPr marL="2286000" algn="l" defTabSz="914400" rtl="0" eaLnBrk="1" latinLnBrk="0" hangingPunct="1">
+              <a:defRPr sz="1800" kern="1200">
+                <a:solidFill>
+                  <a:schemeClr val="tx1"/>
+                </a:solidFill>
+                <a:latin typeface="+mn-lt"/>
+                <a:ea typeface="+mn-ea"/>
+                <a:cs typeface="+mn-cs"/>
+              </a:defRPr>
+            </a:lvl6pPr>
+            <a:lvl7pPr marL="2743200" algn="l" defTabSz="914400" rtl="0" eaLnBrk="1" latinLnBrk="0" hangingPunct="1">
+              <a:defRPr sz="1800" kern="1200">
+                <a:solidFill>
+                  <a:schemeClr val="tx1"/>
+                </a:solidFill>
+                <a:latin typeface="+mn-lt"/>
+                <a:ea typeface="+mn-ea"/>
+                <a:cs typeface="+mn-cs"/>
+              </a:defRPr>
+            </a:lvl7pPr>
+            <a:lvl8pPr marL="3200400" algn="l" defTabSz="914400" rtl="0" eaLnBrk="1" latinLnBrk="0" hangingPunct="1">
+              <a:defRPr sz="1800" kern="1200">
+                <a:solidFill>
+                  <a:schemeClr val="tx1"/>
+                </a:solidFill>
+                <a:latin typeface="+mn-lt"/>
+                <a:ea typeface="+mn-ea"/>
+                <a:cs typeface="+mn-cs"/>
+              </a:defRPr>
+            </a:lvl8pPr>
+            <a:lvl9pPr marL="3657600" algn="l" defTabSz="914400" rtl="0" eaLnBrk="1" latinLnBrk="0" hangingPunct="1">
+              <a:defRPr sz="1800" kern="1200">
+                <a:solidFill>
+                  <a:schemeClr val="tx1"/>
+                </a:solidFill>
+                <a:latin typeface="+mn-lt"/>
+                <a:ea typeface="+mn-ea"/>
+                <a:cs typeface="+mn-cs"/>
+              </a:defRPr>
+            </a:lvl9pPr>
+          </a:lstStyle>
+          <a:p>
+            <a:r>
+              <a:rPr lang="de-DE" dirty="0"/>
+              <a:t>Raytracing-System</a:t>
+            </a:r>
+            <a:endParaRPr lang="en-IN" b="1" dirty="0">
+              <a:solidFill>
+                <a:schemeClr val="tx1">
+                  <a:lumMod val="50000"/>
+                  <a:lumOff val="50000"/>
+                </a:schemeClr>
+              </a:solidFill>
+            </a:endParaRPr>
+          </a:p>
+        </p:txBody>
+      </p:sp>
+      <p:cxnSp>
+        <p:nvCxnSpPr>
+          <p:cNvPr id="5" name="Straight Connector 4">
+            <a:extLst>
+              <a:ext uri="{FF2B5EF4-FFF2-40B4-BE49-F238E27FC236}">
+                <a16:creationId xmlns:a16="http://schemas.microsoft.com/office/drawing/2014/main" id="{0B6697B4-1AD9-4089-92FD-6CFE29B6E807}"/>
+              </a:ext>
+            </a:extLst>
+          </p:cNvPr>
+          <p:cNvCxnSpPr>
+            <a:cxnSpLocks/>
+          </p:cNvCxnSpPr>
+          <p:nvPr/>
+        </p:nvCxnSpPr>
+        <p:spPr>
+          <a:xfrm>
+            <a:off x="0" y="6310312"/>
+            <a:ext cx="12192000" cy="0"/>
+          </a:xfrm>
+          <a:prstGeom prst="line">
+            <a:avLst/>
+          </a:prstGeom>
+          <a:ln/>
+        </p:spPr>
+        <p:style>
+          <a:lnRef idx="3">
+            <a:schemeClr val="dk1"/>
+          </a:lnRef>
+          <a:fillRef idx="0">
+            <a:schemeClr val="dk1"/>
+          </a:fillRef>
+          <a:effectRef idx="2">
+            <a:schemeClr val="dk1"/>
+          </a:effectRef>
+          <a:fontRef idx="minor">
+            <a:schemeClr val="tx1"/>
+          </a:fontRef>
+        </p:style>
+      </p:cxnSp>
+      <p:sp>
+        <p:nvSpPr>
+          <p:cNvPr id="6" name="Subtitle 1"/>
+          <p:cNvSpPr txBox="1">
+            <a:spLocks/>
+          </p:cNvSpPr>
+          <p:nvPr/>
+        </p:nvSpPr>
+        <p:spPr>
+          <a:xfrm>
+            <a:off x="3465319" y="563117"/>
+            <a:ext cx="5261361" cy="952870"/>
+          </a:xfrm>
+          <a:prstGeom prst="rect">
+            <a:avLst/>
+          </a:prstGeom>
+        </p:spPr>
+        <p:txBody>
+          <a:bodyPr>
+            <a:normAutofit/>
+          </a:bodyPr>
+          <a:lstStyle>
+            <a:lvl1pPr marL="228600" indent="-228600" algn="l" defTabSz="914400" rtl="0" eaLnBrk="1" latinLnBrk="0" hangingPunct="1">
+              <a:lnSpc>
+                <a:spcPct val="90000"/>
+              </a:lnSpc>
+              <a:spcBef>
+                <a:spcPts val="1000"/>
+              </a:spcBef>
+              <a:buFont typeface="Arial" panose="020B0604020202020204" pitchFamily="34" charset="0"/>
+              <a:buChar char="•"/>
+              <a:defRPr sz="2800" kern="1200">
+                <a:solidFill>
+                  <a:schemeClr val="tx1"/>
+                </a:solidFill>
+                <a:latin typeface="+mn-lt"/>
+                <a:ea typeface="+mn-ea"/>
+                <a:cs typeface="+mn-cs"/>
+              </a:defRPr>
+            </a:lvl1pPr>
+            <a:lvl2pPr marL="685800" indent="-228600" algn="l" defTabSz="914400" rtl="0" eaLnBrk="1" latinLnBrk="0" hangingPunct="1">
+              <a:lnSpc>
+                <a:spcPct val="90000"/>
+              </a:lnSpc>
+              <a:spcBef>
+                <a:spcPts val="500"/>
+              </a:spcBef>
+              <a:buFont typeface="Arial" panose="020B0604020202020204" pitchFamily="34" charset="0"/>
+              <a:buChar char="•"/>
+              <a:defRPr sz="2400" kern="1200">
+                <a:solidFill>
+                  <a:schemeClr val="tx1"/>
+                </a:solidFill>
+                <a:latin typeface="+mn-lt"/>
+                <a:ea typeface="+mn-ea"/>
+                <a:cs typeface="+mn-cs"/>
+              </a:defRPr>
+            </a:lvl2pPr>
+            <a:lvl3pPr marL="1143000" indent="-228600" algn="l" defTabSz="914400" rtl="0" eaLnBrk="1" latinLnBrk="0" hangingPunct="1">
+              <a:lnSpc>
+                <a:spcPct val="90000"/>
+              </a:lnSpc>
+              <a:spcBef>
+                <a:spcPts val="500"/>
+              </a:spcBef>
+              <a:buFont typeface="Arial" panose="020B0604020202020204" pitchFamily="34" charset="0"/>
+              <a:buChar char="•"/>
+              <a:defRPr sz="2000" kern="1200">
+                <a:solidFill>
+                  <a:schemeClr val="tx1"/>
+                </a:solidFill>
+                <a:latin typeface="+mn-lt"/>
+                <a:ea typeface="+mn-ea"/>
+                <a:cs typeface="+mn-cs"/>
+              </a:defRPr>
+            </a:lvl3pPr>
+            <a:lvl4pPr marL="1600200" indent="-228600" algn="l" defTabSz="914400" rtl="0" eaLnBrk="1" latinLnBrk="0" hangingPunct="1">
+              <a:lnSpc>
+                <a:spcPct val="90000"/>
+              </a:lnSpc>
+              <a:spcBef>
+                <a:spcPts val="500"/>
+              </a:spcBef>
+              <a:buFont typeface="Arial" panose="020B0604020202020204" pitchFamily="34" charset="0"/>
+              <a:buChar char="•"/>
+              <a:defRPr sz="1800" kern="1200">
+                <a:solidFill>
+                  <a:schemeClr val="tx1"/>
+                </a:solidFill>
+                <a:latin typeface="+mn-lt"/>
+                <a:ea typeface="+mn-ea"/>
+                <a:cs typeface="+mn-cs"/>
+              </a:defRPr>
+            </a:lvl4pPr>
+            <a:lvl5pPr marL="2057400" indent="-228600" algn="l" defTabSz="914400" rtl="0" eaLnBrk="1" latinLnBrk="0" hangingPunct="1">
+              <a:lnSpc>
+                <a:spcPct val="90000"/>
+              </a:lnSpc>
+              <a:spcBef>
+                <a:spcPts val="500"/>
+              </a:spcBef>
+              <a:buFont typeface="Arial" panose="020B0604020202020204" pitchFamily="34" charset="0"/>
+              <a:buChar char="•"/>
+              <a:defRPr sz="1800" kern="1200">
+                <a:solidFill>
+                  <a:schemeClr val="tx1"/>
+                </a:solidFill>
+                <a:latin typeface="+mn-lt"/>
+                <a:ea typeface="+mn-ea"/>
+                <a:cs typeface="+mn-cs"/>
+              </a:defRPr>
+            </a:lvl5pPr>
+            <a:lvl6pPr marL="2514600" indent="-228600" algn="l" defTabSz="914400" rtl="0" eaLnBrk="1" latinLnBrk="0" hangingPunct="1">
+              <a:lnSpc>
+                <a:spcPct val="90000"/>
+              </a:lnSpc>
+              <a:spcBef>
+                <a:spcPts val="500"/>
+              </a:spcBef>
+              <a:buFont typeface="Arial" panose="020B0604020202020204" pitchFamily="34" charset="0"/>
+              <a:buChar char="•"/>
+              <a:defRPr sz="1800" kern="1200">
+                <a:solidFill>
+                  <a:schemeClr val="tx1"/>
+                </a:solidFill>
+                <a:latin typeface="+mn-lt"/>
+                <a:ea typeface="+mn-ea"/>
+                <a:cs typeface="+mn-cs"/>
+              </a:defRPr>
+            </a:lvl6pPr>
+            <a:lvl7pPr marL="2971800" indent="-228600" algn="l" defTabSz="914400" rtl="0" eaLnBrk="1" latinLnBrk="0" hangingPunct="1">
+              <a:lnSpc>
+                <a:spcPct val="90000"/>
+              </a:lnSpc>
+              <a:spcBef>
+                <a:spcPts val="500"/>
+              </a:spcBef>
+              <a:buFont typeface="Arial" panose="020B0604020202020204" pitchFamily="34" charset="0"/>
+              <a:buChar char="•"/>
+              <a:defRPr sz="1800" kern="1200">
+                <a:solidFill>
+                  <a:schemeClr val="tx1"/>
+                </a:solidFill>
+                <a:latin typeface="+mn-lt"/>
+                <a:ea typeface="+mn-ea"/>
+                <a:cs typeface="+mn-cs"/>
+              </a:defRPr>
+            </a:lvl7pPr>
+            <a:lvl8pPr marL="3429000" indent="-228600" algn="l" defTabSz="914400" rtl="0" eaLnBrk="1" latinLnBrk="0" hangingPunct="1">
+              <a:lnSpc>
+                <a:spcPct val="90000"/>
+              </a:lnSpc>
+              <a:spcBef>
+                <a:spcPts val="500"/>
+              </a:spcBef>
+              <a:buFont typeface="Arial" panose="020B0604020202020204" pitchFamily="34" charset="0"/>
+              <a:buChar char="•"/>
+              <a:defRPr sz="1800" kern="1200">
+                <a:solidFill>
+                  <a:schemeClr val="tx1"/>
+                </a:solidFill>
+                <a:latin typeface="+mn-lt"/>
+                <a:ea typeface="+mn-ea"/>
+                <a:cs typeface="+mn-cs"/>
+              </a:defRPr>
+            </a:lvl8pPr>
+            <a:lvl9pPr marL="3886200" indent="-228600" algn="l" defTabSz="914400" rtl="0" eaLnBrk="1" latinLnBrk="0" hangingPunct="1">
+              <a:lnSpc>
+                <a:spcPct val="90000"/>
+              </a:lnSpc>
+              <a:spcBef>
+                <a:spcPts val="500"/>
+              </a:spcBef>
+              <a:buFont typeface="Arial" panose="020B0604020202020204" pitchFamily="34" charset="0"/>
+              <a:buChar char="•"/>
+              <a:defRPr sz="1800" kern="1200">
+                <a:solidFill>
+                  <a:schemeClr val="tx1"/>
+                </a:solidFill>
+                <a:latin typeface="+mn-lt"/>
+                <a:ea typeface="+mn-ea"/>
+                <a:cs typeface="+mn-cs"/>
+              </a:defRPr>
+            </a:lvl9pPr>
+          </a:lstStyle>
+          <a:p>
+            <a:pPr marL="0" indent="0" algn="ctr">
+              <a:buNone/>
+            </a:pPr>
+            <a:r>
+              <a:rPr lang="de-DE" sz="3600" dirty="0"/>
+              <a:t>Evolution des Systems</a:t>
+            </a:r>
+          </a:p>
+        </p:txBody>
+      </p:sp>
+      <p:sp>
+        <p:nvSpPr>
+          <p:cNvPr id="7" name="TextBox 6"/>
+          <p:cNvSpPr txBox="1"/>
+          <p:nvPr/>
+        </p:nvSpPr>
+        <p:spPr>
+          <a:xfrm>
+            <a:off x="401471" y="1175329"/>
+            <a:ext cx="10491118" cy="523220"/>
+          </a:xfrm>
+          <a:prstGeom prst="rect">
+            <a:avLst/>
+          </a:prstGeom>
+          <a:noFill/>
+        </p:spPr>
+        <p:txBody>
+          <a:bodyPr wrap="square" rtlCol="0">
+            <a:spAutoFit/>
+          </a:bodyPr>
+          <a:lstStyle/>
+          <a:p>
+            <a:r>
+              <a:rPr lang="de-DE" sz="2800" dirty="0"/>
+              <a:t>Weitere Schwierigkeiten </a:t>
+            </a:r>
+          </a:p>
+        </p:txBody>
+      </p:sp>
+      <p:sp>
+        <p:nvSpPr>
+          <p:cNvPr id="8" name="Textfeld 7">
+            <a:extLst>
+              <a:ext uri="{FF2B5EF4-FFF2-40B4-BE49-F238E27FC236}">
+                <a16:creationId xmlns:a16="http://schemas.microsoft.com/office/drawing/2014/main" id="{BD9D6613-68FA-4599-9D1C-E43BCCB5BB8E}"/>
+              </a:ext>
+            </a:extLst>
+          </p:cNvPr>
+          <p:cNvSpPr txBox="1"/>
+          <p:nvPr/>
+        </p:nvSpPr>
+        <p:spPr>
+          <a:xfrm>
+            <a:off x="472905" y="1635168"/>
+            <a:ext cx="6513816" cy="369332"/>
+          </a:xfrm>
+          <a:prstGeom prst="rect">
+            <a:avLst/>
+          </a:prstGeom>
+          <a:noFill/>
+        </p:spPr>
+        <p:txBody>
+          <a:bodyPr wrap="square" rtlCol="0">
+            <a:spAutoFit/>
+          </a:bodyPr>
+          <a:lstStyle/>
+          <a:p>
+            <a:r>
+              <a:rPr lang="de-DE" dirty="0"/>
+              <a:t>Mehrdeutige Definition der freien Funktionen bei Linking</a:t>
+            </a:r>
+          </a:p>
+        </p:txBody>
+      </p:sp>
+      <p:pic>
+        <p:nvPicPr>
+          <p:cNvPr id="10" name="Grafik 9">
+            <a:extLst>
+              <a:ext uri="{FF2B5EF4-FFF2-40B4-BE49-F238E27FC236}">
+                <a16:creationId xmlns:a16="http://schemas.microsoft.com/office/drawing/2014/main" id="{2188F699-9324-43DF-9A72-EC70EC11E93F}"/>
+              </a:ext>
+            </a:extLst>
+          </p:cNvPr>
+          <p:cNvPicPr>
+            <a:picLocks noChangeAspect="1"/>
+          </p:cNvPicPr>
+          <p:nvPr/>
+        </p:nvPicPr>
+        <p:blipFill rotWithShape="1">
+          <a:blip r:embed="rId3">
+            <a:extLst>
+              <a:ext uri="{28A0092B-C50C-407E-A947-70E740481C1C}">
+                <a14:useLocalDpi xmlns:a14="http://schemas.microsoft.com/office/drawing/2010/main" val="0"/>
+              </a:ext>
+            </a:extLst>
+          </a:blip>
+          <a:srcRect r="6842"/>
+          <a:stretch/>
+        </p:blipFill>
+        <p:spPr>
+          <a:xfrm>
+            <a:off x="475462" y="2016532"/>
+            <a:ext cx="11357811" cy="1357745"/>
+          </a:xfrm>
+          <a:prstGeom prst="rect">
+            <a:avLst/>
+          </a:prstGeom>
+        </p:spPr>
+      </p:pic>
+      <p:pic>
+        <p:nvPicPr>
+          <p:cNvPr id="12" name="Grafik 11">
+            <a:extLst>
+              <a:ext uri="{FF2B5EF4-FFF2-40B4-BE49-F238E27FC236}">
+                <a16:creationId xmlns:a16="http://schemas.microsoft.com/office/drawing/2014/main" id="{96C03D2F-DE01-4199-B55B-494C4C7E438F}"/>
+              </a:ext>
+            </a:extLst>
+          </p:cNvPr>
+          <p:cNvPicPr>
+            <a:picLocks noChangeAspect="1"/>
+          </p:cNvPicPr>
+          <p:nvPr/>
+        </p:nvPicPr>
+        <p:blipFill>
+          <a:blip r:embed="rId4">
+            <a:extLst>
+              <a:ext uri="{28A0092B-C50C-407E-A947-70E740481C1C}">
+                <a14:useLocalDpi xmlns:a14="http://schemas.microsoft.com/office/drawing/2010/main" val="0"/>
+              </a:ext>
+            </a:extLst>
+          </a:blip>
+          <a:stretch>
+            <a:fillRect/>
+          </a:stretch>
+        </p:blipFill>
+        <p:spPr>
+          <a:xfrm>
+            <a:off x="472905" y="4249421"/>
+            <a:ext cx="8049748" cy="1171739"/>
+          </a:xfrm>
+          <a:prstGeom prst="rect">
+            <a:avLst/>
+          </a:prstGeom>
+        </p:spPr>
+      </p:pic>
+      <p:sp>
+        <p:nvSpPr>
+          <p:cNvPr id="13" name="Textfeld 12">
+            <a:extLst>
+              <a:ext uri="{FF2B5EF4-FFF2-40B4-BE49-F238E27FC236}">
+                <a16:creationId xmlns:a16="http://schemas.microsoft.com/office/drawing/2014/main" id="{D04B3264-0AA8-4A65-A0DF-FB57CEC1E492}"/>
+              </a:ext>
+            </a:extLst>
+          </p:cNvPr>
+          <p:cNvSpPr txBox="1"/>
+          <p:nvPr/>
+        </p:nvSpPr>
+        <p:spPr>
+          <a:xfrm>
+            <a:off x="472905" y="3819764"/>
+            <a:ext cx="6811473" cy="369332"/>
+          </a:xfrm>
+          <a:prstGeom prst="rect">
+            <a:avLst/>
+          </a:prstGeom>
+          <a:noFill/>
+        </p:spPr>
+        <p:txBody>
+          <a:bodyPr wrap="square" rtlCol="0">
+            <a:spAutoFit/>
+          </a:bodyPr>
+          <a:lstStyle/>
+          <a:p>
+            <a:r>
+              <a:rPr lang="de-DE" dirty="0"/>
+              <a:t>Windows und Linux </a:t>
+            </a:r>
+            <a:r>
+              <a:rPr lang="de-DE" dirty="0" err="1"/>
+              <a:t>Konflict</a:t>
+            </a:r>
+            <a:endParaRPr lang="de-DE" dirty="0"/>
+          </a:p>
+        </p:txBody>
+      </p:sp>
+    </p:spTree>
+    <p:extLst>
+      <p:ext uri="{BB962C8B-B14F-4D97-AF65-F5344CB8AC3E}">
+        <p14:creationId xmlns:p14="http://schemas.microsoft.com/office/powerpoint/2010/main" val="1426709936"/>
+      </p:ext>
+    </p:extLst>
+  </p:cSld>
+  <p:clrMapOvr>
+    <a:masterClrMapping/>
+  </p:clrMapOvr>
+</p:sld>
+</file>
+
+<file path=ppt/slides/slide14.xml><?xml version="1.0" encoding="utf-8"?>
+<p:sld xmlns:a="http://schemas.openxmlformats.org/drawingml/2006/main" xmlns:r="http://schemas.openxmlformats.org/officeDocument/2006/relationships" xmlns:p="http://schemas.openxmlformats.org/presentationml/2006/main">
+  <p:cSld>
+    <p:spTree>
+      <p:nvGrpSpPr>
+        <p:cNvPr id="1" name=""/>
+        <p:cNvGrpSpPr/>
+        <p:nvPr/>
+      </p:nvGrpSpPr>
+      <p:grpSpPr>
+        <a:xfrm>
+          <a:off x="0" y="0"/>
+          <a:ext cx="0" cy="0"/>
+          <a:chOff x="0" y="0"/>
+          <a:chExt cx="0" cy="0"/>
+        </a:xfrm>
+      </p:grpSpPr>
+      <p:sp>
+        <p:nvSpPr>
+          <p:cNvPr id="2" name="Date Placeholder 2">
+            <a:extLst>
+              <a:ext uri="{FF2B5EF4-FFF2-40B4-BE49-F238E27FC236}">
+                <a16:creationId xmlns:a16="http://schemas.microsoft.com/office/drawing/2014/main" id="{180FC470-B565-4FB6-B0D5-7C8F5744990B}"/>
+              </a:ext>
+            </a:extLst>
+          </p:cNvPr>
+          <p:cNvSpPr>
+            <a:spLocks noGrp="1"/>
+          </p:cNvSpPr>
+          <p:nvPr>
+            <p:ph type="dt" sz="half" idx="10"/>
+          </p:nvPr>
+        </p:nvSpPr>
+        <p:spPr>
+          <a:xfrm>
+            <a:off x="7819457" y="6310312"/>
+            <a:ext cx="3971073" cy="365125"/>
+          </a:xfrm>
+        </p:spPr>
+        <p:txBody>
+          <a:bodyPr/>
+          <a:lstStyle>
+            <a:lvl1pPr>
+              <a:defRPr>
+                <a:solidFill>
+                  <a:schemeClr val="tx1"/>
+                </a:solidFill>
+                <a:latin typeface="Arial" panose="020B0604020202020204" pitchFamily="34" charset="0"/>
+                <a:cs typeface="Arial" panose="020B0604020202020204" pitchFamily="34" charset="0"/>
+              </a:defRPr>
+            </a:lvl1pPr>
+          </a:lstStyle>
+          <a:p>
+            <a:r>
+              <a:rPr lang="en-IN" dirty="0" err="1"/>
+              <a:t>Nhu</a:t>
+            </a:r>
+            <a:r>
+              <a:rPr lang="en-IN" dirty="0"/>
+              <a:t> </a:t>
+            </a:r>
+            <a:r>
+              <a:rPr lang="en-IN" dirty="0" err="1"/>
+              <a:t>Quang</a:t>
+            </a:r>
+            <a:r>
+              <a:rPr lang="en-IN" dirty="0"/>
+              <a:t> Dang, </a:t>
+            </a:r>
+            <a:r>
+              <a:rPr lang="en-IN" dirty="0" err="1"/>
+              <a:t>Chandrautama</a:t>
+            </a:r>
+            <a:r>
+              <a:rPr lang="en-IN" dirty="0"/>
+              <a:t> Lucky| </a:t>
+            </a:r>
+            <a:r>
+              <a:rPr lang="en-IN" dirty="0" err="1">
+                <a:solidFill>
+                  <a:schemeClr val="tx1">
+                    <a:lumMod val="50000"/>
+                    <a:lumOff val="50000"/>
+                  </a:schemeClr>
+                </a:solidFill>
+              </a:rPr>
+              <a:t>Sose</a:t>
+            </a:r>
+            <a:r>
+              <a:rPr lang="en-IN" dirty="0">
+                <a:solidFill>
+                  <a:schemeClr val="tx1">
+                    <a:lumMod val="50000"/>
+                    <a:lumOff val="50000"/>
+                  </a:schemeClr>
+                </a:solidFill>
+              </a:rPr>
+              <a:t> 2018</a:t>
+            </a:r>
+          </a:p>
+        </p:txBody>
+      </p:sp>
+      <p:sp>
+        <p:nvSpPr>
+          <p:cNvPr id="3" name="Footer Placeholder 3">
+            <a:extLst>
+              <a:ext uri="{FF2B5EF4-FFF2-40B4-BE49-F238E27FC236}">
+                <a16:creationId xmlns:a16="http://schemas.microsoft.com/office/drawing/2014/main" id="{AA1A078D-2DA1-41AC-A894-48E19FF3FAE3}"/>
+              </a:ext>
+            </a:extLst>
+          </p:cNvPr>
+          <p:cNvSpPr>
+            <a:spLocks noGrp="1"/>
+          </p:cNvSpPr>
+          <p:nvPr>
+            <p:ph type="ftr" sz="quarter" idx="11"/>
+          </p:nvPr>
+        </p:nvSpPr>
+        <p:spPr>
+          <a:xfrm>
+            <a:off x="401470" y="6320453"/>
+            <a:ext cx="2123366" cy="365125"/>
+          </a:xfrm>
+        </p:spPr>
+        <p:style>
+          <a:lnRef idx="2">
+            <a:schemeClr val="dk1">
+              <a:shade val="50000"/>
+            </a:schemeClr>
+          </a:lnRef>
+          <a:fillRef idx="1">
+            <a:schemeClr val="dk1"/>
+          </a:fillRef>
+          <a:effectRef idx="0">
+            <a:schemeClr val="dk1"/>
+          </a:effectRef>
+          <a:fontRef idx="minor">
+            <a:schemeClr val="lt1"/>
+          </a:fontRef>
+        </p:style>
+        <p:txBody>
+          <a:bodyPr/>
+          <a:lstStyle>
+            <a:lvl1pPr>
+              <a:defRPr>
+                <a:solidFill>
+                  <a:schemeClr val="bg1"/>
+                </a:solidFill>
+                <a:latin typeface="Arial" panose="020B0604020202020204" pitchFamily="34" charset="0"/>
+                <a:cs typeface="Arial" panose="020B0604020202020204" pitchFamily="34" charset="0"/>
+              </a:defRPr>
+            </a:lvl1pPr>
+          </a:lstStyle>
+          <a:p>
+            <a:r>
+              <a:rPr lang="en-IN" dirty="0"/>
+              <a:t>Bauhaus-Universit</a:t>
+            </a:r>
+            <a:r>
+              <a:rPr lang="en-IN" b="1" dirty="0"/>
+              <a:t>ä</a:t>
+            </a:r>
+            <a:r>
+              <a:rPr lang="en-IN" dirty="0"/>
+              <a:t>t Weimar</a:t>
+            </a:r>
+          </a:p>
+        </p:txBody>
+      </p:sp>
+      <p:sp>
+        <p:nvSpPr>
+          <p:cNvPr id="4" name="Date Placeholder 2">
+            <a:extLst>
+              <a:ext uri="{FF2B5EF4-FFF2-40B4-BE49-F238E27FC236}">
+                <a16:creationId xmlns:a16="http://schemas.microsoft.com/office/drawing/2014/main" id="{254BB5F0-2280-4072-A92F-9321101FB009}"/>
+              </a:ext>
+            </a:extLst>
+          </p:cNvPr>
+          <p:cNvSpPr txBox="1">
+            <a:spLocks/>
+          </p:cNvSpPr>
+          <p:nvPr/>
+        </p:nvSpPr>
+        <p:spPr>
+          <a:xfrm>
+            <a:off x="2553252" y="6326232"/>
+            <a:ext cx="4271618" cy="365125"/>
+          </a:xfrm>
+          <a:prstGeom prst="rect">
+            <a:avLst/>
+          </a:prstGeom>
+        </p:spPr>
+        <p:txBody>
+          <a:bodyPr vert="horz" lIns="91440" tIns="45720" rIns="91440" bIns="45720" rtlCol="0" anchor="ctr"/>
+          <a:lstStyle>
+            <a:defPPr>
+              <a:defRPr lang="en-US"/>
+            </a:defPPr>
+            <a:lvl1pPr marL="0" algn="l" defTabSz="914400" rtl="0" eaLnBrk="1" latinLnBrk="0" hangingPunct="1">
+              <a:defRPr sz="1200" kern="1200">
+                <a:solidFill>
+                  <a:schemeClr val="tx1"/>
+                </a:solidFill>
+                <a:latin typeface="Arial" panose="020B0604020202020204" pitchFamily="34" charset="0"/>
+                <a:ea typeface="+mn-ea"/>
+                <a:cs typeface="Arial" panose="020B0604020202020204" pitchFamily="34" charset="0"/>
+              </a:defRPr>
+            </a:lvl1pPr>
+            <a:lvl2pPr marL="457200" algn="l" defTabSz="914400" rtl="0" eaLnBrk="1" latinLnBrk="0" hangingPunct="1">
+              <a:defRPr sz="1800" kern="1200">
+                <a:solidFill>
+                  <a:schemeClr val="tx1"/>
+                </a:solidFill>
+                <a:latin typeface="+mn-lt"/>
+                <a:ea typeface="+mn-ea"/>
+                <a:cs typeface="+mn-cs"/>
+              </a:defRPr>
+            </a:lvl2pPr>
+            <a:lvl3pPr marL="914400" algn="l" defTabSz="914400" rtl="0" eaLnBrk="1" latinLnBrk="0" hangingPunct="1">
+              <a:defRPr sz="1800" kern="1200">
+                <a:solidFill>
+                  <a:schemeClr val="tx1"/>
+                </a:solidFill>
+                <a:latin typeface="+mn-lt"/>
+                <a:ea typeface="+mn-ea"/>
+                <a:cs typeface="+mn-cs"/>
+              </a:defRPr>
+            </a:lvl3pPr>
+            <a:lvl4pPr marL="1371600" algn="l" defTabSz="914400" rtl="0" eaLnBrk="1" latinLnBrk="0" hangingPunct="1">
+              <a:defRPr sz="1800" kern="1200">
+                <a:solidFill>
+                  <a:schemeClr val="tx1"/>
+                </a:solidFill>
+                <a:latin typeface="+mn-lt"/>
+                <a:ea typeface="+mn-ea"/>
+                <a:cs typeface="+mn-cs"/>
+              </a:defRPr>
+            </a:lvl4pPr>
+            <a:lvl5pPr marL="1828800" algn="l" defTabSz="914400" rtl="0" eaLnBrk="1" latinLnBrk="0" hangingPunct="1">
+              <a:defRPr sz="1800" kern="1200">
+                <a:solidFill>
+                  <a:schemeClr val="tx1"/>
+                </a:solidFill>
+                <a:latin typeface="+mn-lt"/>
+                <a:ea typeface="+mn-ea"/>
+                <a:cs typeface="+mn-cs"/>
+              </a:defRPr>
+            </a:lvl5pPr>
+            <a:lvl6pPr marL="2286000" algn="l" defTabSz="914400" rtl="0" eaLnBrk="1" latinLnBrk="0" hangingPunct="1">
+              <a:defRPr sz="1800" kern="1200">
+                <a:solidFill>
+                  <a:schemeClr val="tx1"/>
+                </a:solidFill>
+                <a:latin typeface="+mn-lt"/>
+                <a:ea typeface="+mn-ea"/>
+                <a:cs typeface="+mn-cs"/>
+              </a:defRPr>
+            </a:lvl6pPr>
+            <a:lvl7pPr marL="2743200" algn="l" defTabSz="914400" rtl="0" eaLnBrk="1" latinLnBrk="0" hangingPunct="1">
+              <a:defRPr sz="1800" kern="1200">
+                <a:solidFill>
+                  <a:schemeClr val="tx1"/>
+                </a:solidFill>
+                <a:latin typeface="+mn-lt"/>
+                <a:ea typeface="+mn-ea"/>
+                <a:cs typeface="+mn-cs"/>
+              </a:defRPr>
+            </a:lvl7pPr>
+            <a:lvl8pPr marL="3200400" algn="l" defTabSz="914400" rtl="0" eaLnBrk="1" latinLnBrk="0" hangingPunct="1">
+              <a:defRPr sz="1800" kern="1200">
+                <a:solidFill>
+                  <a:schemeClr val="tx1"/>
+                </a:solidFill>
+                <a:latin typeface="+mn-lt"/>
+                <a:ea typeface="+mn-ea"/>
+                <a:cs typeface="+mn-cs"/>
+              </a:defRPr>
+            </a:lvl8pPr>
+            <a:lvl9pPr marL="3657600" algn="l" defTabSz="914400" rtl="0" eaLnBrk="1" latinLnBrk="0" hangingPunct="1">
+              <a:defRPr sz="1800" kern="1200">
+                <a:solidFill>
+                  <a:schemeClr val="tx1"/>
+                </a:solidFill>
+                <a:latin typeface="+mn-lt"/>
+                <a:ea typeface="+mn-ea"/>
+                <a:cs typeface="+mn-cs"/>
+              </a:defRPr>
+            </a:lvl9pPr>
+          </a:lstStyle>
+          <a:p>
+            <a:r>
+              <a:rPr lang="de-DE" dirty="0"/>
+              <a:t>Raytracing-System</a:t>
+            </a:r>
+            <a:endParaRPr lang="en-IN" b="1" dirty="0">
+              <a:solidFill>
+                <a:schemeClr val="tx1">
+                  <a:lumMod val="50000"/>
+                  <a:lumOff val="50000"/>
+                </a:schemeClr>
+              </a:solidFill>
+            </a:endParaRPr>
+          </a:p>
+        </p:txBody>
+      </p:sp>
+      <p:cxnSp>
+        <p:nvCxnSpPr>
+          <p:cNvPr id="5" name="Straight Connector 4">
+            <a:extLst>
+              <a:ext uri="{FF2B5EF4-FFF2-40B4-BE49-F238E27FC236}">
+                <a16:creationId xmlns:a16="http://schemas.microsoft.com/office/drawing/2014/main" id="{0B6697B4-1AD9-4089-92FD-6CFE29B6E807}"/>
+              </a:ext>
+            </a:extLst>
+          </p:cNvPr>
+          <p:cNvCxnSpPr>
+            <a:cxnSpLocks/>
+          </p:cNvCxnSpPr>
+          <p:nvPr/>
+        </p:nvCxnSpPr>
+        <p:spPr>
+          <a:xfrm>
+            <a:off x="0" y="6310312"/>
+            <a:ext cx="12192000" cy="0"/>
+          </a:xfrm>
+          <a:prstGeom prst="line">
+            <a:avLst/>
+          </a:prstGeom>
+          <a:ln/>
+        </p:spPr>
+        <p:style>
+          <a:lnRef idx="3">
+            <a:schemeClr val="dk1"/>
+          </a:lnRef>
+          <a:fillRef idx="0">
+            <a:schemeClr val="dk1"/>
+          </a:fillRef>
+          <a:effectRef idx="2">
+            <a:schemeClr val="dk1"/>
+          </a:effectRef>
+          <a:fontRef idx="minor">
+            <a:schemeClr val="tx1"/>
+          </a:fontRef>
+        </p:style>
+      </p:cxnSp>
+      <p:sp>
+        <p:nvSpPr>
+          <p:cNvPr id="6" name="Subtitle 1"/>
+          <p:cNvSpPr txBox="1">
+            <a:spLocks/>
+          </p:cNvSpPr>
+          <p:nvPr/>
+        </p:nvSpPr>
+        <p:spPr>
+          <a:xfrm>
+            <a:off x="3465319" y="563117"/>
+            <a:ext cx="5261361" cy="952870"/>
+          </a:xfrm>
+          <a:prstGeom prst="rect">
+            <a:avLst/>
+          </a:prstGeom>
+        </p:spPr>
+        <p:txBody>
+          <a:bodyPr>
+            <a:normAutofit/>
+          </a:bodyPr>
+          <a:lstStyle>
+            <a:lvl1pPr marL="228600" indent="-228600" algn="l" defTabSz="914400" rtl="0" eaLnBrk="1" latinLnBrk="0" hangingPunct="1">
+              <a:lnSpc>
+                <a:spcPct val="90000"/>
+              </a:lnSpc>
+              <a:spcBef>
+                <a:spcPts val="1000"/>
+              </a:spcBef>
+              <a:buFont typeface="Arial" panose="020B0604020202020204" pitchFamily="34" charset="0"/>
+              <a:buChar char="•"/>
+              <a:defRPr sz="2800" kern="1200">
+                <a:solidFill>
+                  <a:schemeClr val="tx1"/>
+                </a:solidFill>
+                <a:latin typeface="+mn-lt"/>
+                <a:ea typeface="+mn-ea"/>
+                <a:cs typeface="+mn-cs"/>
+              </a:defRPr>
+            </a:lvl1pPr>
+            <a:lvl2pPr marL="685800" indent="-228600" algn="l" defTabSz="914400" rtl="0" eaLnBrk="1" latinLnBrk="0" hangingPunct="1">
+              <a:lnSpc>
+                <a:spcPct val="90000"/>
+              </a:lnSpc>
+              <a:spcBef>
+                <a:spcPts val="500"/>
+              </a:spcBef>
+              <a:buFont typeface="Arial" panose="020B0604020202020204" pitchFamily="34" charset="0"/>
+              <a:buChar char="•"/>
+              <a:defRPr sz="2400" kern="1200">
+                <a:solidFill>
+                  <a:schemeClr val="tx1"/>
+                </a:solidFill>
+                <a:latin typeface="+mn-lt"/>
+                <a:ea typeface="+mn-ea"/>
+                <a:cs typeface="+mn-cs"/>
+              </a:defRPr>
+            </a:lvl2pPr>
+            <a:lvl3pPr marL="1143000" indent="-228600" algn="l" defTabSz="914400" rtl="0" eaLnBrk="1" latinLnBrk="0" hangingPunct="1">
+              <a:lnSpc>
+                <a:spcPct val="90000"/>
+              </a:lnSpc>
+              <a:spcBef>
+                <a:spcPts val="500"/>
+              </a:spcBef>
+              <a:buFont typeface="Arial" panose="020B0604020202020204" pitchFamily="34" charset="0"/>
+              <a:buChar char="•"/>
+              <a:defRPr sz="2000" kern="1200">
+                <a:solidFill>
+                  <a:schemeClr val="tx1"/>
+                </a:solidFill>
+                <a:latin typeface="+mn-lt"/>
+                <a:ea typeface="+mn-ea"/>
+                <a:cs typeface="+mn-cs"/>
+              </a:defRPr>
+            </a:lvl3pPr>
+            <a:lvl4pPr marL="1600200" indent="-228600" algn="l" defTabSz="914400" rtl="0" eaLnBrk="1" latinLnBrk="0" hangingPunct="1">
+              <a:lnSpc>
+                <a:spcPct val="90000"/>
+              </a:lnSpc>
+              <a:spcBef>
+                <a:spcPts val="500"/>
+              </a:spcBef>
+              <a:buFont typeface="Arial" panose="020B0604020202020204" pitchFamily="34" charset="0"/>
+              <a:buChar char="•"/>
+              <a:defRPr sz="1800" kern="1200">
+                <a:solidFill>
+                  <a:schemeClr val="tx1"/>
+                </a:solidFill>
+                <a:latin typeface="+mn-lt"/>
+                <a:ea typeface="+mn-ea"/>
+                <a:cs typeface="+mn-cs"/>
+              </a:defRPr>
+            </a:lvl4pPr>
+            <a:lvl5pPr marL="2057400" indent="-228600" algn="l" defTabSz="914400" rtl="0" eaLnBrk="1" latinLnBrk="0" hangingPunct="1">
+              <a:lnSpc>
+                <a:spcPct val="90000"/>
+              </a:lnSpc>
+              <a:spcBef>
+                <a:spcPts val="500"/>
+              </a:spcBef>
+              <a:buFont typeface="Arial" panose="020B0604020202020204" pitchFamily="34" charset="0"/>
+              <a:buChar char="•"/>
+              <a:defRPr sz="1800" kern="1200">
+                <a:solidFill>
+                  <a:schemeClr val="tx1"/>
+                </a:solidFill>
+                <a:latin typeface="+mn-lt"/>
+                <a:ea typeface="+mn-ea"/>
+                <a:cs typeface="+mn-cs"/>
+              </a:defRPr>
+            </a:lvl5pPr>
+            <a:lvl6pPr marL="2514600" indent="-228600" algn="l" defTabSz="914400" rtl="0" eaLnBrk="1" latinLnBrk="0" hangingPunct="1">
+              <a:lnSpc>
+                <a:spcPct val="90000"/>
+              </a:lnSpc>
+              <a:spcBef>
+                <a:spcPts val="500"/>
+              </a:spcBef>
+              <a:buFont typeface="Arial" panose="020B0604020202020204" pitchFamily="34" charset="0"/>
+              <a:buChar char="•"/>
+              <a:defRPr sz="1800" kern="1200">
+                <a:solidFill>
+                  <a:schemeClr val="tx1"/>
+                </a:solidFill>
+                <a:latin typeface="+mn-lt"/>
+                <a:ea typeface="+mn-ea"/>
+                <a:cs typeface="+mn-cs"/>
+              </a:defRPr>
+            </a:lvl6pPr>
+            <a:lvl7pPr marL="2971800" indent="-228600" algn="l" defTabSz="914400" rtl="0" eaLnBrk="1" latinLnBrk="0" hangingPunct="1">
+              <a:lnSpc>
+                <a:spcPct val="90000"/>
+              </a:lnSpc>
+              <a:spcBef>
+                <a:spcPts val="500"/>
+              </a:spcBef>
+              <a:buFont typeface="Arial" panose="020B0604020202020204" pitchFamily="34" charset="0"/>
+              <a:buChar char="•"/>
+              <a:defRPr sz="1800" kern="1200">
+                <a:solidFill>
+                  <a:schemeClr val="tx1"/>
+                </a:solidFill>
+                <a:latin typeface="+mn-lt"/>
+                <a:ea typeface="+mn-ea"/>
+                <a:cs typeface="+mn-cs"/>
+              </a:defRPr>
+            </a:lvl7pPr>
+            <a:lvl8pPr marL="3429000" indent="-228600" algn="l" defTabSz="914400" rtl="0" eaLnBrk="1" latinLnBrk="0" hangingPunct="1">
+              <a:lnSpc>
+                <a:spcPct val="90000"/>
+              </a:lnSpc>
+              <a:spcBef>
+                <a:spcPts val="500"/>
+              </a:spcBef>
+              <a:buFont typeface="Arial" panose="020B0604020202020204" pitchFamily="34" charset="0"/>
+              <a:buChar char="•"/>
+              <a:defRPr sz="1800" kern="1200">
+                <a:solidFill>
+                  <a:schemeClr val="tx1"/>
+                </a:solidFill>
+                <a:latin typeface="+mn-lt"/>
+                <a:ea typeface="+mn-ea"/>
+                <a:cs typeface="+mn-cs"/>
+              </a:defRPr>
+            </a:lvl8pPr>
+            <a:lvl9pPr marL="3886200" indent="-228600" algn="l" defTabSz="914400" rtl="0" eaLnBrk="1" latinLnBrk="0" hangingPunct="1">
+              <a:lnSpc>
+                <a:spcPct val="90000"/>
+              </a:lnSpc>
+              <a:spcBef>
+                <a:spcPts val="500"/>
+              </a:spcBef>
+              <a:buFont typeface="Arial" panose="020B0604020202020204" pitchFamily="34" charset="0"/>
+              <a:buChar char="•"/>
+              <a:defRPr sz="1800" kern="1200">
+                <a:solidFill>
+                  <a:schemeClr val="tx1"/>
+                </a:solidFill>
+                <a:latin typeface="+mn-lt"/>
+                <a:ea typeface="+mn-ea"/>
+                <a:cs typeface="+mn-cs"/>
+              </a:defRPr>
+            </a:lvl9pPr>
+          </a:lstStyle>
+          <a:p>
+            <a:pPr marL="0" indent="0" algn="ctr">
+              <a:buNone/>
+            </a:pPr>
+            <a:r>
+              <a:rPr lang="de-DE" sz="3600" dirty="0"/>
+              <a:t>Evolution des Systems</a:t>
+            </a:r>
+          </a:p>
+        </p:txBody>
+      </p:sp>
+      <p:sp>
+        <p:nvSpPr>
+          <p:cNvPr id="7" name="TextBox 6"/>
+          <p:cNvSpPr txBox="1"/>
+          <p:nvPr/>
+        </p:nvSpPr>
+        <p:spPr>
+          <a:xfrm>
+            <a:off x="401471" y="1175329"/>
+            <a:ext cx="10491118" cy="523220"/>
+          </a:xfrm>
+          <a:prstGeom prst="rect">
+            <a:avLst/>
+          </a:prstGeom>
+          <a:noFill/>
+        </p:spPr>
+        <p:txBody>
+          <a:bodyPr wrap="square" rtlCol="0">
+            <a:spAutoFit/>
+          </a:bodyPr>
+          <a:lstStyle/>
+          <a:p>
+            <a:r>
+              <a:rPr lang="de-DE" sz="2800" dirty="0"/>
+              <a:t>Weitere Schwierigkeiten </a:t>
+            </a:r>
+          </a:p>
+        </p:txBody>
+      </p:sp>
+      <p:sp>
+        <p:nvSpPr>
+          <p:cNvPr id="8" name="Textfeld 7">
+            <a:extLst>
+              <a:ext uri="{FF2B5EF4-FFF2-40B4-BE49-F238E27FC236}">
+                <a16:creationId xmlns:a16="http://schemas.microsoft.com/office/drawing/2014/main" id="{BD9D6613-68FA-4599-9D1C-E43BCCB5BB8E}"/>
+              </a:ext>
+            </a:extLst>
+          </p:cNvPr>
+          <p:cNvSpPr txBox="1"/>
+          <p:nvPr/>
+        </p:nvSpPr>
+        <p:spPr>
+          <a:xfrm>
+            <a:off x="472905" y="1635168"/>
+            <a:ext cx="6513816" cy="369332"/>
+          </a:xfrm>
+          <a:prstGeom prst="rect">
+            <a:avLst/>
+          </a:prstGeom>
+          <a:noFill/>
+        </p:spPr>
+        <p:txBody>
+          <a:bodyPr wrap="square" rtlCol="0">
+            <a:spAutoFit/>
+          </a:bodyPr>
+          <a:lstStyle/>
+          <a:p>
+            <a:r>
+              <a:rPr lang="de-DE" dirty="0"/>
+              <a:t>Mehrdeutige Definition der freien Funktionen bei Linking</a:t>
+            </a:r>
+          </a:p>
+        </p:txBody>
+      </p:sp>
+      <p:pic>
+        <p:nvPicPr>
+          <p:cNvPr id="10" name="Grafik 9">
+            <a:extLst>
+              <a:ext uri="{FF2B5EF4-FFF2-40B4-BE49-F238E27FC236}">
+                <a16:creationId xmlns:a16="http://schemas.microsoft.com/office/drawing/2014/main" id="{2188F699-9324-43DF-9A72-EC70EC11E93F}"/>
+              </a:ext>
+            </a:extLst>
+          </p:cNvPr>
+          <p:cNvPicPr>
+            <a:picLocks noChangeAspect="1"/>
+          </p:cNvPicPr>
+          <p:nvPr/>
+        </p:nvPicPr>
+        <p:blipFill rotWithShape="1">
+          <a:blip r:embed="rId3">
+            <a:extLst>
+              <a:ext uri="{28A0092B-C50C-407E-A947-70E740481C1C}">
+                <a14:useLocalDpi xmlns:a14="http://schemas.microsoft.com/office/drawing/2010/main" val="0"/>
+              </a:ext>
+            </a:extLst>
+          </a:blip>
+          <a:srcRect r="6842"/>
+          <a:stretch/>
+        </p:blipFill>
+        <p:spPr>
+          <a:xfrm>
+            <a:off x="475462" y="2016532"/>
+            <a:ext cx="11357811" cy="1357745"/>
+          </a:xfrm>
+          <a:prstGeom prst="rect">
+            <a:avLst/>
+          </a:prstGeom>
+        </p:spPr>
+      </p:pic>
+      <p:pic>
+        <p:nvPicPr>
+          <p:cNvPr id="12" name="Grafik 11">
+            <a:extLst>
+              <a:ext uri="{FF2B5EF4-FFF2-40B4-BE49-F238E27FC236}">
+                <a16:creationId xmlns:a16="http://schemas.microsoft.com/office/drawing/2014/main" id="{96C03D2F-DE01-4199-B55B-494C4C7E438F}"/>
+              </a:ext>
+            </a:extLst>
+          </p:cNvPr>
+          <p:cNvPicPr>
+            <a:picLocks noChangeAspect="1"/>
+          </p:cNvPicPr>
+          <p:nvPr/>
+        </p:nvPicPr>
+        <p:blipFill>
+          <a:blip r:embed="rId4">
+            <a:extLst>
+              <a:ext uri="{28A0092B-C50C-407E-A947-70E740481C1C}">
+                <a14:useLocalDpi xmlns:a14="http://schemas.microsoft.com/office/drawing/2010/main" val="0"/>
+              </a:ext>
+            </a:extLst>
+          </a:blip>
+          <a:stretch>
+            <a:fillRect/>
+          </a:stretch>
+        </p:blipFill>
+        <p:spPr>
+          <a:xfrm>
+            <a:off x="472905" y="4249421"/>
+            <a:ext cx="8049748" cy="1171739"/>
+          </a:xfrm>
+          <a:prstGeom prst="rect">
+            <a:avLst/>
+          </a:prstGeom>
+        </p:spPr>
+      </p:pic>
+      <p:sp>
+        <p:nvSpPr>
+          <p:cNvPr id="13" name="Textfeld 12">
+            <a:extLst>
+              <a:ext uri="{FF2B5EF4-FFF2-40B4-BE49-F238E27FC236}">
+                <a16:creationId xmlns:a16="http://schemas.microsoft.com/office/drawing/2014/main" id="{D04B3264-0AA8-4A65-A0DF-FB57CEC1E492}"/>
+              </a:ext>
+            </a:extLst>
+          </p:cNvPr>
+          <p:cNvSpPr txBox="1"/>
+          <p:nvPr/>
+        </p:nvSpPr>
+        <p:spPr>
+          <a:xfrm>
+            <a:off x="472905" y="3819764"/>
+            <a:ext cx="6811473" cy="369332"/>
+          </a:xfrm>
+          <a:prstGeom prst="rect">
+            <a:avLst/>
+          </a:prstGeom>
+          <a:noFill/>
+        </p:spPr>
+        <p:txBody>
+          <a:bodyPr wrap="square" rtlCol="0">
+            <a:spAutoFit/>
+          </a:bodyPr>
+          <a:lstStyle/>
+          <a:p>
+            <a:r>
+              <a:rPr lang="de-DE" dirty="0"/>
+              <a:t>Windows und Linux </a:t>
+            </a:r>
+            <a:r>
+              <a:rPr lang="de-DE" dirty="0" err="1"/>
+              <a:t>Konflict</a:t>
+            </a:r>
+            <a:endParaRPr lang="de-DE" dirty="0"/>
+          </a:p>
+        </p:txBody>
+      </p:sp>
+    </p:spTree>
+    <p:extLst>
+      <p:ext uri="{BB962C8B-B14F-4D97-AF65-F5344CB8AC3E}">
+        <p14:creationId xmlns:p14="http://schemas.microsoft.com/office/powerpoint/2010/main" val="930467519"/>
+      </p:ext>
+    </p:extLst>
+  </p:cSld>
+  <p:clrMapOvr>
+    <a:masterClrMapping/>
+  </p:clrMapOvr>
 </p:sld>
 </file>
 
@@ -4630,7 +9588,7 @@
           <p:cNvPr id="6" name="Date Placeholder 2">
             <a:extLst>
               <a:ext uri="{FF2B5EF4-FFF2-40B4-BE49-F238E27FC236}">
-                <a16:creationId xmlns:a16="http://schemas.microsoft.com/office/drawing/2014/main" xmlns="" id="{180FC470-B565-4FB6-B0D5-7C8F5744990B}"/>
+                <a16:creationId xmlns:a16="http://schemas.microsoft.com/office/drawing/2014/main" id="{180FC470-B565-4FB6-B0D5-7C8F5744990B}"/>
               </a:ext>
             </a:extLst>
           </p:cNvPr>
@@ -4662,35 +9620,31 @@
           </a:lstStyle>
           <a:p>
             <a:r>
-              <a:rPr lang="en-IN" dirty="0" err="1" smtClean="0"/>
+              <a:rPr lang="en-IN" dirty="0" err="1"/>
               <a:t>Nhu</a:t>
             </a:r>
             <a:r>
-              <a:rPr lang="en-IN" dirty="0" smtClean="0"/>
+              <a:rPr lang="en-IN" dirty="0"/>
               <a:t> </a:t>
             </a:r>
             <a:r>
-              <a:rPr lang="en-IN" dirty="0" err="1" smtClean="0"/>
+              <a:rPr lang="en-IN" dirty="0" err="1"/>
               <a:t>Quang</a:t>
             </a:r>
             <a:r>
-              <a:rPr lang="en-IN" dirty="0" smtClean="0"/>
-              <a:t> Dang</a:t>
-            </a:r>
-            <a:r>
-              <a:rPr lang="en-IN" dirty="0" smtClean="0"/>
-              <a:t>, </a:t>
-            </a:r>
-            <a:r>
-              <a:rPr lang="en-IN" dirty="0" err="1" smtClean="0"/>
+              <a:rPr lang="en-IN" dirty="0"/>
+              <a:t> Dang, </a:t>
+            </a:r>
+            <a:r>
+              <a:rPr lang="en-IN" dirty="0" err="1"/>
               <a:t>Chandrautama</a:t>
             </a:r>
             <a:r>
-              <a:rPr lang="en-IN" dirty="0" smtClean="0"/>
+              <a:rPr lang="en-IN" dirty="0"/>
               <a:t> Lucky| </a:t>
             </a:r>
             <a:r>
-              <a:rPr lang="en-IN" dirty="0" err="1" smtClean="0">
+              <a:rPr lang="en-IN" dirty="0" err="1">
                 <a:solidFill>
                   <a:schemeClr val="tx1">
                     <a:lumMod val="50000"/>
@@ -4701,7 +9655,7 @@
               <a:t>Sose</a:t>
             </a:r>
             <a:r>
-              <a:rPr lang="en-IN" dirty="0" smtClean="0">
+              <a:rPr lang="en-IN" dirty="0">
                 <a:solidFill>
                   <a:schemeClr val="tx1">
                     <a:lumMod val="50000"/>
@@ -4711,14 +9665,6 @@
               </a:rPr>
               <a:t> 2018</a:t>
             </a:r>
-            <a:endParaRPr lang="en-IN" dirty="0">
-              <a:solidFill>
-                <a:schemeClr val="tx1">
-                  <a:lumMod val="50000"/>
-                  <a:lumOff val="50000"/>
-                </a:schemeClr>
-              </a:solidFill>
-            </a:endParaRPr>
           </a:p>
         </p:txBody>
       </p:sp>
@@ -4727,7 +9673,7 @@
           <p:cNvPr id="7" name="Footer Placeholder 3">
             <a:extLst>
               <a:ext uri="{FF2B5EF4-FFF2-40B4-BE49-F238E27FC236}">
-                <a16:creationId xmlns:a16="http://schemas.microsoft.com/office/drawing/2014/main" xmlns="" id="{AA1A078D-2DA1-41AC-A894-48E19FF3FAE3}"/>
+                <a16:creationId xmlns:a16="http://schemas.microsoft.com/office/drawing/2014/main" id="{AA1A078D-2DA1-41AC-A894-48E19FF3FAE3}"/>
               </a:ext>
             </a:extLst>
           </p:cNvPr>
@@ -4794,7 +9740,7 @@
           <p:cNvPr id="9" name="Date Placeholder 2">
             <a:extLst>
               <a:ext uri="{FF2B5EF4-FFF2-40B4-BE49-F238E27FC236}">
-                <a16:creationId xmlns:a16="http://schemas.microsoft.com/office/drawing/2014/main" xmlns="" id="{254BB5F0-2280-4072-A92F-9321101FB009}"/>
+                <a16:creationId xmlns:a16="http://schemas.microsoft.com/office/drawing/2014/main" id="{254BB5F0-2280-4072-A92F-9321101FB009}"/>
               </a:ext>
             </a:extLst>
           </p:cNvPr>
@@ -4911,7 +9857,7 @@
           </a:lstStyle>
           <a:p>
             <a:r>
-              <a:rPr lang="de-DE" dirty="0" smtClean="0"/>
+              <a:rPr lang="de-DE" dirty="0"/>
               <a:t>Raytracing-System</a:t>
             </a:r>
             <a:endParaRPr lang="en-IN" b="1" dirty="0">
@@ -4930,7 +9876,7 @@
           <p:cNvPr id="10" name="Straight Connector 9">
             <a:extLst>
               <a:ext uri="{FF2B5EF4-FFF2-40B4-BE49-F238E27FC236}">
-                <a16:creationId xmlns:a16="http://schemas.microsoft.com/office/drawing/2014/main" xmlns="" id="{0B6697B4-1AD9-4089-92FD-6CFE29B6E807}"/>
+                <a16:creationId xmlns:a16="http://schemas.microsoft.com/office/drawing/2014/main" id="{0B6697B4-1AD9-4089-92FD-6CFE29B6E807}"/>
               </a:ext>
             </a:extLst>
           </p:cNvPr>
@@ -4987,7 +9933,7 @@
           <a:lstStyle/>
           <a:p>
             <a:r>
-              <a:rPr lang="de-DE" sz="3600" dirty="0" smtClean="0"/>
+              <a:rPr lang="de-DE" sz="3600" dirty="0"/>
               <a:t>Raytracing</a:t>
             </a:r>
           </a:p>
@@ -5005,7 +9951,7 @@
         <p:spPr>
           <a:xfrm>
             <a:off x="888761" y="1404677"/>
-            <a:ext cx="6486259" cy="923330"/>
+            <a:ext cx="6486259" cy="2862322"/>
           </a:xfrm>
           <a:prstGeom prst="rect">
             <a:avLst/>
@@ -5020,82 +9966,89 @@
           <a:p>
             <a:r>
               <a:rPr lang="de-DE" dirty="0"/>
-              <a:t>Raytracing ist ein Programm zur Ermittlung der Sichtbarkeit von dreidimensionalen Objekten von einem bestimmten </a:t>
-            </a:r>
-            <a:r>
-              <a:rPr lang="de-DE" dirty="0" smtClean="0"/>
-              <a:t>Beobachtungs- punkt </a:t>
+              <a:t>Raytracing ist ein </a:t>
+            </a:r>
+            <a:r>
+              <a:rPr lang="de-DE" dirty="0" err="1"/>
+              <a:t>Rendernverfahren</a:t>
             </a:r>
             <a:r>
               <a:rPr lang="de-DE" dirty="0"/>
-              <a:t>mit Beleuchtung im Raum.</a:t>
-            </a:r>
-          </a:p>
-        </p:txBody>
-      </p:sp>
-      <p:sp>
-        <p:nvSpPr>
-          <p:cNvPr id="5" name="TextBox 4"/>
-          <p:cNvSpPr txBox="1"/>
-          <p:nvPr/>
-        </p:nvSpPr>
-        <p:spPr>
-          <a:xfrm>
-            <a:off x="888762" y="3995994"/>
-            <a:ext cx="6101697" cy="646331"/>
-          </a:xfrm>
-          <a:prstGeom prst="rect">
-            <a:avLst/>
-          </a:prstGeom>
-          <a:noFill/>
-        </p:spPr>
-        <p:txBody>
-          <a:bodyPr wrap="square" rtlCol="0">
-            <a:spAutoFit/>
-          </a:bodyPr>
-          <a:lstStyle/>
-          <a:p>
-            <a:r>
-              <a:rPr lang="de-DE" dirty="0" smtClean="0"/>
-              <a:t>Raytracing kann die Lichtreflexion/ -brechung/ -streuung und auch Spiegelung berechnen und auf dem Bildebene zeigen.</a:t>
-            </a:r>
+              <a:t> zur Projektion der dreidimensionale Geometrie zu zweidimensionale </a:t>
+            </a:r>
+            <a:r>
+              <a:rPr lang="de-DE" dirty="0" err="1"/>
+              <a:t>BIldebene</a:t>
+            </a:r>
+            <a:r>
+              <a:rPr lang="de-DE" dirty="0"/>
+              <a:t>.</a:t>
+            </a:r>
+          </a:p>
+          <a:p>
             <a:endParaRPr lang="de-DE" dirty="0"/>
+          </a:p>
+          <a:p>
+            <a:r>
+              <a:rPr lang="de-DE" dirty="0"/>
+              <a:t>Dies Verfahren erfolgt anhand Strahlen, die von Kamera für jede Pixel der Bildebene erzeugt werden.</a:t>
+            </a:r>
+          </a:p>
+          <a:p>
+            <a:endParaRPr lang="de-DE" dirty="0"/>
+          </a:p>
+          <a:p>
+            <a:pPr marL="285750" indent="-285750">
+              <a:buFont typeface="Arial" panose="020B0604020202020204" pitchFamily="34" charset="0"/>
+              <a:buChar char="•"/>
+            </a:pPr>
+            <a:r>
+              <a:rPr lang="de-DE" dirty="0"/>
+              <a:t>In Bildreihenfolge rendern</a:t>
+            </a:r>
+          </a:p>
+          <a:p>
+            <a:pPr marL="285750" indent="-285750">
+              <a:buFont typeface="Arial" panose="020B0604020202020204" pitchFamily="34" charset="0"/>
+              <a:buChar char="•"/>
+            </a:pPr>
+            <a:r>
+              <a:rPr lang="de-DE" dirty="0"/>
+              <a:t>Ermittlung eines Ausschnitts</a:t>
+            </a:r>
+          </a:p>
+          <a:p>
+            <a:pPr marL="285750" indent="-285750">
+              <a:buFont typeface="Arial" panose="020B0604020202020204" pitchFamily="34" charset="0"/>
+              <a:buChar char="•"/>
+            </a:pPr>
+            <a:r>
+              <a:rPr lang="de-DE" dirty="0" err="1"/>
+              <a:t>Shading</a:t>
+            </a:r>
+            <a:endParaRPr lang="de-DE" dirty="0"/>
+          </a:p>
+          <a:p>
+            <a:pPr marL="285750" indent="-285750">
+              <a:buFont typeface="Arial" panose="020B0604020202020204" pitchFamily="34" charset="0"/>
+              <a:buChar char="•"/>
+            </a:pPr>
+            <a:r>
+              <a:rPr lang="de-DE" dirty="0"/>
+              <a:t>Zwischen Schnittpunkt und Lichtquelle, gibt es Objekt?</a:t>
+            </a:r>
           </a:p>
         </p:txBody>
       </p:sp>
       <p:pic>
         <p:nvPicPr>
-          <p:cNvPr id="8" name="Picture 7"/>
-          <p:cNvPicPr>
-            <a:picLocks noChangeAspect="1"/>
-          </p:cNvPicPr>
-          <p:nvPr/>
-        </p:nvPicPr>
-        <p:blipFill>
-          <a:blip r:embed="rId2" cstate="print">
-            <a:extLst>
-              <a:ext uri="{28A0092B-C50C-407E-A947-70E740481C1C}">
-                <a14:useLocalDpi xmlns:a14="http://schemas.microsoft.com/office/drawing/2010/main" val="0"/>
-              </a:ext>
-            </a:extLst>
-          </a:blip>
-          <a:stretch>
-            <a:fillRect/>
-          </a:stretch>
-        </p:blipFill>
-        <p:spPr>
-          <a:xfrm>
-            <a:off x="8126526" y="1404676"/>
-            <a:ext cx="2942435" cy="2465705"/>
-          </a:xfrm>
-          <a:prstGeom prst="rect">
-            <a:avLst/>
-          </a:prstGeom>
-        </p:spPr>
-      </p:pic>
-      <p:pic>
-        <p:nvPicPr>
-          <p:cNvPr id="11" name="Picture 10"/>
+          <p:cNvPr id="12" name="Grafik 11">
+            <a:extLst>
+              <a:ext uri="{FF2B5EF4-FFF2-40B4-BE49-F238E27FC236}">
+                <a16:creationId xmlns:a16="http://schemas.microsoft.com/office/drawing/2014/main" id="{F35D5867-6F2F-4B32-AEFB-F7B07A4DF8D3}"/>
+              </a:ext>
+            </a:extLst>
+          </p:cNvPr>
           <p:cNvPicPr>
             <a:picLocks noChangeAspect="1"/>
           </p:cNvPicPr>
@@ -5107,6 +10060,9 @@
               <a:ext uri="{28A0092B-C50C-407E-A947-70E740481C1C}">
                 <a14:useLocalDpi xmlns:a14="http://schemas.microsoft.com/office/drawing/2010/main" val="0"/>
               </a:ext>
+              <a:ext uri="{96DAC541-7B7A-43D3-8B79-37D633B846F1}">
+                <asvg:svgBlip xmlns:asvg="http://schemas.microsoft.com/office/drawing/2016/SVG/main" r:embed="rId4"/>
+              </a:ext>
             </a:extLst>
           </a:blip>
           <a:stretch>
@@ -5115,14 +10071,89 @@
         </p:blipFill>
         <p:spPr>
           <a:xfrm>
-            <a:off x="8126526" y="3995995"/>
-            <a:ext cx="2970853" cy="2188704"/>
+            <a:off x="8514940" y="3685862"/>
+            <a:ext cx="2554021" cy="2259326"/>
           </a:xfrm>
           <a:prstGeom prst="rect">
             <a:avLst/>
           </a:prstGeom>
         </p:spPr>
       </p:pic>
+      <p:pic>
+        <p:nvPicPr>
+          <p:cNvPr id="13" name="Picture 10">
+            <a:extLst>
+              <a:ext uri="{FF2B5EF4-FFF2-40B4-BE49-F238E27FC236}">
+                <a16:creationId xmlns:a16="http://schemas.microsoft.com/office/drawing/2014/main" id="{794EC1BC-7AB7-40AF-91C8-F500C223A86E}"/>
+              </a:ext>
+            </a:extLst>
+          </p:cNvPr>
+          <p:cNvPicPr>
+            <a:picLocks noChangeAspect="1"/>
+          </p:cNvPicPr>
+          <p:nvPr/>
+        </p:nvPicPr>
+        <p:blipFill>
+          <a:blip r:embed="rId5">
+            <a:extLst>
+              <a:ext uri="{28A0092B-C50C-407E-A947-70E740481C1C}">
+                <a14:useLocalDpi xmlns:a14="http://schemas.microsoft.com/office/drawing/2010/main" val="0"/>
+              </a:ext>
+            </a:extLst>
+          </a:blip>
+          <a:stretch>
+            <a:fillRect/>
+          </a:stretch>
+        </p:blipFill>
+        <p:spPr>
+          <a:xfrm>
+            <a:off x="8431078" y="1243974"/>
+            <a:ext cx="2747829" cy="2259326"/>
+          </a:xfrm>
+          <a:prstGeom prst="rect">
+            <a:avLst/>
+          </a:prstGeom>
+        </p:spPr>
+      </p:pic>
+      <p:sp>
+        <p:nvSpPr>
+          <p:cNvPr id="14" name="Textfeld 13">
+            <a:extLst>
+              <a:ext uri="{FF2B5EF4-FFF2-40B4-BE49-F238E27FC236}">
+                <a16:creationId xmlns:a16="http://schemas.microsoft.com/office/drawing/2014/main" id="{C023F1D0-61D4-4CE1-8AAF-F3053FC9239D}"/>
+              </a:ext>
+            </a:extLst>
+          </p:cNvPr>
+          <p:cNvSpPr txBox="1"/>
+          <p:nvPr/>
+        </p:nvSpPr>
+        <p:spPr>
+          <a:xfrm>
+            <a:off x="10305292" y="2142804"/>
+            <a:ext cx="763669" cy="461665"/>
+          </a:xfrm>
+          <a:prstGeom prst="rect">
+            <a:avLst/>
+          </a:prstGeom>
+          <a:noFill/>
+        </p:spPr>
+        <p:txBody>
+          <a:bodyPr wrap="square" rtlCol="0">
+            <a:spAutoFit/>
+          </a:bodyPr>
+          <a:lstStyle/>
+          <a:p>
+            <a:r>
+              <a:rPr lang="de-DE" sz="2400" dirty="0">
+                <a:solidFill>
+                  <a:srgbClr val="FF0000"/>
+                </a:solidFill>
+              </a:rPr>
+              <a:t>A</a:t>
+            </a:r>
+          </a:p>
+        </p:txBody>
+      </p:sp>
     </p:spTree>
     <p:extLst>
       <p:ext uri="{BB962C8B-B14F-4D97-AF65-F5344CB8AC3E}">
@@ -5133,13 +10164,6 @@
   <p:clrMapOvr>
     <a:masterClrMapping/>
   </p:clrMapOvr>
-  <p:timing>
-    <p:tnLst>
-      <p:par>
-        <p:cTn id="1" dur="indefinite" restart="never" nodeType="tmRoot"/>
-      </p:par>
-    </p:tnLst>
-  </p:timing>
 </p:sld>
 </file>
 
@@ -5165,7 +10189,7 @@
           <p:cNvPr id="2" name="Date Placeholder 2">
             <a:extLst>
               <a:ext uri="{FF2B5EF4-FFF2-40B4-BE49-F238E27FC236}">
-                <a16:creationId xmlns:a16="http://schemas.microsoft.com/office/drawing/2014/main" xmlns="" id="{180FC470-B565-4FB6-B0D5-7C8F5744990B}"/>
+                <a16:creationId xmlns:a16="http://schemas.microsoft.com/office/drawing/2014/main" id="{180FC470-B565-4FB6-B0D5-7C8F5744990B}"/>
               </a:ext>
             </a:extLst>
           </p:cNvPr>
@@ -5197,35 +10221,31 @@
           </a:lstStyle>
           <a:p>
             <a:r>
-              <a:rPr lang="en-IN" dirty="0" err="1" smtClean="0"/>
+              <a:rPr lang="en-IN" dirty="0" err="1"/>
               <a:t>Nhu</a:t>
             </a:r>
             <a:r>
-              <a:rPr lang="en-IN" dirty="0" smtClean="0"/>
+              <a:rPr lang="en-IN" dirty="0"/>
               <a:t> </a:t>
             </a:r>
             <a:r>
-              <a:rPr lang="en-IN" dirty="0" err="1" smtClean="0"/>
+              <a:rPr lang="en-IN" dirty="0" err="1"/>
               <a:t>Quang</a:t>
             </a:r>
             <a:r>
-              <a:rPr lang="en-IN" dirty="0" smtClean="0"/>
-              <a:t> Dang</a:t>
-            </a:r>
-            <a:r>
-              <a:rPr lang="en-IN" dirty="0" smtClean="0"/>
-              <a:t>, </a:t>
-            </a:r>
-            <a:r>
-              <a:rPr lang="en-IN" dirty="0" err="1" smtClean="0"/>
+              <a:rPr lang="en-IN" dirty="0"/>
+              <a:t> Dang, </a:t>
+            </a:r>
+            <a:r>
+              <a:rPr lang="en-IN" dirty="0" err="1"/>
               <a:t>Chandrautama</a:t>
             </a:r>
             <a:r>
-              <a:rPr lang="en-IN" dirty="0" smtClean="0"/>
+              <a:rPr lang="en-IN" dirty="0"/>
               <a:t> Lucky| </a:t>
             </a:r>
             <a:r>
-              <a:rPr lang="en-IN" dirty="0" err="1" smtClean="0">
+              <a:rPr lang="en-IN" dirty="0" err="1">
                 <a:solidFill>
                   <a:schemeClr val="tx1">
                     <a:lumMod val="50000"/>
@@ -5236,7 +10256,7 @@
               <a:t>Sose</a:t>
             </a:r>
             <a:r>
-              <a:rPr lang="en-IN" dirty="0" smtClean="0">
+              <a:rPr lang="en-IN" dirty="0">
                 <a:solidFill>
                   <a:schemeClr val="tx1">
                     <a:lumMod val="50000"/>
@@ -5246,14 +10266,6 @@
               </a:rPr>
               <a:t> 2018</a:t>
             </a:r>
-            <a:endParaRPr lang="en-IN" dirty="0">
-              <a:solidFill>
-                <a:schemeClr val="tx1">
-                  <a:lumMod val="50000"/>
-                  <a:lumOff val="50000"/>
-                </a:schemeClr>
-              </a:solidFill>
-            </a:endParaRPr>
           </a:p>
         </p:txBody>
       </p:sp>
@@ -5262,7 +10274,7 @@
           <p:cNvPr id="3" name="Footer Placeholder 3">
             <a:extLst>
               <a:ext uri="{FF2B5EF4-FFF2-40B4-BE49-F238E27FC236}">
-                <a16:creationId xmlns:a16="http://schemas.microsoft.com/office/drawing/2014/main" xmlns="" id="{AA1A078D-2DA1-41AC-A894-48E19FF3FAE3}"/>
+                <a16:creationId xmlns:a16="http://schemas.microsoft.com/office/drawing/2014/main" id="{AA1A078D-2DA1-41AC-A894-48E19FF3FAE3}"/>
               </a:ext>
             </a:extLst>
           </p:cNvPr>
@@ -5329,7 +10341,7 @@
           <p:cNvPr id="4" name="Date Placeholder 2">
             <a:extLst>
               <a:ext uri="{FF2B5EF4-FFF2-40B4-BE49-F238E27FC236}">
-                <a16:creationId xmlns:a16="http://schemas.microsoft.com/office/drawing/2014/main" xmlns="" id="{254BB5F0-2280-4072-A92F-9321101FB009}"/>
+                <a16:creationId xmlns:a16="http://schemas.microsoft.com/office/drawing/2014/main" id="{254BB5F0-2280-4072-A92F-9321101FB009}"/>
               </a:ext>
             </a:extLst>
           </p:cNvPr>
@@ -5446,7 +10458,7 @@
           </a:lstStyle>
           <a:p>
             <a:r>
-              <a:rPr lang="de-DE" dirty="0" smtClean="0"/>
+              <a:rPr lang="de-DE" dirty="0"/>
               <a:t>Raytracing-System</a:t>
             </a:r>
             <a:endParaRPr lang="en-IN" b="1" dirty="0">
@@ -5465,7 +10477,7 @@
           <p:cNvPr id="5" name="Straight Connector 4">
             <a:extLst>
               <a:ext uri="{FF2B5EF4-FFF2-40B4-BE49-F238E27FC236}">
-                <a16:creationId xmlns:a16="http://schemas.microsoft.com/office/drawing/2014/main" xmlns="" id="{0B6697B4-1AD9-4089-92FD-6CFE29B6E807}"/>
+                <a16:creationId xmlns:a16="http://schemas.microsoft.com/office/drawing/2014/main" id="{0B6697B4-1AD9-4089-92FD-6CFE29B6E807}"/>
               </a:ext>
             </a:extLst>
           </p:cNvPr>
@@ -5518,7 +10530,7 @@
         </p:spPr>
         <p:txBody>
           <a:bodyPr>
-            <a:normAutofit fontScale="92500"/>
+            <a:normAutofit/>
           </a:bodyPr>
           <a:lstStyle>
             <a:lvl1pPr marL="228600" indent="-228600" algn="l" defTabSz="914400" rtl="0" eaLnBrk="1" latinLnBrk="0" hangingPunct="1">
@@ -5685,29 +10697,121 @@
             </a:lvl9pPr>
           </a:lstStyle>
           <a:p>
-            <a:pPr marL="0" indent="0" algn="ctr">
+            <a:pPr marL="0" indent="0">
               <a:buNone/>
             </a:pPr>
             <a:r>
-              <a:rPr lang="de-DE" sz="3600" dirty="0" smtClean="0"/>
-              <a:t>Die theoretische Grundlagen </a:t>
-            </a:r>
-          </a:p>
-          <a:p>
+              <a:rPr lang="de-DE" sz="3600" dirty="0" err="1"/>
+              <a:t>Raytracing</a:t>
+            </a:r>
+            <a:r>
+              <a:rPr lang="de-DE" sz="3600" dirty="0"/>
+              <a:t> </a:t>
+            </a:r>
+            <a:r>
+              <a:rPr lang="de-DE" sz="3600" dirty="0" err="1"/>
+              <a:t>vs</a:t>
+            </a:r>
+            <a:r>
+              <a:rPr lang="de-DE" sz="3600" dirty="0"/>
+              <a:t> </a:t>
+            </a:r>
+            <a:r>
+              <a:rPr lang="de-DE" sz="3600" dirty="0" err="1"/>
+              <a:t>Raycasting</a:t>
+            </a:r>
             <a:endParaRPr lang="de-DE" sz="3600" dirty="0"/>
+          </a:p>
+          <a:p>
+            <a:endParaRPr lang="de-DE" sz="3600" dirty="0"/>
+          </a:p>
+        </p:txBody>
+      </p:sp>
+      <p:sp>
+        <p:nvSpPr>
+          <p:cNvPr id="9" name="Textfeld 8">
+            <a:extLst>
+              <a:ext uri="{FF2B5EF4-FFF2-40B4-BE49-F238E27FC236}">
+                <a16:creationId xmlns:a16="http://schemas.microsoft.com/office/drawing/2014/main" id="{A3791A9E-10F3-43F6-B7C8-BA586DAA83A9}"/>
+              </a:ext>
+            </a:extLst>
+          </p:cNvPr>
+          <p:cNvSpPr txBox="1"/>
+          <p:nvPr/>
+        </p:nvSpPr>
+        <p:spPr>
+          <a:xfrm>
+            <a:off x="401470" y="1515987"/>
+            <a:ext cx="7490031" cy="1754326"/>
+          </a:xfrm>
+          <a:prstGeom prst="rect">
+            <a:avLst/>
+          </a:prstGeom>
+          <a:noFill/>
+        </p:spPr>
+        <p:txBody>
+          <a:bodyPr wrap="square" rtlCol="0">
+            <a:spAutoFit/>
+          </a:bodyPr>
+          <a:lstStyle/>
+          <a:p>
+            <a:r>
+              <a:rPr lang="de-DE" dirty="0" err="1"/>
+              <a:t>Raytracing</a:t>
+            </a:r>
+            <a:r>
+              <a:rPr lang="de-DE" dirty="0"/>
+              <a:t> rendern die Bildern </a:t>
+            </a:r>
+            <a:r>
+              <a:rPr lang="de-DE" b="1" dirty="0"/>
+              <a:t>rekursiv</a:t>
+            </a:r>
+            <a:r>
+              <a:rPr lang="de-DE" dirty="0"/>
+              <a:t> und hoch detaillierten Materialeffekte.</a:t>
+            </a:r>
+          </a:p>
+          <a:p>
+            <a:r>
+              <a:rPr lang="de-DE" dirty="0" err="1"/>
+              <a:t>Raytracing</a:t>
+            </a:r>
+            <a:r>
+              <a:rPr lang="de-DE" dirty="0"/>
+              <a:t> kann die Lichtreflexion/ -brechung/ -streuung und auch Spiegelung berechnen und auf dem Bildebene zeigen.</a:t>
+            </a:r>
+          </a:p>
+          <a:p>
+            <a:endParaRPr lang="de-DE" dirty="0"/>
+          </a:p>
+          <a:p>
+            <a:endParaRPr lang="de-DE" dirty="0"/>
+          </a:p>
+          <a:p>
+            <a:r>
+              <a:rPr lang="de-DE" dirty="0"/>
+              <a:t>ABER: langsam</a:t>
+            </a:r>
           </a:p>
         </p:txBody>
       </p:sp>
       <p:pic>
         <p:nvPicPr>
-          <p:cNvPr id="11" name="Picture 10"/>
+          <p:cNvPr id="12" name="Picture 7">
+            <a:extLst>
+              <a:ext uri="{FF2B5EF4-FFF2-40B4-BE49-F238E27FC236}">
+                <a16:creationId xmlns:a16="http://schemas.microsoft.com/office/drawing/2014/main" id="{48A34A4D-CA32-4DC5-BFDA-5BE327B077B4}"/>
+              </a:ext>
+            </a:extLst>
+          </p:cNvPr>
           <p:cNvPicPr>
             <a:picLocks noChangeAspect="1"/>
           </p:cNvPicPr>
           <p:nvPr/>
         </p:nvPicPr>
         <p:blipFill>
-          <a:blip r:embed="rId2">
+          <a:blip r:embed="rId3" cstate="print">
             <a:extLst>
               <a:ext uri="{28A0092B-C50C-407E-A947-70E740481C1C}">
                 <a14:useLocalDpi xmlns:a14="http://schemas.microsoft.com/office/drawing/2010/main" val="0"/>
@@ -5720,8 +10824,8 @@
         </p:blipFill>
         <p:spPr>
           <a:xfrm>
-            <a:off x="8549710" y="1250578"/>
-            <a:ext cx="2747829" cy="2259326"/>
+            <a:off x="8484439" y="1166947"/>
+            <a:ext cx="2942435" cy="2465705"/>
           </a:xfrm>
           <a:prstGeom prst="rect">
             <a:avLst/>
@@ -5730,14 +10834,20 @@
       </p:pic>
       <p:pic>
         <p:nvPicPr>
-          <p:cNvPr id="12" name="Picture 11"/>
+          <p:cNvPr id="14" name="Picture 10">
+            <a:extLst>
+              <a:ext uri="{FF2B5EF4-FFF2-40B4-BE49-F238E27FC236}">
+                <a16:creationId xmlns:a16="http://schemas.microsoft.com/office/drawing/2014/main" id="{AE27490B-CDC9-42CE-B741-E5C16EF0D24E}"/>
+              </a:ext>
+            </a:extLst>
+          </p:cNvPr>
           <p:cNvPicPr>
             <a:picLocks noChangeAspect="1"/>
           </p:cNvPicPr>
           <p:nvPr/>
         </p:nvPicPr>
         <p:blipFill>
-          <a:blip r:embed="rId3">
+          <a:blip r:embed="rId4">
             <a:extLst>
               <a:ext uri="{28A0092B-C50C-407E-A947-70E740481C1C}">
                 <a14:useLocalDpi xmlns:a14="http://schemas.microsoft.com/office/drawing/2010/main" val="0"/>
@@ -5750,24 +10860,66 @@
         </p:blipFill>
         <p:spPr>
           <a:xfrm>
-            <a:off x="8549710" y="3610222"/>
-            <a:ext cx="2747829" cy="2334966"/>
+            <a:off x="8532882" y="3877130"/>
+            <a:ext cx="2970853" cy="2188704"/>
           </a:xfrm>
           <a:prstGeom prst="rect">
             <a:avLst/>
           </a:prstGeom>
         </p:spPr>
       </p:pic>
-      <p:sp>
-        <p:nvSpPr>
-          <p:cNvPr id="13" name="TextBox 12"/>
+      <p:pic>
+        <p:nvPicPr>
+          <p:cNvPr id="16" name="Picture 11">
+            <a:extLst>
+              <a:ext uri="{FF2B5EF4-FFF2-40B4-BE49-F238E27FC236}">
+                <a16:creationId xmlns:a16="http://schemas.microsoft.com/office/drawing/2014/main" id="{6963F8D3-2D67-46BC-A0CA-1B9919ED89EB}"/>
+              </a:ext>
+            </a:extLst>
+          </p:cNvPr>
+          <p:cNvPicPr>
+            <a:picLocks noChangeAspect="1"/>
+          </p:cNvPicPr>
+          <p:nvPr/>
+        </p:nvPicPr>
+        <p:blipFill>
+          <a:blip r:embed="rId5">
+            <a:extLst>
+              <a:ext uri="{28A0092B-C50C-407E-A947-70E740481C1C}">
+                <a14:useLocalDpi xmlns:a14="http://schemas.microsoft.com/office/drawing/2010/main" val="0"/>
+              </a:ext>
+            </a:extLst>
+          </a:blip>
+          <a:stretch>
+            <a:fillRect/>
+          </a:stretch>
+        </p:blipFill>
+        <p:spPr>
+          <a:xfrm>
+            <a:off x="401470" y="3210826"/>
+            <a:ext cx="2970853" cy="2334966"/>
+          </a:xfrm>
+          <a:prstGeom prst="rect">
+            <a:avLst/>
+          </a:prstGeom>
+        </p:spPr>
+      </p:pic>
+      <p:sp>
+        <p:nvSpPr>
+          <p:cNvPr id="7" name="Textfeld 6">
+            <a:extLst>
+              <a:ext uri="{FF2B5EF4-FFF2-40B4-BE49-F238E27FC236}">
+                <a16:creationId xmlns:a16="http://schemas.microsoft.com/office/drawing/2014/main" id="{555BF977-9614-458D-A21D-C397D873A095}"/>
+              </a:ext>
+            </a:extLst>
+          </p:cNvPr>
           <p:cNvSpPr txBox="1"/>
           <p:nvPr/>
         </p:nvSpPr>
         <p:spPr>
           <a:xfrm>
-            <a:off x="944045" y="1250578"/>
-            <a:ext cx="7490031" cy="2308324"/>
+            <a:off x="4274506" y="2888858"/>
+            <a:ext cx="3400746" cy="1754326"/>
           </a:xfrm>
           <a:prstGeom prst="rect">
             <a:avLst/>
@@ -5782,42 +10934,64 @@
           <a:p>
             <a:r>
               <a:rPr lang="de-DE" dirty="0"/>
-              <a:t>Für jeden Pixel auf dem Bildebene </a:t>
-            </a:r>
-            <a:r>
-              <a:rPr lang="de-DE" dirty="0" smtClean="0"/>
-              <a:t>erzeugt </a:t>
+              <a:t>Anwendung:</a:t>
+            </a:r>
+          </a:p>
+          <a:p>
+            <a:pPr marL="285750" indent="-285750">
+              <a:buFont typeface="Arial" panose="020B0604020202020204" pitchFamily="34" charset="0"/>
+              <a:buChar char="•"/>
+            </a:pPr>
+            <a:r>
+              <a:rPr lang="de-DE" dirty="0" err="1"/>
+              <a:t>Racytraycing</a:t>
             </a:r>
             <a:r>
               <a:rPr lang="de-DE" dirty="0"/>
-              <a:t>die Kamera  einen Strahl. Dieser Strahl wird von Kamera durch Pixel verfolgt und rechnet Raytracing die Schnittpunkt von diesem Strahl und Objekten. Die Schnittpunkt mit kleinster Entfernung wird auf dem Bildebene gezeigt</a:t>
-            </a:r>
-            <a:r>
-              <a:rPr lang="de-DE" dirty="0" smtClean="0"/>
-              <a:t>.</a:t>
-            </a:r>
-          </a:p>
-          <a:p>
-            <a:endParaRPr lang="de-DE" dirty="0" smtClean="0"/>
-          </a:p>
-          <a:p>
-            <a:r>
-              <a:rPr lang="de-DE" dirty="0" smtClean="0"/>
-              <a:t>Von diesem Schnittpunkt zur Lichtquelle wird auch einen Strahl erzeugt, schneidet dieser Strahl eine andere Objekt, dann liegt diese Punkt im Schatten.</a:t>
-            </a:r>
-          </a:p>
-        </p:txBody>
-      </p:sp>
-      <p:sp>
-        <p:nvSpPr>
-          <p:cNvPr id="14" name="TextBox 13"/>
+              <a:t> ist nicht geeignet für real time </a:t>
+            </a:r>
+            <a:r>
+              <a:rPr lang="de-DE" dirty="0" err="1"/>
+              <a:t>Renderverfahren</a:t>
+            </a:r>
+            <a:endParaRPr lang="de-DE" dirty="0"/>
+          </a:p>
+          <a:p>
+            <a:pPr marL="285750" indent="-285750">
+              <a:buFont typeface="Arial" panose="020B0604020202020204" pitchFamily="34" charset="0"/>
+              <a:buChar char="•"/>
+            </a:pPr>
+            <a:r>
+              <a:rPr lang="de-DE" dirty="0"/>
+              <a:t>Gut für Standbilder oder </a:t>
+            </a:r>
+            <a:r>
+              <a:rPr lang="de-DE" dirty="0" err="1"/>
+              <a:t>Visuelleffekt</a:t>
+            </a:r>
+            <a:endParaRPr lang="de-DE" dirty="0"/>
+          </a:p>
+          <a:p>
+            <a:endParaRPr lang="de-DE" dirty="0"/>
+          </a:p>
+        </p:txBody>
+      </p:sp>
+      <p:sp>
+        <p:nvSpPr>
+          <p:cNvPr id="17" name="Textfeld 16">
+            <a:extLst>
+              <a:ext uri="{FF2B5EF4-FFF2-40B4-BE49-F238E27FC236}">
+                <a16:creationId xmlns:a16="http://schemas.microsoft.com/office/drawing/2014/main" id="{9958ADC4-4193-4E16-8E74-54E00AB2BFA8}"/>
+              </a:ext>
+            </a:extLst>
+          </p:cNvPr>
           <p:cNvSpPr txBox="1"/>
           <p:nvPr/>
         </p:nvSpPr>
         <p:spPr>
           <a:xfrm>
-            <a:off x="944045" y="3784698"/>
-            <a:ext cx="7605665" cy="646331"/>
+            <a:off x="2435288" y="4147476"/>
+            <a:ext cx="763669" cy="461665"/>
           </a:xfrm>
           <a:prstGeom prst="rect">
             <a:avLst/>
@@ -5831,30 +11005,65 @@
           <a:lstStyle/>
           <a:p>
             <a:r>
-              <a:rPr lang="de-DE" dirty="0" smtClean="0"/>
-              <a:t>Spiegelung heißt: Es wird der ankommende Strahl gespiegelt und ein neuer Strahl in Spiegelungsrichtung losgeschickt.</a:t>
-            </a:r>
-            <a:endParaRPr lang="de-DE" dirty="0"/>
+              <a:rPr lang="de-DE" sz="2400" dirty="0">
+                <a:solidFill>
+                  <a:srgbClr val="FF0000"/>
+                </a:solidFill>
+              </a:rPr>
+              <a:t>A</a:t>
+            </a:r>
+          </a:p>
+        </p:txBody>
+      </p:sp>
+      <p:sp>
+        <p:nvSpPr>
+          <p:cNvPr id="18" name="Textfeld 17">
+            <a:extLst>
+              <a:ext uri="{FF2B5EF4-FFF2-40B4-BE49-F238E27FC236}">
+                <a16:creationId xmlns:a16="http://schemas.microsoft.com/office/drawing/2014/main" id="{3272F5B2-D8C9-4FAA-9031-EB9322CFFC1C}"/>
+              </a:ext>
+            </a:extLst>
+          </p:cNvPr>
+          <p:cNvSpPr txBox="1"/>
+          <p:nvPr/>
+        </p:nvSpPr>
+        <p:spPr>
+          <a:xfrm>
+            <a:off x="1882713" y="3346970"/>
+            <a:ext cx="763669" cy="461665"/>
+          </a:xfrm>
+          <a:prstGeom prst="rect">
+            <a:avLst/>
+          </a:prstGeom>
+          <a:noFill/>
+        </p:spPr>
+        <p:txBody>
+          <a:bodyPr wrap="square" rtlCol="0">
+            <a:spAutoFit/>
+          </a:bodyPr>
+          <a:lstStyle/>
+          <a:p>
+            <a:r>
+              <a:rPr lang="de-DE" sz="2400" dirty="0">
+                <a:solidFill>
+                  <a:srgbClr val="FF0000"/>
+                </a:solidFill>
+              </a:rPr>
+              <a:t>B</a:t>
+            </a:r>
           </a:p>
         </p:txBody>
       </p:sp>
     </p:spTree>
     <p:extLst>
       <p:ext uri="{BB962C8B-B14F-4D97-AF65-F5344CB8AC3E}">
-        <p14:creationId xmlns:p14="http://schemas.microsoft.com/office/powerpoint/2010/main" val="318692795"/>
+        <p14:creationId xmlns:p14="http://schemas.microsoft.com/office/powerpoint/2010/main" val="628553723"/>
       </p:ext>
     </p:extLst>
   </p:cSld>
   <p:clrMapOvr>
     <a:masterClrMapping/>
   </p:clrMapOvr>
-  <p:timing>
-    <p:tnLst>
-      <p:par>
-        <p:cTn id="1" dur="indefinite" restart="never" nodeType="tmRoot"/>
-      </p:par>
-    </p:tnLst>
-  </p:timing>
 </p:sld>
 </file>
 
@@ -5880,7 +11089,7 @@
           <p:cNvPr id="2" name="Date Placeholder 2">
             <a:extLst>
               <a:ext uri="{FF2B5EF4-FFF2-40B4-BE49-F238E27FC236}">
-                <a16:creationId xmlns:a16="http://schemas.microsoft.com/office/drawing/2014/main" xmlns="" id="{180FC470-B565-4FB6-B0D5-7C8F5744990B}"/>
+                <a16:creationId xmlns:a16="http://schemas.microsoft.com/office/drawing/2014/main" id="{180FC470-B565-4FB6-B0D5-7C8F5744990B}"/>
               </a:ext>
             </a:extLst>
           </p:cNvPr>
@@ -5912,35 +11121,31 @@
           </a:lstStyle>
           <a:p>
             <a:r>
-              <a:rPr lang="en-IN" dirty="0" err="1" smtClean="0"/>
+              <a:rPr lang="en-IN" dirty="0" err="1"/>
               <a:t>Nhu</a:t>
             </a:r>
             <a:r>
-              <a:rPr lang="en-IN" dirty="0" smtClean="0"/>
+              <a:rPr lang="en-IN" dirty="0"/>
               <a:t> </a:t>
             </a:r>
             <a:r>
-              <a:rPr lang="en-IN" dirty="0" err="1" smtClean="0"/>
+              <a:rPr lang="en-IN" dirty="0" err="1"/>
               <a:t>Quang</a:t>
             </a:r>
             <a:r>
-              <a:rPr lang="en-IN" dirty="0" smtClean="0"/>
-              <a:t> Dang</a:t>
-            </a:r>
-            <a:r>
-              <a:rPr lang="en-IN" dirty="0" smtClean="0"/>
-              <a:t>, </a:t>
-            </a:r>
-            <a:r>
-              <a:rPr lang="en-IN" dirty="0" err="1" smtClean="0"/>
+              <a:rPr lang="en-IN" dirty="0"/>
+              <a:t> Dang, </a:t>
+            </a:r>
+            <a:r>
+              <a:rPr lang="en-IN" dirty="0" err="1"/>
               <a:t>Chandrautama</a:t>
             </a:r>
             <a:r>
-              <a:rPr lang="en-IN" dirty="0" smtClean="0"/>
+              <a:rPr lang="en-IN" dirty="0"/>
               <a:t> Lucky| </a:t>
             </a:r>
             <a:r>
-              <a:rPr lang="en-IN" dirty="0" err="1" smtClean="0">
+              <a:rPr lang="en-IN" dirty="0" err="1">
                 <a:solidFill>
                   <a:schemeClr val="tx1">
                     <a:lumMod val="50000"/>
@@ -5951,7 +11156,7 @@
               <a:t>Sose</a:t>
             </a:r>
             <a:r>
-              <a:rPr lang="en-IN" dirty="0" smtClean="0">
+              <a:rPr lang="en-IN" dirty="0">
                 <a:solidFill>
                   <a:schemeClr val="tx1">
                     <a:lumMod val="50000"/>
@@ -5961,14 +11166,6 @@
               </a:rPr>
               <a:t> 2018</a:t>
             </a:r>
-            <a:endParaRPr lang="en-IN" dirty="0">
-              <a:solidFill>
-                <a:schemeClr val="tx1">
-                  <a:lumMod val="50000"/>
-                  <a:lumOff val="50000"/>
-                </a:schemeClr>
-              </a:solidFill>
-            </a:endParaRPr>
           </a:p>
         </p:txBody>
       </p:sp>
@@ -5977,7 +11174,7 @@
           <p:cNvPr id="3" name="Footer Placeholder 3">
             <a:extLst>
               <a:ext uri="{FF2B5EF4-FFF2-40B4-BE49-F238E27FC236}">
-                <a16:creationId xmlns:a16="http://schemas.microsoft.com/office/drawing/2014/main" xmlns="" id="{AA1A078D-2DA1-41AC-A894-48E19FF3FAE3}"/>
+                <a16:creationId xmlns:a16="http://schemas.microsoft.com/office/drawing/2014/main" id="{AA1A078D-2DA1-41AC-A894-48E19FF3FAE3}"/>
               </a:ext>
             </a:extLst>
           </p:cNvPr>
@@ -6044,7 +11241,7 @@
           <p:cNvPr id="4" name="Date Placeholder 2">
             <a:extLst>
               <a:ext uri="{FF2B5EF4-FFF2-40B4-BE49-F238E27FC236}">
-                <a16:creationId xmlns:a16="http://schemas.microsoft.com/office/drawing/2014/main" xmlns="" id="{254BB5F0-2280-4072-A92F-9321101FB009}"/>
+                <a16:creationId xmlns:a16="http://schemas.microsoft.com/office/drawing/2014/main" id="{254BB5F0-2280-4072-A92F-9321101FB009}"/>
               </a:ext>
             </a:extLst>
           </p:cNvPr>
@@ -6161,7 +11358,7 @@
           </a:lstStyle>
           <a:p>
             <a:r>
-              <a:rPr lang="de-DE" dirty="0" smtClean="0"/>
+              <a:rPr lang="de-DE" dirty="0"/>
               <a:t>Raytracing-System</a:t>
             </a:r>
             <a:endParaRPr lang="en-IN" b="1" dirty="0">
@@ -6180,7 +11377,7 @@
           <p:cNvPr id="5" name="Straight Connector 4">
             <a:extLst>
               <a:ext uri="{FF2B5EF4-FFF2-40B4-BE49-F238E27FC236}">
-                <a16:creationId xmlns:a16="http://schemas.microsoft.com/office/drawing/2014/main" xmlns="" id="{0B6697B4-1AD9-4089-92FD-6CFE29B6E807}"/>
+                <a16:creationId xmlns:a16="http://schemas.microsoft.com/office/drawing/2014/main" id="{0B6697B4-1AD9-4089-92FD-6CFE29B6E807}"/>
               </a:ext>
             </a:extLst>
           </p:cNvPr>
@@ -6404,10 +11601,9 @@
               <a:buNone/>
             </a:pPr>
             <a:r>
-              <a:rPr lang="de-DE" sz="3600" dirty="0" smtClean="0"/>
+              <a:rPr lang="de-DE" sz="3600" dirty="0"/>
               <a:t>UML - Klassendiagramm</a:t>
             </a:r>
-            <a:endParaRPr lang="de-DE" sz="3600" dirty="0"/>
           </a:p>
         </p:txBody>
       </p:sp>
@@ -6421,13 +11617,6 @@
   <p:clrMapOvr>
     <a:masterClrMapping/>
   </p:clrMapOvr>
-  <p:timing>
-    <p:tnLst>
-      <p:par>
-        <p:cTn id="1" dur="indefinite" restart="never" nodeType="tmRoot"/>
-      </p:par>
-    </p:tnLst>
-  </p:timing>
 </p:sld>
 </file>
 
@@ -6453,7 +11642,7 @@
           <p:cNvPr id="2" name="Date Placeholder 2">
             <a:extLst>
               <a:ext uri="{FF2B5EF4-FFF2-40B4-BE49-F238E27FC236}">
-                <a16:creationId xmlns:a16="http://schemas.microsoft.com/office/drawing/2014/main" xmlns="" id="{180FC470-B565-4FB6-B0D5-7C8F5744990B}"/>
+                <a16:creationId xmlns:a16="http://schemas.microsoft.com/office/drawing/2014/main" id="{180FC470-B565-4FB6-B0D5-7C8F5744990B}"/>
               </a:ext>
             </a:extLst>
           </p:cNvPr>
@@ -6485,35 +11674,31 @@
           </a:lstStyle>
           <a:p>
             <a:r>
-              <a:rPr lang="en-IN" dirty="0" err="1" smtClean="0"/>
+              <a:rPr lang="en-IN" dirty="0" err="1"/>
               <a:t>Nhu</a:t>
             </a:r>
             <a:r>
-              <a:rPr lang="en-IN" dirty="0" smtClean="0"/>
+              <a:rPr lang="en-IN" dirty="0"/>
               <a:t> </a:t>
             </a:r>
             <a:r>
-              <a:rPr lang="en-IN" dirty="0" err="1" smtClean="0"/>
+              <a:rPr lang="en-IN" dirty="0" err="1"/>
               <a:t>Quang</a:t>
             </a:r>
             <a:r>
-              <a:rPr lang="en-IN" dirty="0" smtClean="0"/>
-              <a:t> Dang</a:t>
-            </a:r>
-            <a:r>
-              <a:rPr lang="en-IN" dirty="0" smtClean="0"/>
-              <a:t>, </a:t>
-            </a:r>
-            <a:r>
-              <a:rPr lang="en-IN" dirty="0" err="1" smtClean="0"/>
+              <a:rPr lang="en-IN" dirty="0"/>
+              <a:t> Dang, </a:t>
+            </a:r>
+            <a:r>
+              <a:rPr lang="en-IN" dirty="0" err="1"/>
               <a:t>Chandrautama</a:t>
             </a:r>
             <a:r>
-              <a:rPr lang="en-IN" dirty="0" smtClean="0"/>
+              <a:rPr lang="en-IN" dirty="0"/>
               <a:t> Lucky| </a:t>
             </a:r>
             <a:r>
-              <a:rPr lang="en-IN" dirty="0" err="1" smtClean="0">
+              <a:rPr lang="en-IN" dirty="0" err="1">
                 <a:solidFill>
                   <a:schemeClr val="tx1">
                     <a:lumMod val="50000"/>
@@ -6524,7 +11709,7 @@
               <a:t>Sose</a:t>
             </a:r>
             <a:r>
-              <a:rPr lang="en-IN" dirty="0" smtClean="0">
+              <a:rPr lang="en-IN" dirty="0">
                 <a:solidFill>
                   <a:schemeClr val="tx1">
                     <a:lumMod val="50000"/>
@@ -6534,14 +11719,6 @@
               </a:rPr>
               <a:t> 2018</a:t>
             </a:r>
-            <a:endParaRPr lang="en-IN" dirty="0">
-              <a:solidFill>
-                <a:schemeClr val="tx1">
-                  <a:lumMod val="50000"/>
-                  <a:lumOff val="50000"/>
-                </a:schemeClr>
-              </a:solidFill>
-            </a:endParaRPr>
           </a:p>
         </p:txBody>
       </p:sp>
@@ -6550,7 +11727,7 @@
           <p:cNvPr id="3" name="Footer Placeholder 3">
             <a:extLst>
               <a:ext uri="{FF2B5EF4-FFF2-40B4-BE49-F238E27FC236}">
-                <a16:creationId xmlns:a16="http://schemas.microsoft.com/office/drawing/2014/main" xmlns="" id="{AA1A078D-2DA1-41AC-A894-48E19FF3FAE3}"/>
+                <a16:creationId xmlns:a16="http://schemas.microsoft.com/office/drawing/2014/main" id="{AA1A078D-2DA1-41AC-A894-48E19FF3FAE3}"/>
               </a:ext>
             </a:extLst>
           </p:cNvPr>
@@ -6617,7 +11794,7 @@
           <p:cNvPr id="4" name="Date Placeholder 2">
             <a:extLst>
               <a:ext uri="{FF2B5EF4-FFF2-40B4-BE49-F238E27FC236}">
-                <a16:creationId xmlns:a16="http://schemas.microsoft.com/office/drawing/2014/main" xmlns="" id="{254BB5F0-2280-4072-A92F-9321101FB009}"/>
+                <a16:creationId xmlns:a16="http://schemas.microsoft.com/office/drawing/2014/main" id="{254BB5F0-2280-4072-A92F-9321101FB009}"/>
               </a:ext>
             </a:extLst>
           </p:cNvPr>
@@ -6734,7 +11911,7 @@
           </a:lstStyle>
           <a:p>
             <a:r>
-              <a:rPr lang="de-DE" dirty="0" smtClean="0"/>
+              <a:rPr lang="de-DE" dirty="0"/>
               <a:t>Raytracing-System</a:t>
             </a:r>
             <a:endParaRPr lang="en-IN" b="1" dirty="0">
@@ -6753,7 +11930,7 @@
           <p:cNvPr id="5" name="Straight Connector 4">
             <a:extLst>
               <a:ext uri="{FF2B5EF4-FFF2-40B4-BE49-F238E27FC236}">
-                <a16:creationId xmlns:a16="http://schemas.microsoft.com/office/drawing/2014/main" xmlns="" id="{0B6697B4-1AD9-4089-92FD-6CFE29B6E807}"/>
+                <a16:creationId xmlns:a16="http://schemas.microsoft.com/office/drawing/2014/main" id="{0B6697B4-1AD9-4089-92FD-6CFE29B6E807}"/>
               </a:ext>
             </a:extLst>
           </p:cNvPr>
@@ -6977,10 +12154,9 @@
               <a:buNone/>
             </a:pPr>
             <a:r>
-              <a:rPr lang="de-DE" sz="3600" dirty="0" smtClean="0"/>
+              <a:rPr lang="de-DE" sz="3600" dirty="0"/>
               <a:t>Evolution des Systems</a:t>
             </a:r>
-            <a:endParaRPr lang="de-DE" sz="3600" dirty="0"/>
           </a:p>
         </p:txBody>
       </p:sp>
@@ -7037,42 +12213,37 @@
           <a:lstStyle/>
           <a:p>
             <a:r>
-              <a:rPr lang="en-US" dirty="0" err="1" smtClean="0"/>
-              <a:t>Mit</a:t>
-            </a:r>
-            <a:r>
-              <a:rPr lang="en-US" dirty="0" smtClean="0"/>
+              <a:rPr lang="en-US" dirty="0"/>
+              <a:t>Mit </a:t>
+            </a:r>
+            <a:r>
+              <a:rPr lang="en-US" dirty="0" err="1"/>
+              <a:t>Hilfe</a:t>
+            </a:r>
+            <a:r>
+              <a:rPr lang="en-US" dirty="0"/>
+              <a:t> der </a:t>
+            </a:r>
+            <a:r>
+              <a:rPr lang="en-US" dirty="0" err="1"/>
+              <a:t>Methode</a:t>
+            </a:r>
+            <a:r>
+              <a:rPr lang="en-US" dirty="0"/>
               <a:t> </a:t>
             </a:r>
             <a:r>
-              <a:rPr lang="en-US" dirty="0" err="1" smtClean="0"/>
-              <a:t>Hilfe</a:t>
-            </a:r>
-            <a:r>
-              <a:rPr lang="en-US" dirty="0" smtClean="0"/>
-              <a:t> der </a:t>
-            </a:r>
-            <a:r>
-              <a:rPr lang="en-US" dirty="0" err="1" smtClean="0"/>
-              <a:t>Methode</a:t>
-            </a:r>
-            <a:r>
-              <a:rPr lang="en-US" dirty="0" smtClean="0"/>
-              <a:t> </a:t>
-            </a:r>
-            <a:r>
-              <a:rPr lang="en-US" dirty="0" err="1" smtClean="0"/>
-              <a:t>sdfloader</a:t>
-            </a:r>
-            <a:r>
-              <a:rPr lang="en-US" dirty="0" smtClean="0"/>
+              <a:rPr lang="en-US" dirty="0" err="1"/>
+              <a:t>load_sdf</a:t>
+            </a:r>
+            <a:r>
+              <a:rPr lang="en-US" dirty="0"/>
               <a:t>, die von Lucky </a:t>
             </a:r>
             <a:r>
-              <a:rPr lang="de-DE" dirty="0" smtClean="0"/>
+              <a:rPr lang="de-DE" dirty="0"/>
               <a:t>geschrieben wird, können wir erstmal Objekten mit Farbe ohne Beleuchtung auf dem Bildebene zeigen.</a:t>
             </a:r>
-            <a:endParaRPr lang="de-DE" dirty="0"/>
           </a:p>
         </p:txBody>
       </p:sp>
@@ -7099,12 +12270,12 @@
           <a:lstStyle/>
           <a:p>
             <a:r>
-              <a:rPr lang="de-DE" dirty="0" smtClean="0"/>
+              <a:rPr lang="de-DE" dirty="0"/>
               <a:t>Weiterhin habe ich die Beleuchtung von nur einer Lichtquelle ohne Schatten gemacht, weil ich finde: Die Rechnung von diffusse, ambiente und spekulare Reflexion ist nicht so schwer. Ich hatte Problem mit der Richtung des Strahls von Lichtquelle oder von Kamera zur Objekt. Der Strahl muss immer von Objekt weg gehen, genau wie die Theorie Skript.</a:t>
             </a:r>
           </a:p>
           <a:p>
-            <a:endParaRPr lang="de-DE" dirty="0" smtClean="0"/>
+            <a:endParaRPr lang="de-DE" dirty="0"/>
           </a:p>
         </p:txBody>
       </p:sp>
@@ -7240,13 +12411,6 @@
   <p:clrMapOvr>
     <a:masterClrMapping/>
   </p:clrMapOvr>
-  <p:timing>
-    <p:tnLst>
-      <p:par>
-        <p:cTn id="1" dur="indefinite" restart="never" nodeType="tmRoot"/>
-      </p:par>
-    </p:tnLst>
-  </p:timing>
 </p:sld>
 </file>
 
@@ -7272,7 +12436,7 @@
           <p:cNvPr id="2" name="Date Placeholder 2">
             <a:extLst>
               <a:ext uri="{FF2B5EF4-FFF2-40B4-BE49-F238E27FC236}">
-                <a16:creationId xmlns:a16="http://schemas.microsoft.com/office/drawing/2014/main" xmlns="" id="{180FC470-B565-4FB6-B0D5-7C8F5744990B}"/>
+                <a16:creationId xmlns:a16="http://schemas.microsoft.com/office/drawing/2014/main" id="{180FC470-B565-4FB6-B0D5-7C8F5744990B}"/>
               </a:ext>
             </a:extLst>
           </p:cNvPr>
@@ -7304,35 +12468,31 @@
           </a:lstStyle>
           <a:p>
             <a:r>
-              <a:rPr lang="en-IN" dirty="0" err="1" smtClean="0"/>
+              <a:rPr lang="en-IN" dirty="0" err="1"/>
               <a:t>Nhu</a:t>
             </a:r>
             <a:r>
-              <a:rPr lang="en-IN" dirty="0" smtClean="0"/>
+              <a:rPr lang="en-IN" dirty="0"/>
               <a:t> </a:t>
             </a:r>
             <a:r>
-              <a:rPr lang="en-IN" dirty="0" err="1" smtClean="0"/>
+              <a:rPr lang="en-IN" dirty="0" err="1"/>
               <a:t>Quang</a:t>
             </a:r>
             <a:r>
-              <a:rPr lang="en-IN" dirty="0" smtClean="0"/>
-              <a:t> Dang</a:t>
-            </a:r>
-            <a:r>
-              <a:rPr lang="en-IN" dirty="0" smtClean="0"/>
-              <a:t>, </a:t>
-            </a:r>
-            <a:r>
-              <a:rPr lang="en-IN" dirty="0" err="1" smtClean="0"/>
+              <a:rPr lang="en-IN" dirty="0"/>
+              <a:t> Dang, </a:t>
+            </a:r>
+            <a:r>
+              <a:rPr lang="en-IN" dirty="0" err="1"/>
               <a:t>Chandrautama</a:t>
             </a:r>
             <a:r>
-              <a:rPr lang="en-IN" dirty="0" smtClean="0"/>
+              <a:rPr lang="en-IN" dirty="0"/>
               <a:t> Lucky| </a:t>
             </a:r>
             <a:r>
-              <a:rPr lang="en-IN" dirty="0" err="1" smtClean="0">
+              <a:rPr lang="en-IN" dirty="0" err="1">
                 <a:solidFill>
                   <a:schemeClr val="tx1">
                     <a:lumMod val="50000"/>
@@ -7343,7 +12503,7 @@
               <a:t>Sose</a:t>
             </a:r>
             <a:r>
-              <a:rPr lang="en-IN" dirty="0" smtClean="0">
+              <a:rPr lang="en-IN" dirty="0">
                 <a:solidFill>
                   <a:schemeClr val="tx1">
                     <a:lumMod val="50000"/>
@@ -7353,14 +12513,6 @@
               </a:rPr>
               <a:t> 2018</a:t>
             </a:r>
-            <a:endParaRPr lang="en-IN" dirty="0">
-              <a:solidFill>
-                <a:schemeClr val="tx1">
-                  <a:lumMod val="50000"/>
-                  <a:lumOff val="50000"/>
-                </a:schemeClr>
-              </a:solidFill>
-            </a:endParaRPr>
           </a:p>
         </p:txBody>
       </p:sp>
@@ -7369,7 +12521,7 @@
           <p:cNvPr id="3" name="Footer Placeholder 3">
             <a:extLst>
               <a:ext uri="{FF2B5EF4-FFF2-40B4-BE49-F238E27FC236}">
-                <a16:creationId xmlns:a16="http://schemas.microsoft.com/office/drawing/2014/main" xmlns="" id="{AA1A078D-2DA1-41AC-A894-48E19FF3FAE3}"/>
+                <a16:creationId xmlns:a16="http://schemas.microsoft.com/office/drawing/2014/main" id="{AA1A078D-2DA1-41AC-A894-48E19FF3FAE3}"/>
               </a:ext>
             </a:extLst>
           </p:cNvPr>
@@ -7436,7 +12588,7 @@
           <p:cNvPr id="4" name="Date Placeholder 2">
             <a:extLst>
               <a:ext uri="{FF2B5EF4-FFF2-40B4-BE49-F238E27FC236}">
-                <a16:creationId xmlns:a16="http://schemas.microsoft.com/office/drawing/2014/main" xmlns="" id="{254BB5F0-2280-4072-A92F-9321101FB009}"/>
+                <a16:creationId xmlns:a16="http://schemas.microsoft.com/office/drawing/2014/main" id="{254BB5F0-2280-4072-A92F-9321101FB009}"/>
               </a:ext>
             </a:extLst>
           </p:cNvPr>
@@ -7553,7 +12705,7 @@
           </a:lstStyle>
           <a:p>
             <a:r>
-              <a:rPr lang="de-DE" dirty="0" smtClean="0"/>
+              <a:rPr lang="de-DE" dirty="0"/>
               <a:t>Raytracing-System</a:t>
             </a:r>
             <a:endParaRPr lang="en-IN" b="1" dirty="0">
@@ -7572,7 +12724,7 @@
           <p:cNvPr id="5" name="Straight Connector 4">
             <a:extLst>
               <a:ext uri="{FF2B5EF4-FFF2-40B4-BE49-F238E27FC236}">
-                <a16:creationId xmlns:a16="http://schemas.microsoft.com/office/drawing/2014/main" xmlns="" id="{0B6697B4-1AD9-4089-92FD-6CFE29B6E807}"/>
+                <a16:creationId xmlns:a16="http://schemas.microsoft.com/office/drawing/2014/main" id="{0B6697B4-1AD9-4089-92FD-6CFE29B6E807}"/>
               </a:ext>
             </a:extLst>
           </p:cNvPr>
@@ -7799,7 +12951,6 @@
               <a:rPr lang="de-DE" sz="3600" dirty="0"/>
               <a:t>Evolution des Systems</a:t>
             </a:r>
-            <a:endParaRPr lang="de-DE" sz="3600" dirty="0"/>
           </a:p>
         </p:txBody>
       </p:sp>
@@ -7856,22 +13007,21 @@
           <a:lstStyle/>
           <a:p>
             <a:r>
-              <a:rPr lang="de-DE" dirty="0" smtClean="0"/>
+              <a:rPr lang="de-DE" dirty="0"/>
               <a:t>Beim Schatten habe ich Problem: Die Schatten und alle Lichten zeigen in falscher Richtung und haben die Boxen überhaupt kein Schatten.</a:t>
             </a:r>
           </a:p>
           <a:p>
             <a:r>
-              <a:rPr lang="de-DE" dirty="0" smtClean="0"/>
+              <a:rPr lang="de-DE" dirty="0"/>
               <a:t>Am Anfang dachte ich: Das Problem ist unsere Richtung des normalen Vektors oder des Strahls von Lichtquelle zum Objekten.</a:t>
             </a:r>
           </a:p>
           <a:p>
             <a:r>
-              <a:rPr lang="de-DE" dirty="0" smtClean="0"/>
+              <a:rPr lang="de-DE" dirty="0"/>
               <a:t>Aber nach einer Konsultation mit Adrian haben wir gefunden: Wenn die Entfernung von Objekten zu Kamera kleiner als 0 ist, gibt es kein Schatten.</a:t>
             </a:r>
-            <a:endParaRPr lang="de-DE" dirty="0"/>
           </a:p>
         </p:txBody>
       </p:sp>
@@ -7928,16 +13078,15 @@
           <a:lstStyle/>
           <a:p>
             <a:r>
-              <a:rPr lang="de-DE" dirty="0" smtClean="0"/>
+              <a:rPr lang="de-DE" dirty="0"/>
               <a:t>Hier zeigt Ergebniss von 2 Lichten:</a:t>
             </a:r>
           </a:p>
           <a:p>
             <a:r>
-              <a:rPr lang="de-DE" sz="1400" dirty="0" smtClean="0"/>
+              <a:rPr lang="de-DE" sz="1400" dirty="0"/>
               <a:t>(Jede Objekte hat 2 Schatten)</a:t>
             </a:r>
-            <a:endParaRPr lang="de-DE" sz="1400" dirty="0"/>
           </a:p>
         </p:txBody>
       </p:sp>
@@ -7951,13 +13100,6 @@
   <p:clrMapOvr>
     <a:masterClrMapping/>
   </p:clrMapOvr>
-  <p:timing>
-    <p:tnLst>
-      <p:par>
-        <p:cTn id="1" dur="indefinite" restart="never" nodeType="tmRoot"/>
-      </p:par>
-    </p:tnLst>
-  </p:timing>
 </p:sld>
 </file>
 
@@ -7983,7 +13125,7 @@
           <p:cNvPr id="2" name="Date Placeholder 2">
             <a:extLst>
               <a:ext uri="{FF2B5EF4-FFF2-40B4-BE49-F238E27FC236}">
-                <a16:creationId xmlns:a16="http://schemas.microsoft.com/office/drawing/2014/main" xmlns="" id="{180FC470-B565-4FB6-B0D5-7C8F5744990B}"/>
+                <a16:creationId xmlns:a16="http://schemas.microsoft.com/office/drawing/2014/main" id="{180FC470-B565-4FB6-B0D5-7C8F5744990B}"/>
               </a:ext>
             </a:extLst>
           </p:cNvPr>
@@ -8015,35 +13157,31 @@
           </a:lstStyle>
           <a:p>
             <a:r>
-              <a:rPr lang="en-IN" dirty="0" err="1" smtClean="0"/>
+              <a:rPr lang="en-IN" dirty="0" err="1"/>
               <a:t>Nhu</a:t>
             </a:r>
             <a:r>
-              <a:rPr lang="en-IN" dirty="0" smtClean="0"/>
+              <a:rPr lang="en-IN" dirty="0"/>
               <a:t> </a:t>
             </a:r>
             <a:r>
-              <a:rPr lang="en-IN" dirty="0" err="1" smtClean="0"/>
+              <a:rPr lang="en-IN" dirty="0" err="1"/>
               <a:t>Quang</a:t>
             </a:r>
             <a:r>
-              <a:rPr lang="en-IN" dirty="0" smtClean="0"/>
-              <a:t> Dang</a:t>
-            </a:r>
-            <a:r>
-              <a:rPr lang="en-IN" dirty="0" smtClean="0"/>
-              <a:t>, </a:t>
-            </a:r>
-            <a:r>
-              <a:rPr lang="en-IN" dirty="0" err="1" smtClean="0"/>
+              <a:rPr lang="en-IN" dirty="0"/>
+              <a:t> Dang, </a:t>
+            </a:r>
+            <a:r>
+              <a:rPr lang="en-IN" dirty="0" err="1"/>
               <a:t>Chandrautama</a:t>
             </a:r>
             <a:r>
-              <a:rPr lang="en-IN" dirty="0" smtClean="0"/>
+              <a:rPr lang="en-IN" dirty="0"/>
               <a:t> Lucky| </a:t>
             </a:r>
             <a:r>
-              <a:rPr lang="en-IN" dirty="0" err="1" smtClean="0">
+              <a:rPr lang="en-IN" dirty="0" err="1">
                 <a:solidFill>
                   <a:schemeClr val="tx1">
                     <a:lumMod val="50000"/>
@@ -8054,7 +13192,7 @@
               <a:t>Sose</a:t>
             </a:r>
             <a:r>
-              <a:rPr lang="en-IN" dirty="0" smtClean="0">
+              <a:rPr lang="en-IN" dirty="0">
                 <a:solidFill>
                   <a:schemeClr val="tx1">
                     <a:lumMod val="50000"/>
@@ -8064,14 +13202,6 @@
               </a:rPr>
               <a:t> 2018</a:t>
             </a:r>
-            <a:endParaRPr lang="en-IN" dirty="0">
-              <a:solidFill>
-                <a:schemeClr val="tx1">
-                  <a:lumMod val="50000"/>
-                  <a:lumOff val="50000"/>
-                </a:schemeClr>
-              </a:solidFill>
-            </a:endParaRPr>
           </a:p>
         </p:txBody>
       </p:sp>
@@ -8080,7 +13210,7 @@
           <p:cNvPr id="3" name="Footer Placeholder 3">
             <a:extLst>
               <a:ext uri="{FF2B5EF4-FFF2-40B4-BE49-F238E27FC236}">
-                <a16:creationId xmlns:a16="http://schemas.microsoft.com/office/drawing/2014/main" xmlns="" id="{AA1A078D-2DA1-41AC-A894-48E19FF3FAE3}"/>
+                <a16:creationId xmlns:a16="http://schemas.microsoft.com/office/drawing/2014/main" id="{AA1A078D-2DA1-41AC-A894-48E19FF3FAE3}"/>
               </a:ext>
             </a:extLst>
           </p:cNvPr>
@@ -8147,7 +13277,7 @@
           <p:cNvPr id="4" name="Date Placeholder 2">
             <a:extLst>
               <a:ext uri="{FF2B5EF4-FFF2-40B4-BE49-F238E27FC236}">
-                <a16:creationId xmlns:a16="http://schemas.microsoft.com/office/drawing/2014/main" xmlns="" id="{254BB5F0-2280-4072-A92F-9321101FB009}"/>
+                <a16:creationId xmlns:a16="http://schemas.microsoft.com/office/drawing/2014/main" id="{254BB5F0-2280-4072-A92F-9321101FB009}"/>
               </a:ext>
             </a:extLst>
           </p:cNvPr>
@@ -8264,7 +13394,7 @@
           </a:lstStyle>
           <a:p>
             <a:r>
-              <a:rPr lang="de-DE" dirty="0" smtClean="0"/>
+              <a:rPr lang="de-DE" dirty="0"/>
               <a:t>Raytracing-System</a:t>
             </a:r>
             <a:endParaRPr lang="en-IN" b="1" dirty="0">
@@ -8283,7 +13413,7 @@
           <p:cNvPr id="5" name="Straight Connector 4">
             <a:extLst>
               <a:ext uri="{FF2B5EF4-FFF2-40B4-BE49-F238E27FC236}">
-                <a16:creationId xmlns:a16="http://schemas.microsoft.com/office/drawing/2014/main" xmlns="" id="{0B6697B4-1AD9-4089-92FD-6CFE29B6E807}"/>
+                <a16:creationId xmlns:a16="http://schemas.microsoft.com/office/drawing/2014/main" id="{0B6697B4-1AD9-4089-92FD-6CFE29B6E807}"/>
               </a:ext>
             </a:extLst>
           </p:cNvPr>
@@ -8510,7 +13640,6 @@
               <a:rPr lang="de-DE" sz="3600" dirty="0"/>
               <a:t>Evolution des Systems</a:t>
             </a:r>
-            <a:endParaRPr lang="de-DE" sz="3600" dirty="0"/>
           </a:p>
         </p:txBody>
       </p:sp>
@@ -8537,10 +13666,9 @@
           <a:lstStyle/>
           <a:p>
             <a:r>
-              <a:rPr lang="de-DE" sz="2800" dirty="0" smtClean="0"/>
+              <a:rPr lang="de-DE" sz="2800" dirty="0"/>
               <a:t>Spiegelung:</a:t>
             </a:r>
-            <a:endParaRPr lang="de-DE" sz="2800" dirty="0"/>
           </a:p>
         </p:txBody>
       </p:sp>
@@ -8567,10 +13695,9 @@
           <a:lstStyle/>
           <a:p>
             <a:r>
-              <a:rPr lang="de-DE" dirty="0" smtClean="0"/>
+              <a:rPr lang="de-DE" dirty="0"/>
               <a:t>Erstmal rechne ich reflektVector des ankommenden Strahl von Objekt, und dann werden alle Lichten und Schatten mit raytrace rekursiv nochmal rechnen:</a:t>
             </a:r>
-            <a:endParaRPr lang="de-DE" dirty="0"/>
           </a:p>
         </p:txBody>
       </p:sp>
@@ -8627,10 +13754,9 @@
           <a:lstStyle/>
           <a:p>
             <a:r>
-              <a:rPr lang="de-DE" dirty="0" smtClean="0"/>
+              <a:rPr lang="de-DE" dirty="0"/>
               <a:t>Wenn depth &lt; 0, aufhören!</a:t>
             </a:r>
-            <a:endParaRPr lang="de-DE" dirty="0"/>
           </a:p>
         </p:txBody>
       </p:sp>
@@ -8703,13 +13829,6 @@
   <p:clrMapOvr>
     <a:masterClrMapping/>
   </p:clrMapOvr>
-  <p:timing>
-    <p:tnLst>
-      <p:par>
-        <p:cTn id="1" dur="indefinite" restart="never" nodeType="tmRoot"/>
-      </p:par>
-    </p:tnLst>
-  </p:timing>
 </p:sld>
 </file>
 
@@ -8735,7 +13854,7 @@
           <p:cNvPr id="2" name="Date Placeholder 2">
             <a:extLst>
               <a:ext uri="{FF2B5EF4-FFF2-40B4-BE49-F238E27FC236}">
-                <a16:creationId xmlns:a16="http://schemas.microsoft.com/office/drawing/2014/main" xmlns="" id="{180FC470-B565-4FB6-B0D5-7C8F5744990B}"/>
+                <a16:creationId xmlns:a16="http://schemas.microsoft.com/office/drawing/2014/main" id="{180FC470-B565-4FB6-B0D5-7C8F5744990B}"/>
               </a:ext>
             </a:extLst>
           </p:cNvPr>
@@ -8767,35 +13886,31 @@
           </a:lstStyle>
           <a:p>
             <a:r>
-              <a:rPr lang="en-IN" dirty="0" err="1" smtClean="0"/>
+              <a:rPr lang="en-IN" dirty="0" err="1"/>
               <a:t>Nhu</a:t>
             </a:r>
             <a:r>
-              <a:rPr lang="en-IN" dirty="0" smtClean="0"/>
+              <a:rPr lang="en-IN" dirty="0"/>
               <a:t> </a:t>
             </a:r>
             <a:r>
-              <a:rPr lang="en-IN" dirty="0" err="1" smtClean="0"/>
+              <a:rPr lang="en-IN" dirty="0" err="1"/>
               <a:t>Quang</a:t>
             </a:r>
             <a:r>
-              <a:rPr lang="en-IN" dirty="0" smtClean="0"/>
-              <a:t> Dang</a:t>
-            </a:r>
-            <a:r>
-              <a:rPr lang="en-IN" dirty="0" smtClean="0"/>
-              <a:t>, </a:t>
-            </a:r>
-            <a:r>
-              <a:rPr lang="en-IN" dirty="0" err="1" smtClean="0"/>
+              <a:rPr lang="en-IN" dirty="0"/>
+              <a:t> Dang, </a:t>
+            </a:r>
+            <a:r>
+              <a:rPr lang="en-IN" dirty="0" err="1"/>
               <a:t>Chandrautama</a:t>
             </a:r>
             <a:r>
-              <a:rPr lang="en-IN" dirty="0" smtClean="0"/>
+              <a:rPr lang="en-IN" dirty="0"/>
               <a:t> Lucky| </a:t>
             </a:r>
             <a:r>
-              <a:rPr lang="en-IN" dirty="0" err="1" smtClean="0">
+              <a:rPr lang="en-IN" dirty="0" err="1">
                 <a:solidFill>
                   <a:schemeClr val="tx1">
                     <a:lumMod val="50000"/>
@@ -8806,7 +13921,7 @@
               <a:t>Sose</a:t>
             </a:r>
             <a:r>
-              <a:rPr lang="en-IN" dirty="0" smtClean="0">
+              <a:rPr lang="en-IN" dirty="0">
                 <a:solidFill>
                   <a:schemeClr val="tx1">
                     <a:lumMod val="50000"/>
@@ -8816,14 +13931,6 @@
               </a:rPr>
               <a:t> 2018</a:t>
             </a:r>
-            <a:endParaRPr lang="en-IN" dirty="0">
-              <a:solidFill>
-                <a:schemeClr val="tx1">
-                  <a:lumMod val="50000"/>
-                  <a:lumOff val="50000"/>
-                </a:schemeClr>
-              </a:solidFill>
-            </a:endParaRPr>
           </a:p>
         </p:txBody>
       </p:sp>
@@ -8832,7 +13939,7 @@
           <p:cNvPr id="3" name="Footer Placeholder 3">
             <a:extLst>
               <a:ext uri="{FF2B5EF4-FFF2-40B4-BE49-F238E27FC236}">
-                <a16:creationId xmlns:a16="http://schemas.microsoft.com/office/drawing/2014/main" xmlns="" id="{AA1A078D-2DA1-41AC-A894-48E19FF3FAE3}"/>
+                <a16:creationId xmlns:a16="http://schemas.microsoft.com/office/drawing/2014/main" id="{AA1A078D-2DA1-41AC-A894-48E19FF3FAE3}"/>
               </a:ext>
             </a:extLst>
           </p:cNvPr>
@@ -8899,7 +14006,7 @@
           <p:cNvPr id="4" name="Date Placeholder 2">
             <a:extLst>
               <a:ext uri="{FF2B5EF4-FFF2-40B4-BE49-F238E27FC236}">
-                <a16:creationId xmlns:a16="http://schemas.microsoft.com/office/drawing/2014/main" xmlns="" id="{254BB5F0-2280-4072-A92F-9321101FB009}"/>
+                <a16:creationId xmlns:a16="http://schemas.microsoft.com/office/drawing/2014/main" id="{254BB5F0-2280-4072-A92F-9321101FB009}"/>
               </a:ext>
             </a:extLst>
           </p:cNvPr>
@@ -9016,7 +14123,7 @@
           </a:lstStyle>
           <a:p>
             <a:r>
-              <a:rPr lang="de-DE" dirty="0" smtClean="0"/>
+              <a:rPr lang="de-DE" dirty="0"/>
               <a:t>Raytracing-System</a:t>
             </a:r>
             <a:endParaRPr lang="en-IN" b="1" dirty="0">
@@ -9035,7 +14142,7 @@
           <p:cNvPr id="5" name="Straight Connector 4">
             <a:extLst>
               <a:ext uri="{FF2B5EF4-FFF2-40B4-BE49-F238E27FC236}">
-                <a16:creationId xmlns:a16="http://schemas.microsoft.com/office/drawing/2014/main" xmlns="" id="{0B6697B4-1AD9-4089-92FD-6CFE29B6E807}"/>
+                <a16:creationId xmlns:a16="http://schemas.microsoft.com/office/drawing/2014/main" id="{0B6697B4-1AD9-4089-92FD-6CFE29B6E807}"/>
               </a:ext>
             </a:extLst>
           </p:cNvPr>
@@ -9262,7 +14369,6 @@
               <a:rPr lang="de-DE" sz="3600" dirty="0"/>
               <a:t>Evolution des Systems</a:t>
             </a:r>
-            <a:endParaRPr lang="de-DE" sz="3600" dirty="0"/>
           </a:p>
         </p:txBody>
       </p:sp>
@@ -9289,10 +14395,9 @@
           <a:lstStyle/>
           <a:p>
             <a:r>
-              <a:rPr lang="de-DE" sz="2800" dirty="0" smtClean="0"/>
+              <a:rPr lang="de-DE" sz="2800" dirty="0"/>
               <a:t>Tone Mapping:</a:t>
             </a:r>
-            <a:endParaRPr lang="de-DE" sz="2800" dirty="0"/>
           </a:p>
         </p:txBody>
       </p:sp>
@@ -9319,30 +14424,9 @@
           <a:lstStyle/>
           <a:p>
             <a:r>
-              <a:rPr lang="de-DE" dirty="0" smtClean="0"/>
-              <a:t>Ist die </a:t>
-            </a:r>
-            <a:r>
               <a:rPr lang="de-DE" dirty="0"/>
-              <a:t>Kompression des </a:t>
-            </a:r>
-            <a:r>
-              <a:rPr lang="de-DE" dirty="0" smtClean="0"/>
-              <a:t>Dynamikumfangs</a:t>
-            </a:r>
-            <a:r>
-              <a:rPr lang="de-DE" dirty="0"/>
-              <a:t> von </a:t>
-            </a:r>
-            <a:r>
-              <a:rPr lang="de-DE" dirty="0" smtClean="0"/>
-              <a:t>Hockontrasbildern, </a:t>
-            </a:r>
-            <a:r>
-              <a:rPr lang="de-DE" dirty="0"/>
-              <a:t>also von digitalen Bildern mit hohem Helligkeitsumfang. Beim Tone Mapping wird der Kontrastumfang eines Hochkontrastbildes verringert, um es auf herkömmlichen Ausgabegeräten darstellen zu können.</a:t>
-            </a:r>
-            <a:endParaRPr lang="de-DE" dirty="0"/>
+              <a:t>Ist die Kompression des Dynamikumfangs von Hockontrasbildern, also von digitalen Bildern mit hohem Helligkeitsumfang. Beim Tone Mapping wird der Kontrastumfang eines Hochkontrastbildes verringert, um es auf herkömmlichen Ausgabegeräten darstellen zu können.</a:t>
+            </a:r>
           </a:p>
         </p:txBody>
       </p:sp>
@@ -9369,10 +14453,9 @@
           <a:lstStyle/>
           <a:p>
             <a:r>
-              <a:rPr lang="de-DE" dirty="0" smtClean="0"/>
+              <a:rPr lang="de-DE" dirty="0"/>
               <a:t>Die Rechnung erfolgt mit dieser Formel: </a:t>
             </a:r>
-            <a:endParaRPr lang="de-DE" dirty="0"/>
           </a:p>
         </p:txBody>
       </p:sp>
@@ -9525,10 +14608,9 @@
           <a:lstStyle/>
           <a:p>
             <a:r>
-              <a:rPr lang="de-DE" dirty="0" smtClean="0"/>
+              <a:rPr lang="de-DE" dirty="0"/>
               <a:t>toneMapping();</a:t>
             </a:r>
-            <a:endParaRPr lang="de-DE" dirty="0"/>
           </a:p>
         </p:txBody>
       </p:sp>
@@ -9542,13 +14624,1120 @@
   <p:clrMapOvr>
     <a:masterClrMapping/>
   </p:clrMapOvr>
-  <p:timing>
-    <p:tnLst>
-      <p:par>
-        <p:cTn id="1" dur="indefinite" restart="never" nodeType="tmRoot"/>
-      </p:par>
-    </p:tnLst>
-  </p:timing>
+</p:sld>
+</file>
+
+<file path=ppt/slides/slide9.xml><?xml version="1.0" encoding="utf-8"?>
+<p:sld xmlns:a="http://schemas.openxmlformats.org/drawingml/2006/main" xmlns:r="http://schemas.openxmlformats.org/officeDocument/2006/relationships" xmlns:p="http://schemas.openxmlformats.org/presentationml/2006/main">
+  <p:cSld>
+    <p:spTree>
+      <p:nvGrpSpPr>
+        <p:cNvPr id="1" name=""/>
+        <p:cNvGrpSpPr/>
+        <p:nvPr/>
+      </p:nvGrpSpPr>
+      <p:grpSpPr>
+        <a:xfrm>
+          <a:off x="0" y="0"/>
+          <a:ext cx="0" cy="0"/>
+          <a:chOff x="0" y="0"/>
+          <a:chExt cx="0" cy="0"/>
+        </a:xfrm>
+      </p:grpSpPr>
+      <p:sp>
+        <p:nvSpPr>
+          <p:cNvPr id="2" name="Date Placeholder 2">
+            <a:extLst>
+              <a:ext uri="{FF2B5EF4-FFF2-40B4-BE49-F238E27FC236}">
+                <a16:creationId xmlns:a16="http://schemas.microsoft.com/office/drawing/2014/main" id="{180FC470-B565-4FB6-B0D5-7C8F5744990B}"/>
+              </a:ext>
+            </a:extLst>
+          </p:cNvPr>
+          <p:cNvSpPr>
+            <a:spLocks noGrp="1"/>
+          </p:cNvSpPr>
+          <p:nvPr>
+            <p:ph type="dt" sz="half" idx="10"/>
+          </p:nvPr>
+        </p:nvSpPr>
+        <p:spPr>
+          <a:xfrm>
+            <a:off x="7819457" y="6310312"/>
+            <a:ext cx="3971073" cy="365125"/>
+          </a:xfrm>
+        </p:spPr>
+        <p:txBody>
+          <a:bodyPr/>
+          <a:lstStyle>
+            <a:lvl1pPr>
+              <a:defRPr>
+                <a:solidFill>
+                  <a:schemeClr val="tx1"/>
+                </a:solidFill>
+                <a:latin typeface="Arial" panose="020B0604020202020204" pitchFamily="34" charset="0"/>
+                <a:cs typeface="Arial" panose="020B0604020202020204" pitchFamily="34" charset="0"/>
+              </a:defRPr>
+            </a:lvl1pPr>
+          </a:lstStyle>
+          <a:p>
+            <a:r>
+              <a:rPr lang="en-IN" dirty="0" err="1"/>
+              <a:t>Nhu</a:t>
+            </a:r>
+            <a:r>
+              <a:rPr lang="en-IN" dirty="0"/>
+              <a:t> </a:t>
+            </a:r>
+            <a:r>
+              <a:rPr lang="en-IN" dirty="0" err="1"/>
+              <a:t>Quang</a:t>
+            </a:r>
+            <a:r>
+              <a:rPr lang="en-IN" dirty="0"/>
+              <a:t> Dang, </a:t>
+            </a:r>
+            <a:r>
+              <a:rPr lang="en-IN" dirty="0" err="1"/>
+              <a:t>Chandrautama</a:t>
+            </a:r>
+            <a:r>
+              <a:rPr lang="en-IN" dirty="0"/>
+              <a:t> Lucky| </a:t>
+            </a:r>
+            <a:r>
+              <a:rPr lang="en-IN" dirty="0" err="1">
+                <a:solidFill>
+                  <a:schemeClr val="tx1">
+                    <a:lumMod val="50000"/>
+                    <a:lumOff val="50000"/>
+                  </a:schemeClr>
+                </a:solidFill>
+              </a:rPr>
+              <a:t>Sose</a:t>
+            </a:r>
+            <a:r>
+              <a:rPr lang="en-IN" dirty="0">
+                <a:solidFill>
+                  <a:schemeClr val="tx1">
+                    <a:lumMod val="50000"/>
+                    <a:lumOff val="50000"/>
+                  </a:schemeClr>
+                </a:solidFill>
+              </a:rPr>
+              <a:t> 2018</a:t>
+            </a:r>
+          </a:p>
+        </p:txBody>
+      </p:sp>
+      <p:sp>
+        <p:nvSpPr>
+          <p:cNvPr id="3" name="Footer Placeholder 3">
+            <a:extLst>
+              <a:ext uri="{FF2B5EF4-FFF2-40B4-BE49-F238E27FC236}">
+                <a16:creationId xmlns:a16="http://schemas.microsoft.com/office/drawing/2014/main" id="{AA1A078D-2DA1-41AC-A894-48E19FF3FAE3}"/>
+              </a:ext>
+            </a:extLst>
+          </p:cNvPr>
+          <p:cNvSpPr>
+            <a:spLocks noGrp="1"/>
+          </p:cNvSpPr>
+          <p:nvPr>
+            <p:ph type="ftr" sz="quarter" idx="11"/>
+          </p:nvPr>
+        </p:nvSpPr>
+        <p:spPr>
+          <a:xfrm>
+            <a:off x="401470" y="6320453"/>
+            <a:ext cx="2123366" cy="365125"/>
+          </a:xfrm>
+        </p:spPr>
+        <p:style>
+          <a:lnRef idx="2">
+            <a:schemeClr val="dk1">
+              <a:shade val="50000"/>
+            </a:schemeClr>
+          </a:lnRef>
+          <a:fillRef idx="1">
+            <a:schemeClr val="dk1"/>
+          </a:fillRef>
+          <a:effectRef idx="0">
+            <a:schemeClr val="dk1"/>
+          </a:effectRef>
+          <a:fontRef idx="minor">
+            <a:schemeClr val="lt1"/>
+          </a:fontRef>
+        </p:style>
+        <p:txBody>
+          <a:bodyPr/>
+          <a:lstStyle>
+            <a:lvl1pPr>
+              <a:defRPr>
+                <a:solidFill>
+                  <a:schemeClr val="bg1"/>
+                </a:solidFill>
+                <a:latin typeface="Arial" panose="020B0604020202020204" pitchFamily="34" charset="0"/>
+                <a:cs typeface="Arial" panose="020B0604020202020204" pitchFamily="34" charset="0"/>
+              </a:defRPr>
+            </a:lvl1pPr>
+          </a:lstStyle>
+          <a:p>
+            <a:r>
+              <a:rPr lang="en-IN" dirty="0"/>
+              <a:t>Bauhaus-Universit</a:t>
+            </a:r>
+            <a:r>
+              <a:rPr lang="en-IN" b="1" dirty="0"/>
+              <a:t>ä</a:t>
+            </a:r>
+            <a:r>
+              <a:rPr lang="en-IN" dirty="0"/>
+              <a:t>t Weimar</a:t>
+            </a:r>
+          </a:p>
+        </p:txBody>
+      </p:sp>
+      <p:sp>
+        <p:nvSpPr>
+          <p:cNvPr id="4" name="Date Placeholder 2">
+            <a:extLst>
+              <a:ext uri="{FF2B5EF4-FFF2-40B4-BE49-F238E27FC236}">
+                <a16:creationId xmlns:a16="http://schemas.microsoft.com/office/drawing/2014/main" id="{254BB5F0-2280-4072-A92F-9321101FB009}"/>
+              </a:ext>
+            </a:extLst>
+          </p:cNvPr>
+          <p:cNvSpPr txBox="1">
+            <a:spLocks/>
+          </p:cNvSpPr>
+          <p:nvPr/>
+        </p:nvSpPr>
+        <p:spPr>
+          <a:xfrm>
+            <a:off x="2553252" y="6326232"/>
+            <a:ext cx="4271618" cy="365125"/>
+          </a:xfrm>
+          <a:prstGeom prst="rect">
+            <a:avLst/>
+          </a:prstGeom>
+        </p:spPr>
+        <p:txBody>
+          <a:bodyPr vert="horz" lIns="91440" tIns="45720" rIns="91440" bIns="45720" rtlCol="0" anchor="ctr"/>
+          <a:lstStyle>
+            <a:defPPr>
+              <a:defRPr lang="en-US"/>
+            </a:defPPr>
+            <a:lvl1pPr marL="0" algn="l" defTabSz="914400" rtl="0" eaLnBrk="1" latinLnBrk="0" hangingPunct="1">
+              <a:defRPr sz="1200" kern="1200">
+                <a:solidFill>
+                  <a:schemeClr val="tx1"/>
+                </a:solidFill>
+                <a:latin typeface="Arial" panose="020B0604020202020204" pitchFamily="34" charset="0"/>
+                <a:ea typeface="+mn-ea"/>
+                <a:cs typeface="Arial" panose="020B0604020202020204" pitchFamily="34" charset="0"/>
+              </a:defRPr>
+            </a:lvl1pPr>
+            <a:lvl2pPr marL="457200" algn="l" defTabSz="914400" rtl="0" eaLnBrk="1" latinLnBrk="0" hangingPunct="1">
+              <a:defRPr sz="1800" kern="1200">
+                <a:solidFill>
+                  <a:schemeClr val="tx1"/>
+                </a:solidFill>
+                <a:latin typeface="+mn-lt"/>
+                <a:ea typeface="+mn-ea"/>
+                <a:cs typeface="+mn-cs"/>
+              </a:defRPr>
+            </a:lvl2pPr>
+            <a:lvl3pPr marL="914400" algn="l" defTabSz="914400" rtl="0" eaLnBrk="1" latinLnBrk="0" hangingPunct="1">
+              <a:defRPr sz="1800" kern="1200">
+                <a:solidFill>
+                  <a:schemeClr val="tx1"/>
+                </a:solidFill>
+                <a:latin typeface="+mn-lt"/>
+                <a:ea typeface="+mn-ea"/>
+                <a:cs typeface="+mn-cs"/>
+              </a:defRPr>
+            </a:lvl3pPr>
+            <a:lvl4pPr marL="1371600" algn="l" defTabSz="914400" rtl="0" eaLnBrk="1" latinLnBrk="0" hangingPunct="1">
+              <a:defRPr sz="1800" kern="1200">
+                <a:solidFill>
+                  <a:schemeClr val="tx1"/>
+                </a:solidFill>
+                <a:latin typeface="+mn-lt"/>
+                <a:ea typeface="+mn-ea"/>
+                <a:cs typeface="+mn-cs"/>
+              </a:defRPr>
+            </a:lvl4pPr>
+            <a:lvl5pPr marL="1828800" algn="l" defTabSz="914400" rtl="0" eaLnBrk="1" latinLnBrk="0" hangingPunct="1">
+              <a:defRPr sz="1800" kern="1200">
+                <a:solidFill>
+                  <a:schemeClr val="tx1"/>
+                </a:solidFill>
+                <a:latin typeface="+mn-lt"/>
+                <a:ea typeface="+mn-ea"/>
+                <a:cs typeface="+mn-cs"/>
+              </a:defRPr>
+            </a:lvl5pPr>
+            <a:lvl6pPr marL="2286000" algn="l" defTabSz="914400" rtl="0" eaLnBrk="1" latinLnBrk="0" hangingPunct="1">
+              <a:defRPr sz="1800" kern="1200">
+                <a:solidFill>
+                  <a:schemeClr val="tx1"/>
+                </a:solidFill>
+                <a:latin typeface="+mn-lt"/>
+                <a:ea typeface="+mn-ea"/>
+                <a:cs typeface="+mn-cs"/>
+              </a:defRPr>
+            </a:lvl6pPr>
+            <a:lvl7pPr marL="2743200" algn="l" defTabSz="914400" rtl="0" eaLnBrk="1" latinLnBrk="0" hangingPunct="1">
+              <a:defRPr sz="1800" kern="1200">
+                <a:solidFill>
+                  <a:schemeClr val="tx1"/>
+                </a:solidFill>
+                <a:latin typeface="+mn-lt"/>
+                <a:ea typeface="+mn-ea"/>
+                <a:cs typeface="+mn-cs"/>
+              </a:defRPr>
+            </a:lvl7pPr>
+            <a:lvl8pPr marL="3200400" algn="l" defTabSz="914400" rtl="0" eaLnBrk="1" latinLnBrk="0" hangingPunct="1">
+              <a:defRPr sz="1800" kern="1200">
+                <a:solidFill>
+                  <a:schemeClr val="tx1"/>
+                </a:solidFill>
+                <a:latin typeface="+mn-lt"/>
+                <a:ea typeface="+mn-ea"/>
+                <a:cs typeface="+mn-cs"/>
+              </a:defRPr>
+            </a:lvl8pPr>
+            <a:lvl9pPr marL="3657600" algn="l" defTabSz="914400" rtl="0" eaLnBrk="1" latinLnBrk="0" hangingPunct="1">
+              <a:defRPr sz="1800" kern="1200">
+                <a:solidFill>
+                  <a:schemeClr val="tx1"/>
+                </a:solidFill>
+                <a:latin typeface="+mn-lt"/>
+                <a:ea typeface="+mn-ea"/>
+                <a:cs typeface="+mn-cs"/>
+              </a:defRPr>
+            </a:lvl9pPr>
+          </a:lstStyle>
+          <a:p>
+            <a:r>
+              <a:rPr lang="de-DE" dirty="0"/>
+              <a:t>Raytracing-System</a:t>
+            </a:r>
+            <a:endParaRPr lang="en-IN" b="1" dirty="0">
+              <a:solidFill>
+                <a:schemeClr val="tx1">
+                  <a:lumMod val="50000"/>
+                  <a:lumOff val="50000"/>
+                </a:schemeClr>
+              </a:solidFill>
+            </a:endParaRPr>
+          </a:p>
+        </p:txBody>
+      </p:sp>
+      <p:cxnSp>
+        <p:nvCxnSpPr>
+          <p:cNvPr id="5" name="Straight Connector 4">
+            <a:extLst>
+              <a:ext uri="{FF2B5EF4-FFF2-40B4-BE49-F238E27FC236}">
+                <a16:creationId xmlns:a16="http://schemas.microsoft.com/office/drawing/2014/main" id="{0B6697B4-1AD9-4089-92FD-6CFE29B6E807}"/>
+              </a:ext>
+            </a:extLst>
+          </p:cNvPr>
+          <p:cNvCxnSpPr>
+            <a:cxnSpLocks/>
+          </p:cNvCxnSpPr>
+          <p:nvPr/>
+        </p:nvCxnSpPr>
+        <p:spPr>
+          <a:xfrm>
+            <a:off x="0" y="6310312"/>
+            <a:ext cx="12192000" cy="0"/>
+          </a:xfrm>
+          <a:prstGeom prst="line">
+            <a:avLst/>
+          </a:prstGeom>
+          <a:ln/>
+        </p:spPr>
+        <p:style>
+          <a:lnRef idx="3">
+            <a:schemeClr val="dk1"/>
+          </a:lnRef>
+          <a:fillRef idx="0">
+            <a:schemeClr val="dk1"/>
+          </a:fillRef>
+          <a:effectRef idx="2">
+            <a:schemeClr val="dk1"/>
+          </a:effectRef>
+          <a:fontRef idx="minor">
+            <a:schemeClr val="tx1"/>
+          </a:fontRef>
+        </p:style>
+      </p:cxnSp>
+      <p:sp>
+        <p:nvSpPr>
+          <p:cNvPr id="6" name="Subtitle 1"/>
+          <p:cNvSpPr txBox="1">
+            <a:spLocks/>
+          </p:cNvSpPr>
+          <p:nvPr/>
+        </p:nvSpPr>
+        <p:spPr>
+          <a:xfrm>
+            <a:off x="3465319" y="563117"/>
+            <a:ext cx="5261361" cy="952870"/>
+          </a:xfrm>
+          <a:prstGeom prst="rect">
+            <a:avLst/>
+          </a:prstGeom>
+        </p:spPr>
+        <p:txBody>
+          <a:bodyPr>
+            <a:normAutofit/>
+          </a:bodyPr>
+          <a:lstStyle>
+            <a:lvl1pPr marL="228600" indent="-228600" algn="l" defTabSz="914400" rtl="0" eaLnBrk="1" latinLnBrk="0" hangingPunct="1">
+              <a:lnSpc>
+                <a:spcPct val="90000"/>
+              </a:lnSpc>
+              <a:spcBef>
+                <a:spcPts val="1000"/>
+              </a:spcBef>
+              <a:buFont typeface="Arial" panose="020B0604020202020204" pitchFamily="34" charset="0"/>
+              <a:buChar char="•"/>
+              <a:defRPr sz="2800" kern="1200">
+                <a:solidFill>
+                  <a:schemeClr val="tx1"/>
+                </a:solidFill>
+                <a:latin typeface="+mn-lt"/>
+                <a:ea typeface="+mn-ea"/>
+                <a:cs typeface="+mn-cs"/>
+              </a:defRPr>
+            </a:lvl1pPr>
+            <a:lvl2pPr marL="685800" indent="-228600" algn="l" defTabSz="914400" rtl="0" eaLnBrk="1" latinLnBrk="0" hangingPunct="1">
+              <a:lnSpc>
+                <a:spcPct val="90000"/>
+              </a:lnSpc>
+              <a:spcBef>
+                <a:spcPts val="500"/>
+              </a:spcBef>
+              <a:buFont typeface="Arial" panose="020B0604020202020204" pitchFamily="34" charset="0"/>
+              <a:buChar char="•"/>
+              <a:defRPr sz="2400" kern="1200">
+                <a:solidFill>
+                  <a:schemeClr val="tx1"/>
+                </a:solidFill>
+                <a:latin typeface="+mn-lt"/>
+                <a:ea typeface="+mn-ea"/>
+                <a:cs typeface="+mn-cs"/>
+              </a:defRPr>
+            </a:lvl2pPr>
+            <a:lvl3pPr marL="1143000" indent="-228600" algn="l" defTabSz="914400" rtl="0" eaLnBrk="1" latinLnBrk="0" hangingPunct="1">
+              <a:lnSpc>
+                <a:spcPct val="90000"/>
+              </a:lnSpc>
+              <a:spcBef>
+                <a:spcPts val="500"/>
+              </a:spcBef>
+              <a:buFont typeface="Arial" panose="020B0604020202020204" pitchFamily="34" charset="0"/>
+              <a:buChar char="•"/>
+              <a:defRPr sz="2000" kern="1200">
+                <a:solidFill>
+                  <a:schemeClr val="tx1"/>
+                </a:solidFill>
+                <a:latin typeface="+mn-lt"/>
+                <a:ea typeface="+mn-ea"/>
+                <a:cs typeface="+mn-cs"/>
+              </a:defRPr>
+            </a:lvl3pPr>
+            <a:lvl4pPr marL="1600200" indent="-228600" algn="l" defTabSz="914400" rtl="0" eaLnBrk="1" latinLnBrk="0" hangingPunct="1">
+              <a:lnSpc>
+                <a:spcPct val="90000"/>
+              </a:lnSpc>
+              <a:spcBef>
+                <a:spcPts val="500"/>
+              </a:spcBef>
+              <a:buFont typeface="Arial" panose="020B0604020202020204" pitchFamily="34" charset="0"/>
+              <a:buChar char="•"/>
+              <a:defRPr sz="1800" kern="1200">
+                <a:solidFill>
+                  <a:schemeClr val="tx1"/>
+                </a:solidFill>
+                <a:latin typeface="+mn-lt"/>
+                <a:ea typeface="+mn-ea"/>
+                <a:cs typeface="+mn-cs"/>
+              </a:defRPr>
+            </a:lvl4pPr>
+            <a:lvl5pPr marL="2057400" indent="-228600" algn="l" defTabSz="914400" rtl="0" eaLnBrk="1" latinLnBrk="0" hangingPunct="1">
+              <a:lnSpc>
+                <a:spcPct val="90000"/>
+              </a:lnSpc>
+              <a:spcBef>
+                <a:spcPts val="500"/>
+              </a:spcBef>
+              <a:buFont typeface="Arial" panose="020B0604020202020204" pitchFamily="34" charset="0"/>
+              <a:buChar char="•"/>
+              <a:defRPr sz="1800" kern="1200">
+                <a:solidFill>
+                  <a:schemeClr val="tx1"/>
+                </a:solidFill>
+                <a:latin typeface="+mn-lt"/>
+                <a:ea typeface="+mn-ea"/>
+                <a:cs typeface="+mn-cs"/>
+              </a:defRPr>
+            </a:lvl5pPr>
+            <a:lvl6pPr marL="2514600" indent="-228600" algn="l" defTabSz="914400" rtl="0" eaLnBrk="1" latinLnBrk="0" hangingPunct="1">
+              <a:lnSpc>
+                <a:spcPct val="90000"/>
+              </a:lnSpc>
+              <a:spcBef>
+                <a:spcPts val="500"/>
+              </a:spcBef>
+              <a:buFont typeface="Arial" panose="020B0604020202020204" pitchFamily="34" charset="0"/>
+              <a:buChar char="•"/>
+              <a:defRPr sz="1800" kern="1200">
+                <a:solidFill>
+                  <a:schemeClr val="tx1"/>
+                </a:solidFill>
+                <a:latin typeface="+mn-lt"/>
+                <a:ea typeface="+mn-ea"/>
+                <a:cs typeface="+mn-cs"/>
+              </a:defRPr>
+            </a:lvl6pPr>
+            <a:lvl7pPr marL="2971800" indent="-228600" algn="l" defTabSz="914400" rtl="0" eaLnBrk="1" latinLnBrk="0" hangingPunct="1">
+              <a:lnSpc>
+                <a:spcPct val="90000"/>
+              </a:lnSpc>
+              <a:spcBef>
+                <a:spcPts val="500"/>
+              </a:spcBef>
+              <a:buFont typeface="Arial" panose="020B0604020202020204" pitchFamily="34" charset="0"/>
+              <a:buChar char="•"/>
+              <a:defRPr sz="1800" kern="1200">
+                <a:solidFill>
+                  <a:schemeClr val="tx1"/>
+                </a:solidFill>
+                <a:latin typeface="+mn-lt"/>
+                <a:ea typeface="+mn-ea"/>
+                <a:cs typeface="+mn-cs"/>
+              </a:defRPr>
+            </a:lvl7pPr>
+            <a:lvl8pPr marL="3429000" indent="-228600" algn="l" defTabSz="914400" rtl="0" eaLnBrk="1" latinLnBrk="0" hangingPunct="1">
+              <a:lnSpc>
+                <a:spcPct val="90000"/>
+              </a:lnSpc>
+              <a:spcBef>
+                <a:spcPts val="500"/>
+              </a:spcBef>
+              <a:buFont typeface="Arial" panose="020B0604020202020204" pitchFamily="34" charset="0"/>
+              <a:buChar char="•"/>
+              <a:defRPr sz="1800" kern="1200">
+                <a:solidFill>
+                  <a:schemeClr val="tx1"/>
+                </a:solidFill>
+                <a:latin typeface="+mn-lt"/>
+                <a:ea typeface="+mn-ea"/>
+                <a:cs typeface="+mn-cs"/>
+              </a:defRPr>
+            </a:lvl8pPr>
+            <a:lvl9pPr marL="3886200" indent="-228600" algn="l" defTabSz="914400" rtl="0" eaLnBrk="1" latinLnBrk="0" hangingPunct="1">
+              <a:lnSpc>
+                <a:spcPct val="90000"/>
+              </a:lnSpc>
+              <a:spcBef>
+                <a:spcPts val="500"/>
+              </a:spcBef>
+              <a:buFont typeface="Arial" panose="020B0604020202020204" pitchFamily="34" charset="0"/>
+              <a:buChar char="•"/>
+              <a:defRPr sz="1800" kern="1200">
+                <a:solidFill>
+                  <a:schemeClr val="tx1"/>
+                </a:solidFill>
+                <a:latin typeface="+mn-lt"/>
+                <a:ea typeface="+mn-ea"/>
+                <a:cs typeface="+mn-cs"/>
+              </a:defRPr>
+            </a:lvl9pPr>
+          </a:lstStyle>
+          <a:p>
+            <a:pPr marL="0" indent="0" algn="ctr">
+              <a:buNone/>
+            </a:pPr>
+            <a:r>
+              <a:rPr lang="de-DE" sz="3600" dirty="0"/>
+              <a:t>Evolution des Systems</a:t>
+            </a:r>
+          </a:p>
+        </p:txBody>
+      </p:sp>
+      <p:sp>
+        <p:nvSpPr>
+          <p:cNvPr id="7" name="TextBox 6"/>
+          <p:cNvSpPr txBox="1"/>
+          <p:nvPr/>
+        </p:nvSpPr>
+        <p:spPr>
+          <a:xfrm>
+            <a:off x="401471" y="1175329"/>
+            <a:ext cx="2529736" cy="523220"/>
+          </a:xfrm>
+          <a:prstGeom prst="rect">
+            <a:avLst/>
+          </a:prstGeom>
+          <a:noFill/>
+        </p:spPr>
+        <p:txBody>
+          <a:bodyPr wrap="square" rtlCol="0">
+            <a:spAutoFit/>
+          </a:bodyPr>
+          <a:lstStyle/>
+          <a:p>
+            <a:r>
+              <a:rPr lang="de-DE" sz="2800" dirty="0"/>
+              <a:t>Transformation</a:t>
+            </a:r>
+          </a:p>
+        </p:txBody>
+      </p:sp>
+      <p:sp>
+        <p:nvSpPr>
+          <p:cNvPr id="8" name="TextBox 7"/>
+          <p:cNvSpPr txBox="1"/>
+          <p:nvPr/>
+        </p:nvSpPr>
+        <p:spPr>
+          <a:xfrm>
+            <a:off x="401470" y="1799970"/>
+            <a:ext cx="11389060" cy="369332"/>
+          </a:xfrm>
+          <a:prstGeom prst="rect">
+            <a:avLst/>
+          </a:prstGeom>
+          <a:noFill/>
+        </p:spPr>
+        <p:txBody>
+          <a:bodyPr wrap="square" rtlCol="0">
+            <a:spAutoFit/>
+          </a:bodyPr>
+          <a:lstStyle/>
+          <a:p>
+            <a:r>
+              <a:rPr lang="de-DE" dirty="0"/>
+              <a:t>Erfolgt durch </a:t>
+            </a:r>
+            <a:r>
+              <a:rPr lang="de-DE" dirty="0" err="1"/>
+              <a:t>Matrixmultiplication</a:t>
+            </a:r>
+            <a:r>
+              <a:rPr lang="de-DE" dirty="0"/>
+              <a:t>. Besteht aus 3 Arten: Translation, Rotation und Skalierung. </a:t>
+            </a:r>
+          </a:p>
+        </p:txBody>
+      </p:sp>
+      <p:pic>
+        <p:nvPicPr>
+          <p:cNvPr id="10" name="Grafik 9">
+            <a:extLst>
+              <a:ext uri="{FF2B5EF4-FFF2-40B4-BE49-F238E27FC236}">
+                <a16:creationId xmlns:a16="http://schemas.microsoft.com/office/drawing/2014/main" id="{6D241597-0D5E-4681-A6FD-E5ADD6FBD969}"/>
+              </a:ext>
+            </a:extLst>
+          </p:cNvPr>
+          <p:cNvPicPr>
+            <a:picLocks noChangeAspect="1"/>
+          </p:cNvPicPr>
+          <p:nvPr/>
+        </p:nvPicPr>
+        <p:blipFill>
+          <a:blip r:embed="rId3">
+            <a:extLst>
+              <a:ext uri="{28A0092B-C50C-407E-A947-70E740481C1C}">
+                <a14:useLocalDpi xmlns:a14="http://schemas.microsoft.com/office/drawing/2010/main" val="0"/>
+              </a:ext>
+            </a:extLst>
+          </a:blip>
+          <a:stretch>
+            <a:fillRect/>
+          </a:stretch>
+        </p:blipFill>
+        <p:spPr>
+          <a:xfrm>
+            <a:off x="432959" y="2607750"/>
+            <a:ext cx="1552792" cy="1524213"/>
+          </a:xfrm>
+          <a:prstGeom prst="rect">
+            <a:avLst/>
+          </a:prstGeom>
+        </p:spPr>
+      </p:pic>
+      <p:pic>
+        <p:nvPicPr>
+          <p:cNvPr id="12" name="Grafik 11">
+            <a:extLst>
+              <a:ext uri="{FF2B5EF4-FFF2-40B4-BE49-F238E27FC236}">
+                <a16:creationId xmlns:a16="http://schemas.microsoft.com/office/drawing/2014/main" id="{DB60B5E5-2178-4D4C-9E90-8EF09C098204}"/>
+              </a:ext>
+            </a:extLst>
+          </p:cNvPr>
+          <p:cNvPicPr>
+            <a:picLocks noChangeAspect="1"/>
+          </p:cNvPicPr>
+          <p:nvPr/>
+        </p:nvPicPr>
+        <p:blipFill>
+          <a:blip r:embed="rId4">
+            <a:extLst>
+              <a:ext uri="{28A0092B-C50C-407E-A947-70E740481C1C}">
+                <a14:useLocalDpi xmlns:a14="http://schemas.microsoft.com/office/drawing/2010/main" val="0"/>
+              </a:ext>
+            </a:extLst>
+          </a:blip>
+          <a:stretch>
+            <a:fillRect/>
+          </a:stretch>
+        </p:blipFill>
+        <p:spPr>
+          <a:xfrm>
+            <a:off x="2345590" y="2585807"/>
+            <a:ext cx="1600423" cy="1552792"/>
+          </a:xfrm>
+          <a:prstGeom prst="rect">
+            <a:avLst/>
+          </a:prstGeom>
+        </p:spPr>
+      </p:pic>
+      <p:sp>
+        <p:nvSpPr>
+          <p:cNvPr id="17" name="Textfeld 16">
+            <a:extLst>
+              <a:ext uri="{FF2B5EF4-FFF2-40B4-BE49-F238E27FC236}">
+                <a16:creationId xmlns:a16="http://schemas.microsoft.com/office/drawing/2014/main" id="{4E12FCC4-6251-47D5-9F5F-78CC6484915A}"/>
+              </a:ext>
+            </a:extLst>
+          </p:cNvPr>
+          <p:cNvSpPr txBox="1"/>
+          <p:nvPr/>
+        </p:nvSpPr>
+        <p:spPr>
+          <a:xfrm>
+            <a:off x="516764" y="2206164"/>
+            <a:ext cx="1468987" cy="369332"/>
+          </a:xfrm>
+          <a:prstGeom prst="rect">
+            <a:avLst/>
+          </a:prstGeom>
+          <a:noFill/>
+        </p:spPr>
+        <p:txBody>
+          <a:bodyPr wrap="square" rtlCol="0">
+            <a:spAutoFit/>
+          </a:bodyPr>
+          <a:lstStyle/>
+          <a:p>
+            <a:r>
+              <a:rPr lang="de-DE" dirty="0"/>
+              <a:t>Translation</a:t>
+            </a:r>
+          </a:p>
+        </p:txBody>
+      </p:sp>
+      <p:sp>
+        <p:nvSpPr>
+          <p:cNvPr id="20" name="Textfeld 19">
+            <a:extLst>
+              <a:ext uri="{FF2B5EF4-FFF2-40B4-BE49-F238E27FC236}">
+                <a16:creationId xmlns:a16="http://schemas.microsoft.com/office/drawing/2014/main" id="{295BCA8A-DAA5-46FD-BDA6-337C33BCFDC7}"/>
+              </a:ext>
+            </a:extLst>
+          </p:cNvPr>
+          <p:cNvSpPr txBox="1"/>
+          <p:nvPr/>
+        </p:nvSpPr>
+        <p:spPr>
+          <a:xfrm>
+            <a:off x="2411309" y="2221471"/>
+            <a:ext cx="1468987" cy="369332"/>
+          </a:xfrm>
+          <a:prstGeom prst="rect">
+            <a:avLst/>
+          </a:prstGeom>
+          <a:noFill/>
+        </p:spPr>
+        <p:txBody>
+          <a:bodyPr wrap="square" rtlCol="0">
+            <a:spAutoFit/>
+          </a:bodyPr>
+          <a:lstStyle/>
+          <a:p>
+            <a:r>
+              <a:rPr lang="de-DE" dirty="0"/>
+              <a:t>Skalierung</a:t>
+            </a:r>
+          </a:p>
+        </p:txBody>
+      </p:sp>
+      <p:pic>
+        <p:nvPicPr>
+          <p:cNvPr id="24" name="Grafik 23">
+            <a:extLst>
+              <a:ext uri="{FF2B5EF4-FFF2-40B4-BE49-F238E27FC236}">
+                <a16:creationId xmlns:a16="http://schemas.microsoft.com/office/drawing/2014/main" id="{87626871-2EC6-46B7-B66F-F1FA1B5646BD}"/>
+              </a:ext>
+            </a:extLst>
+          </p:cNvPr>
+          <p:cNvPicPr>
+            <a:picLocks noChangeAspect="1"/>
+          </p:cNvPicPr>
+          <p:nvPr/>
+        </p:nvPicPr>
+        <p:blipFill rotWithShape="1">
+          <a:blip r:embed="rId5">
+            <a:extLst>
+              <a:ext uri="{28A0092B-C50C-407E-A947-70E740481C1C}">
+                <a14:useLocalDpi xmlns:a14="http://schemas.microsoft.com/office/drawing/2010/main" val="0"/>
+              </a:ext>
+            </a:extLst>
+          </a:blip>
+          <a:srcRect l="49476" t="18769" r="20742" b="54758"/>
+          <a:stretch/>
+        </p:blipFill>
+        <p:spPr>
+          <a:xfrm>
+            <a:off x="8540337" y="2919397"/>
+            <a:ext cx="2006908" cy="1337938"/>
+          </a:xfrm>
+          <a:prstGeom prst="rect">
+            <a:avLst/>
+          </a:prstGeom>
+        </p:spPr>
+      </p:pic>
+      <p:pic>
+        <p:nvPicPr>
+          <p:cNvPr id="26" name="Grafik 25">
+            <a:extLst>
+              <a:ext uri="{FF2B5EF4-FFF2-40B4-BE49-F238E27FC236}">
+                <a16:creationId xmlns:a16="http://schemas.microsoft.com/office/drawing/2014/main" id="{F68704CB-1B7E-40F6-AB58-9274307ABD5F}"/>
+              </a:ext>
+            </a:extLst>
+          </p:cNvPr>
+          <p:cNvPicPr>
+            <a:picLocks noChangeAspect="1"/>
+          </p:cNvPicPr>
+          <p:nvPr/>
+        </p:nvPicPr>
+        <p:blipFill rotWithShape="1">
+          <a:blip r:embed="rId5">
+            <a:extLst>
+              <a:ext uri="{28A0092B-C50C-407E-A947-70E740481C1C}">
+                <a14:useLocalDpi xmlns:a14="http://schemas.microsoft.com/office/drawing/2010/main" val="0"/>
+              </a:ext>
+            </a:extLst>
+          </a:blip>
+          <a:srcRect l="50000" t="46426" r="21157" b="27935"/>
+          <a:stretch/>
+        </p:blipFill>
+        <p:spPr>
+          <a:xfrm>
+            <a:off x="6302082" y="2923599"/>
+            <a:ext cx="1943907" cy="1295978"/>
+          </a:xfrm>
+          <a:prstGeom prst="rect">
+            <a:avLst/>
+          </a:prstGeom>
+        </p:spPr>
+      </p:pic>
+      <p:pic>
+        <p:nvPicPr>
+          <p:cNvPr id="30" name="Grafik 29">
+            <a:extLst>
+              <a:ext uri="{FF2B5EF4-FFF2-40B4-BE49-F238E27FC236}">
+                <a16:creationId xmlns:a16="http://schemas.microsoft.com/office/drawing/2014/main" id="{8364FC87-9017-455D-AB68-8BD6862B3AA6}"/>
+              </a:ext>
+            </a:extLst>
+          </p:cNvPr>
+          <p:cNvPicPr>
+            <a:picLocks noChangeAspect="1"/>
+          </p:cNvPicPr>
+          <p:nvPr/>
+        </p:nvPicPr>
+        <p:blipFill>
+          <a:blip r:embed="rId6">
+            <a:extLst>
+              <a:ext uri="{28A0092B-C50C-407E-A947-70E740481C1C}">
+                <a14:useLocalDpi xmlns:a14="http://schemas.microsoft.com/office/drawing/2010/main" val="0"/>
+              </a:ext>
+            </a:extLst>
+          </a:blip>
+          <a:stretch>
+            <a:fillRect/>
+          </a:stretch>
+        </p:blipFill>
+        <p:spPr>
+          <a:xfrm>
+            <a:off x="4183612" y="2951317"/>
+            <a:ext cx="1824122" cy="1221045"/>
+          </a:xfrm>
+          <a:prstGeom prst="rect">
+            <a:avLst/>
+          </a:prstGeom>
+        </p:spPr>
+      </p:pic>
+      <p:sp>
+        <p:nvSpPr>
+          <p:cNvPr id="31" name="Textfeld 30">
+            <a:extLst>
+              <a:ext uri="{FF2B5EF4-FFF2-40B4-BE49-F238E27FC236}">
+                <a16:creationId xmlns:a16="http://schemas.microsoft.com/office/drawing/2014/main" id="{FA3A8E9E-14D4-4998-AE0E-62167A82F5E9}"/>
+              </a:ext>
+            </a:extLst>
+          </p:cNvPr>
+          <p:cNvSpPr txBox="1"/>
+          <p:nvPr/>
+        </p:nvSpPr>
+        <p:spPr>
+          <a:xfrm>
+            <a:off x="4183612" y="2216861"/>
+            <a:ext cx="1243930" cy="369332"/>
+          </a:xfrm>
+          <a:prstGeom prst="rect">
+            <a:avLst/>
+          </a:prstGeom>
+          <a:noFill/>
+        </p:spPr>
+        <p:txBody>
+          <a:bodyPr wrap="none" rtlCol="0">
+            <a:spAutoFit/>
+          </a:bodyPr>
+          <a:lstStyle/>
+          <a:p>
+            <a:r>
+              <a:rPr lang="de-DE" dirty="0"/>
+              <a:t>Drehmatrix</a:t>
+            </a:r>
+          </a:p>
+        </p:txBody>
+      </p:sp>
+      <p:sp>
+        <p:nvSpPr>
+          <p:cNvPr id="32" name="Textfeld 31">
+            <a:extLst>
+              <a:ext uri="{FF2B5EF4-FFF2-40B4-BE49-F238E27FC236}">
+                <a16:creationId xmlns:a16="http://schemas.microsoft.com/office/drawing/2014/main" id="{39BB9B0D-25F5-4E5A-9037-F575FB6EE128}"/>
+              </a:ext>
+            </a:extLst>
+          </p:cNvPr>
+          <p:cNvSpPr txBox="1"/>
+          <p:nvPr/>
+        </p:nvSpPr>
+        <p:spPr>
+          <a:xfrm>
+            <a:off x="4249329" y="2539800"/>
+            <a:ext cx="896399" cy="369332"/>
+          </a:xfrm>
+          <a:prstGeom prst="rect">
+            <a:avLst/>
+          </a:prstGeom>
+          <a:noFill/>
+        </p:spPr>
+        <p:txBody>
+          <a:bodyPr wrap="none" rtlCol="0">
+            <a:spAutoFit/>
+          </a:bodyPr>
+          <a:lstStyle/>
+          <a:p>
+            <a:r>
+              <a:rPr lang="de-DE" dirty="0"/>
+              <a:t>X -Ache</a:t>
+            </a:r>
+          </a:p>
+        </p:txBody>
+      </p:sp>
+      <p:sp>
+        <p:nvSpPr>
+          <p:cNvPr id="33" name="Textfeld 32">
+            <a:extLst>
+              <a:ext uri="{FF2B5EF4-FFF2-40B4-BE49-F238E27FC236}">
+                <a16:creationId xmlns:a16="http://schemas.microsoft.com/office/drawing/2014/main" id="{E38B3C6C-B824-4629-BFE7-8FF4FE673B26}"/>
+              </a:ext>
+            </a:extLst>
+          </p:cNvPr>
+          <p:cNvSpPr txBox="1"/>
+          <p:nvPr/>
+        </p:nvSpPr>
+        <p:spPr>
+          <a:xfrm>
+            <a:off x="6302082" y="2540098"/>
+            <a:ext cx="888385" cy="369332"/>
+          </a:xfrm>
+          <a:prstGeom prst="rect">
+            <a:avLst/>
+          </a:prstGeom>
+          <a:noFill/>
+        </p:spPr>
+        <p:txBody>
+          <a:bodyPr wrap="none" rtlCol="0">
+            <a:spAutoFit/>
+          </a:bodyPr>
+          <a:lstStyle/>
+          <a:p>
+            <a:r>
+              <a:rPr lang="de-DE" dirty="0"/>
+              <a:t>Y -Ache</a:t>
+            </a:r>
+          </a:p>
+        </p:txBody>
+      </p:sp>
+      <p:sp>
+        <p:nvSpPr>
+          <p:cNvPr id="34" name="Textfeld 33">
+            <a:extLst>
+              <a:ext uri="{FF2B5EF4-FFF2-40B4-BE49-F238E27FC236}">
+                <a16:creationId xmlns:a16="http://schemas.microsoft.com/office/drawing/2014/main" id="{98000A08-627D-4C74-9B83-456248FF213E}"/>
+              </a:ext>
+            </a:extLst>
+          </p:cNvPr>
+          <p:cNvSpPr txBox="1"/>
+          <p:nvPr/>
+        </p:nvSpPr>
+        <p:spPr>
+          <a:xfrm>
+            <a:off x="8660216" y="2522013"/>
+            <a:ext cx="883575" cy="369332"/>
+          </a:xfrm>
+          <a:prstGeom prst="rect">
+            <a:avLst/>
+          </a:prstGeom>
+          <a:noFill/>
+        </p:spPr>
+        <p:txBody>
+          <a:bodyPr wrap="none" rtlCol="0">
+            <a:spAutoFit/>
+          </a:bodyPr>
+          <a:lstStyle/>
+          <a:p>
+            <a:r>
+              <a:rPr lang="de-DE" dirty="0"/>
+              <a:t>Z -Ache</a:t>
+            </a:r>
+          </a:p>
+        </p:txBody>
+      </p:sp>
+      <p:pic>
+        <p:nvPicPr>
+          <p:cNvPr id="36" name="Grafik 35">
+            <a:extLst>
+              <a:ext uri="{FF2B5EF4-FFF2-40B4-BE49-F238E27FC236}">
+                <a16:creationId xmlns:a16="http://schemas.microsoft.com/office/drawing/2014/main" id="{ED4CBBD4-35AE-48C6-90A9-7A5209C4F5AD}"/>
+              </a:ext>
+            </a:extLst>
+          </p:cNvPr>
+          <p:cNvPicPr>
+            <a:picLocks noChangeAspect="1"/>
+          </p:cNvPicPr>
+          <p:nvPr/>
+        </p:nvPicPr>
+        <p:blipFill>
+          <a:blip r:embed="rId7">
+            <a:extLst>
+              <a:ext uri="{28A0092B-C50C-407E-A947-70E740481C1C}">
+                <a14:useLocalDpi xmlns:a14="http://schemas.microsoft.com/office/drawing/2010/main" val="0"/>
+              </a:ext>
+            </a:extLst>
+          </a:blip>
+          <a:stretch>
+            <a:fillRect/>
+          </a:stretch>
+        </p:blipFill>
+        <p:spPr>
+          <a:xfrm>
+            <a:off x="486990" y="4515060"/>
+            <a:ext cx="3848637" cy="438211"/>
+          </a:xfrm>
+          <a:prstGeom prst="rect">
+            <a:avLst/>
+          </a:prstGeom>
+        </p:spPr>
+      </p:pic>
+      <p:pic>
+        <p:nvPicPr>
+          <p:cNvPr id="38" name="Grafik 37">
+            <a:extLst>
+              <a:ext uri="{FF2B5EF4-FFF2-40B4-BE49-F238E27FC236}">
+                <a16:creationId xmlns:a16="http://schemas.microsoft.com/office/drawing/2014/main" id="{9D4F19DF-1F98-467F-A328-C3E4B874C72A}"/>
+              </a:ext>
+            </a:extLst>
+          </p:cNvPr>
+          <p:cNvPicPr>
+            <a:picLocks noChangeAspect="1"/>
+          </p:cNvPicPr>
+          <p:nvPr/>
+        </p:nvPicPr>
+        <p:blipFill>
+          <a:blip r:embed="rId8">
+            <a:extLst>
+              <a:ext uri="{28A0092B-C50C-407E-A947-70E740481C1C}">
+                <a14:useLocalDpi xmlns:a14="http://schemas.microsoft.com/office/drawing/2010/main" val="0"/>
+              </a:ext>
+            </a:extLst>
+          </a:blip>
+          <a:stretch>
+            <a:fillRect/>
+          </a:stretch>
+        </p:blipFill>
+        <p:spPr>
+          <a:xfrm>
+            <a:off x="487930" y="5042698"/>
+            <a:ext cx="2505425" cy="342948"/>
+          </a:xfrm>
+          <a:prstGeom prst="rect">
+            <a:avLst/>
+          </a:prstGeom>
+        </p:spPr>
+      </p:pic>
+      <p:pic>
+        <p:nvPicPr>
+          <p:cNvPr id="40" name="Grafik 39">
+            <a:extLst>
+              <a:ext uri="{FF2B5EF4-FFF2-40B4-BE49-F238E27FC236}">
+                <a16:creationId xmlns:a16="http://schemas.microsoft.com/office/drawing/2014/main" id="{4F60236F-67E4-42E8-8E66-33B95BF9664C}"/>
+              </a:ext>
+            </a:extLst>
+          </p:cNvPr>
+          <p:cNvPicPr>
+            <a:picLocks noChangeAspect="1"/>
+          </p:cNvPicPr>
+          <p:nvPr/>
+        </p:nvPicPr>
+        <p:blipFill rotWithShape="1">
+          <a:blip r:embed="rId9">
+            <a:extLst>
+              <a:ext uri="{28A0092B-C50C-407E-A947-70E740481C1C}">
+                <a14:useLocalDpi xmlns:a14="http://schemas.microsoft.com/office/drawing/2010/main" val="0"/>
+              </a:ext>
+            </a:extLst>
+          </a:blip>
+          <a:srcRect t="22659" b="31093"/>
+          <a:stretch/>
+        </p:blipFill>
+        <p:spPr>
+          <a:xfrm>
+            <a:off x="486990" y="5306056"/>
+            <a:ext cx="5401429" cy="202662"/>
+          </a:xfrm>
+          <a:prstGeom prst="rect">
+            <a:avLst/>
+          </a:prstGeom>
+        </p:spPr>
+      </p:pic>
+    </p:spTree>
+    <p:extLst>
+      <p:ext uri="{BB962C8B-B14F-4D97-AF65-F5344CB8AC3E}">
+        <p14:creationId xmlns:p14="http://schemas.microsoft.com/office/powerpoint/2010/main" val="1294827138"/>
+      </p:ext>
+    </p:extLst>
+  </p:cSld>
+  <p:clrMapOvr>
+    <a:masterClrMapping/>
+  </p:clrMapOvr>
 </p:sld>
 </file>
 

--- a/Prasentation/raytracing.pptx
+++ b/Prasentation/raytracing.pptx
@@ -5,26 +5,27 @@
     <p:sldMasterId id="2147483648" r:id="rId1"/>
   </p:sldMasterIdLst>
   <p:notesMasterIdLst>
-    <p:notesMasterId r:id="rId16"/>
+    <p:notesMasterId r:id="rId17"/>
   </p:notesMasterIdLst>
   <p:handoutMasterIdLst>
-    <p:handoutMasterId r:id="rId17"/>
+    <p:handoutMasterId r:id="rId18"/>
   </p:handoutMasterIdLst>
   <p:sldIdLst>
     <p:sldId id="256" r:id="rId2"/>
-    <p:sldId id="283" r:id="rId3"/>
-    <p:sldId id="292" r:id="rId4"/>
-    <p:sldId id="286" r:id="rId5"/>
-    <p:sldId id="287" r:id="rId6"/>
-    <p:sldId id="288" r:id="rId7"/>
-    <p:sldId id="289" r:id="rId8"/>
-    <p:sldId id="290" r:id="rId9"/>
-    <p:sldId id="293" r:id="rId10"/>
-    <p:sldId id="294" r:id="rId11"/>
-    <p:sldId id="295" r:id="rId12"/>
-    <p:sldId id="296" r:id="rId13"/>
-    <p:sldId id="297" r:id="rId14"/>
-    <p:sldId id="298" r:id="rId15"/>
+    <p:sldId id="300" r:id="rId3"/>
+    <p:sldId id="283" r:id="rId4"/>
+    <p:sldId id="292" r:id="rId5"/>
+    <p:sldId id="286" r:id="rId6"/>
+    <p:sldId id="287" r:id="rId7"/>
+    <p:sldId id="288" r:id="rId8"/>
+    <p:sldId id="289" r:id="rId9"/>
+    <p:sldId id="290" r:id="rId10"/>
+    <p:sldId id="293" r:id="rId11"/>
+    <p:sldId id="294" r:id="rId12"/>
+    <p:sldId id="295" r:id="rId13"/>
+    <p:sldId id="296" r:id="rId14"/>
+    <p:sldId id="297" r:id="rId15"/>
+    <p:sldId id="298" r:id="rId16"/>
   </p:sldIdLst>
   <p:sldSz cx="12192000" cy="6858000"/>
   <p:notesSz cx="6858000" cy="9144000"/>
@@ -777,6 +778,90 @@
 </p:notes>
 </file>
 
+<file path=ppt/notesSlides/notesSlide10.xml><?xml version="1.0" encoding="utf-8"?>
+<p:notes xmlns:a="http://schemas.openxmlformats.org/drawingml/2006/main" xmlns:r="http://schemas.openxmlformats.org/officeDocument/2006/relationships" xmlns:p="http://schemas.openxmlformats.org/presentationml/2006/main">
+  <p:cSld>
+    <p:spTree>
+      <p:nvGrpSpPr>
+        <p:cNvPr id="1" name=""/>
+        <p:cNvGrpSpPr/>
+        <p:nvPr/>
+      </p:nvGrpSpPr>
+      <p:grpSpPr>
+        <a:xfrm>
+          <a:off x="0" y="0"/>
+          <a:ext cx="0" cy="0"/>
+          <a:chOff x="0" y="0"/>
+          <a:chExt cx="0" cy="0"/>
+        </a:xfrm>
+      </p:grpSpPr>
+      <p:sp>
+        <p:nvSpPr>
+          <p:cNvPr id="2" name="Folienbildplatzhalter 1"/>
+          <p:cNvSpPr>
+            <a:spLocks noGrp="1" noRot="1" noChangeAspect="1"/>
+          </p:cNvSpPr>
+          <p:nvPr>
+            <p:ph type="sldImg"/>
+          </p:nvPr>
+        </p:nvSpPr>
+        <p:spPr/>
+      </p:sp>
+      <p:sp>
+        <p:nvSpPr>
+          <p:cNvPr id="3" name="Notizenplatzhalter 2"/>
+          <p:cNvSpPr>
+            <a:spLocks noGrp="1"/>
+          </p:cNvSpPr>
+          <p:nvPr>
+            <p:ph type="body" idx="1"/>
+          </p:nvPr>
+        </p:nvSpPr>
+        <p:spPr/>
+        <p:txBody>
+          <a:bodyPr/>
+          <a:lstStyle/>
+          <a:p>
+            <a:endParaRPr lang="de-DE" dirty="0"/>
+          </a:p>
+        </p:txBody>
+      </p:sp>
+      <p:sp>
+        <p:nvSpPr>
+          <p:cNvPr id="4" name="Foliennummernplatzhalter 3"/>
+          <p:cNvSpPr>
+            <a:spLocks noGrp="1"/>
+          </p:cNvSpPr>
+          <p:nvPr>
+            <p:ph type="sldNum" sz="quarter" idx="5"/>
+          </p:nvPr>
+        </p:nvSpPr>
+        <p:spPr/>
+        <p:txBody>
+          <a:bodyPr/>
+          <a:lstStyle/>
+          <a:p>
+            <a:fld id="{9C9590F9-2444-4B04-BB06-CCCA1671A106}" type="slidenum">
+              <a:rPr lang="en-IN" smtClean="0"/>
+              <a:t>15</a:t>
+            </a:fld>
+            <a:endParaRPr lang="en-IN"/>
+          </a:p>
+        </p:txBody>
+      </p:sp>
+    </p:spTree>
+    <p:extLst>
+      <p:ext uri="{BB962C8B-B14F-4D97-AF65-F5344CB8AC3E}">
+        <p14:creationId xmlns:p14="http://schemas.microsoft.com/office/powerpoint/2010/main" val="544065286"/>
+      </p:ext>
+    </p:extLst>
+  </p:cSld>
+  <p:clrMapOvr>
+    <a:masterClrMapping/>
+  </p:clrMapOvr>
+</p:notes>
+</file>
+
 <file path=ppt/notesSlides/notesSlide2.xml><?xml version="1.0" encoding="utf-8"?>
 <p:notes xmlns:a="http://schemas.openxmlformats.org/drawingml/2006/main" xmlns:r="http://schemas.openxmlformats.org/officeDocument/2006/relationships" xmlns:p="http://schemas.openxmlformats.org/presentationml/2006/main">
   <p:cSld>
@@ -916,7 +1001,7 @@
     </p:spTree>
     <p:extLst>
       <p:ext uri="{BB962C8B-B14F-4D97-AF65-F5344CB8AC3E}">
-        <p14:creationId xmlns:p14="http://schemas.microsoft.com/office/powerpoint/2010/main" val="1131892046"/>
+        <p14:creationId xmlns:p14="http://schemas.microsoft.com/office/powerpoint/2010/main" val="3543159917"/>
       </p:ext>
     </p:extLst>
   </p:cSld>
@@ -970,6 +1055,40 @@
           <a:bodyPr/>
           <a:lstStyle/>
           <a:p>
+            <a:r>
+              <a:rPr lang="de-DE" dirty="0" err="1"/>
+              <a:t>Raytracing</a:t>
+            </a:r>
+            <a:r>
+              <a:rPr lang="de-DE" dirty="0"/>
+              <a:t> ist ein </a:t>
+            </a:r>
+            <a:r>
+              <a:rPr lang="de-DE" dirty="0" err="1"/>
+              <a:t>Rendernverfahren</a:t>
+            </a:r>
+            <a:r>
+              <a:rPr lang="de-DE" dirty="0"/>
+              <a:t> zur Projektion der dreidimensionale Geometrie zu zweidimensionale Ebene.  Mittels diese Strahlen werden jede Pixel des Bildes in Reihenfolge vor des Kameras gerendert. </a:t>
+            </a:r>
+            <a:r>
+              <a:rPr lang="de-DE" dirty="0" err="1"/>
+              <a:t>Dh</a:t>
+            </a:r>
+            <a:r>
+              <a:rPr lang="de-DE" dirty="0"/>
+              <a:t> wir rechnen der kleinste </a:t>
+            </a:r>
+            <a:r>
+              <a:rPr lang="de-DE" dirty="0" err="1"/>
+              <a:t>Enfernung</a:t>
+            </a:r>
+            <a:r>
+              <a:rPr lang="de-DE" dirty="0"/>
+              <a:t> (Distanz) zwischen der Objekte und Standpunkt des Kamera. Danach wird der Ausschnitt bzw. Schnittpunkt der Geometrie mit dem Strahl ermittelt. Dies wird für jede Pixel ausgeführt. </a:t>
+            </a:r>
+          </a:p>
+          <a:p>
             <a:pPr marL="0" marR="0" lvl="0" indent="0" algn="l" defTabSz="914363" rtl="0" eaLnBrk="1" fontAlgn="auto" latinLnBrk="0" hangingPunct="1">
               <a:lnSpc>
                 <a:spcPct val="100000"/>
@@ -989,7 +1108,7 @@
             </a:pPr>
             <a:r>
               <a:rPr lang="de-DE" dirty="0"/>
-              <a:t>So bisher ist </a:t>
+              <a:t>Unsere </a:t>
             </a:r>
             <a:r>
               <a:rPr lang="de-DE" dirty="0" err="1"/>
@@ -997,48 +1116,11 @@
             </a:r>
             <a:r>
               <a:rPr lang="de-DE" dirty="0"/>
-              <a:t> prinzipiell ähnlich wie eine andere </a:t>
-            </a:r>
-            <a:r>
-              <a:rPr lang="de-DE" dirty="0" err="1"/>
-              <a:t>Renderverfahren</a:t>
-            </a:r>
-            <a:r>
-              <a:rPr lang="de-DE" dirty="0"/>
-              <a:t> mit ähnlichem Name, </a:t>
-            </a:r>
-            <a:r>
-              <a:rPr lang="de-DE" dirty="0" err="1"/>
-              <a:t>Raycasting</a:t>
-            </a:r>
-            <a:r>
-              <a:rPr lang="de-DE" dirty="0"/>
-              <a:t>. Der Unterschied liegt auf der Grad visuelle Realismus ihres gerenderte Bilds. </a:t>
-            </a:r>
-            <a:r>
-              <a:rPr lang="de-DE" dirty="0" err="1"/>
-              <a:t>Raytracing</a:t>
-            </a:r>
-            <a:r>
-              <a:rPr lang="de-DE" dirty="0"/>
-              <a:t> kann die Lichtreflexion/ -brechung/ -streuung und auch Spiegelung berechnen und auf dem Bildebene zeigen. Aber diese Vorteil kommt mit einer Nachteil. </a:t>
-            </a:r>
-            <a:r>
-              <a:rPr lang="de-DE" dirty="0" err="1"/>
-              <a:t>Raytracing</a:t>
-            </a:r>
-            <a:r>
-              <a:rPr lang="de-DE" dirty="0"/>
-              <a:t> mit Spiegelung ist viel langsamer und benötigt mehrere Rekursion zum Rendern. Aus der Schnittpunkt wird ein neuer Strahl in der Richtung der Reflexion erzeugt und sucht einen weitere Schnittpunkt. Die Reflexion Diese Method läuft rekursiv. </a:t>
-            </a:r>
-            <a:r>
-              <a:rPr lang="de-DE" dirty="0" err="1"/>
-              <a:t>Dh</a:t>
-            </a:r>
-            <a:r>
-              <a:rPr lang="de-DE" dirty="0"/>
-              <a:t> Es rendern der Pixel wenn dies Rekursion stoppt und nehmt die letzte Schnittpunkt.  </a:t>
-            </a:r>
+              <a:t> ermöglicht auch Schatten zu rendern. Von diesem Schnittpunkt zur Lichtquelle wird auch einen Strahl erzeugt, schneidet dieser Strahl eine andere Objekt, dann liegt diese Punkt im Schatten.</a:t>
+            </a:r>
+          </a:p>
+          <a:p>
+            <a:endParaRPr lang="de-DE" dirty="0"/>
           </a:p>
         </p:txBody>
       </p:sp>
@@ -1068,7 +1150,7 @@
     </p:spTree>
     <p:extLst>
       <p:ext uri="{BB962C8B-B14F-4D97-AF65-F5344CB8AC3E}">
-        <p14:creationId xmlns:p14="http://schemas.microsoft.com/office/powerpoint/2010/main" val="1153376535"/>
+        <p14:creationId xmlns:p14="http://schemas.microsoft.com/office/powerpoint/2010/main" val="1131892046"/>
       </p:ext>
     </p:extLst>
   </p:cSld>
@@ -1122,7 +1204,75 @@
           <a:bodyPr/>
           <a:lstStyle/>
           <a:p>
-            <a:endParaRPr lang="de-DE" dirty="0"/>
+            <a:pPr marL="0" marR="0" lvl="0" indent="0" algn="l" defTabSz="914363" rtl="0" eaLnBrk="1" fontAlgn="auto" latinLnBrk="0" hangingPunct="1">
+              <a:lnSpc>
+                <a:spcPct val="100000"/>
+              </a:lnSpc>
+              <a:spcBef>
+                <a:spcPts val="0"/>
+              </a:spcBef>
+              <a:spcAft>
+                <a:spcPts val="0"/>
+              </a:spcAft>
+              <a:buClrTx/>
+              <a:buSzTx/>
+              <a:buFontTx/>
+              <a:buNone/>
+              <a:tabLst/>
+              <a:defRPr/>
+            </a:pPr>
+            <a:r>
+              <a:rPr lang="de-DE" dirty="0"/>
+              <a:t>So bisher ist </a:t>
+            </a:r>
+            <a:r>
+              <a:rPr lang="de-DE" dirty="0" err="1"/>
+              <a:t>Raytracing</a:t>
+            </a:r>
+            <a:r>
+              <a:rPr lang="de-DE" dirty="0"/>
+              <a:t> prinzipiell ähnlich wie eine andere </a:t>
+            </a:r>
+            <a:r>
+              <a:rPr lang="de-DE" dirty="0" err="1"/>
+              <a:t>Renderverfahren</a:t>
+            </a:r>
+            <a:r>
+              <a:rPr lang="de-DE" dirty="0"/>
+              <a:t> mit ähnlichem Name, </a:t>
+            </a:r>
+            <a:r>
+              <a:rPr lang="de-DE" dirty="0" err="1"/>
+              <a:t>Raycasting</a:t>
+            </a:r>
+            <a:r>
+              <a:rPr lang="de-DE" dirty="0"/>
+              <a:t>. Der Unterschied liegt auf der Grad visuelle Realismus ihres gerenderte Bilds. </a:t>
+            </a:r>
+            <a:r>
+              <a:rPr lang="de-DE" dirty="0" err="1"/>
+              <a:t>Raytracing</a:t>
+            </a:r>
+            <a:r>
+              <a:rPr lang="de-DE" dirty="0"/>
+              <a:t> kann die Lichtreflexion/ -brechung/ -streuung und auch Spiegelung berechnen und auf dem Bildebene zeigen. Aber diese Vorteil kommt mit einer Nachteil. </a:t>
+            </a:r>
+            <a:r>
+              <a:rPr lang="de-DE" dirty="0" err="1"/>
+              <a:t>Raytracing</a:t>
+            </a:r>
+            <a:r>
+              <a:rPr lang="de-DE" dirty="0"/>
+              <a:t> mit Spiegelung ist viel langsamer und benötigt mehrere Rekursion zum Rendern. Aus der Schnittpunkt wird ein neuer Strahl in der Richtung der Reflexion erzeugt und sucht einen weitere Schnittpunkt. Die Reflexion Diese Method läuft rekursiv. </a:t>
+            </a:r>
+            <a:r>
+              <a:rPr lang="de-DE" dirty="0" err="1"/>
+              <a:t>Dh</a:t>
+            </a:r>
+            <a:r>
+              <a:rPr lang="de-DE" dirty="0"/>
+              <a:t> Es rendern der Pixel wenn dies Rekursion stoppt und nehmt die letzte Schnittpunkt.  </a:t>
+            </a:r>
           </a:p>
         </p:txBody>
       </p:sp>
@@ -1143,7 +1293,7 @@
           <a:p>
             <a:fld id="{9C9590F9-2444-4B04-BB06-CCCA1671A106}" type="slidenum">
               <a:rPr lang="en-IN" smtClean="0"/>
-              <a:t>9</a:t>
+              <a:t>4</a:t>
             </a:fld>
             <a:endParaRPr lang="en-IN"/>
           </a:p>
@@ -1152,7 +1302,7 @@
     </p:spTree>
     <p:extLst>
       <p:ext uri="{BB962C8B-B14F-4D97-AF65-F5344CB8AC3E}">
-        <p14:creationId xmlns:p14="http://schemas.microsoft.com/office/powerpoint/2010/main" val="3309252394"/>
+        <p14:creationId xmlns:p14="http://schemas.microsoft.com/office/powerpoint/2010/main" val="1153376535"/>
       </p:ext>
     </p:extLst>
   </p:cSld>
@@ -1236,7 +1386,7 @@
     </p:spTree>
     <p:extLst>
       <p:ext uri="{BB962C8B-B14F-4D97-AF65-F5344CB8AC3E}">
-        <p14:creationId xmlns:p14="http://schemas.microsoft.com/office/powerpoint/2010/main" val="2767690331"/>
+        <p14:creationId xmlns:p14="http://schemas.microsoft.com/office/powerpoint/2010/main" val="3309252394"/>
       </p:ext>
     </p:extLst>
   </p:cSld>
@@ -1320,7 +1470,7 @@
     </p:spTree>
     <p:extLst>
       <p:ext uri="{BB962C8B-B14F-4D97-AF65-F5344CB8AC3E}">
-        <p14:creationId xmlns:p14="http://schemas.microsoft.com/office/powerpoint/2010/main" val="826914671"/>
+        <p14:creationId xmlns:p14="http://schemas.microsoft.com/office/powerpoint/2010/main" val="2767690331"/>
       </p:ext>
     </p:extLst>
   </p:cSld>
@@ -1404,7 +1554,7 @@
     </p:spTree>
     <p:extLst>
       <p:ext uri="{BB962C8B-B14F-4D97-AF65-F5344CB8AC3E}">
-        <p14:creationId xmlns:p14="http://schemas.microsoft.com/office/powerpoint/2010/main" val="2032586173"/>
+        <p14:creationId xmlns:p14="http://schemas.microsoft.com/office/powerpoint/2010/main" val="826914671"/>
       </p:ext>
     </p:extLst>
   </p:cSld>
@@ -1488,7 +1638,7 @@
     </p:spTree>
     <p:extLst>
       <p:ext uri="{BB962C8B-B14F-4D97-AF65-F5344CB8AC3E}">
-        <p14:creationId xmlns:p14="http://schemas.microsoft.com/office/powerpoint/2010/main" val="2090935822"/>
+        <p14:creationId xmlns:p14="http://schemas.microsoft.com/office/powerpoint/2010/main" val="2032586173"/>
       </p:ext>
     </p:extLst>
   </p:cSld>
@@ -1572,7 +1722,7 @@
     </p:spTree>
     <p:extLst>
       <p:ext uri="{BB962C8B-B14F-4D97-AF65-F5344CB8AC3E}">
-        <p14:creationId xmlns:p14="http://schemas.microsoft.com/office/powerpoint/2010/main" val="544065286"/>
+        <p14:creationId xmlns:p14="http://schemas.microsoft.com/office/powerpoint/2010/main" val="2090935822"/>
       </p:ext>
     </p:extLst>
   </p:cSld>
@@ -6106,17 +6256,54 @@
           <a:p>
             <a:r>
               <a:rPr lang="de-DE" sz="2800" dirty="0"/>
-              <a:t>Transformation </a:t>
+              <a:t>Transformation</a:t>
+            </a:r>
+          </a:p>
+        </p:txBody>
+      </p:sp>
+      <p:sp>
+        <p:nvSpPr>
+          <p:cNvPr id="8" name="TextBox 7"/>
+          <p:cNvSpPr txBox="1"/>
+          <p:nvPr/>
+        </p:nvSpPr>
+        <p:spPr>
+          <a:xfrm>
+            <a:off x="401470" y="1799970"/>
+            <a:ext cx="11389060" cy="369332"/>
+          </a:xfrm>
+          <a:prstGeom prst="rect">
+            <a:avLst/>
+          </a:prstGeom>
+          <a:noFill/>
+        </p:spPr>
+        <p:txBody>
+          <a:bodyPr wrap="square" rtlCol="0">
+            <a:spAutoFit/>
+          </a:bodyPr>
+          <a:lstStyle/>
+          <a:p>
+            <a:r>
+              <a:rPr lang="de-DE" dirty="0"/>
+              <a:t>Erfolgt durch </a:t>
+            </a:r>
+            <a:r>
+              <a:rPr lang="de-DE" dirty="0" err="1"/>
+              <a:t>Matrixmultiplication</a:t>
+            </a:r>
+            <a:r>
+              <a:rPr lang="de-DE" dirty="0"/>
+              <a:t>. Besteht aus 3 Arten: Translation, Rotation und Skalierung. </a:t>
             </a:r>
           </a:p>
         </p:txBody>
       </p:sp>
       <p:pic>
         <p:nvPicPr>
-          <p:cNvPr id="14" name="Grafik 13">
-            <a:extLst>
-              <a:ext uri="{FF2B5EF4-FFF2-40B4-BE49-F238E27FC236}">
-                <a16:creationId xmlns:a16="http://schemas.microsoft.com/office/drawing/2014/main" id="{30070DF8-EFCF-4015-A828-CC61A45D2F76}"/>
+          <p:cNvPr id="10" name="Grafik 9">
+            <a:extLst>
+              <a:ext uri="{FF2B5EF4-FFF2-40B4-BE49-F238E27FC236}">
+                <a16:creationId xmlns:a16="http://schemas.microsoft.com/office/drawing/2014/main" id="{6D241597-0D5E-4681-A6FD-E5ADD6FBD969}"/>
               </a:ext>
             </a:extLst>
           </p:cNvPr>
@@ -6139,8 +6326,8 @@
         </p:blipFill>
         <p:spPr>
           <a:xfrm>
-            <a:off x="8726680" y="1693683"/>
-            <a:ext cx="2857500" cy="2857500"/>
+            <a:off x="432959" y="2607750"/>
+            <a:ext cx="1552792" cy="1524213"/>
           </a:xfrm>
           <a:prstGeom prst="rect">
             <a:avLst/>
@@ -6149,10 +6336,10 @@
       </p:pic>
       <p:pic>
         <p:nvPicPr>
-          <p:cNvPr id="16" name="Grafik 15">
-            <a:extLst>
-              <a:ext uri="{FF2B5EF4-FFF2-40B4-BE49-F238E27FC236}">
-                <a16:creationId xmlns:a16="http://schemas.microsoft.com/office/drawing/2014/main" id="{7B3E85BF-5263-4DF3-85A9-188892BAEAFC}"/>
+          <p:cNvPr id="12" name="Grafik 11">
+            <a:extLst>
+              <a:ext uri="{FF2B5EF4-FFF2-40B4-BE49-F238E27FC236}">
+                <a16:creationId xmlns:a16="http://schemas.microsoft.com/office/drawing/2014/main" id="{DB60B5E5-2178-4D4C-9E90-8EF09C098204}"/>
               </a:ext>
             </a:extLst>
           </p:cNvPr>
@@ -6175,8 +6362,8 @@
         </p:blipFill>
         <p:spPr>
           <a:xfrm>
-            <a:off x="401470" y="5074139"/>
-            <a:ext cx="7240010" cy="704948"/>
+            <a:off x="2345590" y="2585807"/>
+            <a:ext cx="1600423" cy="1552792"/>
           </a:xfrm>
           <a:prstGeom prst="rect">
             <a:avLst/>
@@ -6185,10 +6372,10 @@
       </p:pic>
       <p:sp>
         <p:nvSpPr>
-          <p:cNvPr id="18" name="Textfeld 17">
-            <a:extLst>
-              <a:ext uri="{FF2B5EF4-FFF2-40B4-BE49-F238E27FC236}">
-                <a16:creationId xmlns:a16="http://schemas.microsoft.com/office/drawing/2014/main" id="{B876B811-5ABD-4E20-9CB1-12A5781F5738}"/>
+          <p:cNvPr id="17" name="Textfeld 16">
+            <a:extLst>
+              <a:ext uri="{FF2B5EF4-FFF2-40B4-BE49-F238E27FC236}">
+                <a16:creationId xmlns:a16="http://schemas.microsoft.com/office/drawing/2014/main" id="{4E12FCC4-6251-47D5-9F5F-78CC6484915A}"/>
               </a:ext>
             </a:extLst>
           </p:cNvPr>
@@ -6197,8 +6384,8 @@
         </p:nvSpPr>
         <p:spPr>
           <a:xfrm>
-            <a:off x="8726680" y="1324351"/>
-            <a:ext cx="2646812" cy="369332"/>
+            <a:off x="516764" y="2206164"/>
+            <a:ext cx="1468987" cy="369332"/>
           </a:xfrm>
           <a:prstGeom prst="rect">
             <a:avLst/>
@@ -6213,17 +6400,122 @@
           <a:p>
             <a:r>
               <a:rPr lang="de-DE" dirty="0"/>
-              <a:t>Fehler!</a:t>
+              <a:t>Translation</a:t>
+            </a:r>
+          </a:p>
+        </p:txBody>
+      </p:sp>
+      <p:sp>
+        <p:nvSpPr>
+          <p:cNvPr id="20" name="Textfeld 19">
+            <a:extLst>
+              <a:ext uri="{FF2B5EF4-FFF2-40B4-BE49-F238E27FC236}">
+                <a16:creationId xmlns:a16="http://schemas.microsoft.com/office/drawing/2014/main" id="{295BCA8A-DAA5-46FD-BDA6-337C33BCFDC7}"/>
+              </a:ext>
+            </a:extLst>
+          </p:cNvPr>
+          <p:cNvSpPr txBox="1"/>
+          <p:nvPr/>
+        </p:nvSpPr>
+        <p:spPr>
+          <a:xfrm>
+            <a:off x="2411309" y="2221471"/>
+            <a:ext cx="1468987" cy="369332"/>
+          </a:xfrm>
+          <a:prstGeom prst="rect">
+            <a:avLst/>
+          </a:prstGeom>
+          <a:noFill/>
+        </p:spPr>
+        <p:txBody>
+          <a:bodyPr wrap="square" rtlCol="0">
+            <a:spAutoFit/>
+          </a:bodyPr>
+          <a:lstStyle/>
+          <a:p>
+            <a:r>
+              <a:rPr lang="de-DE" dirty="0"/>
+              <a:t>Skalierung</a:t>
             </a:r>
           </a:p>
         </p:txBody>
       </p:sp>
       <p:pic>
         <p:nvPicPr>
-          <p:cNvPr id="23" name="Grafik 22">
-            <a:extLst>
-              <a:ext uri="{FF2B5EF4-FFF2-40B4-BE49-F238E27FC236}">
-                <a16:creationId xmlns:a16="http://schemas.microsoft.com/office/drawing/2014/main" id="{1B86C143-8F14-4123-874B-C18126AAB778}"/>
+          <p:cNvPr id="24" name="Grafik 23">
+            <a:extLst>
+              <a:ext uri="{FF2B5EF4-FFF2-40B4-BE49-F238E27FC236}">
+                <a16:creationId xmlns:a16="http://schemas.microsoft.com/office/drawing/2014/main" id="{87626871-2EC6-46B7-B66F-F1FA1B5646BD}"/>
+              </a:ext>
+            </a:extLst>
+          </p:cNvPr>
+          <p:cNvPicPr>
+            <a:picLocks noChangeAspect="1"/>
+          </p:cNvPicPr>
+          <p:nvPr/>
+        </p:nvPicPr>
+        <p:blipFill rotWithShape="1">
+          <a:blip r:embed="rId5">
+            <a:extLst>
+              <a:ext uri="{28A0092B-C50C-407E-A947-70E740481C1C}">
+                <a14:useLocalDpi xmlns:a14="http://schemas.microsoft.com/office/drawing/2010/main" val="0"/>
+              </a:ext>
+            </a:extLst>
+          </a:blip>
+          <a:srcRect l="49476" t="18769" r="20742" b="54758"/>
+          <a:stretch/>
+        </p:blipFill>
+        <p:spPr>
+          <a:xfrm>
+            <a:off x="8540337" y="2919397"/>
+            <a:ext cx="2006908" cy="1337938"/>
+          </a:xfrm>
+          <a:prstGeom prst="rect">
+            <a:avLst/>
+          </a:prstGeom>
+        </p:spPr>
+      </p:pic>
+      <p:pic>
+        <p:nvPicPr>
+          <p:cNvPr id="26" name="Grafik 25">
+            <a:extLst>
+              <a:ext uri="{FF2B5EF4-FFF2-40B4-BE49-F238E27FC236}">
+                <a16:creationId xmlns:a16="http://schemas.microsoft.com/office/drawing/2014/main" id="{F68704CB-1B7E-40F6-AB58-9274307ABD5F}"/>
+              </a:ext>
+            </a:extLst>
+          </p:cNvPr>
+          <p:cNvPicPr>
+            <a:picLocks noChangeAspect="1"/>
+          </p:cNvPicPr>
+          <p:nvPr/>
+        </p:nvPicPr>
+        <p:blipFill rotWithShape="1">
+          <a:blip r:embed="rId5">
+            <a:extLst>
+              <a:ext uri="{28A0092B-C50C-407E-A947-70E740481C1C}">
+                <a14:useLocalDpi xmlns:a14="http://schemas.microsoft.com/office/drawing/2010/main" val="0"/>
+              </a:ext>
+            </a:extLst>
+          </a:blip>
+          <a:srcRect l="50000" t="46426" r="21157" b="27935"/>
+          <a:stretch/>
+        </p:blipFill>
+        <p:spPr>
+          <a:xfrm>
+            <a:off x="6302082" y="2923599"/>
+            <a:ext cx="1943907" cy="1295978"/>
+          </a:xfrm>
+          <a:prstGeom prst="rect">
+            <a:avLst/>
+          </a:prstGeom>
+        </p:spPr>
+      </p:pic>
+      <p:pic>
+        <p:nvPicPr>
+          <p:cNvPr id="30" name="Grafik 29">
+            <a:extLst>
+              <a:ext uri="{FF2B5EF4-FFF2-40B4-BE49-F238E27FC236}">
+                <a16:creationId xmlns:a16="http://schemas.microsoft.com/office/drawing/2014/main" id="{8364FC87-9017-455D-AB68-8BD6862B3AA6}"/>
               </a:ext>
             </a:extLst>
           </p:cNvPr>
@@ -6233,7 +6525,7 @@
           <p:nvPr/>
         </p:nvPicPr>
         <p:blipFill>
-          <a:blip r:embed="rId5">
+          <a:blip r:embed="rId6">
             <a:extLst>
               <a:ext uri="{28A0092B-C50C-407E-A947-70E740481C1C}">
                 <a14:useLocalDpi xmlns:a14="http://schemas.microsoft.com/office/drawing/2010/main" val="0"/>
@@ -6246,20 +6538,232 @@
         </p:blipFill>
         <p:spPr>
           <a:xfrm>
-            <a:off x="401470" y="2161756"/>
-            <a:ext cx="7792537" cy="1762371"/>
+            <a:off x="4183612" y="2951317"/>
+            <a:ext cx="1824122" cy="1221045"/>
           </a:xfrm>
           <a:prstGeom prst="rect">
             <a:avLst/>
           </a:prstGeom>
         </p:spPr>
       </p:pic>
+      <p:sp>
+        <p:nvSpPr>
+          <p:cNvPr id="31" name="Textfeld 30">
+            <a:extLst>
+              <a:ext uri="{FF2B5EF4-FFF2-40B4-BE49-F238E27FC236}">
+                <a16:creationId xmlns:a16="http://schemas.microsoft.com/office/drawing/2014/main" id="{FA3A8E9E-14D4-4998-AE0E-62167A82F5E9}"/>
+              </a:ext>
+            </a:extLst>
+          </p:cNvPr>
+          <p:cNvSpPr txBox="1"/>
+          <p:nvPr/>
+        </p:nvSpPr>
+        <p:spPr>
+          <a:xfrm>
+            <a:off x="4183612" y="2216861"/>
+            <a:ext cx="1243930" cy="369332"/>
+          </a:xfrm>
+          <a:prstGeom prst="rect">
+            <a:avLst/>
+          </a:prstGeom>
+          <a:noFill/>
+        </p:spPr>
+        <p:txBody>
+          <a:bodyPr wrap="none" rtlCol="0">
+            <a:spAutoFit/>
+          </a:bodyPr>
+          <a:lstStyle/>
+          <a:p>
+            <a:r>
+              <a:rPr lang="de-DE" dirty="0"/>
+              <a:t>Drehmatrix</a:t>
+            </a:r>
+          </a:p>
+        </p:txBody>
+      </p:sp>
+      <p:sp>
+        <p:nvSpPr>
+          <p:cNvPr id="32" name="Textfeld 31">
+            <a:extLst>
+              <a:ext uri="{FF2B5EF4-FFF2-40B4-BE49-F238E27FC236}">
+                <a16:creationId xmlns:a16="http://schemas.microsoft.com/office/drawing/2014/main" id="{39BB9B0D-25F5-4E5A-9037-F575FB6EE128}"/>
+              </a:ext>
+            </a:extLst>
+          </p:cNvPr>
+          <p:cNvSpPr txBox="1"/>
+          <p:nvPr/>
+        </p:nvSpPr>
+        <p:spPr>
+          <a:xfrm>
+            <a:off x="4249329" y="2539800"/>
+            <a:ext cx="896399" cy="369332"/>
+          </a:xfrm>
+          <a:prstGeom prst="rect">
+            <a:avLst/>
+          </a:prstGeom>
+          <a:noFill/>
+        </p:spPr>
+        <p:txBody>
+          <a:bodyPr wrap="none" rtlCol="0">
+            <a:spAutoFit/>
+          </a:bodyPr>
+          <a:lstStyle/>
+          <a:p>
+            <a:r>
+              <a:rPr lang="de-DE" dirty="0"/>
+              <a:t>X -Ache</a:t>
+            </a:r>
+          </a:p>
+        </p:txBody>
+      </p:sp>
+      <p:sp>
+        <p:nvSpPr>
+          <p:cNvPr id="33" name="Textfeld 32">
+            <a:extLst>
+              <a:ext uri="{FF2B5EF4-FFF2-40B4-BE49-F238E27FC236}">
+                <a16:creationId xmlns:a16="http://schemas.microsoft.com/office/drawing/2014/main" id="{E38B3C6C-B824-4629-BFE7-8FF4FE673B26}"/>
+              </a:ext>
+            </a:extLst>
+          </p:cNvPr>
+          <p:cNvSpPr txBox="1"/>
+          <p:nvPr/>
+        </p:nvSpPr>
+        <p:spPr>
+          <a:xfrm>
+            <a:off x="6302082" y="2540098"/>
+            <a:ext cx="888385" cy="369332"/>
+          </a:xfrm>
+          <a:prstGeom prst="rect">
+            <a:avLst/>
+          </a:prstGeom>
+          <a:noFill/>
+        </p:spPr>
+        <p:txBody>
+          <a:bodyPr wrap="none" rtlCol="0">
+            <a:spAutoFit/>
+          </a:bodyPr>
+          <a:lstStyle/>
+          <a:p>
+            <a:r>
+              <a:rPr lang="de-DE" dirty="0"/>
+              <a:t>Y -Ache</a:t>
+            </a:r>
+          </a:p>
+        </p:txBody>
+      </p:sp>
+      <p:sp>
+        <p:nvSpPr>
+          <p:cNvPr id="34" name="Textfeld 33">
+            <a:extLst>
+              <a:ext uri="{FF2B5EF4-FFF2-40B4-BE49-F238E27FC236}">
+                <a16:creationId xmlns:a16="http://schemas.microsoft.com/office/drawing/2014/main" id="{98000A08-627D-4C74-9B83-456248FF213E}"/>
+              </a:ext>
+            </a:extLst>
+          </p:cNvPr>
+          <p:cNvSpPr txBox="1"/>
+          <p:nvPr/>
+        </p:nvSpPr>
+        <p:spPr>
+          <a:xfrm>
+            <a:off x="8660216" y="2522013"/>
+            <a:ext cx="883575" cy="369332"/>
+          </a:xfrm>
+          <a:prstGeom prst="rect">
+            <a:avLst/>
+          </a:prstGeom>
+          <a:noFill/>
+        </p:spPr>
+        <p:txBody>
+          <a:bodyPr wrap="none" rtlCol="0">
+            <a:spAutoFit/>
+          </a:bodyPr>
+          <a:lstStyle/>
+          <a:p>
+            <a:r>
+              <a:rPr lang="de-DE" dirty="0"/>
+              <a:t>Z -Ache</a:t>
+            </a:r>
+          </a:p>
+        </p:txBody>
+      </p:sp>
       <p:pic>
         <p:nvPicPr>
-          <p:cNvPr id="28" name="Grafik 27">
-            <a:extLst>
-              <a:ext uri="{FF2B5EF4-FFF2-40B4-BE49-F238E27FC236}">
-                <a16:creationId xmlns:a16="http://schemas.microsoft.com/office/drawing/2014/main" id="{01633D3A-3FB7-42F0-9526-F79359EB0224}"/>
+          <p:cNvPr id="36" name="Grafik 35">
+            <a:extLst>
+              <a:ext uri="{FF2B5EF4-FFF2-40B4-BE49-F238E27FC236}">
+                <a16:creationId xmlns:a16="http://schemas.microsoft.com/office/drawing/2014/main" id="{ED4CBBD4-35AE-48C6-90A9-7A5209C4F5AD}"/>
+              </a:ext>
+            </a:extLst>
+          </p:cNvPr>
+          <p:cNvPicPr>
+            <a:picLocks noChangeAspect="1"/>
+          </p:cNvPicPr>
+          <p:nvPr/>
+        </p:nvPicPr>
+        <p:blipFill>
+          <a:blip r:embed="rId7">
+            <a:extLst>
+              <a:ext uri="{28A0092B-C50C-407E-A947-70E740481C1C}">
+                <a14:useLocalDpi xmlns:a14="http://schemas.microsoft.com/office/drawing/2010/main" val="0"/>
+              </a:ext>
+            </a:extLst>
+          </a:blip>
+          <a:stretch>
+            <a:fillRect/>
+          </a:stretch>
+        </p:blipFill>
+        <p:spPr>
+          <a:xfrm>
+            <a:off x="486990" y="4515060"/>
+            <a:ext cx="3848637" cy="438211"/>
+          </a:xfrm>
+          <a:prstGeom prst="rect">
+            <a:avLst/>
+          </a:prstGeom>
+        </p:spPr>
+      </p:pic>
+      <p:pic>
+        <p:nvPicPr>
+          <p:cNvPr id="38" name="Grafik 37">
+            <a:extLst>
+              <a:ext uri="{FF2B5EF4-FFF2-40B4-BE49-F238E27FC236}">
+                <a16:creationId xmlns:a16="http://schemas.microsoft.com/office/drawing/2014/main" id="{9D4F19DF-1F98-467F-A328-C3E4B874C72A}"/>
+              </a:ext>
+            </a:extLst>
+          </p:cNvPr>
+          <p:cNvPicPr>
+            <a:picLocks noChangeAspect="1"/>
+          </p:cNvPicPr>
+          <p:nvPr/>
+        </p:nvPicPr>
+        <p:blipFill>
+          <a:blip r:embed="rId8">
+            <a:extLst>
+              <a:ext uri="{28A0092B-C50C-407E-A947-70E740481C1C}">
+                <a14:useLocalDpi xmlns:a14="http://schemas.microsoft.com/office/drawing/2010/main" val="0"/>
+              </a:ext>
+            </a:extLst>
+          </a:blip>
+          <a:stretch>
+            <a:fillRect/>
+          </a:stretch>
+        </p:blipFill>
+        <p:spPr>
+          <a:xfrm>
+            <a:off x="487930" y="5042698"/>
+            <a:ext cx="2505425" cy="342948"/>
+          </a:xfrm>
+          <a:prstGeom prst="rect">
+            <a:avLst/>
+          </a:prstGeom>
+        </p:spPr>
+      </p:pic>
+      <p:pic>
+        <p:nvPicPr>
+          <p:cNvPr id="40" name="Grafik 39">
+            <a:extLst>
+              <a:ext uri="{FF2B5EF4-FFF2-40B4-BE49-F238E27FC236}">
+                <a16:creationId xmlns:a16="http://schemas.microsoft.com/office/drawing/2014/main" id="{4F60236F-67E4-42E8-8E66-33B95BF9664C}"/>
               </a:ext>
             </a:extLst>
           </p:cNvPr>
@@ -6269,105 +6773,30 @@
           <p:nvPr/>
         </p:nvPicPr>
         <p:blipFill rotWithShape="1">
-          <a:blip r:embed="rId6">
+          <a:blip r:embed="rId9">
             <a:extLst>
               <a:ext uri="{28A0092B-C50C-407E-A947-70E740481C1C}">
                 <a14:useLocalDpi xmlns:a14="http://schemas.microsoft.com/office/drawing/2010/main" val="0"/>
               </a:ext>
             </a:extLst>
           </a:blip>
-          <a:srcRect r="23342" b="79544"/>
+          <a:srcRect t="22659" b="31093"/>
           <a:stretch/>
         </p:blipFill>
         <p:spPr>
           <a:xfrm>
-            <a:off x="397128" y="4032798"/>
-            <a:ext cx="7602099" cy="241635"/>
+            <a:off x="486990" y="5306056"/>
+            <a:ext cx="5401429" cy="202662"/>
           </a:xfrm>
           <a:prstGeom prst="rect">
             <a:avLst/>
           </a:prstGeom>
         </p:spPr>
       </p:pic>
-      <p:sp>
-        <p:nvSpPr>
-          <p:cNvPr id="29" name="Textfeld 28">
-            <a:extLst>
-              <a:ext uri="{FF2B5EF4-FFF2-40B4-BE49-F238E27FC236}">
-                <a16:creationId xmlns:a16="http://schemas.microsoft.com/office/drawing/2014/main" id="{26DBC978-DA98-49EE-947B-DFABC2995D06}"/>
-              </a:ext>
-            </a:extLst>
-          </p:cNvPr>
-          <p:cNvSpPr txBox="1"/>
-          <p:nvPr/>
-        </p:nvSpPr>
-        <p:spPr>
-          <a:xfrm>
-            <a:off x="342333" y="1745486"/>
-            <a:ext cx="1120820" cy="369332"/>
-          </a:xfrm>
-          <a:prstGeom prst="rect">
-            <a:avLst/>
-          </a:prstGeom>
-          <a:noFill/>
-        </p:spPr>
-        <p:txBody>
-          <a:bodyPr wrap="none" rtlCol="0">
-            <a:spAutoFit/>
-          </a:bodyPr>
-          <a:lstStyle/>
-          <a:p>
-            <a:r>
-              <a:rPr lang="de-DE" dirty="0"/>
-              <a:t>Für Shape</a:t>
-            </a:r>
-          </a:p>
-        </p:txBody>
-      </p:sp>
-      <p:sp>
-        <p:nvSpPr>
-          <p:cNvPr id="39" name="Textfeld 38">
-            <a:extLst>
-              <a:ext uri="{FF2B5EF4-FFF2-40B4-BE49-F238E27FC236}">
-                <a16:creationId xmlns:a16="http://schemas.microsoft.com/office/drawing/2014/main" id="{A76B2EDC-7430-4925-83E0-432D71121C96}"/>
-              </a:ext>
-            </a:extLst>
-          </p:cNvPr>
-          <p:cNvSpPr txBox="1"/>
-          <p:nvPr/>
-        </p:nvSpPr>
-        <p:spPr>
-          <a:xfrm>
-            <a:off x="342333" y="4704807"/>
-            <a:ext cx="1265155" cy="369332"/>
-          </a:xfrm>
-          <a:prstGeom prst="rect">
-            <a:avLst/>
-          </a:prstGeom>
-          <a:noFill/>
-        </p:spPr>
-        <p:txBody>
-          <a:bodyPr wrap="none" rtlCol="0">
-            <a:spAutoFit/>
-          </a:bodyPr>
-          <a:lstStyle/>
-          <a:p>
-            <a:r>
-              <a:rPr lang="de-DE" dirty="0"/>
-              <a:t>Für </a:t>
-            </a:r>
-            <a:r>
-              <a:rPr lang="de-DE" dirty="0" err="1"/>
-              <a:t>Camera</a:t>
-            </a:r>
-            <a:endParaRPr lang="de-DE" dirty="0"/>
-          </a:p>
-        </p:txBody>
-      </p:sp>
     </p:spTree>
     <p:extLst>
       <p:ext uri="{BB962C8B-B14F-4D97-AF65-F5344CB8AC3E}">
-        <p14:creationId xmlns:p14="http://schemas.microsoft.com/office/powerpoint/2010/main" val="1937562440"/>
+        <p14:creationId xmlns:p14="http://schemas.microsoft.com/office/powerpoint/2010/main" val="1294827138"/>
       </p:ext>
     </p:extLst>
   </p:cSld>
@@ -6394,42 +6823,6 @@
           <a:chExt cx="0" cy="0"/>
         </a:xfrm>
       </p:grpSpPr>
-      <p:pic>
-        <p:nvPicPr>
-          <p:cNvPr id="22" name="Grafik 21">
-            <a:extLst>
-              <a:ext uri="{FF2B5EF4-FFF2-40B4-BE49-F238E27FC236}">
-                <a16:creationId xmlns:a16="http://schemas.microsoft.com/office/drawing/2014/main" id="{E7A12F0A-3879-4BE1-ACBD-89901B1FC531}"/>
-              </a:ext>
-            </a:extLst>
-          </p:cNvPr>
-          <p:cNvPicPr>
-            <a:picLocks noChangeAspect="1"/>
-          </p:cNvPicPr>
-          <p:nvPr/>
-        </p:nvPicPr>
-        <p:blipFill>
-          <a:blip r:embed="rId3">
-            <a:extLst>
-              <a:ext uri="{28A0092B-C50C-407E-A947-70E740481C1C}">
-                <a14:useLocalDpi xmlns:a14="http://schemas.microsoft.com/office/drawing/2010/main" val="0"/>
-              </a:ext>
-            </a:extLst>
-          </a:blip>
-          <a:stretch>
-            <a:fillRect/>
-          </a:stretch>
-        </p:blipFill>
-        <p:spPr>
-          <a:xfrm>
-            <a:off x="8726680" y="1701643"/>
-            <a:ext cx="2857500" cy="2857500"/>
-          </a:xfrm>
-          <a:prstGeom prst="rect">
-            <a:avLst/>
-          </a:prstGeom>
-        </p:spPr>
-      </p:pic>
       <p:sp>
         <p:nvSpPr>
           <p:cNvPr id="2" name="Date Placeholder 2">
@@ -6982,88 +7375,48 @@
           </a:p>
         </p:txBody>
       </p:sp>
-      <p:sp>
-        <p:nvSpPr>
-          <p:cNvPr id="18" name="Textfeld 17">
-            <a:extLst>
-              <a:ext uri="{FF2B5EF4-FFF2-40B4-BE49-F238E27FC236}">
-                <a16:creationId xmlns:a16="http://schemas.microsoft.com/office/drawing/2014/main" id="{B876B811-5ABD-4E20-9CB1-12A5781F5738}"/>
-              </a:ext>
-            </a:extLst>
-          </p:cNvPr>
-          <p:cNvSpPr txBox="1"/>
+      <p:pic>
+        <p:nvPicPr>
+          <p:cNvPr id="14" name="Grafik 13">
+            <a:extLst>
+              <a:ext uri="{FF2B5EF4-FFF2-40B4-BE49-F238E27FC236}">
+                <a16:creationId xmlns:a16="http://schemas.microsoft.com/office/drawing/2014/main" id="{30070DF8-EFCF-4015-A828-CC61A45D2F76}"/>
+              </a:ext>
+            </a:extLst>
+          </p:cNvPr>
+          <p:cNvPicPr>
+            <a:picLocks noChangeAspect="1"/>
+          </p:cNvPicPr>
           <p:nvPr/>
-        </p:nvSpPr>
-        <p:spPr>
-          <a:xfrm>
-            <a:off x="8726680" y="1324351"/>
-            <a:ext cx="2646812" cy="369332"/>
+        </p:nvPicPr>
+        <p:blipFill>
+          <a:blip r:embed="rId3">
+            <a:extLst>
+              <a:ext uri="{28A0092B-C50C-407E-A947-70E740481C1C}">
+                <a14:useLocalDpi xmlns:a14="http://schemas.microsoft.com/office/drawing/2010/main" val="0"/>
+              </a:ext>
+            </a:extLst>
+          </a:blip>
+          <a:stretch>
+            <a:fillRect/>
+          </a:stretch>
+        </p:blipFill>
+        <p:spPr>
+          <a:xfrm>
+            <a:off x="8726680" y="1693683"/>
+            <a:ext cx="2857500" cy="2857500"/>
           </a:xfrm>
           <a:prstGeom prst="rect">
             <a:avLst/>
           </a:prstGeom>
-          <a:noFill/>
-        </p:spPr>
-        <p:txBody>
-          <a:bodyPr wrap="square" rtlCol="0">
-            <a:spAutoFit/>
-          </a:bodyPr>
-          <a:lstStyle/>
-          <a:p>
-            <a:r>
-              <a:rPr lang="de-DE" dirty="0"/>
-              <a:t>Fehler!</a:t>
-            </a:r>
-          </a:p>
-        </p:txBody>
-      </p:sp>
-      <p:sp>
-        <p:nvSpPr>
-          <p:cNvPr id="8" name="Textfeld 7">
-            <a:extLst>
-              <a:ext uri="{FF2B5EF4-FFF2-40B4-BE49-F238E27FC236}">
-                <a16:creationId xmlns:a16="http://schemas.microsoft.com/office/drawing/2014/main" id="{BD9D6613-68FA-4599-9D1C-E43BCCB5BB8E}"/>
-              </a:ext>
-            </a:extLst>
-          </p:cNvPr>
-          <p:cNvSpPr txBox="1"/>
-          <p:nvPr/>
-        </p:nvSpPr>
-        <p:spPr>
-          <a:xfrm>
-            <a:off x="472905" y="1635168"/>
-            <a:ext cx="6513816" cy="923330"/>
-          </a:xfrm>
-          <a:prstGeom prst="rect">
-            <a:avLst/>
-          </a:prstGeom>
-          <a:noFill/>
-        </p:spPr>
-        <p:txBody>
-          <a:bodyPr wrap="square" rtlCol="0">
-            <a:spAutoFit/>
-          </a:bodyPr>
-          <a:lstStyle/>
-          <a:p>
-            <a:r>
-              <a:rPr lang="de-DE" dirty="0"/>
-              <a:t>Lösung 1:</a:t>
-            </a:r>
-          </a:p>
-          <a:p>
-            <a:r>
-              <a:rPr lang="de-DE" dirty="0"/>
-              <a:t>Statt selbst implementierten Skalierung, Rotation und Translation, nutzen wir von GLM gegebenen Funktion. </a:t>
-            </a:r>
-          </a:p>
-        </p:txBody>
-      </p:sp>
+        </p:spPr>
+      </p:pic>
       <p:pic>
         <p:nvPicPr>
-          <p:cNvPr id="10" name="Grafik 9">
-            <a:extLst>
-              <a:ext uri="{FF2B5EF4-FFF2-40B4-BE49-F238E27FC236}">
-                <a16:creationId xmlns:a16="http://schemas.microsoft.com/office/drawing/2014/main" id="{7C1DF412-F438-4913-BD7E-78DB51915227}"/>
+          <p:cNvPr id="16" name="Grafik 15">
+            <a:extLst>
+              <a:ext uri="{FF2B5EF4-FFF2-40B4-BE49-F238E27FC236}">
+                <a16:creationId xmlns:a16="http://schemas.microsoft.com/office/drawing/2014/main" id="{7B3E85BF-5263-4DF3-85A9-188892BAEAFC}"/>
               </a:ext>
             </a:extLst>
           </p:cNvPr>
@@ -7086,20 +7439,55 @@
         </p:blipFill>
         <p:spPr>
           <a:xfrm>
-            <a:off x="556449" y="3176779"/>
-            <a:ext cx="6430272" cy="352474"/>
+            <a:off x="401470" y="5074139"/>
+            <a:ext cx="7240010" cy="704948"/>
           </a:xfrm>
           <a:prstGeom prst="rect">
             <a:avLst/>
           </a:prstGeom>
         </p:spPr>
       </p:pic>
+      <p:sp>
+        <p:nvSpPr>
+          <p:cNvPr id="18" name="Textfeld 17">
+            <a:extLst>
+              <a:ext uri="{FF2B5EF4-FFF2-40B4-BE49-F238E27FC236}">
+                <a16:creationId xmlns:a16="http://schemas.microsoft.com/office/drawing/2014/main" id="{B876B811-5ABD-4E20-9CB1-12A5781F5738}"/>
+              </a:ext>
+            </a:extLst>
+          </p:cNvPr>
+          <p:cNvSpPr txBox="1"/>
+          <p:nvPr/>
+        </p:nvSpPr>
+        <p:spPr>
+          <a:xfrm>
+            <a:off x="8726680" y="1324351"/>
+            <a:ext cx="2646812" cy="369332"/>
+          </a:xfrm>
+          <a:prstGeom prst="rect">
+            <a:avLst/>
+          </a:prstGeom>
+          <a:noFill/>
+        </p:spPr>
+        <p:txBody>
+          <a:bodyPr wrap="square" rtlCol="0">
+            <a:spAutoFit/>
+          </a:bodyPr>
+          <a:lstStyle/>
+          <a:p>
+            <a:r>
+              <a:rPr lang="de-DE" dirty="0"/>
+              <a:t>Fehler!</a:t>
+            </a:r>
+          </a:p>
+        </p:txBody>
+      </p:sp>
       <p:pic>
         <p:nvPicPr>
-          <p:cNvPr id="12" name="Grafik 11">
-            <a:extLst>
-              <a:ext uri="{FF2B5EF4-FFF2-40B4-BE49-F238E27FC236}">
-                <a16:creationId xmlns:a16="http://schemas.microsoft.com/office/drawing/2014/main" id="{1853E116-1907-4CEC-BF91-6A2DE4EDD24E}"/>
+          <p:cNvPr id="23" name="Grafik 22">
+            <a:extLst>
+              <a:ext uri="{FF2B5EF4-FFF2-40B4-BE49-F238E27FC236}">
+                <a16:creationId xmlns:a16="http://schemas.microsoft.com/office/drawing/2014/main" id="{1B86C143-8F14-4123-874B-C18126AAB778}"/>
               </a:ext>
             </a:extLst>
           </p:cNvPr>
@@ -7122,8 +7510,8 @@
         </p:blipFill>
         <p:spPr>
           <a:xfrm>
-            <a:off x="556449" y="2897331"/>
-            <a:ext cx="4887007" cy="333422"/>
+            <a:off x="401470" y="2161756"/>
+            <a:ext cx="7792537" cy="1762371"/>
           </a:xfrm>
           <a:prstGeom prst="rect">
             <a:avLst/>
@@ -7132,10 +7520,10 @@
       </p:pic>
       <p:pic>
         <p:nvPicPr>
-          <p:cNvPr id="15" name="Grafik 14">
-            <a:extLst>
-              <a:ext uri="{FF2B5EF4-FFF2-40B4-BE49-F238E27FC236}">
-                <a16:creationId xmlns:a16="http://schemas.microsoft.com/office/drawing/2014/main" id="{92CA5C78-9D5D-46F6-BA91-B793858B1D8F}"/>
+          <p:cNvPr id="28" name="Grafik 27">
+            <a:extLst>
+              <a:ext uri="{FF2B5EF4-FFF2-40B4-BE49-F238E27FC236}">
+                <a16:creationId xmlns:a16="http://schemas.microsoft.com/office/drawing/2014/main" id="{01633D3A-3FB7-42F0-9526-F79359EB0224}"/>
               </a:ext>
             </a:extLst>
           </p:cNvPr>
@@ -7144,7 +7532,7 @@
           </p:cNvPicPr>
           <p:nvPr/>
         </p:nvPicPr>
-        <p:blipFill>
+        <p:blipFill rotWithShape="1">
           <a:blip r:embed="rId6">
             <a:extLst>
               <a:ext uri="{28A0092B-C50C-407E-A947-70E740481C1C}">
@@ -7152,14 +7540,13 @@
               </a:ext>
             </a:extLst>
           </a:blip>
-          <a:stretch>
-            <a:fillRect/>
-          </a:stretch>
+          <a:srcRect r="23342" b="79544"/>
+          <a:stretch/>
         </p:blipFill>
         <p:spPr>
           <a:xfrm>
-            <a:off x="556449" y="2598831"/>
-            <a:ext cx="5744377" cy="323895"/>
+            <a:off x="397128" y="4032798"/>
+            <a:ext cx="7602099" cy="241635"/>
           </a:xfrm>
           <a:prstGeom prst="rect">
             <a:avLst/>
@@ -7168,10 +7555,10 @@
       </p:pic>
       <p:sp>
         <p:nvSpPr>
-          <p:cNvPr id="19" name="Textfeld 18">
-            <a:extLst>
-              <a:ext uri="{FF2B5EF4-FFF2-40B4-BE49-F238E27FC236}">
-                <a16:creationId xmlns:a16="http://schemas.microsoft.com/office/drawing/2014/main" id="{8C60D714-A774-4CF8-9E81-77BDC1BB7CB7}"/>
+          <p:cNvPr id="29" name="Textfeld 28">
+            <a:extLst>
+              <a:ext uri="{FF2B5EF4-FFF2-40B4-BE49-F238E27FC236}">
+                <a16:creationId xmlns:a16="http://schemas.microsoft.com/office/drawing/2014/main" id="{26DBC978-DA98-49EE-947B-DFABC2995D06}"/>
               </a:ext>
             </a:extLst>
           </p:cNvPr>
@@ -7180,8 +7567,8 @@
         </p:nvSpPr>
         <p:spPr>
           <a:xfrm>
-            <a:off x="556449" y="3748577"/>
-            <a:ext cx="6513816" cy="646331"/>
+            <a:off x="342333" y="1745486"/>
+            <a:ext cx="1120820" cy="369332"/>
           </a:xfrm>
           <a:prstGeom prst="rect">
             <a:avLst/>
@@ -7189,66 +7576,24 @@
           <a:noFill/>
         </p:spPr>
         <p:txBody>
-          <a:bodyPr wrap="square" rtlCol="0">
+          <a:bodyPr wrap="none" rtlCol="0">
             <a:spAutoFit/>
           </a:bodyPr>
           <a:lstStyle/>
           <a:p>
             <a:r>
               <a:rPr lang="de-DE" dirty="0"/>
-              <a:t>Lösung 2:</a:t>
-            </a:r>
-          </a:p>
-          <a:p>
-            <a:r>
-              <a:rPr lang="de-DE" dirty="0"/>
-              <a:t>Wir korrigieren den transformierte Strahl.</a:t>
-            </a:r>
-          </a:p>
-        </p:txBody>
-      </p:sp>
-      <p:pic>
-        <p:nvPicPr>
-          <p:cNvPr id="20" name="Grafik 19">
-            <a:extLst>
-              <a:ext uri="{FF2B5EF4-FFF2-40B4-BE49-F238E27FC236}">
-                <a16:creationId xmlns:a16="http://schemas.microsoft.com/office/drawing/2014/main" id="{637D8D4A-162B-44CA-9F73-F2CF478D0750}"/>
-              </a:ext>
-            </a:extLst>
-          </p:cNvPr>
-          <p:cNvPicPr>
-            <a:picLocks noChangeAspect="1"/>
-          </p:cNvPicPr>
-          <p:nvPr/>
-        </p:nvPicPr>
-        <p:blipFill>
-          <a:blip r:embed="rId7">
-            <a:extLst>
-              <a:ext uri="{28A0092B-C50C-407E-A947-70E740481C1C}">
-                <a14:useLocalDpi xmlns:a14="http://schemas.microsoft.com/office/drawing/2010/main" val="0"/>
-              </a:ext>
-            </a:extLst>
-          </a:blip>
-          <a:stretch>
-            <a:fillRect/>
-          </a:stretch>
-        </p:blipFill>
-        <p:spPr>
-          <a:xfrm>
-            <a:off x="556449" y="5768890"/>
-            <a:ext cx="9097645" cy="485843"/>
-          </a:xfrm>
-          <a:prstGeom prst="rect">
-            <a:avLst/>
-          </a:prstGeom>
-        </p:spPr>
-      </p:pic>
-      <p:sp>
-        <p:nvSpPr>
-          <p:cNvPr id="24" name="Textfeld 23">
-            <a:extLst>
-              <a:ext uri="{FF2B5EF4-FFF2-40B4-BE49-F238E27FC236}">
-                <a16:creationId xmlns:a16="http://schemas.microsoft.com/office/drawing/2014/main" id="{0EB49B03-61D4-4E6D-ACB5-0FE502B6E022}"/>
+              <a:t>Für Shape</a:t>
+            </a:r>
+          </a:p>
+        </p:txBody>
+      </p:sp>
+      <p:sp>
+        <p:nvSpPr>
+          <p:cNvPr id="39" name="Textfeld 38">
+            <a:extLst>
+              <a:ext uri="{FF2B5EF4-FFF2-40B4-BE49-F238E27FC236}">
+                <a16:creationId xmlns:a16="http://schemas.microsoft.com/office/drawing/2014/main" id="{A76B2EDC-7430-4925-83E0-432D71121C96}"/>
               </a:ext>
             </a:extLst>
           </p:cNvPr>
@@ -7257,8 +7602,8 @@
         </p:nvSpPr>
         <p:spPr>
           <a:xfrm>
-            <a:off x="520613" y="4877892"/>
-            <a:ext cx="6513816" cy="923330"/>
+            <a:off x="342333" y="4704807"/>
+            <a:ext cx="1265155" cy="369332"/>
           </a:xfrm>
           <a:prstGeom prst="rect">
             <a:avLst/>
@@ -7266,100 +7611,27 @@
           <a:noFill/>
         </p:spPr>
         <p:txBody>
-          <a:bodyPr wrap="square" rtlCol="0">
+          <a:bodyPr wrap="none" rtlCol="0">
             <a:spAutoFit/>
           </a:bodyPr>
           <a:lstStyle/>
           <a:p>
             <a:r>
               <a:rPr lang="de-DE" dirty="0"/>
-              <a:t>Lösung 3:</a:t>
-            </a:r>
-          </a:p>
-          <a:p>
-            <a:r>
-              <a:rPr lang="de-DE" dirty="0"/>
-              <a:t>Wir rechnen die Distanz zwischen Schnittpunkt der transformierten Geometrie und Kamera wieder.</a:t>
-            </a:r>
-          </a:p>
-        </p:txBody>
-      </p:sp>
-      <p:pic>
-        <p:nvPicPr>
-          <p:cNvPr id="25" name="Grafik 24">
-            <a:extLst>
-              <a:ext uri="{FF2B5EF4-FFF2-40B4-BE49-F238E27FC236}">
-                <a16:creationId xmlns:a16="http://schemas.microsoft.com/office/drawing/2014/main" id="{A37E6C8D-0BE4-4454-8BD2-E3A7B6312D99}"/>
-              </a:ext>
-            </a:extLst>
-          </p:cNvPr>
-          <p:cNvPicPr>
-            <a:picLocks noChangeAspect="1"/>
-          </p:cNvPicPr>
-          <p:nvPr/>
-        </p:nvPicPr>
-        <p:blipFill>
-          <a:blip r:embed="rId8">
-            <a:extLst>
-              <a:ext uri="{28A0092B-C50C-407E-A947-70E740481C1C}">
-                <a14:useLocalDpi xmlns:a14="http://schemas.microsoft.com/office/drawing/2010/main" val="0"/>
-              </a:ext>
-            </a:extLst>
-          </a:blip>
-          <a:stretch>
-            <a:fillRect/>
-          </a:stretch>
-        </p:blipFill>
-        <p:spPr>
-          <a:xfrm>
-            <a:off x="607820" y="4397631"/>
-            <a:ext cx="5925377" cy="276264"/>
-          </a:xfrm>
-          <a:prstGeom prst="rect">
-            <a:avLst/>
-          </a:prstGeom>
-        </p:spPr>
-      </p:pic>
-      <p:pic>
-        <p:nvPicPr>
-          <p:cNvPr id="28" name="Grafik 27">
-            <a:extLst>
-              <a:ext uri="{FF2B5EF4-FFF2-40B4-BE49-F238E27FC236}">
-                <a16:creationId xmlns:a16="http://schemas.microsoft.com/office/drawing/2014/main" id="{6D8BB6AB-0D3C-407A-A1BC-DDE56C59A5FD}"/>
-              </a:ext>
-            </a:extLst>
-          </p:cNvPr>
-          <p:cNvPicPr>
-            <a:picLocks noChangeAspect="1"/>
-          </p:cNvPicPr>
-          <p:nvPr/>
-        </p:nvPicPr>
-        <p:blipFill>
-          <a:blip r:embed="rId9">
-            <a:extLst>
-              <a:ext uri="{28A0092B-C50C-407E-A947-70E740481C1C}">
-                <a14:useLocalDpi xmlns:a14="http://schemas.microsoft.com/office/drawing/2010/main" val="0"/>
-              </a:ext>
-            </a:extLst>
-          </a:blip>
-          <a:stretch>
-            <a:fillRect/>
-          </a:stretch>
-        </p:blipFill>
-        <p:spPr>
-          <a:xfrm>
-            <a:off x="607820" y="4656815"/>
-            <a:ext cx="7087589" cy="238158"/>
-          </a:xfrm>
-          <a:prstGeom prst="rect">
-            <a:avLst/>
-          </a:prstGeom>
-        </p:spPr>
-      </p:pic>
+              <a:t>Für </a:t>
+            </a:r>
+            <a:r>
+              <a:rPr lang="de-DE" dirty="0" err="1"/>
+              <a:t>Camera</a:t>
+            </a:r>
+            <a:endParaRPr lang="de-DE" dirty="0"/>
+          </a:p>
+        </p:txBody>
+      </p:sp>
     </p:spTree>
     <p:extLst>
       <p:ext uri="{BB962C8B-B14F-4D97-AF65-F5344CB8AC3E}">
-        <p14:creationId xmlns:p14="http://schemas.microsoft.com/office/powerpoint/2010/main" val="907062341"/>
+        <p14:creationId xmlns:p14="http://schemas.microsoft.com/office/powerpoint/2010/main" val="1937562440"/>
       </p:ext>
     </p:extLst>
   </p:cSld>
@@ -7386,6 +7658,42 @@
           <a:chExt cx="0" cy="0"/>
         </a:xfrm>
       </p:grpSpPr>
+      <p:pic>
+        <p:nvPicPr>
+          <p:cNvPr id="22" name="Grafik 21">
+            <a:extLst>
+              <a:ext uri="{FF2B5EF4-FFF2-40B4-BE49-F238E27FC236}">
+                <a16:creationId xmlns:a16="http://schemas.microsoft.com/office/drawing/2014/main" id="{E7A12F0A-3879-4BE1-ACBD-89901B1FC531}"/>
+              </a:ext>
+            </a:extLst>
+          </p:cNvPr>
+          <p:cNvPicPr>
+            <a:picLocks noChangeAspect="1"/>
+          </p:cNvPicPr>
+          <p:nvPr/>
+        </p:nvPicPr>
+        <p:blipFill>
+          <a:blip r:embed="rId3">
+            <a:extLst>
+              <a:ext uri="{28A0092B-C50C-407E-A947-70E740481C1C}">
+                <a14:useLocalDpi xmlns:a14="http://schemas.microsoft.com/office/drawing/2010/main" val="0"/>
+              </a:ext>
+            </a:extLst>
+          </a:blip>
+          <a:stretch>
+            <a:fillRect/>
+          </a:stretch>
+        </p:blipFill>
+        <p:spPr>
+          <a:xfrm>
+            <a:off x="8726680" y="1701643"/>
+            <a:ext cx="2857500" cy="2857500"/>
+          </a:xfrm>
+          <a:prstGeom prst="rect">
+            <a:avLst/>
+          </a:prstGeom>
+        </p:spPr>
+      </p:pic>
       <p:sp>
         <p:nvSpPr>
           <p:cNvPr id="2" name="Date Placeholder 2">
@@ -7933,17 +8241,17 @@
           <a:p>
             <a:r>
               <a:rPr lang="de-DE" sz="2800" dirty="0"/>
-              <a:t>Animation </a:t>
-            </a:r>
-          </a:p>
-        </p:txBody>
-      </p:sp>
-      <p:sp>
-        <p:nvSpPr>
-          <p:cNvPr id="8" name="Textfeld 7">
-            <a:extLst>
-              <a:ext uri="{FF2B5EF4-FFF2-40B4-BE49-F238E27FC236}">
-                <a16:creationId xmlns:a16="http://schemas.microsoft.com/office/drawing/2014/main" id="{BD9D6613-68FA-4599-9D1C-E43BCCB5BB8E}"/>
+              <a:t>Transformation </a:t>
+            </a:r>
+          </a:p>
+        </p:txBody>
+      </p:sp>
+      <p:sp>
+        <p:nvSpPr>
+          <p:cNvPr id="18" name="Textfeld 17">
+            <a:extLst>
+              <a:ext uri="{FF2B5EF4-FFF2-40B4-BE49-F238E27FC236}">
+                <a16:creationId xmlns:a16="http://schemas.microsoft.com/office/drawing/2014/main" id="{B876B811-5ABD-4E20-9CB1-12A5781F5738}"/>
               </a:ext>
             </a:extLst>
           </p:cNvPr>
@@ -7952,8 +8260,8 @@
         </p:nvSpPr>
         <p:spPr>
           <a:xfrm>
-            <a:off x="401470" y="1666534"/>
-            <a:ext cx="4178993" cy="2585323"/>
+            <a:off x="8726680" y="1324351"/>
+            <a:ext cx="2646812" cy="369332"/>
           </a:xfrm>
           <a:prstGeom prst="rect">
             <a:avLst/>
@@ -7968,106 +8276,58 @@
           <a:p>
             <a:r>
               <a:rPr lang="de-DE" dirty="0"/>
-              <a:t>Wir erweitern </a:t>
-            </a:r>
-            <a:r>
-              <a:rPr lang="de-DE" dirty="0" err="1"/>
-              <a:t>load_sdf</a:t>
-            </a:r>
+              <a:t>Fehler!</a:t>
+            </a:r>
+          </a:p>
+        </p:txBody>
+      </p:sp>
+      <p:sp>
+        <p:nvSpPr>
+          <p:cNvPr id="8" name="Textfeld 7">
+            <a:extLst>
+              <a:ext uri="{FF2B5EF4-FFF2-40B4-BE49-F238E27FC236}">
+                <a16:creationId xmlns:a16="http://schemas.microsoft.com/office/drawing/2014/main" id="{BD9D6613-68FA-4599-9D1C-E43BCCB5BB8E}"/>
+              </a:ext>
+            </a:extLst>
+          </p:cNvPr>
+          <p:cNvSpPr txBox="1"/>
+          <p:nvPr/>
+        </p:nvSpPr>
+        <p:spPr>
+          <a:xfrm>
+            <a:off x="472905" y="1635168"/>
+            <a:ext cx="6513816" cy="923330"/>
+          </a:xfrm>
+          <a:prstGeom prst="rect">
+            <a:avLst/>
+          </a:prstGeom>
+          <a:noFill/>
+        </p:spPr>
+        <p:txBody>
+          <a:bodyPr wrap="square" rtlCol="0">
+            <a:spAutoFit/>
+          </a:bodyPr>
+          <a:lstStyle/>
+          <a:p>
             <a:r>
               <a:rPr lang="de-DE" dirty="0"/>
-              <a:t> </a:t>
-            </a:r>
-            <a:r>
-              <a:rPr lang="de-DE" dirty="0" err="1"/>
-              <a:t>funktion</a:t>
-            </a:r>
+              <a:t>Lösung 1:</a:t>
+            </a:r>
+          </a:p>
+          <a:p>
             <a:r>
               <a:rPr lang="de-DE" dirty="0"/>
-              <a:t> sodass es mehrere .ppm Bildner bei Ausführung des </a:t>
-            </a:r>
-            <a:r>
-              <a:rPr lang="de-DE" dirty="0" err="1"/>
-              <a:t>Program</a:t>
-            </a:r>
-            <a:r>
-              <a:rPr lang="de-DE" dirty="0"/>
-              <a:t> nur mit einer SDF </a:t>
-            </a:r>
-            <a:r>
-              <a:rPr lang="de-DE" dirty="0" err="1"/>
-              <a:t>file</a:t>
-            </a:r>
-            <a:r>
-              <a:rPr lang="de-DE" dirty="0"/>
-              <a:t>.</a:t>
-            </a:r>
-          </a:p>
-          <a:p>
-            <a:endParaRPr lang="de-DE" dirty="0"/>
-          </a:p>
-          <a:p>
-            <a:r>
-              <a:rPr lang="de-DE" dirty="0"/>
-              <a:t>Zusätzlich brauchen wir:</a:t>
-            </a:r>
-          </a:p>
-          <a:p>
-            <a:r>
-              <a:rPr lang="de-DE" dirty="0"/>
-              <a:t>1. neue SDF </a:t>
-            </a:r>
-            <a:r>
-              <a:rPr lang="de-DE" dirty="0" err="1"/>
-              <a:t>keyword</a:t>
-            </a:r>
-            <a:r>
-              <a:rPr lang="de-DE" dirty="0"/>
-              <a:t> zum Animieren.</a:t>
-            </a:r>
-          </a:p>
-          <a:p>
-            <a:r>
-              <a:rPr lang="de-DE" dirty="0"/>
-              <a:t>2. Boolean temporäre/</a:t>
-            </a:r>
-            <a:r>
-              <a:rPr lang="de-DE" dirty="0" err="1"/>
-              <a:t>local</a:t>
-            </a:r>
-            <a:r>
-              <a:rPr lang="de-DE" dirty="0"/>
-              <a:t> variable</a:t>
-            </a:r>
-          </a:p>
-          <a:p>
-            <a:r>
-              <a:rPr lang="de-DE" dirty="0"/>
-              <a:t>3. Schleife</a:t>
-            </a:r>
-          </a:p>
-          <a:p>
-            <a:r>
-              <a:rPr lang="de-DE" dirty="0"/>
-              <a:t>4. Neue </a:t>
-            </a:r>
-            <a:r>
-              <a:rPr lang="de-DE" dirty="0" err="1"/>
-              <a:t>renderer</a:t>
-            </a:r>
-            <a:r>
-              <a:rPr lang="de-DE" dirty="0"/>
-              <a:t> Instanz jede Iteration </a:t>
+              <a:t>Statt selbst implementierten Skalierung, Rotation und Translation, nutzen wir von GLM gegebenen Funktion. </a:t>
             </a:r>
           </a:p>
         </p:txBody>
       </p:sp>
       <p:pic>
         <p:nvPicPr>
-          <p:cNvPr id="11" name="Grafik 10">
-            <a:extLst>
-              <a:ext uri="{FF2B5EF4-FFF2-40B4-BE49-F238E27FC236}">
-                <a16:creationId xmlns:a16="http://schemas.microsoft.com/office/drawing/2014/main" id="{9DDA2B9E-0559-4EDC-BF95-AE46DE03A0B8}"/>
+          <p:cNvPr id="10" name="Grafik 9">
+            <a:extLst>
+              <a:ext uri="{FF2B5EF4-FFF2-40B4-BE49-F238E27FC236}">
+                <a16:creationId xmlns:a16="http://schemas.microsoft.com/office/drawing/2014/main" id="{7C1DF412-F438-4913-BD7E-78DB51915227}"/>
               </a:ext>
             </a:extLst>
           </p:cNvPr>
@@ -8076,21 +8336,284 @@
           </p:cNvPicPr>
           <p:nvPr/>
         </p:nvPicPr>
-        <p:blipFill rotWithShape="1">
-          <a:blip r:embed="rId3">
+        <p:blipFill>
+          <a:blip r:embed="rId4">
             <a:extLst>
               <a:ext uri="{28A0092B-C50C-407E-A947-70E740481C1C}">
                 <a14:useLocalDpi xmlns:a14="http://schemas.microsoft.com/office/drawing/2010/main" val="0"/>
               </a:ext>
             </a:extLst>
           </a:blip>
-          <a:srcRect b="11456"/>
-          <a:stretch/>
+          <a:stretch>
+            <a:fillRect/>
+          </a:stretch>
         </p:blipFill>
         <p:spPr>
           <a:xfrm>
-            <a:off x="4580463" y="1175329"/>
-            <a:ext cx="7611537" cy="4926053"/>
+            <a:off x="556449" y="3176779"/>
+            <a:ext cx="6430272" cy="352474"/>
+          </a:xfrm>
+          <a:prstGeom prst="rect">
+            <a:avLst/>
+          </a:prstGeom>
+        </p:spPr>
+      </p:pic>
+      <p:pic>
+        <p:nvPicPr>
+          <p:cNvPr id="12" name="Grafik 11">
+            <a:extLst>
+              <a:ext uri="{FF2B5EF4-FFF2-40B4-BE49-F238E27FC236}">
+                <a16:creationId xmlns:a16="http://schemas.microsoft.com/office/drawing/2014/main" id="{1853E116-1907-4CEC-BF91-6A2DE4EDD24E}"/>
+              </a:ext>
+            </a:extLst>
+          </p:cNvPr>
+          <p:cNvPicPr>
+            <a:picLocks noChangeAspect="1"/>
+          </p:cNvPicPr>
+          <p:nvPr/>
+        </p:nvPicPr>
+        <p:blipFill>
+          <a:blip r:embed="rId5">
+            <a:extLst>
+              <a:ext uri="{28A0092B-C50C-407E-A947-70E740481C1C}">
+                <a14:useLocalDpi xmlns:a14="http://schemas.microsoft.com/office/drawing/2010/main" val="0"/>
+              </a:ext>
+            </a:extLst>
+          </a:blip>
+          <a:stretch>
+            <a:fillRect/>
+          </a:stretch>
+        </p:blipFill>
+        <p:spPr>
+          <a:xfrm>
+            <a:off x="556449" y="2897331"/>
+            <a:ext cx="4887007" cy="333422"/>
+          </a:xfrm>
+          <a:prstGeom prst="rect">
+            <a:avLst/>
+          </a:prstGeom>
+        </p:spPr>
+      </p:pic>
+      <p:pic>
+        <p:nvPicPr>
+          <p:cNvPr id="15" name="Grafik 14">
+            <a:extLst>
+              <a:ext uri="{FF2B5EF4-FFF2-40B4-BE49-F238E27FC236}">
+                <a16:creationId xmlns:a16="http://schemas.microsoft.com/office/drawing/2014/main" id="{92CA5C78-9D5D-46F6-BA91-B793858B1D8F}"/>
+              </a:ext>
+            </a:extLst>
+          </p:cNvPr>
+          <p:cNvPicPr>
+            <a:picLocks noChangeAspect="1"/>
+          </p:cNvPicPr>
+          <p:nvPr/>
+        </p:nvPicPr>
+        <p:blipFill>
+          <a:blip r:embed="rId6">
+            <a:extLst>
+              <a:ext uri="{28A0092B-C50C-407E-A947-70E740481C1C}">
+                <a14:useLocalDpi xmlns:a14="http://schemas.microsoft.com/office/drawing/2010/main" val="0"/>
+              </a:ext>
+            </a:extLst>
+          </a:blip>
+          <a:stretch>
+            <a:fillRect/>
+          </a:stretch>
+        </p:blipFill>
+        <p:spPr>
+          <a:xfrm>
+            <a:off x="556449" y="2598831"/>
+            <a:ext cx="5744377" cy="323895"/>
+          </a:xfrm>
+          <a:prstGeom prst="rect">
+            <a:avLst/>
+          </a:prstGeom>
+        </p:spPr>
+      </p:pic>
+      <p:sp>
+        <p:nvSpPr>
+          <p:cNvPr id="19" name="Textfeld 18">
+            <a:extLst>
+              <a:ext uri="{FF2B5EF4-FFF2-40B4-BE49-F238E27FC236}">
+                <a16:creationId xmlns:a16="http://schemas.microsoft.com/office/drawing/2014/main" id="{8C60D714-A774-4CF8-9E81-77BDC1BB7CB7}"/>
+              </a:ext>
+            </a:extLst>
+          </p:cNvPr>
+          <p:cNvSpPr txBox="1"/>
+          <p:nvPr/>
+        </p:nvSpPr>
+        <p:spPr>
+          <a:xfrm>
+            <a:off x="556449" y="3748577"/>
+            <a:ext cx="6513816" cy="646331"/>
+          </a:xfrm>
+          <a:prstGeom prst="rect">
+            <a:avLst/>
+          </a:prstGeom>
+          <a:noFill/>
+        </p:spPr>
+        <p:txBody>
+          <a:bodyPr wrap="square" rtlCol="0">
+            <a:spAutoFit/>
+          </a:bodyPr>
+          <a:lstStyle/>
+          <a:p>
+            <a:r>
+              <a:rPr lang="de-DE" dirty="0"/>
+              <a:t>Lösung 2:</a:t>
+            </a:r>
+          </a:p>
+          <a:p>
+            <a:r>
+              <a:rPr lang="de-DE" dirty="0"/>
+              <a:t>Wir korrigieren den transformierte Strahl.</a:t>
+            </a:r>
+          </a:p>
+        </p:txBody>
+      </p:sp>
+      <p:pic>
+        <p:nvPicPr>
+          <p:cNvPr id="20" name="Grafik 19">
+            <a:extLst>
+              <a:ext uri="{FF2B5EF4-FFF2-40B4-BE49-F238E27FC236}">
+                <a16:creationId xmlns:a16="http://schemas.microsoft.com/office/drawing/2014/main" id="{637D8D4A-162B-44CA-9F73-F2CF478D0750}"/>
+              </a:ext>
+            </a:extLst>
+          </p:cNvPr>
+          <p:cNvPicPr>
+            <a:picLocks noChangeAspect="1"/>
+          </p:cNvPicPr>
+          <p:nvPr/>
+        </p:nvPicPr>
+        <p:blipFill>
+          <a:blip r:embed="rId7">
+            <a:extLst>
+              <a:ext uri="{28A0092B-C50C-407E-A947-70E740481C1C}">
+                <a14:useLocalDpi xmlns:a14="http://schemas.microsoft.com/office/drawing/2010/main" val="0"/>
+              </a:ext>
+            </a:extLst>
+          </a:blip>
+          <a:stretch>
+            <a:fillRect/>
+          </a:stretch>
+        </p:blipFill>
+        <p:spPr>
+          <a:xfrm>
+            <a:off x="556449" y="5768890"/>
+            <a:ext cx="9097645" cy="485843"/>
+          </a:xfrm>
+          <a:prstGeom prst="rect">
+            <a:avLst/>
+          </a:prstGeom>
+        </p:spPr>
+      </p:pic>
+      <p:sp>
+        <p:nvSpPr>
+          <p:cNvPr id="24" name="Textfeld 23">
+            <a:extLst>
+              <a:ext uri="{FF2B5EF4-FFF2-40B4-BE49-F238E27FC236}">
+                <a16:creationId xmlns:a16="http://schemas.microsoft.com/office/drawing/2014/main" id="{0EB49B03-61D4-4E6D-ACB5-0FE502B6E022}"/>
+              </a:ext>
+            </a:extLst>
+          </p:cNvPr>
+          <p:cNvSpPr txBox="1"/>
+          <p:nvPr/>
+        </p:nvSpPr>
+        <p:spPr>
+          <a:xfrm>
+            <a:off x="520613" y="4877892"/>
+            <a:ext cx="6513816" cy="923330"/>
+          </a:xfrm>
+          <a:prstGeom prst="rect">
+            <a:avLst/>
+          </a:prstGeom>
+          <a:noFill/>
+        </p:spPr>
+        <p:txBody>
+          <a:bodyPr wrap="square" rtlCol="0">
+            <a:spAutoFit/>
+          </a:bodyPr>
+          <a:lstStyle/>
+          <a:p>
+            <a:r>
+              <a:rPr lang="de-DE" dirty="0"/>
+              <a:t>Lösung 3:</a:t>
+            </a:r>
+          </a:p>
+          <a:p>
+            <a:r>
+              <a:rPr lang="de-DE" dirty="0"/>
+              <a:t>Wir rechnen die Distanz zwischen Schnittpunkt der transformierten Geometrie und Kamera wieder.</a:t>
+            </a:r>
+          </a:p>
+        </p:txBody>
+      </p:sp>
+      <p:pic>
+        <p:nvPicPr>
+          <p:cNvPr id="25" name="Grafik 24">
+            <a:extLst>
+              <a:ext uri="{FF2B5EF4-FFF2-40B4-BE49-F238E27FC236}">
+                <a16:creationId xmlns:a16="http://schemas.microsoft.com/office/drawing/2014/main" id="{A37E6C8D-0BE4-4454-8BD2-E3A7B6312D99}"/>
+              </a:ext>
+            </a:extLst>
+          </p:cNvPr>
+          <p:cNvPicPr>
+            <a:picLocks noChangeAspect="1"/>
+          </p:cNvPicPr>
+          <p:nvPr/>
+        </p:nvPicPr>
+        <p:blipFill>
+          <a:blip r:embed="rId8">
+            <a:extLst>
+              <a:ext uri="{28A0092B-C50C-407E-A947-70E740481C1C}">
+                <a14:useLocalDpi xmlns:a14="http://schemas.microsoft.com/office/drawing/2010/main" val="0"/>
+              </a:ext>
+            </a:extLst>
+          </a:blip>
+          <a:stretch>
+            <a:fillRect/>
+          </a:stretch>
+        </p:blipFill>
+        <p:spPr>
+          <a:xfrm>
+            <a:off x="607820" y="4397631"/>
+            <a:ext cx="5925377" cy="276264"/>
+          </a:xfrm>
+          <a:prstGeom prst="rect">
+            <a:avLst/>
+          </a:prstGeom>
+        </p:spPr>
+      </p:pic>
+      <p:pic>
+        <p:nvPicPr>
+          <p:cNvPr id="28" name="Grafik 27">
+            <a:extLst>
+              <a:ext uri="{FF2B5EF4-FFF2-40B4-BE49-F238E27FC236}">
+                <a16:creationId xmlns:a16="http://schemas.microsoft.com/office/drawing/2014/main" id="{6D8BB6AB-0D3C-407A-A1BC-DDE56C59A5FD}"/>
+              </a:ext>
+            </a:extLst>
+          </p:cNvPr>
+          <p:cNvPicPr>
+            <a:picLocks noChangeAspect="1"/>
+          </p:cNvPicPr>
+          <p:nvPr/>
+        </p:nvPicPr>
+        <p:blipFill>
+          <a:blip r:embed="rId9">
+            <a:extLst>
+              <a:ext uri="{28A0092B-C50C-407E-A947-70E740481C1C}">
+                <a14:useLocalDpi xmlns:a14="http://schemas.microsoft.com/office/drawing/2010/main" val="0"/>
+              </a:ext>
+            </a:extLst>
+          </a:blip>
+          <a:stretch>
+            <a:fillRect/>
+          </a:stretch>
+        </p:blipFill>
+        <p:spPr>
+          <a:xfrm>
+            <a:off x="607820" y="4656815"/>
+            <a:ext cx="7087589" cy="238158"/>
           </a:xfrm>
           <a:prstGeom prst="rect">
             <a:avLst/>
@@ -8100,7 +8623,7 @@
     </p:spTree>
     <p:extLst>
       <p:ext uri="{BB962C8B-B14F-4D97-AF65-F5344CB8AC3E}">
-        <p14:creationId xmlns:p14="http://schemas.microsoft.com/office/powerpoint/2010/main" val="2649223463"/>
+        <p14:creationId xmlns:p14="http://schemas.microsoft.com/office/powerpoint/2010/main" val="907062341"/>
       </p:ext>
     </p:extLst>
   </p:cSld>
@@ -8659,6 +9182,747 @@
         <p:spPr>
           <a:xfrm>
             <a:off x="401471" y="1175329"/>
+            <a:ext cx="2529736" cy="523220"/>
+          </a:xfrm>
+          <a:prstGeom prst="rect">
+            <a:avLst/>
+          </a:prstGeom>
+          <a:noFill/>
+        </p:spPr>
+        <p:txBody>
+          <a:bodyPr wrap="square" rtlCol="0">
+            <a:spAutoFit/>
+          </a:bodyPr>
+          <a:lstStyle/>
+          <a:p>
+            <a:r>
+              <a:rPr lang="de-DE" sz="2800" dirty="0"/>
+              <a:t>Animation </a:t>
+            </a:r>
+          </a:p>
+        </p:txBody>
+      </p:sp>
+      <p:sp>
+        <p:nvSpPr>
+          <p:cNvPr id="8" name="Textfeld 7">
+            <a:extLst>
+              <a:ext uri="{FF2B5EF4-FFF2-40B4-BE49-F238E27FC236}">
+                <a16:creationId xmlns:a16="http://schemas.microsoft.com/office/drawing/2014/main" id="{BD9D6613-68FA-4599-9D1C-E43BCCB5BB8E}"/>
+              </a:ext>
+            </a:extLst>
+          </p:cNvPr>
+          <p:cNvSpPr txBox="1"/>
+          <p:nvPr/>
+        </p:nvSpPr>
+        <p:spPr>
+          <a:xfrm>
+            <a:off x="401470" y="1666534"/>
+            <a:ext cx="4178993" cy="2585323"/>
+          </a:xfrm>
+          <a:prstGeom prst="rect">
+            <a:avLst/>
+          </a:prstGeom>
+          <a:noFill/>
+        </p:spPr>
+        <p:txBody>
+          <a:bodyPr wrap="square" rtlCol="0">
+            <a:spAutoFit/>
+          </a:bodyPr>
+          <a:lstStyle/>
+          <a:p>
+            <a:r>
+              <a:rPr lang="de-DE" dirty="0"/>
+              <a:t>Wir erweitern </a:t>
+            </a:r>
+            <a:r>
+              <a:rPr lang="de-DE" dirty="0" err="1"/>
+              <a:t>load_sdf</a:t>
+            </a:r>
+            <a:r>
+              <a:rPr lang="de-DE" dirty="0"/>
+              <a:t> </a:t>
+            </a:r>
+            <a:r>
+              <a:rPr lang="de-DE" dirty="0" err="1"/>
+              <a:t>funktion</a:t>
+            </a:r>
+            <a:r>
+              <a:rPr lang="de-DE" dirty="0"/>
+              <a:t> sodass es mehrere .ppm Bildner bei Ausführung des </a:t>
+            </a:r>
+            <a:r>
+              <a:rPr lang="de-DE" dirty="0" err="1"/>
+              <a:t>Program</a:t>
+            </a:r>
+            <a:r>
+              <a:rPr lang="de-DE" dirty="0"/>
+              <a:t> nur mit einer SDF </a:t>
+            </a:r>
+            <a:r>
+              <a:rPr lang="de-DE" dirty="0" err="1"/>
+              <a:t>file</a:t>
+            </a:r>
+            <a:r>
+              <a:rPr lang="de-DE" dirty="0"/>
+              <a:t>.</a:t>
+            </a:r>
+          </a:p>
+          <a:p>
+            <a:endParaRPr lang="de-DE" dirty="0"/>
+          </a:p>
+          <a:p>
+            <a:r>
+              <a:rPr lang="de-DE" dirty="0"/>
+              <a:t>Zusätzlich brauchen wir:</a:t>
+            </a:r>
+          </a:p>
+          <a:p>
+            <a:r>
+              <a:rPr lang="de-DE" dirty="0"/>
+              <a:t>1. neue SDF </a:t>
+            </a:r>
+            <a:r>
+              <a:rPr lang="de-DE" dirty="0" err="1"/>
+              <a:t>keyword</a:t>
+            </a:r>
+            <a:r>
+              <a:rPr lang="de-DE" dirty="0"/>
+              <a:t> zum Animieren.</a:t>
+            </a:r>
+          </a:p>
+          <a:p>
+            <a:r>
+              <a:rPr lang="de-DE" dirty="0"/>
+              <a:t>2. Boolean temporäre/</a:t>
+            </a:r>
+            <a:r>
+              <a:rPr lang="de-DE" dirty="0" err="1"/>
+              <a:t>local</a:t>
+            </a:r>
+            <a:r>
+              <a:rPr lang="de-DE" dirty="0"/>
+              <a:t> variable</a:t>
+            </a:r>
+          </a:p>
+          <a:p>
+            <a:r>
+              <a:rPr lang="de-DE" dirty="0"/>
+              <a:t>3. Schleife</a:t>
+            </a:r>
+          </a:p>
+          <a:p>
+            <a:r>
+              <a:rPr lang="de-DE" dirty="0"/>
+              <a:t>4. Neue </a:t>
+            </a:r>
+            <a:r>
+              <a:rPr lang="de-DE" dirty="0" err="1"/>
+              <a:t>renderer</a:t>
+            </a:r>
+            <a:r>
+              <a:rPr lang="de-DE" dirty="0"/>
+              <a:t> Instanz jede Iteration </a:t>
+            </a:r>
+          </a:p>
+        </p:txBody>
+      </p:sp>
+      <p:pic>
+        <p:nvPicPr>
+          <p:cNvPr id="11" name="Grafik 10">
+            <a:extLst>
+              <a:ext uri="{FF2B5EF4-FFF2-40B4-BE49-F238E27FC236}">
+                <a16:creationId xmlns:a16="http://schemas.microsoft.com/office/drawing/2014/main" id="{9DDA2B9E-0559-4EDC-BF95-AE46DE03A0B8}"/>
+              </a:ext>
+            </a:extLst>
+          </p:cNvPr>
+          <p:cNvPicPr>
+            <a:picLocks noChangeAspect="1"/>
+          </p:cNvPicPr>
+          <p:nvPr/>
+        </p:nvPicPr>
+        <p:blipFill rotWithShape="1">
+          <a:blip r:embed="rId3">
+            <a:extLst>
+              <a:ext uri="{28A0092B-C50C-407E-A947-70E740481C1C}">
+                <a14:useLocalDpi xmlns:a14="http://schemas.microsoft.com/office/drawing/2010/main" val="0"/>
+              </a:ext>
+            </a:extLst>
+          </a:blip>
+          <a:srcRect b="11456"/>
+          <a:stretch/>
+        </p:blipFill>
+        <p:spPr>
+          <a:xfrm>
+            <a:off x="4580463" y="1175329"/>
+            <a:ext cx="7611537" cy="4926053"/>
+          </a:xfrm>
+          <a:prstGeom prst="rect">
+            <a:avLst/>
+          </a:prstGeom>
+        </p:spPr>
+      </p:pic>
+    </p:spTree>
+    <p:extLst>
+      <p:ext uri="{BB962C8B-B14F-4D97-AF65-F5344CB8AC3E}">
+        <p14:creationId xmlns:p14="http://schemas.microsoft.com/office/powerpoint/2010/main" val="2649223463"/>
+      </p:ext>
+    </p:extLst>
+  </p:cSld>
+  <p:clrMapOvr>
+    <a:masterClrMapping/>
+  </p:clrMapOvr>
+</p:sld>
+</file>
+
+<file path=ppt/slides/slide14.xml><?xml version="1.0" encoding="utf-8"?>
+<p:sld xmlns:a="http://schemas.openxmlformats.org/drawingml/2006/main" xmlns:r="http://schemas.openxmlformats.org/officeDocument/2006/relationships" xmlns:p="http://schemas.openxmlformats.org/presentationml/2006/main">
+  <p:cSld>
+    <p:spTree>
+      <p:nvGrpSpPr>
+        <p:cNvPr id="1" name=""/>
+        <p:cNvGrpSpPr/>
+        <p:nvPr/>
+      </p:nvGrpSpPr>
+      <p:grpSpPr>
+        <a:xfrm>
+          <a:off x="0" y="0"/>
+          <a:ext cx="0" cy="0"/>
+          <a:chOff x="0" y="0"/>
+          <a:chExt cx="0" cy="0"/>
+        </a:xfrm>
+      </p:grpSpPr>
+      <p:sp>
+        <p:nvSpPr>
+          <p:cNvPr id="2" name="Date Placeholder 2">
+            <a:extLst>
+              <a:ext uri="{FF2B5EF4-FFF2-40B4-BE49-F238E27FC236}">
+                <a16:creationId xmlns:a16="http://schemas.microsoft.com/office/drawing/2014/main" id="{180FC470-B565-4FB6-B0D5-7C8F5744990B}"/>
+              </a:ext>
+            </a:extLst>
+          </p:cNvPr>
+          <p:cNvSpPr>
+            <a:spLocks noGrp="1"/>
+          </p:cNvSpPr>
+          <p:nvPr>
+            <p:ph type="dt" sz="half" idx="10"/>
+          </p:nvPr>
+        </p:nvSpPr>
+        <p:spPr>
+          <a:xfrm>
+            <a:off x="7819457" y="6310312"/>
+            <a:ext cx="3971073" cy="365125"/>
+          </a:xfrm>
+        </p:spPr>
+        <p:txBody>
+          <a:bodyPr/>
+          <a:lstStyle>
+            <a:lvl1pPr>
+              <a:defRPr>
+                <a:solidFill>
+                  <a:schemeClr val="tx1"/>
+                </a:solidFill>
+                <a:latin typeface="Arial" panose="020B0604020202020204" pitchFamily="34" charset="0"/>
+                <a:cs typeface="Arial" panose="020B0604020202020204" pitchFamily="34" charset="0"/>
+              </a:defRPr>
+            </a:lvl1pPr>
+          </a:lstStyle>
+          <a:p>
+            <a:r>
+              <a:rPr lang="en-IN" dirty="0" err="1"/>
+              <a:t>Nhu</a:t>
+            </a:r>
+            <a:r>
+              <a:rPr lang="en-IN" dirty="0"/>
+              <a:t> </a:t>
+            </a:r>
+            <a:r>
+              <a:rPr lang="en-IN" dirty="0" err="1"/>
+              <a:t>Quang</a:t>
+            </a:r>
+            <a:r>
+              <a:rPr lang="en-IN" dirty="0"/>
+              <a:t> Dang, </a:t>
+            </a:r>
+            <a:r>
+              <a:rPr lang="en-IN" dirty="0" err="1"/>
+              <a:t>Chandrautama</a:t>
+            </a:r>
+            <a:r>
+              <a:rPr lang="en-IN" dirty="0"/>
+              <a:t> Lucky| </a:t>
+            </a:r>
+            <a:r>
+              <a:rPr lang="en-IN" dirty="0" err="1">
+                <a:solidFill>
+                  <a:schemeClr val="tx1">
+                    <a:lumMod val="50000"/>
+                    <a:lumOff val="50000"/>
+                  </a:schemeClr>
+                </a:solidFill>
+              </a:rPr>
+              <a:t>Sose</a:t>
+            </a:r>
+            <a:r>
+              <a:rPr lang="en-IN" dirty="0">
+                <a:solidFill>
+                  <a:schemeClr val="tx1">
+                    <a:lumMod val="50000"/>
+                    <a:lumOff val="50000"/>
+                  </a:schemeClr>
+                </a:solidFill>
+              </a:rPr>
+              <a:t> 2018</a:t>
+            </a:r>
+          </a:p>
+        </p:txBody>
+      </p:sp>
+      <p:sp>
+        <p:nvSpPr>
+          <p:cNvPr id="3" name="Footer Placeholder 3">
+            <a:extLst>
+              <a:ext uri="{FF2B5EF4-FFF2-40B4-BE49-F238E27FC236}">
+                <a16:creationId xmlns:a16="http://schemas.microsoft.com/office/drawing/2014/main" id="{AA1A078D-2DA1-41AC-A894-48E19FF3FAE3}"/>
+              </a:ext>
+            </a:extLst>
+          </p:cNvPr>
+          <p:cNvSpPr>
+            <a:spLocks noGrp="1"/>
+          </p:cNvSpPr>
+          <p:nvPr>
+            <p:ph type="ftr" sz="quarter" idx="11"/>
+          </p:nvPr>
+        </p:nvSpPr>
+        <p:spPr>
+          <a:xfrm>
+            <a:off x="401470" y="6320453"/>
+            <a:ext cx="2123366" cy="365125"/>
+          </a:xfrm>
+        </p:spPr>
+        <p:style>
+          <a:lnRef idx="2">
+            <a:schemeClr val="dk1">
+              <a:shade val="50000"/>
+            </a:schemeClr>
+          </a:lnRef>
+          <a:fillRef idx="1">
+            <a:schemeClr val="dk1"/>
+          </a:fillRef>
+          <a:effectRef idx="0">
+            <a:schemeClr val="dk1"/>
+          </a:effectRef>
+          <a:fontRef idx="minor">
+            <a:schemeClr val="lt1"/>
+          </a:fontRef>
+        </p:style>
+        <p:txBody>
+          <a:bodyPr/>
+          <a:lstStyle>
+            <a:lvl1pPr>
+              <a:defRPr>
+                <a:solidFill>
+                  <a:schemeClr val="bg1"/>
+                </a:solidFill>
+                <a:latin typeface="Arial" panose="020B0604020202020204" pitchFamily="34" charset="0"/>
+                <a:cs typeface="Arial" panose="020B0604020202020204" pitchFamily="34" charset="0"/>
+              </a:defRPr>
+            </a:lvl1pPr>
+          </a:lstStyle>
+          <a:p>
+            <a:r>
+              <a:rPr lang="en-IN" dirty="0"/>
+              <a:t>Bauhaus-Universit</a:t>
+            </a:r>
+            <a:r>
+              <a:rPr lang="en-IN" b="1" dirty="0"/>
+              <a:t>ä</a:t>
+            </a:r>
+            <a:r>
+              <a:rPr lang="en-IN" dirty="0"/>
+              <a:t>t Weimar</a:t>
+            </a:r>
+          </a:p>
+        </p:txBody>
+      </p:sp>
+      <p:sp>
+        <p:nvSpPr>
+          <p:cNvPr id="4" name="Date Placeholder 2">
+            <a:extLst>
+              <a:ext uri="{FF2B5EF4-FFF2-40B4-BE49-F238E27FC236}">
+                <a16:creationId xmlns:a16="http://schemas.microsoft.com/office/drawing/2014/main" id="{254BB5F0-2280-4072-A92F-9321101FB009}"/>
+              </a:ext>
+            </a:extLst>
+          </p:cNvPr>
+          <p:cNvSpPr txBox="1">
+            <a:spLocks/>
+          </p:cNvSpPr>
+          <p:nvPr/>
+        </p:nvSpPr>
+        <p:spPr>
+          <a:xfrm>
+            <a:off x="2553252" y="6326232"/>
+            <a:ext cx="4271618" cy="365125"/>
+          </a:xfrm>
+          <a:prstGeom prst="rect">
+            <a:avLst/>
+          </a:prstGeom>
+        </p:spPr>
+        <p:txBody>
+          <a:bodyPr vert="horz" lIns="91440" tIns="45720" rIns="91440" bIns="45720" rtlCol="0" anchor="ctr"/>
+          <a:lstStyle>
+            <a:defPPr>
+              <a:defRPr lang="en-US"/>
+            </a:defPPr>
+            <a:lvl1pPr marL="0" algn="l" defTabSz="914400" rtl="0" eaLnBrk="1" latinLnBrk="0" hangingPunct="1">
+              <a:defRPr sz="1200" kern="1200">
+                <a:solidFill>
+                  <a:schemeClr val="tx1"/>
+                </a:solidFill>
+                <a:latin typeface="Arial" panose="020B0604020202020204" pitchFamily="34" charset="0"/>
+                <a:ea typeface="+mn-ea"/>
+                <a:cs typeface="Arial" panose="020B0604020202020204" pitchFamily="34" charset="0"/>
+              </a:defRPr>
+            </a:lvl1pPr>
+            <a:lvl2pPr marL="457200" algn="l" defTabSz="914400" rtl="0" eaLnBrk="1" latinLnBrk="0" hangingPunct="1">
+              <a:defRPr sz="1800" kern="1200">
+                <a:solidFill>
+                  <a:schemeClr val="tx1"/>
+                </a:solidFill>
+                <a:latin typeface="+mn-lt"/>
+                <a:ea typeface="+mn-ea"/>
+                <a:cs typeface="+mn-cs"/>
+              </a:defRPr>
+            </a:lvl2pPr>
+            <a:lvl3pPr marL="914400" algn="l" defTabSz="914400" rtl="0" eaLnBrk="1" latinLnBrk="0" hangingPunct="1">
+              <a:defRPr sz="1800" kern="1200">
+                <a:solidFill>
+                  <a:schemeClr val="tx1"/>
+                </a:solidFill>
+                <a:latin typeface="+mn-lt"/>
+                <a:ea typeface="+mn-ea"/>
+                <a:cs typeface="+mn-cs"/>
+              </a:defRPr>
+            </a:lvl3pPr>
+            <a:lvl4pPr marL="1371600" algn="l" defTabSz="914400" rtl="0" eaLnBrk="1" latinLnBrk="0" hangingPunct="1">
+              <a:defRPr sz="1800" kern="1200">
+                <a:solidFill>
+                  <a:schemeClr val="tx1"/>
+                </a:solidFill>
+                <a:latin typeface="+mn-lt"/>
+                <a:ea typeface="+mn-ea"/>
+                <a:cs typeface="+mn-cs"/>
+              </a:defRPr>
+            </a:lvl4pPr>
+            <a:lvl5pPr marL="1828800" algn="l" defTabSz="914400" rtl="0" eaLnBrk="1" latinLnBrk="0" hangingPunct="1">
+              <a:defRPr sz="1800" kern="1200">
+                <a:solidFill>
+                  <a:schemeClr val="tx1"/>
+                </a:solidFill>
+                <a:latin typeface="+mn-lt"/>
+                <a:ea typeface="+mn-ea"/>
+                <a:cs typeface="+mn-cs"/>
+              </a:defRPr>
+            </a:lvl5pPr>
+            <a:lvl6pPr marL="2286000" algn="l" defTabSz="914400" rtl="0" eaLnBrk="1" latinLnBrk="0" hangingPunct="1">
+              <a:defRPr sz="1800" kern="1200">
+                <a:solidFill>
+                  <a:schemeClr val="tx1"/>
+                </a:solidFill>
+                <a:latin typeface="+mn-lt"/>
+                <a:ea typeface="+mn-ea"/>
+                <a:cs typeface="+mn-cs"/>
+              </a:defRPr>
+            </a:lvl6pPr>
+            <a:lvl7pPr marL="2743200" algn="l" defTabSz="914400" rtl="0" eaLnBrk="1" latinLnBrk="0" hangingPunct="1">
+              <a:defRPr sz="1800" kern="1200">
+                <a:solidFill>
+                  <a:schemeClr val="tx1"/>
+                </a:solidFill>
+                <a:latin typeface="+mn-lt"/>
+                <a:ea typeface="+mn-ea"/>
+                <a:cs typeface="+mn-cs"/>
+              </a:defRPr>
+            </a:lvl7pPr>
+            <a:lvl8pPr marL="3200400" algn="l" defTabSz="914400" rtl="0" eaLnBrk="1" latinLnBrk="0" hangingPunct="1">
+              <a:defRPr sz="1800" kern="1200">
+                <a:solidFill>
+                  <a:schemeClr val="tx1"/>
+                </a:solidFill>
+                <a:latin typeface="+mn-lt"/>
+                <a:ea typeface="+mn-ea"/>
+                <a:cs typeface="+mn-cs"/>
+              </a:defRPr>
+            </a:lvl8pPr>
+            <a:lvl9pPr marL="3657600" algn="l" defTabSz="914400" rtl="0" eaLnBrk="1" latinLnBrk="0" hangingPunct="1">
+              <a:defRPr sz="1800" kern="1200">
+                <a:solidFill>
+                  <a:schemeClr val="tx1"/>
+                </a:solidFill>
+                <a:latin typeface="+mn-lt"/>
+                <a:ea typeface="+mn-ea"/>
+                <a:cs typeface="+mn-cs"/>
+              </a:defRPr>
+            </a:lvl9pPr>
+          </a:lstStyle>
+          <a:p>
+            <a:r>
+              <a:rPr lang="de-DE" dirty="0"/>
+              <a:t>Raytracing-System</a:t>
+            </a:r>
+            <a:endParaRPr lang="en-IN" b="1" dirty="0">
+              <a:solidFill>
+                <a:schemeClr val="tx1">
+                  <a:lumMod val="50000"/>
+                  <a:lumOff val="50000"/>
+                </a:schemeClr>
+              </a:solidFill>
+            </a:endParaRPr>
+          </a:p>
+        </p:txBody>
+      </p:sp>
+      <p:cxnSp>
+        <p:nvCxnSpPr>
+          <p:cNvPr id="5" name="Straight Connector 4">
+            <a:extLst>
+              <a:ext uri="{FF2B5EF4-FFF2-40B4-BE49-F238E27FC236}">
+                <a16:creationId xmlns:a16="http://schemas.microsoft.com/office/drawing/2014/main" id="{0B6697B4-1AD9-4089-92FD-6CFE29B6E807}"/>
+              </a:ext>
+            </a:extLst>
+          </p:cNvPr>
+          <p:cNvCxnSpPr>
+            <a:cxnSpLocks/>
+          </p:cNvCxnSpPr>
+          <p:nvPr/>
+        </p:nvCxnSpPr>
+        <p:spPr>
+          <a:xfrm>
+            <a:off x="0" y="6310312"/>
+            <a:ext cx="12192000" cy="0"/>
+          </a:xfrm>
+          <a:prstGeom prst="line">
+            <a:avLst/>
+          </a:prstGeom>
+          <a:ln/>
+        </p:spPr>
+        <p:style>
+          <a:lnRef idx="3">
+            <a:schemeClr val="dk1"/>
+          </a:lnRef>
+          <a:fillRef idx="0">
+            <a:schemeClr val="dk1"/>
+          </a:fillRef>
+          <a:effectRef idx="2">
+            <a:schemeClr val="dk1"/>
+          </a:effectRef>
+          <a:fontRef idx="minor">
+            <a:schemeClr val="tx1"/>
+          </a:fontRef>
+        </p:style>
+      </p:cxnSp>
+      <p:sp>
+        <p:nvSpPr>
+          <p:cNvPr id="6" name="Subtitle 1"/>
+          <p:cNvSpPr txBox="1">
+            <a:spLocks/>
+          </p:cNvSpPr>
+          <p:nvPr/>
+        </p:nvSpPr>
+        <p:spPr>
+          <a:xfrm>
+            <a:off x="3465319" y="563117"/>
+            <a:ext cx="5261361" cy="952870"/>
+          </a:xfrm>
+          <a:prstGeom prst="rect">
+            <a:avLst/>
+          </a:prstGeom>
+        </p:spPr>
+        <p:txBody>
+          <a:bodyPr>
+            <a:normAutofit/>
+          </a:bodyPr>
+          <a:lstStyle>
+            <a:lvl1pPr marL="228600" indent="-228600" algn="l" defTabSz="914400" rtl="0" eaLnBrk="1" latinLnBrk="0" hangingPunct="1">
+              <a:lnSpc>
+                <a:spcPct val="90000"/>
+              </a:lnSpc>
+              <a:spcBef>
+                <a:spcPts val="1000"/>
+              </a:spcBef>
+              <a:buFont typeface="Arial" panose="020B0604020202020204" pitchFamily="34" charset="0"/>
+              <a:buChar char="•"/>
+              <a:defRPr sz="2800" kern="1200">
+                <a:solidFill>
+                  <a:schemeClr val="tx1"/>
+                </a:solidFill>
+                <a:latin typeface="+mn-lt"/>
+                <a:ea typeface="+mn-ea"/>
+                <a:cs typeface="+mn-cs"/>
+              </a:defRPr>
+            </a:lvl1pPr>
+            <a:lvl2pPr marL="685800" indent="-228600" algn="l" defTabSz="914400" rtl="0" eaLnBrk="1" latinLnBrk="0" hangingPunct="1">
+              <a:lnSpc>
+                <a:spcPct val="90000"/>
+              </a:lnSpc>
+              <a:spcBef>
+                <a:spcPts val="500"/>
+              </a:spcBef>
+              <a:buFont typeface="Arial" panose="020B0604020202020204" pitchFamily="34" charset="0"/>
+              <a:buChar char="•"/>
+              <a:defRPr sz="2400" kern="1200">
+                <a:solidFill>
+                  <a:schemeClr val="tx1"/>
+                </a:solidFill>
+                <a:latin typeface="+mn-lt"/>
+                <a:ea typeface="+mn-ea"/>
+                <a:cs typeface="+mn-cs"/>
+              </a:defRPr>
+            </a:lvl2pPr>
+            <a:lvl3pPr marL="1143000" indent="-228600" algn="l" defTabSz="914400" rtl="0" eaLnBrk="1" latinLnBrk="0" hangingPunct="1">
+              <a:lnSpc>
+                <a:spcPct val="90000"/>
+              </a:lnSpc>
+              <a:spcBef>
+                <a:spcPts val="500"/>
+              </a:spcBef>
+              <a:buFont typeface="Arial" panose="020B0604020202020204" pitchFamily="34" charset="0"/>
+              <a:buChar char="•"/>
+              <a:defRPr sz="2000" kern="1200">
+                <a:solidFill>
+                  <a:schemeClr val="tx1"/>
+                </a:solidFill>
+                <a:latin typeface="+mn-lt"/>
+                <a:ea typeface="+mn-ea"/>
+                <a:cs typeface="+mn-cs"/>
+              </a:defRPr>
+            </a:lvl3pPr>
+            <a:lvl4pPr marL="1600200" indent="-228600" algn="l" defTabSz="914400" rtl="0" eaLnBrk="1" latinLnBrk="0" hangingPunct="1">
+              <a:lnSpc>
+                <a:spcPct val="90000"/>
+              </a:lnSpc>
+              <a:spcBef>
+                <a:spcPts val="500"/>
+              </a:spcBef>
+              <a:buFont typeface="Arial" panose="020B0604020202020204" pitchFamily="34" charset="0"/>
+              <a:buChar char="•"/>
+              <a:defRPr sz="1800" kern="1200">
+                <a:solidFill>
+                  <a:schemeClr val="tx1"/>
+                </a:solidFill>
+                <a:latin typeface="+mn-lt"/>
+                <a:ea typeface="+mn-ea"/>
+                <a:cs typeface="+mn-cs"/>
+              </a:defRPr>
+            </a:lvl4pPr>
+            <a:lvl5pPr marL="2057400" indent="-228600" algn="l" defTabSz="914400" rtl="0" eaLnBrk="1" latinLnBrk="0" hangingPunct="1">
+              <a:lnSpc>
+                <a:spcPct val="90000"/>
+              </a:lnSpc>
+              <a:spcBef>
+                <a:spcPts val="500"/>
+              </a:spcBef>
+              <a:buFont typeface="Arial" panose="020B0604020202020204" pitchFamily="34" charset="0"/>
+              <a:buChar char="•"/>
+              <a:defRPr sz="1800" kern="1200">
+                <a:solidFill>
+                  <a:schemeClr val="tx1"/>
+                </a:solidFill>
+                <a:latin typeface="+mn-lt"/>
+                <a:ea typeface="+mn-ea"/>
+                <a:cs typeface="+mn-cs"/>
+              </a:defRPr>
+            </a:lvl5pPr>
+            <a:lvl6pPr marL="2514600" indent="-228600" algn="l" defTabSz="914400" rtl="0" eaLnBrk="1" latinLnBrk="0" hangingPunct="1">
+              <a:lnSpc>
+                <a:spcPct val="90000"/>
+              </a:lnSpc>
+              <a:spcBef>
+                <a:spcPts val="500"/>
+              </a:spcBef>
+              <a:buFont typeface="Arial" panose="020B0604020202020204" pitchFamily="34" charset="0"/>
+              <a:buChar char="•"/>
+              <a:defRPr sz="1800" kern="1200">
+                <a:solidFill>
+                  <a:schemeClr val="tx1"/>
+                </a:solidFill>
+                <a:latin typeface="+mn-lt"/>
+                <a:ea typeface="+mn-ea"/>
+                <a:cs typeface="+mn-cs"/>
+              </a:defRPr>
+            </a:lvl6pPr>
+            <a:lvl7pPr marL="2971800" indent="-228600" algn="l" defTabSz="914400" rtl="0" eaLnBrk="1" latinLnBrk="0" hangingPunct="1">
+              <a:lnSpc>
+                <a:spcPct val="90000"/>
+              </a:lnSpc>
+              <a:spcBef>
+                <a:spcPts val="500"/>
+              </a:spcBef>
+              <a:buFont typeface="Arial" panose="020B0604020202020204" pitchFamily="34" charset="0"/>
+              <a:buChar char="•"/>
+              <a:defRPr sz="1800" kern="1200">
+                <a:solidFill>
+                  <a:schemeClr val="tx1"/>
+                </a:solidFill>
+                <a:latin typeface="+mn-lt"/>
+                <a:ea typeface="+mn-ea"/>
+                <a:cs typeface="+mn-cs"/>
+              </a:defRPr>
+            </a:lvl7pPr>
+            <a:lvl8pPr marL="3429000" indent="-228600" algn="l" defTabSz="914400" rtl="0" eaLnBrk="1" latinLnBrk="0" hangingPunct="1">
+              <a:lnSpc>
+                <a:spcPct val="90000"/>
+              </a:lnSpc>
+              <a:spcBef>
+                <a:spcPts val="500"/>
+              </a:spcBef>
+              <a:buFont typeface="Arial" panose="020B0604020202020204" pitchFamily="34" charset="0"/>
+              <a:buChar char="•"/>
+              <a:defRPr sz="1800" kern="1200">
+                <a:solidFill>
+                  <a:schemeClr val="tx1"/>
+                </a:solidFill>
+                <a:latin typeface="+mn-lt"/>
+                <a:ea typeface="+mn-ea"/>
+                <a:cs typeface="+mn-cs"/>
+              </a:defRPr>
+            </a:lvl8pPr>
+            <a:lvl9pPr marL="3886200" indent="-228600" algn="l" defTabSz="914400" rtl="0" eaLnBrk="1" latinLnBrk="0" hangingPunct="1">
+              <a:lnSpc>
+                <a:spcPct val="90000"/>
+              </a:lnSpc>
+              <a:spcBef>
+                <a:spcPts val="500"/>
+              </a:spcBef>
+              <a:buFont typeface="Arial" panose="020B0604020202020204" pitchFamily="34" charset="0"/>
+              <a:buChar char="•"/>
+              <a:defRPr sz="1800" kern="1200">
+                <a:solidFill>
+                  <a:schemeClr val="tx1"/>
+                </a:solidFill>
+                <a:latin typeface="+mn-lt"/>
+                <a:ea typeface="+mn-ea"/>
+                <a:cs typeface="+mn-cs"/>
+              </a:defRPr>
+            </a:lvl9pPr>
+          </a:lstStyle>
+          <a:p>
+            <a:pPr marL="0" indent="0" algn="ctr">
+              <a:buNone/>
+            </a:pPr>
+            <a:r>
+              <a:rPr lang="de-DE" sz="3600" dirty="0"/>
+              <a:t>Evolution des Systems</a:t>
+            </a:r>
+          </a:p>
+        </p:txBody>
+      </p:sp>
+      <p:sp>
+        <p:nvSpPr>
+          <p:cNvPr id="7" name="TextBox 6"/>
+          <p:cNvSpPr txBox="1"/>
+          <p:nvPr/>
+        </p:nvSpPr>
+        <p:spPr>
+          <a:xfrm>
+            <a:off x="401471" y="1175329"/>
             <a:ext cx="10491118" cy="523220"/>
           </a:xfrm>
           <a:prstGeom prst="rect">
@@ -8838,7 +10102,7 @@
 </p:sld>
 </file>
 
-<file path=ppt/slides/slide14.xml><?xml version="1.0" encoding="utf-8"?>
+<file path=ppt/slides/slide15.xml><?xml version="1.0" encoding="utf-8"?>
 <p:sld xmlns:a="http://schemas.openxmlformats.org/drawingml/2006/main" xmlns:r="http://schemas.openxmlformats.org/officeDocument/2006/relationships" xmlns:p="http://schemas.openxmlformats.org/presentationml/2006/main">
   <p:cSld>
     <p:spTree>
@@ -9942,110 +11206,12 @@
           </a:p>
         </p:txBody>
       </p:sp>
-      <p:sp>
-        <p:nvSpPr>
-          <p:cNvPr id="4" name="TextBox 3"/>
-          <p:cNvSpPr txBox="1"/>
-          <p:nvPr/>
-        </p:nvSpPr>
-        <p:spPr>
-          <a:xfrm>
-            <a:off x="888761" y="1404677"/>
-            <a:ext cx="6486259" cy="2862322"/>
-          </a:xfrm>
-          <a:prstGeom prst="rect">
-            <a:avLst/>
-          </a:prstGeom>
-          <a:noFill/>
-        </p:spPr>
-        <p:txBody>
-          <a:bodyPr wrap="square" rtlCol="0">
-            <a:spAutoFit/>
-          </a:bodyPr>
-          <a:lstStyle/>
-          <a:p>
-            <a:r>
-              <a:rPr lang="de-DE" dirty="0"/>
-              <a:t>Raytracing ist ein </a:t>
-            </a:r>
-            <a:r>
-              <a:rPr lang="de-DE" dirty="0" err="1"/>
-              <a:t>Rendernverfahren</a:t>
-            </a:r>
-            <a:r>
-              <a:rPr lang="de-DE" dirty="0"/>
-              <a:t> zur Projektion der dreidimensionale Geometrie zu zweidimensionale </a:t>
-            </a:r>
-            <a:r>
-              <a:rPr lang="de-DE" dirty="0" err="1"/>
-              <a:t>BIldebene</a:t>
-            </a:r>
-            <a:r>
-              <a:rPr lang="de-DE" dirty="0"/>
-              <a:t>.</a:t>
-            </a:r>
-          </a:p>
-          <a:p>
-            <a:endParaRPr lang="de-DE" dirty="0"/>
-          </a:p>
-          <a:p>
-            <a:r>
-              <a:rPr lang="de-DE" dirty="0"/>
-              <a:t>Dies Verfahren erfolgt anhand Strahlen, die von Kamera für jede Pixel der Bildebene erzeugt werden.</a:t>
-            </a:r>
-          </a:p>
-          <a:p>
-            <a:endParaRPr lang="de-DE" dirty="0"/>
-          </a:p>
-          <a:p>
-            <a:pPr marL="285750" indent="-285750">
-              <a:buFont typeface="Arial" panose="020B0604020202020204" pitchFamily="34" charset="0"/>
-              <a:buChar char="•"/>
-            </a:pPr>
-            <a:r>
-              <a:rPr lang="de-DE" dirty="0"/>
-              <a:t>In Bildreihenfolge rendern</a:t>
-            </a:r>
-          </a:p>
-          <a:p>
-            <a:pPr marL="285750" indent="-285750">
-              <a:buFont typeface="Arial" panose="020B0604020202020204" pitchFamily="34" charset="0"/>
-              <a:buChar char="•"/>
-            </a:pPr>
-            <a:r>
-              <a:rPr lang="de-DE" dirty="0"/>
-              <a:t>Ermittlung eines Ausschnitts</a:t>
-            </a:r>
-          </a:p>
-          <a:p>
-            <a:pPr marL="285750" indent="-285750">
-              <a:buFont typeface="Arial" panose="020B0604020202020204" pitchFamily="34" charset="0"/>
-              <a:buChar char="•"/>
-            </a:pPr>
-            <a:r>
-              <a:rPr lang="de-DE" dirty="0" err="1"/>
-              <a:t>Shading</a:t>
-            </a:r>
-            <a:endParaRPr lang="de-DE" dirty="0"/>
-          </a:p>
-          <a:p>
-            <a:pPr marL="285750" indent="-285750">
-              <a:buFont typeface="Arial" panose="020B0604020202020204" pitchFamily="34" charset="0"/>
-              <a:buChar char="•"/>
-            </a:pPr>
-            <a:r>
-              <a:rPr lang="de-DE" dirty="0"/>
-              <a:t>Zwischen Schnittpunkt und Lichtquelle, gibt es Objekt?</a:t>
-            </a:r>
-          </a:p>
-        </p:txBody>
-      </p:sp>
       <p:pic>
         <p:nvPicPr>
-          <p:cNvPr id="12" name="Grafik 11">
-            <a:extLst>
-              <a:ext uri="{FF2B5EF4-FFF2-40B4-BE49-F238E27FC236}">
-                <a16:creationId xmlns:a16="http://schemas.microsoft.com/office/drawing/2014/main" id="{F35D5867-6F2F-4B32-AEFB-F7B07A4DF8D3}"/>
+          <p:cNvPr id="5" name="Grafik 4">
+            <a:extLst>
+              <a:ext uri="{FF2B5EF4-FFF2-40B4-BE49-F238E27FC236}">
+                <a16:creationId xmlns:a16="http://schemas.microsoft.com/office/drawing/2014/main" id="{4A93780C-CA26-46D6-8237-78A650F38E27}"/>
               </a:ext>
             </a:extLst>
           </p:cNvPr>
@@ -10060,9 +11226,6 @@
               <a:ext uri="{28A0092B-C50C-407E-A947-70E740481C1C}">
                 <a14:useLocalDpi xmlns:a14="http://schemas.microsoft.com/office/drawing/2010/main" val="0"/>
               </a:ext>
-              <a:ext uri="{96DAC541-7B7A-43D3-8B79-37D633B846F1}">
-                <asvg:svgBlip xmlns:asvg="http://schemas.microsoft.com/office/drawing/2016/SVG/main" r:embed="rId4"/>
-              </a:ext>
             </a:extLst>
           </a:blip>
           <a:stretch>
@@ -10071,8 +11234,8 @@
         </p:blipFill>
         <p:spPr>
           <a:xfrm>
-            <a:off x="8514940" y="3685862"/>
-            <a:ext cx="2554021" cy="2259326"/>
+            <a:off x="5836578" y="605453"/>
+            <a:ext cx="5715000" cy="5715000"/>
           </a:xfrm>
           <a:prstGeom prst="rect">
             <a:avLst/>
@@ -10081,10 +11244,10 @@
       </p:pic>
       <p:pic>
         <p:nvPicPr>
-          <p:cNvPr id="13" name="Picture 10">
-            <a:extLst>
-              <a:ext uri="{FF2B5EF4-FFF2-40B4-BE49-F238E27FC236}">
-                <a16:creationId xmlns:a16="http://schemas.microsoft.com/office/drawing/2014/main" id="{794EC1BC-7AB7-40AF-91C8-F500C223A86E}"/>
+          <p:cNvPr id="16" name="Grafik 15">
+            <a:extLst>
+              <a:ext uri="{FF2B5EF4-FFF2-40B4-BE49-F238E27FC236}">
+                <a16:creationId xmlns:a16="http://schemas.microsoft.com/office/drawing/2014/main" id="{5A8B1AA3-C7CC-4765-9F8E-121DCB4D6FC2}"/>
               </a:ext>
             </a:extLst>
           </p:cNvPr>
@@ -10094,7 +11257,7 @@
           <p:nvPr/>
         </p:nvPicPr>
         <p:blipFill>
-          <a:blip r:embed="rId5">
+          <a:blip r:embed="rId4">
             <a:extLst>
               <a:ext uri="{28A0092B-C50C-407E-A947-70E740481C1C}">
                 <a14:useLocalDpi xmlns:a14="http://schemas.microsoft.com/office/drawing/2010/main" val="0"/>
@@ -10107,8 +11270,8 @@
         </p:blipFill>
         <p:spPr>
           <a:xfrm>
-            <a:off x="8431078" y="1243974"/>
-            <a:ext cx="2747829" cy="2259326"/>
+            <a:off x="1159892" y="1103787"/>
+            <a:ext cx="4876800" cy="4876800"/>
           </a:xfrm>
           <a:prstGeom prst="rect">
             <a:avLst/>
@@ -10117,10 +11280,10 @@
       </p:pic>
       <p:sp>
         <p:nvSpPr>
-          <p:cNvPr id="14" name="Textfeld 13">
-            <a:extLst>
-              <a:ext uri="{FF2B5EF4-FFF2-40B4-BE49-F238E27FC236}">
-                <a16:creationId xmlns:a16="http://schemas.microsoft.com/office/drawing/2014/main" id="{C023F1D0-61D4-4CE1-8AAF-F3053FC9239D}"/>
+          <p:cNvPr id="17" name="Textfeld 16">
+            <a:extLst>
+              <a:ext uri="{FF2B5EF4-FFF2-40B4-BE49-F238E27FC236}">
+                <a16:creationId xmlns:a16="http://schemas.microsoft.com/office/drawing/2014/main" id="{6950562D-25F3-42C0-9B98-3957B5DF6C7C}"/>
               </a:ext>
             </a:extLst>
           </p:cNvPr>
@@ -10129,8 +11292,8 @@
         </p:nvSpPr>
         <p:spPr>
           <a:xfrm>
-            <a:off x="10305292" y="2142804"/>
-            <a:ext cx="763669" cy="461665"/>
+            <a:off x="1273996" y="870116"/>
+            <a:ext cx="2583718" cy="369332"/>
           </a:xfrm>
           <a:prstGeom prst="rect">
             <a:avLst/>
@@ -10144,12 +11307,8 @@
           <a:lstStyle/>
           <a:p>
             <a:r>
-              <a:rPr lang="de-DE" sz="2400" dirty="0">
-                <a:solidFill>
-                  <a:srgbClr val="FF0000"/>
-                </a:solidFill>
-              </a:rPr>
-              <a:t>A</a:t>
+              <a:rPr lang="de-DE" dirty="0"/>
+              <a:t>Am 5. August anfangen…</a:t>
             </a:r>
           </a:p>
         </p:txBody>
@@ -10157,7 +11316,7 @@
     </p:spTree>
     <p:extLst>
       <p:ext uri="{BB962C8B-B14F-4D97-AF65-F5344CB8AC3E}">
-        <p14:creationId xmlns:p14="http://schemas.microsoft.com/office/powerpoint/2010/main" val="986275099"/>
+        <p14:creationId xmlns:p14="http://schemas.microsoft.com/office/powerpoint/2010/main" val="1205880269"/>
       </p:ext>
     </p:extLst>
   </p:cSld>
@@ -10186,7 +11345,7 @@
       </p:grpSpPr>
       <p:sp>
         <p:nvSpPr>
-          <p:cNvPr id="2" name="Date Placeholder 2">
+          <p:cNvPr id="6" name="Date Placeholder 2">
             <a:extLst>
               <a:ext uri="{FF2B5EF4-FFF2-40B4-BE49-F238E27FC236}">
                 <a16:creationId xmlns:a16="http://schemas.microsoft.com/office/drawing/2014/main" id="{180FC470-B565-4FB6-B0D5-7C8F5744990B}"/>
@@ -10271,7 +11430,7 @@
       </p:sp>
       <p:sp>
         <p:nvSpPr>
-          <p:cNvPr id="3" name="Footer Placeholder 3">
+          <p:cNvPr id="7" name="Footer Placeholder 3">
             <a:extLst>
               <a:ext uri="{FF2B5EF4-FFF2-40B4-BE49-F238E27FC236}">
                 <a16:creationId xmlns:a16="http://schemas.microsoft.com/office/drawing/2014/main" id="{AA1A078D-2DA1-41AC-A894-48E19FF3FAE3}"/>
@@ -10338,7 +11497,7 @@
       </p:sp>
       <p:sp>
         <p:nvSpPr>
-          <p:cNvPr id="4" name="Date Placeholder 2">
+          <p:cNvPr id="9" name="Date Placeholder 2">
             <a:extLst>
               <a:ext uri="{FF2B5EF4-FFF2-40B4-BE49-F238E27FC236}">
                 <a16:creationId xmlns:a16="http://schemas.microsoft.com/office/drawing/2014/main" id="{254BB5F0-2280-4072-A92F-9321101FB009}"/>
@@ -10474,7 +11633,7 @@
       </p:sp>
       <p:cxnSp>
         <p:nvCxnSpPr>
-          <p:cNvPr id="5" name="Straight Connector 4">
+          <p:cNvPr id="10" name="Straight Connector 9">
             <a:extLst>
               <a:ext uri="{FF2B5EF4-FFF2-40B4-BE49-F238E27FC236}">
                 <a16:creationId xmlns:a16="http://schemas.microsoft.com/office/drawing/2014/main" id="{0B6697B4-1AD9-4089-92FD-6CFE29B6E807}"/>
@@ -10513,236 +11672,46 @@
       </p:cxnSp>
       <p:sp>
         <p:nvSpPr>
-          <p:cNvPr id="6" name="Subtitle 1"/>
-          <p:cNvSpPr txBox="1">
-            <a:spLocks/>
+          <p:cNvPr id="2" name="Subtitle 1"/>
+          <p:cNvSpPr>
+            <a:spLocks noGrp="1"/>
           </p:cNvSpPr>
-          <p:nvPr/>
-        </p:nvSpPr>
-        <p:spPr>
-          <a:xfrm>
-            <a:off x="3465319" y="563117"/>
-            <a:ext cx="5261361" cy="952870"/>
-          </a:xfrm>
-          <a:prstGeom prst="rect">
-            <a:avLst/>
-          </a:prstGeom>
+          <p:nvPr>
+            <p:ph type="subTitle" idx="1"/>
+          </p:nvPr>
+        </p:nvSpPr>
+        <p:spPr>
+          <a:xfrm>
+            <a:off x="4238714" y="260632"/>
+            <a:ext cx="3714572" cy="952870"/>
+          </a:xfrm>
         </p:spPr>
         <p:txBody>
           <a:bodyPr>
             <a:normAutofit/>
           </a:bodyPr>
-          <a:lstStyle>
-            <a:lvl1pPr marL="228600" indent="-228600" algn="l" defTabSz="914400" rtl="0" eaLnBrk="1" latinLnBrk="0" hangingPunct="1">
-              <a:lnSpc>
-                <a:spcPct val="90000"/>
-              </a:lnSpc>
-              <a:spcBef>
-                <a:spcPts val="1000"/>
-              </a:spcBef>
-              <a:buFont typeface="Arial" panose="020B0604020202020204" pitchFamily="34" charset="0"/>
-              <a:buChar char="•"/>
-              <a:defRPr sz="2800" kern="1200">
-                <a:solidFill>
-                  <a:schemeClr val="tx1"/>
-                </a:solidFill>
-                <a:latin typeface="+mn-lt"/>
-                <a:ea typeface="+mn-ea"/>
-                <a:cs typeface="+mn-cs"/>
-              </a:defRPr>
-            </a:lvl1pPr>
-            <a:lvl2pPr marL="685800" indent="-228600" algn="l" defTabSz="914400" rtl="0" eaLnBrk="1" latinLnBrk="0" hangingPunct="1">
-              <a:lnSpc>
-                <a:spcPct val="90000"/>
-              </a:lnSpc>
-              <a:spcBef>
-                <a:spcPts val="500"/>
-              </a:spcBef>
-              <a:buFont typeface="Arial" panose="020B0604020202020204" pitchFamily="34" charset="0"/>
-              <a:buChar char="•"/>
-              <a:defRPr sz="2400" kern="1200">
-                <a:solidFill>
-                  <a:schemeClr val="tx1"/>
-                </a:solidFill>
-                <a:latin typeface="+mn-lt"/>
-                <a:ea typeface="+mn-ea"/>
-                <a:cs typeface="+mn-cs"/>
-              </a:defRPr>
-            </a:lvl2pPr>
-            <a:lvl3pPr marL="1143000" indent="-228600" algn="l" defTabSz="914400" rtl="0" eaLnBrk="1" latinLnBrk="0" hangingPunct="1">
-              <a:lnSpc>
-                <a:spcPct val="90000"/>
-              </a:lnSpc>
-              <a:spcBef>
-                <a:spcPts val="500"/>
-              </a:spcBef>
-              <a:buFont typeface="Arial" panose="020B0604020202020204" pitchFamily="34" charset="0"/>
-              <a:buChar char="•"/>
-              <a:defRPr sz="2000" kern="1200">
-                <a:solidFill>
-                  <a:schemeClr val="tx1"/>
-                </a:solidFill>
-                <a:latin typeface="+mn-lt"/>
-                <a:ea typeface="+mn-ea"/>
-                <a:cs typeface="+mn-cs"/>
-              </a:defRPr>
-            </a:lvl3pPr>
-            <a:lvl4pPr marL="1600200" indent="-228600" algn="l" defTabSz="914400" rtl="0" eaLnBrk="1" latinLnBrk="0" hangingPunct="1">
-              <a:lnSpc>
-                <a:spcPct val="90000"/>
-              </a:lnSpc>
-              <a:spcBef>
-                <a:spcPts val="500"/>
-              </a:spcBef>
-              <a:buFont typeface="Arial" panose="020B0604020202020204" pitchFamily="34" charset="0"/>
-              <a:buChar char="•"/>
-              <a:defRPr sz="1800" kern="1200">
-                <a:solidFill>
-                  <a:schemeClr val="tx1"/>
-                </a:solidFill>
-                <a:latin typeface="+mn-lt"/>
-                <a:ea typeface="+mn-ea"/>
-                <a:cs typeface="+mn-cs"/>
-              </a:defRPr>
-            </a:lvl4pPr>
-            <a:lvl5pPr marL="2057400" indent="-228600" algn="l" defTabSz="914400" rtl="0" eaLnBrk="1" latinLnBrk="0" hangingPunct="1">
-              <a:lnSpc>
-                <a:spcPct val="90000"/>
-              </a:lnSpc>
-              <a:spcBef>
-                <a:spcPts val="500"/>
-              </a:spcBef>
-              <a:buFont typeface="Arial" panose="020B0604020202020204" pitchFamily="34" charset="0"/>
-              <a:buChar char="•"/>
-              <a:defRPr sz="1800" kern="1200">
-                <a:solidFill>
-                  <a:schemeClr val="tx1"/>
-                </a:solidFill>
-                <a:latin typeface="+mn-lt"/>
-                <a:ea typeface="+mn-ea"/>
-                <a:cs typeface="+mn-cs"/>
-              </a:defRPr>
-            </a:lvl5pPr>
-            <a:lvl6pPr marL="2514600" indent="-228600" algn="l" defTabSz="914400" rtl="0" eaLnBrk="1" latinLnBrk="0" hangingPunct="1">
-              <a:lnSpc>
-                <a:spcPct val="90000"/>
-              </a:lnSpc>
-              <a:spcBef>
-                <a:spcPts val="500"/>
-              </a:spcBef>
-              <a:buFont typeface="Arial" panose="020B0604020202020204" pitchFamily="34" charset="0"/>
-              <a:buChar char="•"/>
-              <a:defRPr sz="1800" kern="1200">
-                <a:solidFill>
-                  <a:schemeClr val="tx1"/>
-                </a:solidFill>
-                <a:latin typeface="+mn-lt"/>
-                <a:ea typeface="+mn-ea"/>
-                <a:cs typeface="+mn-cs"/>
-              </a:defRPr>
-            </a:lvl6pPr>
-            <a:lvl7pPr marL="2971800" indent="-228600" algn="l" defTabSz="914400" rtl="0" eaLnBrk="1" latinLnBrk="0" hangingPunct="1">
-              <a:lnSpc>
-                <a:spcPct val="90000"/>
-              </a:lnSpc>
-              <a:spcBef>
-                <a:spcPts val="500"/>
-              </a:spcBef>
-              <a:buFont typeface="Arial" panose="020B0604020202020204" pitchFamily="34" charset="0"/>
-              <a:buChar char="•"/>
-              <a:defRPr sz="1800" kern="1200">
-                <a:solidFill>
-                  <a:schemeClr val="tx1"/>
-                </a:solidFill>
-                <a:latin typeface="+mn-lt"/>
-                <a:ea typeface="+mn-ea"/>
-                <a:cs typeface="+mn-cs"/>
-              </a:defRPr>
-            </a:lvl7pPr>
-            <a:lvl8pPr marL="3429000" indent="-228600" algn="l" defTabSz="914400" rtl="0" eaLnBrk="1" latinLnBrk="0" hangingPunct="1">
-              <a:lnSpc>
-                <a:spcPct val="90000"/>
-              </a:lnSpc>
-              <a:spcBef>
-                <a:spcPts val="500"/>
-              </a:spcBef>
-              <a:buFont typeface="Arial" panose="020B0604020202020204" pitchFamily="34" charset="0"/>
-              <a:buChar char="•"/>
-              <a:defRPr sz="1800" kern="1200">
-                <a:solidFill>
-                  <a:schemeClr val="tx1"/>
-                </a:solidFill>
-                <a:latin typeface="+mn-lt"/>
-                <a:ea typeface="+mn-ea"/>
-                <a:cs typeface="+mn-cs"/>
-              </a:defRPr>
-            </a:lvl8pPr>
-            <a:lvl9pPr marL="3886200" indent="-228600" algn="l" defTabSz="914400" rtl="0" eaLnBrk="1" latinLnBrk="0" hangingPunct="1">
-              <a:lnSpc>
-                <a:spcPct val="90000"/>
-              </a:lnSpc>
-              <a:spcBef>
-                <a:spcPts val="500"/>
-              </a:spcBef>
-              <a:buFont typeface="Arial" panose="020B0604020202020204" pitchFamily="34" charset="0"/>
-              <a:buChar char="•"/>
-              <a:defRPr sz="1800" kern="1200">
-                <a:solidFill>
-                  <a:schemeClr val="tx1"/>
-                </a:solidFill>
-                <a:latin typeface="+mn-lt"/>
-                <a:ea typeface="+mn-ea"/>
-                <a:cs typeface="+mn-cs"/>
-              </a:defRPr>
-            </a:lvl9pPr>
-          </a:lstStyle>
-          <a:p>
-            <a:pPr marL="0" indent="0">
-              <a:buNone/>
-            </a:pPr>
-            <a:r>
-              <a:rPr lang="de-DE" sz="3600" dirty="0" err="1"/>
+          <a:lstStyle/>
+          <a:p>
+            <a:r>
+              <a:rPr lang="de-DE" sz="3600" dirty="0"/>
               <a:t>Raytracing</a:t>
             </a:r>
-            <a:r>
-              <a:rPr lang="de-DE" sz="3600" dirty="0"/>
-              <a:t> </a:t>
-            </a:r>
-            <a:r>
-              <a:rPr lang="de-DE" sz="3600" dirty="0" err="1"/>
-              <a:t>vs</a:t>
-            </a:r>
-            <a:r>
-              <a:rPr lang="de-DE" sz="3600" dirty="0"/>
-              <a:t> </a:t>
-            </a:r>
-            <a:r>
-              <a:rPr lang="de-DE" sz="3600" dirty="0" err="1"/>
-              <a:t>Raycasting</a:t>
-            </a:r>
+          </a:p>
+          <a:p>
             <a:endParaRPr lang="de-DE" sz="3600" dirty="0"/>
           </a:p>
-          <a:p>
-            <a:endParaRPr lang="de-DE" sz="3600" dirty="0"/>
-          </a:p>
-        </p:txBody>
-      </p:sp>
-      <p:sp>
-        <p:nvSpPr>
-          <p:cNvPr id="9" name="Textfeld 8">
-            <a:extLst>
-              <a:ext uri="{FF2B5EF4-FFF2-40B4-BE49-F238E27FC236}">
-                <a16:creationId xmlns:a16="http://schemas.microsoft.com/office/drawing/2014/main" id="{A3791A9E-10F3-43F6-B7C8-BA586DAA83A9}"/>
-              </a:ext>
-            </a:extLst>
-          </p:cNvPr>
+        </p:txBody>
+      </p:sp>
+      <p:sp>
+        <p:nvSpPr>
+          <p:cNvPr id="4" name="TextBox 3"/>
           <p:cNvSpPr txBox="1"/>
           <p:nvPr/>
         </p:nvSpPr>
         <p:spPr>
           <a:xfrm>
-            <a:off x="401470" y="1515987"/>
-            <a:ext cx="7490031" cy="1754326"/>
+            <a:off x="888761" y="1404677"/>
+            <a:ext cx="6486259" cy="2862322"/>
           </a:xfrm>
           <a:prstGeom prst="rect">
             <a:avLst/>
@@ -10756,52 +11725,87 @@
           <a:lstStyle/>
           <a:p>
             <a:r>
+              <a:rPr lang="de-DE" dirty="0"/>
+              <a:t>Raytracing ist ein </a:t>
+            </a:r>
+            <a:r>
               <a:rPr lang="de-DE" dirty="0" err="1"/>
-              <a:t>Raytracing</a:t>
+              <a:t>Rendernverfahren</a:t>
             </a:r>
             <a:r>
               <a:rPr lang="de-DE" dirty="0"/>
-              <a:t> rendern die Bildern </a:t>
-            </a:r>
-            <a:r>
-              <a:rPr lang="de-DE" b="1" dirty="0"/>
-              <a:t>rekursiv</a:t>
+              <a:t> zur Projektion der dreidimensionale Geometrie zu zweidimensionale </a:t>
+            </a:r>
+            <a:r>
+              <a:rPr lang="de-DE" dirty="0" err="1"/>
+              <a:t>BIldebene</a:t>
             </a:r>
             <a:r>
               <a:rPr lang="de-DE" dirty="0"/>
-              <a:t> und hoch detaillierten Materialeffekte.</a:t>
-            </a:r>
-          </a:p>
-          <a:p>
+              <a:t>.</a:t>
+            </a:r>
+          </a:p>
+          <a:p>
+            <a:endParaRPr lang="de-DE" dirty="0"/>
+          </a:p>
+          <a:p>
+            <a:r>
+              <a:rPr lang="de-DE" dirty="0"/>
+              <a:t>Dies Verfahren erfolgt anhand Strahlen, die von Kamera für jede Pixel der Bildebene erzeugt werden.</a:t>
+            </a:r>
+          </a:p>
+          <a:p>
+            <a:endParaRPr lang="de-DE" dirty="0"/>
+          </a:p>
+          <a:p>
+            <a:pPr marL="285750" indent="-285750">
+              <a:buFont typeface="Arial" panose="020B0604020202020204" pitchFamily="34" charset="0"/>
+              <a:buChar char="•"/>
+            </a:pPr>
+            <a:r>
+              <a:rPr lang="de-DE" dirty="0"/>
+              <a:t>In Bildreihenfolge rendern</a:t>
+            </a:r>
+          </a:p>
+          <a:p>
+            <a:pPr marL="285750" indent="-285750">
+              <a:buFont typeface="Arial" panose="020B0604020202020204" pitchFamily="34" charset="0"/>
+              <a:buChar char="•"/>
+            </a:pPr>
+            <a:r>
+              <a:rPr lang="de-DE" dirty="0"/>
+              <a:t>Ermittlung eines Ausschnitts</a:t>
+            </a:r>
+          </a:p>
+          <a:p>
+            <a:pPr marL="285750" indent="-285750">
+              <a:buFont typeface="Arial" panose="020B0604020202020204" pitchFamily="34" charset="0"/>
+              <a:buChar char="•"/>
+            </a:pPr>
             <a:r>
               <a:rPr lang="de-DE" dirty="0" err="1"/>
-              <a:t>Raytracing</a:t>
-            </a:r>
+              <a:t>Shading</a:t>
+            </a:r>
+            <a:endParaRPr lang="de-DE" dirty="0"/>
+          </a:p>
+          <a:p>
+            <a:pPr marL="285750" indent="-285750">
+              <a:buFont typeface="Arial" panose="020B0604020202020204" pitchFamily="34" charset="0"/>
+              <a:buChar char="•"/>
+            </a:pPr>
             <a:r>
               <a:rPr lang="de-DE" dirty="0"/>
-              <a:t> kann die Lichtreflexion/ -brechung/ -streuung und auch Spiegelung berechnen und auf dem Bildebene zeigen.</a:t>
-            </a:r>
-          </a:p>
-          <a:p>
-            <a:endParaRPr lang="de-DE" dirty="0"/>
-          </a:p>
-          <a:p>
-            <a:endParaRPr lang="de-DE" dirty="0"/>
-          </a:p>
-          <a:p>
-            <a:r>
-              <a:rPr lang="de-DE" dirty="0"/>
-              <a:t>ABER: langsam</a:t>
+              <a:t>Zwischen Schnittpunkt und Lichtquelle, gibt es Objekt?</a:t>
             </a:r>
           </a:p>
         </p:txBody>
       </p:sp>
       <p:pic>
         <p:nvPicPr>
-          <p:cNvPr id="12" name="Picture 7">
-            <a:extLst>
-              <a:ext uri="{FF2B5EF4-FFF2-40B4-BE49-F238E27FC236}">
-                <a16:creationId xmlns:a16="http://schemas.microsoft.com/office/drawing/2014/main" id="{48A34A4D-CA32-4DC5-BFDA-5BE327B077B4}"/>
+          <p:cNvPr id="12" name="Grafik 11">
+            <a:extLst>
+              <a:ext uri="{FF2B5EF4-FFF2-40B4-BE49-F238E27FC236}">
+                <a16:creationId xmlns:a16="http://schemas.microsoft.com/office/drawing/2014/main" id="{F35D5867-6F2F-4B32-AEFB-F7B07A4DF8D3}"/>
               </a:ext>
             </a:extLst>
           </p:cNvPr>
@@ -10811,10 +11815,13 @@
           <p:nvPr/>
         </p:nvPicPr>
         <p:blipFill>
-          <a:blip r:embed="rId3" cstate="print">
+          <a:blip r:embed="rId3">
             <a:extLst>
               <a:ext uri="{28A0092B-C50C-407E-A947-70E740481C1C}">
                 <a14:useLocalDpi xmlns:a14="http://schemas.microsoft.com/office/drawing/2010/main" val="0"/>
+              </a:ext>
+              <a:ext uri="{96DAC541-7B7A-43D3-8B79-37D633B846F1}">
+                <asvg:svgBlip xmlns:asvg="http://schemas.microsoft.com/office/drawing/2016/SVG/main" r:embed="rId4"/>
               </a:ext>
             </a:extLst>
           </a:blip>
@@ -10824,8 +11831,8 @@
         </p:blipFill>
         <p:spPr>
           <a:xfrm>
-            <a:off x="8484439" y="1166947"/>
-            <a:ext cx="2942435" cy="2465705"/>
+            <a:off x="8514940" y="3685862"/>
+            <a:ext cx="2554021" cy="2259326"/>
           </a:xfrm>
           <a:prstGeom prst="rect">
             <a:avLst/>
@@ -10834,46 +11841,10 @@
       </p:pic>
       <p:pic>
         <p:nvPicPr>
-          <p:cNvPr id="14" name="Picture 10">
-            <a:extLst>
-              <a:ext uri="{FF2B5EF4-FFF2-40B4-BE49-F238E27FC236}">
-                <a16:creationId xmlns:a16="http://schemas.microsoft.com/office/drawing/2014/main" id="{AE27490B-CDC9-42CE-B741-E5C16EF0D24E}"/>
-              </a:ext>
-            </a:extLst>
-          </p:cNvPr>
-          <p:cNvPicPr>
-            <a:picLocks noChangeAspect="1"/>
-          </p:cNvPicPr>
-          <p:nvPr/>
-        </p:nvPicPr>
-        <p:blipFill>
-          <a:blip r:embed="rId4">
-            <a:extLst>
-              <a:ext uri="{28A0092B-C50C-407E-A947-70E740481C1C}">
-                <a14:useLocalDpi xmlns:a14="http://schemas.microsoft.com/office/drawing/2010/main" val="0"/>
-              </a:ext>
-            </a:extLst>
-          </a:blip>
-          <a:stretch>
-            <a:fillRect/>
-          </a:stretch>
-        </p:blipFill>
-        <p:spPr>
-          <a:xfrm>
-            <a:off x="8532882" y="3877130"/>
-            <a:ext cx="2970853" cy="2188704"/>
-          </a:xfrm>
-          <a:prstGeom prst="rect">
-            <a:avLst/>
-          </a:prstGeom>
-        </p:spPr>
-      </p:pic>
-      <p:pic>
-        <p:nvPicPr>
-          <p:cNvPr id="16" name="Picture 11">
-            <a:extLst>
-              <a:ext uri="{FF2B5EF4-FFF2-40B4-BE49-F238E27FC236}">
-                <a16:creationId xmlns:a16="http://schemas.microsoft.com/office/drawing/2014/main" id="{6963F8D3-2D67-46BC-A0CA-1B9919ED89EB}"/>
+          <p:cNvPr id="13" name="Picture 10">
+            <a:extLst>
+              <a:ext uri="{FF2B5EF4-FFF2-40B4-BE49-F238E27FC236}">
+                <a16:creationId xmlns:a16="http://schemas.microsoft.com/office/drawing/2014/main" id="{794EC1BC-7AB7-40AF-91C8-F500C223A86E}"/>
               </a:ext>
             </a:extLst>
           </p:cNvPr>
@@ -10896,8 +11867,8 @@
         </p:blipFill>
         <p:spPr>
           <a:xfrm>
-            <a:off x="401470" y="3210826"/>
-            <a:ext cx="2970853" cy="2334966"/>
+            <a:off x="8431078" y="1243974"/>
+            <a:ext cx="2747829" cy="2259326"/>
           </a:xfrm>
           <a:prstGeom prst="rect">
             <a:avLst/>
@@ -10906,10 +11877,10 @@
       </p:pic>
       <p:sp>
         <p:nvSpPr>
-          <p:cNvPr id="7" name="Textfeld 6">
-            <a:extLst>
-              <a:ext uri="{FF2B5EF4-FFF2-40B4-BE49-F238E27FC236}">
-                <a16:creationId xmlns:a16="http://schemas.microsoft.com/office/drawing/2014/main" id="{555BF977-9614-458D-A21D-C397D873A095}"/>
+          <p:cNvPr id="14" name="Textfeld 13">
+            <a:extLst>
+              <a:ext uri="{FF2B5EF4-FFF2-40B4-BE49-F238E27FC236}">
+                <a16:creationId xmlns:a16="http://schemas.microsoft.com/office/drawing/2014/main" id="{C023F1D0-61D4-4CE1-8AAF-F3053FC9239D}"/>
               </a:ext>
             </a:extLst>
           </p:cNvPr>
@@ -10918,8 +11889,8 @@
         </p:nvSpPr>
         <p:spPr>
           <a:xfrm>
-            <a:off x="4274506" y="2888858"/>
-            <a:ext cx="3400746" cy="1754326"/>
+            <a:off x="10305292" y="2142804"/>
+            <a:ext cx="763669" cy="461665"/>
           </a:xfrm>
           <a:prstGeom prst="rect">
             <a:avLst/>
@@ -10933,123 +11904,12 @@
           <a:lstStyle/>
           <a:p>
             <a:r>
-              <a:rPr lang="de-DE" dirty="0"/>
-              <a:t>Anwendung:</a:t>
-            </a:r>
-          </a:p>
-          <a:p>
-            <a:pPr marL="285750" indent="-285750">
-              <a:buFont typeface="Arial" panose="020B0604020202020204" pitchFamily="34" charset="0"/>
-              <a:buChar char="•"/>
-            </a:pPr>
-            <a:r>
-              <a:rPr lang="de-DE" dirty="0" err="1"/>
-              <a:t>Racytraycing</a:t>
-            </a:r>
-            <a:r>
-              <a:rPr lang="de-DE" dirty="0"/>
-              <a:t> ist nicht geeignet für real time </a:t>
-            </a:r>
-            <a:r>
-              <a:rPr lang="de-DE" dirty="0" err="1"/>
-              <a:t>Renderverfahren</a:t>
-            </a:r>
-            <a:endParaRPr lang="de-DE" dirty="0"/>
-          </a:p>
-          <a:p>
-            <a:pPr marL="285750" indent="-285750">
-              <a:buFont typeface="Arial" panose="020B0604020202020204" pitchFamily="34" charset="0"/>
-              <a:buChar char="•"/>
-            </a:pPr>
-            <a:r>
-              <a:rPr lang="de-DE" dirty="0"/>
-              <a:t>Gut für Standbilder oder </a:t>
-            </a:r>
-            <a:r>
-              <a:rPr lang="de-DE" dirty="0" err="1"/>
-              <a:t>Visuelleffekt</a:t>
-            </a:r>
-            <a:endParaRPr lang="de-DE" dirty="0"/>
-          </a:p>
-          <a:p>
-            <a:endParaRPr lang="de-DE" dirty="0"/>
-          </a:p>
-        </p:txBody>
-      </p:sp>
-      <p:sp>
-        <p:nvSpPr>
-          <p:cNvPr id="17" name="Textfeld 16">
-            <a:extLst>
-              <a:ext uri="{FF2B5EF4-FFF2-40B4-BE49-F238E27FC236}">
-                <a16:creationId xmlns:a16="http://schemas.microsoft.com/office/drawing/2014/main" id="{9958ADC4-4193-4E16-8E74-54E00AB2BFA8}"/>
-              </a:ext>
-            </a:extLst>
-          </p:cNvPr>
-          <p:cNvSpPr txBox="1"/>
-          <p:nvPr/>
-        </p:nvSpPr>
-        <p:spPr>
-          <a:xfrm>
-            <a:off x="2435288" y="4147476"/>
-            <a:ext cx="763669" cy="461665"/>
-          </a:xfrm>
-          <a:prstGeom prst="rect">
-            <a:avLst/>
-          </a:prstGeom>
-          <a:noFill/>
-        </p:spPr>
-        <p:txBody>
-          <a:bodyPr wrap="square" rtlCol="0">
-            <a:spAutoFit/>
-          </a:bodyPr>
-          <a:lstStyle/>
-          <a:p>
-            <a:r>
               <a:rPr lang="de-DE" sz="2400" dirty="0">
                 <a:solidFill>
                   <a:srgbClr val="FF0000"/>
                 </a:solidFill>
               </a:rPr>
               <a:t>A</a:t>
-            </a:r>
-          </a:p>
-        </p:txBody>
-      </p:sp>
-      <p:sp>
-        <p:nvSpPr>
-          <p:cNvPr id="18" name="Textfeld 17">
-            <a:extLst>
-              <a:ext uri="{FF2B5EF4-FFF2-40B4-BE49-F238E27FC236}">
-                <a16:creationId xmlns:a16="http://schemas.microsoft.com/office/drawing/2014/main" id="{3272F5B2-D8C9-4FAA-9031-EB9322CFFC1C}"/>
-              </a:ext>
-            </a:extLst>
-          </p:cNvPr>
-          <p:cNvSpPr txBox="1"/>
-          <p:nvPr/>
-        </p:nvSpPr>
-        <p:spPr>
-          <a:xfrm>
-            <a:off x="1882713" y="3346970"/>
-            <a:ext cx="763669" cy="461665"/>
-          </a:xfrm>
-          <a:prstGeom prst="rect">
-            <a:avLst/>
-          </a:prstGeom>
-          <a:noFill/>
-        </p:spPr>
-        <p:txBody>
-          <a:bodyPr wrap="square" rtlCol="0">
-            <a:spAutoFit/>
-          </a:bodyPr>
-          <a:lstStyle/>
-          <a:p>
-            <a:r>
-              <a:rPr lang="de-DE" sz="2400" dirty="0">
-                <a:solidFill>
-                  <a:srgbClr val="FF0000"/>
-                </a:solidFill>
-              </a:rPr>
-              <a:t>B</a:t>
             </a:r>
           </a:p>
         </p:txBody>
@@ -11057,7 +11917,7 @@
     </p:spTree>
     <p:extLst>
       <p:ext uri="{BB962C8B-B14F-4D97-AF65-F5344CB8AC3E}">
-        <p14:creationId xmlns:p14="http://schemas.microsoft.com/office/powerpoint/2010/main" val="628553723"/>
+        <p14:creationId xmlns:p14="http://schemas.microsoft.com/office/powerpoint/2010/main" val="986275099"/>
       </p:ext>
     </p:extLst>
   </p:cSld>
@@ -11597,12 +12457,359 @@
             </a:lvl9pPr>
           </a:lstStyle>
           <a:p>
-            <a:pPr marL="0" indent="0" algn="ctr">
+            <a:pPr marL="0" indent="0">
               <a:buNone/>
             </a:pPr>
             <a:r>
+              <a:rPr lang="de-DE" sz="3600" dirty="0" err="1"/>
+              <a:t>Raytracing</a:t>
+            </a:r>
+            <a:r>
               <a:rPr lang="de-DE" sz="3600" dirty="0"/>
-              <a:t>UML - Klassendiagramm</a:t>
+              <a:t> </a:t>
+            </a:r>
+            <a:r>
+              <a:rPr lang="de-DE" sz="3600" dirty="0" err="1"/>
+              <a:t>vs</a:t>
+            </a:r>
+            <a:r>
+              <a:rPr lang="de-DE" sz="3600" dirty="0"/>
+              <a:t> </a:t>
+            </a:r>
+            <a:r>
+              <a:rPr lang="de-DE" sz="3600" dirty="0" err="1"/>
+              <a:t>Raycasting</a:t>
+            </a:r>
+            <a:endParaRPr lang="de-DE" sz="3600" dirty="0"/>
+          </a:p>
+          <a:p>
+            <a:endParaRPr lang="de-DE" sz="3600" dirty="0"/>
+          </a:p>
+        </p:txBody>
+      </p:sp>
+      <p:sp>
+        <p:nvSpPr>
+          <p:cNvPr id="9" name="Textfeld 8">
+            <a:extLst>
+              <a:ext uri="{FF2B5EF4-FFF2-40B4-BE49-F238E27FC236}">
+                <a16:creationId xmlns:a16="http://schemas.microsoft.com/office/drawing/2014/main" id="{A3791A9E-10F3-43F6-B7C8-BA586DAA83A9}"/>
+              </a:ext>
+            </a:extLst>
+          </p:cNvPr>
+          <p:cNvSpPr txBox="1"/>
+          <p:nvPr/>
+        </p:nvSpPr>
+        <p:spPr>
+          <a:xfrm>
+            <a:off x="401470" y="1515987"/>
+            <a:ext cx="7490031" cy="1754326"/>
+          </a:xfrm>
+          <a:prstGeom prst="rect">
+            <a:avLst/>
+          </a:prstGeom>
+          <a:noFill/>
+        </p:spPr>
+        <p:txBody>
+          <a:bodyPr wrap="square" rtlCol="0">
+            <a:spAutoFit/>
+          </a:bodyPr>
+          <a:lstStyle/>
+          <a:p>
+            <a:r>
+              <a:rPr lang="de-DE" dirty="0" err="1"/>
+              <a:t>Raytracing</a:t>
+            </a:r>
+            <a:r>
+              <a:rPr lang="de-DE" dirty="0"/>
+              <a:t> rendern die Bildern </a:t>
+            </a:r>
+            <a:r>
+              <a:rPr lang="de-DE" b="1" dirty="0"/>
+              <a:t>rekursiv</a:t>
+            </a:r>
+            <a:r>
+              <a:rPr lang="de-DE" dirty="0"/>
+              <a:t> und hoch detaillierten Materialeffekte.</a:t>
+            </a:r>
+          </a:p>
+          <a:p>
+            <a:r>
+              <a:rPr lang="de-DE" dirty="0" err="1"/>
+              <a:t>Raytracing</a:t>
+            </a:r>
+            <a:r>
+              <a:rPr lang="de-DE" dirty="0"/>
+              <a:t> kann die Lichtreflexion/ -brechung/ -streuung und auch Spiegelung berechnen und auf dem Bildebene zeigen.</a:t>
+            </a:r>
+          </a:p>
+          <a:p>
+            <a:endParaRPr lang="de-DE" dirty="0"/>
+          </a:p>
+          <a:p>
+            <a:endParaRPr lang="de-DE" dirty="0"/>
+          </a:p>
+          <a:p>
+            <a:r>
+              <a:rPr lang="de-DE" dirty="0"/>
+              <a:t>ABER: langsam</a:t>
+            </a:r>
+          </a:p>
+        </p:txBody>
+      </p:sp>
+      <p:pic>
+        <p:nvPicPr>
+          <p:cNvPr id="12" name="Picture 7">
+            <a:extLst>
+              <a:ext uri="{FF2B5EF4-FFF2-40B4-BE49-F238E27FC236}">
+                <a16:creationId xmlns:a16="http://schemas.microsoft.com/office/drawing/2014/main" id="{48A34A4D-CA32-4DC5-BFDA-5BE327B077B4}"/>
+              </a:ext>
+            </a:extLst>
+          </p:cNvPr>
+          <p:cNvPicPr>
+            <a:picLocks noChangeAspect="1"/>
+          </p:cNvPicPr>
+          <p:nvPr/>
+        </p:nvPicPr>
+        <p:blipFill>
+          <a:blip r:embed="rId3" cstate="print">
+            <a:extLst>
+              <a:ext uri="{28A0092B-C50C-407E-A947-70E740481C1C}">
+                <a14:useLocalDpi xmlns:a14="http://schemas.microsoft.com/office/drawing/2010/main" val="0"/>
+              </a:ext>
+            </a:extLst>
+          </a:blip>
+          <a:stretch>
+            <a:fillRect/>
+          </a:stretch>
+        </p:blipFill>
+        <p:spPr>
+          <a:xfrm>
+            <a:off x="8484439" y="1166947"/>
+            <a:ext cx="2942435" cy="2465705"/>
+          </a:xfrm>
+          <a:prstGeom prst="rect">
+            <a:avLst/>
+          </a:prstGeom>
+        </p:spPr>
+      </p:pic>
+      <p:pic>
+        <p:nvPicPr>
+          <p:cNvPr id="14" name="Picture 10">
+            <a:extLst>
+              <a:ext uri="{FF2B5EF4-FFF2-40B4-BE49-F238E27FC236}">
+                <a16:creationId xmlns:a16="http://schemas.microsoft.com/office/drawing/2014/main" id="{AE27490B-CDC9-42CE-B741-E5C16EF0D24E}"/>
+              </a:ext>
+            </a:extLst>
+          </p:cNvPr>
+          <p:cNvPicPr>
+            <a:picLocks noChangeAspect="1"/>
+          </p:cNvPicPr>
+          <p:nvPr/>
+        </p:nvPicPr>
+        <p:blipFill>
+          <a:blip r:embed="rId4">
+            <a:extLst>
+              <a:ext uri="{28A0092B-C50C-407E-A947-70E740481C1C}">
+                <a14:useLocalDpi xmlns:a14="http://schemas.microsoft.com/office/drawing/2010/main" val="0"/>
+              </a:ext>
+            </a:extLst>
+          </a:blip>
+          <a:stretch>
+            <a:fillRect/>
+          </a:stretch>
+        </p:blipFill>
+        <p:spPr>
+          <a:xfrm>
+            <a:off x="8532882" y="3877130"/>
+            <a:ext cx="2970853" cy="2188704"/>
+          </a:xfrm>
+          <a:prstGeom prst="rect">
+            <a:avLst/>
+          </a:prstGeom>
+        </p:spPr>
+      </p:pic>
+      <p:pic>
+        <p:nvPicPr>
+          <p:cNvPr id="16" name="Picture 11">
+            <a:extLst>
+              <a:ext uri="{FF2B5EF4-FFF2-40B4-BE49-F238E27FC236}">
+                <a16:creationId xmlns:a16="http://schemas.microsoft.com/office/drawing/2014/main" id="{6963F8D3-2D67-46BC-A0CA-1B9919ED89EB}"/>
+              </a:ext>
+            </a:extLst>
+          </p:cNvPr>
+          <p:cNvPicPr>
+            <a:picLocks noChangeAspect="1"/>
+          </p:cNvPicPr>
+          <p:nvPr/>
+        </p:nvPicPr>
+        <p:blipFill>
+          <a:blip r:embed="rId5">
+            <a:extLst>
+              <a:ext uri="{28A0092B-C50C-407E-A947-70E740481C1C}">
+                <a14:useLocalDpi xmlns:a14="http://schemas.microsoft.com/office/drawing/2010/main" val="0"/>
+              </a:ext>
+            </a:extLst>
+          </a:blip>
+          <a:stretch>
+            <a:fillRect/>
+          </a:stretch>
+        </p:blipFill>
+        <p:spPr>
+          <a:xfrm>
+            <a:off x="401470" y="3210826"/>
+            <a:ext cx="2970853" cy="2334966"/>
+          </a:xfrm>
+          <a:prstGeom prst="rect">
+            <a:avLst/>
+          </a:prstGeom>
+        </p:spPr>
+      </p:pic>
+      <p:sp>
+        <p:nvSpPr>
+          <p:cNvPr id="7" name="Textfeld 6">
+            <a:extLst>
+              <a:ext uri="{FF2B5EF4-FFF2-40B4-BE49-F238E27FC236}">
+                <a16:creationId xmlns:a16="http://schemas.microsoft.com/office/drawing/2014/main" id="{555BF977-9614-458D-A21D-C397D873A095}"/>
+              </a:ext>
+            </a:extLst>
+          </p:cNvPr>
+          <p:cNvSpPr txBox="1"/>
+          <p:nvPr/>
+        </p:nvSpPr>
+        <p:spPr>
+          <a:xfrm>
+            <a:off x="4274506" y="2888858"/>
+            <a:ext cx="3400746" cy="1754326"/>
+          </a:xfrm>
+          <a:prstGeom prst="rect">
+            <a:avLst/>
+          </a:prstGeom>
+          <a:noFill/>
+        </p:spPr>
+        <p:txBody>
+          <a:bodyPr wrap="square" rtlCol="0">
+            <a:spAutoFit/>
+          </a:bodyPr>
+          <a:lstStyle/>
+          <a:p>
+            <a:r>
+              <a:rPr lang="de-DE" dirty="0"/>
+              <a:t>Anwendung:</a:t>
+            </a:r>
+          </a:p>
+          <a:p>
+            <a:pPr marL="285750" indent="-285750">
+              <a:buFont typeface="Arial" panose="020B0604020202020204" pitchFamily="34" charset="0"/>
+              <a:buChar char="•"/>
+            </a:pPr>
+            <a:r>
+              <a:rPr lang="de-DE" dirty="0" err="1"/>
+              <a:t>Racytraycing</a:t>
+            </a:r>
+            <a:r>
+              <a:rPr lang="de-DE" dirty="0"/>
+              <a:t> ist nicht geeignet für real time </a:t>
+            </a:r>
+            <a:r>
+              <a:rPr lang="de-DE" dirty="0" err="1"/>
+              <a:t>Renderverfahren</a:t>
+            </a:r>
+            <a:endParaRPr lang="de-DE" dirty="0"/>
+          </a:p>
+          <a:p>
+            <a:pPr marL="285750" indent="-285750">
+              <a:buFont typeface="Arial" panose="020B0604020202020204" pitchFamily="34" charset="0"/>
+              <a:buChar char="•"/>
+            </a:pPr>
+            <a:r>
+              <a:rPr lang="de-DE" dirty="0"/>
+              <a:t>Gut für Standbilder oder </a:t>
+            </a:r>
+            <a:r>
+              <a:rPr lang="de-DE" dirty="0" err="1"/>
+              <a:t>Visuelleffekt</a:t>
+            </a:r>
+            <a:endParaRPr lang="de-DE" dirty="0"/>
+          </a:p>
+          <a:p>
+            <a:endParaRPr lang="de-DE" dirty="0"/>
+          </a:p>
+        </p:txBody>
+      </p:sp>
+      <p:sp>
+        <p:nvSpPr>
+          <p:cNvPr id="17" name="Textfeld 16">
+            <a:extLst>
+              <a:ext uri="{FF2B5EF4-FFF2-40B4-BE49-F238E27FC236}">
+                <a16:creationId xmlns:a16="http://schemas.microsoft.com/office/drawing/2014/main" id="{9958ADC4-4193-4E16-8E74-54E00AB2BFA8}"/>
+              </a:ext>
+            </a:extLst>
+          </p:cNvPr>
+          <p:cNvSpPr txBox="1"/>
+          <p:nvPr/>
+        </p:nvSpPr>
+        <p:spPr>
+          <a:xfrm>
+            <a:off x="2435288" y="4147476"/>
+            <a:ext cx="763669" cy="461665"/>
+          </a:xfrm>
+          <a:prstGeom prst="rect">
+            <a:avLst/>
+          </a:prstGeom>
+          <a:noFill/>
+        </p:spPr>
+        <p:txBody>
+          <a:bodyPr wrap="square" rtlCol="0">
+            <a:spAutoFit/>
+          </a:bodyPr>
+          <a:lstStyle/>
+          <a:p>
+            <a:r>
+              <a:rPr lang="de-DE" sz="2400" dirty="0">
+                <a:solidFill>
+                  <a:srgbClr val="FF0000"/>
+                </a:solidFill>
+              </a:rPr>
+              <a:t>A</a:t>
+            </a:r>
+          </a:p>
+        </p:txBody>
+      </p:sp>
+      <p:sp>
+        <p:nvSpPr>
+          <p:cNvPr id="18" name="Textfeld 17">
+            <a:extLst>
+              <a:ext uri="{FF2B5EF4-FFF2-40B4-BE49-F238E27FC236}">
+                <a16:creationId xmlns:a16="http://schemas.microsoft.com/office/drawing/2014/main" id="{3272F5B2-D8C9-4FAA-9031-EB9322CFFC1C}"/>
+              </a:ext>
+            </a:extLst>
+          </p:cNvPr>
+          <p:cNvSpPr txBox="1"/>
+          <p:nvPr/>
+        </p:nvSpPr>
+        <p:spPr>
+          <a:xfrm>
+            <a:off x="1882713" y="3346970"/>
+            <a:ext cx="763669" cy="461665"/>
+          </a:xfrm>
+          <a:prstGeom prst="rect">
+            <a:avLst/>
+          </a:prstGeom>
+          <a:noFill/>
+        </p:spPr>
+        <p:txBody>
+          <a:bodyPr wrap="square" rtlCol="0">
+            <a:spAutoFit/>
+          </a:bodyPr>
+          <a:lstStyle/>
+          <a:p>
+            <a:r>
+              <a:rPr lang="de-DE" sz="2400" dirty="0">
+                <a:solidFill>
+                  <a:srgbClr val="FF0000"/>
+                </a:solidFill>
+              </a:rPr>
+              <a:t>B</a:t>
             </a:r>
           </a:p>
         </p:txBody>
@@ -11610,7 +12817,7 @@
     </p:spTree>
     <p:extLst>
       <p:ext uri="{BB962C8B-B14F-4D97-AF65-F5344CB8AC3E}">
-        <p14:creationId xmlns:p14="http://schemas.microsoft.com/office/powerpoint/2010/main" val="3222494503"/>
+        <p14:creationId xmlns:p14="http://schemas.microsoft.com/office/powerpoint/2010/main" val="628553723"/>
       </p:ext>
     </p:extLst>
   </p:cSld>
@@ -12155,256 +13362,15 @@
             </a:pPr>
             <a:r>
               <a:rPr lang="de-DE" sz="3600" dirty="0"/>
-              <a:t>Evolution des Systems</a:t>
-            </a:r>
-          </a:p>
-        </p:txBody>
-      </p:sp>
-      <p:pic>
-        <p:nvPicPr>
-          <p:cNvPr id="9" name="Picture 8"/>
-          <p:cNvPicPr>
-            <a:picLocks noChangeAspect="1"/>
-          </p:cNvPicPr>
-          <p:nvPr/>
-        </p:nvPicPr>
-        <p:blipFill>
-          <a:blip r:embed="rId2">
-            <a:extLst>
-              <a:ext uri="{28A0092B-C50C-407E-A947-70E740481C1C}">
-                <a14:useLocalDpi xmlns:a14="http://schemas.microsoft.com/office/drawing/2010/main" val="0"/>
-              </a:ext>
-            </a:extLst>
-          </a:blip>
-          <a:stretch>
-            <a:fillRect/>
-          </a:stretch>
-        </p:blipFill>
-        <p:spPr>
-          <a:xfrm>
-            <a:off x="8809406" y="1392964"/>
-            <a:ext cx="2981123" cy="2196270"/>
-          </a:xfrm>
-          <a:prstGeom prst="rect">
-            <a:avLst/>
-          </a:prstGeom>
-        </p:spPr>
-      </p:pic>
-      <p:sp>
-        <p:nvSpPr>
-          <p:cNvPr id="10" name="TextBox 9"/>
-          <p:cNvSpPr txBox="1"/>
-          <p:nvPr/>
-        </p:nvSpPr>
-        <p:spPr>
-          <a:xfrm>
-            <a:off x="247828" y="1392964"/>
-            <a:ext cx="7340837" cy="646331"/>
-          </a:xfrm>
-          <a:prstGeom prst="rect">
-            <a:avLst/>
-          </a:prstGeom>
-          <a:noFill/>
-        </p:spPr>
-        <p:txBody>
-          <a:bodyPr wrap="square" rtlCol="0">
-            <a:spAutoFit/>
-          </a:bodyPr>
-          <a:lstStyle/>
-          <a:p>
-            <a:r>
-              <a:rPr lang="en-US" dirty="0"/>
-              <a:t>Mit </a:t>
-            </a:r>
-            <a:r>
-              <a:rPr lang="en-US" dirty="0" err="1"/>
-              <a:t>Hilfe</a:t>
-            </a:r>
-            <a:r>
-              <a:rPr lang="en-US" dirty="0"/>
-              <a:t> der </a:t>
-            </a:r>
-            <a:r>
-              <a:rPr lang="en-US" dirty="0" err="1"/>
-              <a:t>Methode</a:t>
-            </a:r>
-            <a:r>
-              <a:rPr lang="en-US" dirty="0"/>
-              <a:t> </a:t>
-            </a:r>
-            <a:r>
-              <a:rPr lang="en-US" dirty="0" err="1"/>
-              <a:t>load_sdf</a:t>
-            </a:r>
-            <a:r>
-              <a:rPr lang="en-US" dirty="0"/>
-              <a:t>, die von Lucky </a:t>
-            </a:r>
-            <a:r>
-              <a:rPr lang="de-DE" dirty="0"/>
-              <a:t>geschrieben wird, können wir erstmal Objekten mit Farbe ohne Beleuchtung auf dem Bildebene zeigen.</a:t>
-            </a:r>
-          </a:p>
-        </p:txBody>
-      </p:sp>
-      <p:sp>
-        <p:nvSpPr>
-          <p:cNvPr id="12" name="TextBox 11"/>
-          <p:cNvSpPr txBox="1"/>
-          <p:nvPr/>
-        </p:nvSpPr>
-        <p:spPr>
-          <a:xfrm>
-            <a:off x="247829" y="2066426"/>
-            <a:ext cx="7340836" cy="1754326"/>
-          </a:xfrm>
-          <a:prstGeom prst="rect">
-            <a:avLst/>
-          </a:prstGeom>
-          <a:noFill/>
-        </p:spPr>
-        <p:txBody>
-          <a:bodyPr wrap="square" rtlCol="0">
-            <a:spAutoFit/>
-          </a:bodyPr>
-          <a:lstStyle/>
-          <a:p>
-            <a:r>
-              <a:rPr lang="de-DE" dirty="0"/>
-              <a:t>Weiterhin habe ich die Beleuchtung von nur einer Lichtquelle ohne Schatten gemacht, weil ich finde: Die Rechnung von diffusse, ambiente und spekulare Reflexion ist nicht so schwer. Ich hatte Problem mit der Richtung des Strahls von Lichtquelle oder von Kamera zur Objekt. Der Strahl muss immer von Objekt weg gehen, genau wie die Theorie Skript.</a:t>
-            </a:r>
-          </a:p>
-          <a:p>
-            <a:endParaRPr lang="de-DE" dirty="0"/>
-          </a:p>
-        </p:txBody>
-      </p:sp>
-      <p:pic>
-        <p:nvPicPr>
-          <p:cNvPr id="13" name="Picture 12"/>
-          <p:cNvPicPr>
-            <a:picLocks noChangeAspect="1"/>
-          </p:cNvPicPr>
-          <p:nvPr/>
-        </p:nvPicPr>
-        <p:blipFill>
-          <a:blip r:embed="rId3">
-            <a:extLst>
-              <a:ext uri="{28A0092B-C50C-407E-A947-70E740481C1C}">
-                <a14:useLocalDpi xmlns:a14="http://schemas.microsoft.com/office/drawing/2010/main" val="0"/>
-              </a:ext>
-            </a:extLst>
-          </a:blip>
-          <a:stretch>
-            <a:fillRect/>
-          </a:stretch>
-        </p:blipFill>
-        <p:spPr>
-          <a:xfrm>
-            <a:off x="8809406" y="3824385"/>
-            <a:ext cx="2981123" cy="2196269"/>
-          </a:xfrm>
-          <a:prstGeom prst="rect">
-            <a:avLst/>
-          </a:prstGeom>
-        </p:spPr>
-      </p:pic>
-      <p:pic>
-        <p:nvPicPr>
-          <p:cNvPr id="14" name="Picture 13"/>
-          <p:cNvPicPr>
-            <a:picLocks noChangeAspect="1"/>
-          </p:cNvPicPr>
-          <p:nvPr/>
-        </p:nvPicPr>
-        <p:blipFill>
-          <a:blip r:embed="rId4">
-            <a:extLst>
-              <a:ext uri="{28A0092B-C50C-407E-A947-70E740481C1C}">
-                <a14:useLocalDpi xmlns:a14="http://schemas.microsoft.com/office/drawing/2010/main" val="0"/>
-              </a:ext>
-            </a:extLst>
-          </a:blip>
-          <a:stretch>
-            <a:fillRect/>
-          </a:stretch>
-        </p:blipFill>
-        <p:spPr>
-          <a:xfrm>
-            <a:off x="247829" y="4760373"/>
-            <a:ext cx="5251698" cy="1534020"/>
-          </a:xfrm>
-          <a:prstGeom prst="rect">
-            <a:avLst/>
-          </a:prstGeom>
-        </p:spPr>
-      </p:pic>
-      <p:sp>
-        <p:nvSpPr>
-          <p:cNvPr id="15" name="TextBox 14"/>
-          <p:cNvSpPr txBox="1"/>
-          <p:nvPr/>
-        </p:nvSpPr>
-        <p:spPr>
-          <a:xfrm>
-            <a:off x="241829" y="3928690"/>
-            <a:ext cx="7571629" cy="1200329"/>
-          </a:xfrm>
-          <a:prstGeom prst="rect">
-            <a:avLst/>
-          </a:prstGeom>
-          <a:noFill/>
-        </p:spPr>
-        <p:txBody>
-          <a:bodyPr wrap="square" rtlCol="0">
-            <a:spAutoFit/>
-          </a:bodyPr>
-          <a:lstStyle/>
-          <a:p>
-            <a:r>
-              <a:rPr lang="de-DE" dirty="0"/>
-              <a:t>Noch eine Problem: wir müssen die normale Vektor und Schnittpunkt von der Objekt immer wieder rechnen und nutzen, so habe ich eine Hit Klasse definiert, die alle Information von Schnittpunkt – Hit speichern.</a:t>
-            </a:r>
-          </a:p>
-          <a:p>
-            <a:endParaRPr lang="de-DE" dirty="0"/>
-          </a:p>
-        </p:txBody>
-      </p:sp>
-      <p:pic>
-        <p:nvPicPr>
-          <p:cNvPr id="16" name="Picture 15"/>
-          <p:cNvPicPr>
-            <a:picLocks noChangeAspect="1"/>
-          </p:cNvPicPr>
-          <p:nvPr/>
-        </p:nvPicPr>
-        <p:blipFill>
-          <a:blip r:embed="rId5">
-            <a:extLst>
-              <a:ext uri="{28A0092B-C50C-407E-A947-70E740481C1C}">
-                <a14:useLocalDpi xmlns:a14="http://schemas.microsoft.com/office/drawing/2010/main" val="0"/>
-              </a:ext>
-            </a:extLst>
-          </a:blip>
-          <a:stretch>
-            <a:fillRect/>
-          </a:stretch>
-        </p:blipFill>
-        <p:spPr>
-          <a:xfrm>
-            <a:off x="401470" y="3614965"/>
-            <a:ext cx="6416040" cy="251460"/>
-          </a:xfrm>
-          <a:prstGeom prst="rect">
-            <a:avLst/>
-          </a:prstGeom>
-        </p:spPr>
-      </p:pic>
+              <a:t>UML - Klassendiagramm</a:t>
+            </a:r>
+          </a:p>
+        </p:txBody>
+      </p:sp>
     </p:spTree>
     <p:extLst>
       <p:ext uri="{BB962C8B-B14F-4D97-AF65-F5344CB8AC3E}">
-        <p14:creationId xmlns:p14="http://schemas.microsoft.com/office/powerpoint/2010/main" val="1048546712"/>
+        <p14:creationId xmlns:p14="http://schemas.microsoft.com/office/powerpoint/2010/main" val="3222494503"/>
       </p:ext>
     </p:extLst>
   </p:cSld>
@@ -12956,7 +13922,7 @@
       </p:sp>
       <p:pic>
         <p:nvPicPr>
-          <p:cNvPr id="7" name="Picture 6"/>
+          <p:cNvPr id="9" name="Picture 8"/>
           <p:cNvPicPr>
             <a:picLocks noChangeAspect="1"/>
           </p:cNvPicPr>
@@ -12976,8 +13942,8 @@
         </p:blipFill>
         <p:spPr>
           <a:xfrm>
-            <a:off x="8726680" y="1296290"/>
-            <a:ext cx="2962685" cy="2182686"/>
+            <a:off x="8809406" y="1392964"/>
+            <a:ext cx="2981123" cy="2196270"/>
           </a:xfrm>
           <a:prstGeom prst="rect">
             <a:avLst/>
@@ -12986,14 +13952,14 @@
       </p:pic>
       <p:sp>
         <p:nvSpPr>
-          <p:cNvPr id="8" name="TextBox 7"/>
+          <p:cNvPr id="10" name="TextBox 9"/>
           <p:cNvSpPr txBox="1"/>
           <p:nvPr/>
         </p:nvSpPr>
         <p:spPr>
           <a:xfrm>
-            <a:off x="502634" y="1296290"/>
-            <a:ext cx="7751035" cy="1754326"/>
+            <a:off x="247828" y="1392964"/>
+            <a:ext cx="7340837" cy="646331"/>
           </a:xfrm>
           <a:prstGeom prst="rect">
             <a:avLst/>
@@ -13007,27 +13973,75 @@
           <a:lstStyle/>
           <a:p>
             <a:r>
+              <a:rPr lang="en-US" dirty="0"/>
+              <a:t>Mit </a:t>
+            </a:r>
+            <a:r>
+              <a:rPr lang="en-US" dirty="0" err="1"/>
+              <a:t>Hilfe</a:t>
+            </a:r>
+            <a:r>
+              <a:rPr lang="en-US" dirty="0"/>
+              <a:t> der </a:t>
+            </a:r>
+            <a:r>
+              <a:rPr lang="en-US" dirty="0" err="1"/>
+              <a:t>Methode</a:t>
+            </a:r>
+            <a:r>
+              <a:rPr lang="en-US" dirty="0"/>
+              <a:t> </a:t>
+            </a:r>
+            <a:r>
+              <a:rPr lang="en-US" dirty="0" err="1"/>
+              <a:t>load_sdf</a:t>
+            </a:r>
+            <a:r>
+              <a:rPr lang="en-US" dirty="0"/>
+              <a:t>, die von Lucky </a:t>
+            </a:r>
+            <a:r>
               <a:rPr lang="de-DE" dirty="0"/>
-              <a:t>Beim Schatten habe ich Problem: Die Schatten und alle Lichten zeigen in falscher Richtung und haben die Boxen überhaupt kein Schatten.</a:t>
-            </a:r>
-          </a:p>
+              <a:t>geschrieben wird, können wir erstmal Objekten mit Farbe ohne Beleuchtung auf dem Bildebene zeigen.</a:t>
+            </a:r>
+          </a:p>
+        </p:txBody>
+      </p:sp>
+      <p:sp>
+        <p:nvSpPr>
+          <p:cNvPr id="12" name="TextBox 11"/>
+          <p:cNvSpPr txBox="1"/>
+          <p:nvPr/>
+        </p:nvSpPr>
+        <p:spPr>
+          <a:xfrm>
+            <a:off x="247829" y="2066426"/>
+            <a:ext cx="7340836" cy="1754326"/>
+          </a:xfrm>
+          <a:prstGeom prst="rect">
+            <a:avLst/>
+          </a:prstGeom>
+          <a:noFill/>
+        </p:spPr>
+        <p:txBody>
+          <a:bodyPr wrap="square" rtlCol="0">
+            <a:spAutoFit/>
+          </a:bodyPr>
+          <a:lstStyle/>
           <a:p>
             <a:r>
               <a:rPr lang="de-DE" dirty="0"/>
-              <a:t>Am Anfang dachte ich: Das Problem ist unsere Richtung des normalen Vektors oder des Strahls von Lichtquelle zum Objekten.</a:t>
-            </a:r>
-          </a:p>
-          <a:p>
-            <a:r>
-              <a:rPr lang="de-DE" dirty="0"/>
-              <a:t>Aber nach einer Konsultation mit Adrian haben wir gefunden: Wenn die Entfernung von Objekten zu Kamera kleiner als 0 ist, gibt es kein Schatten.</a:t>
-            </a:r>
+              <a:t>Weiterhin habe ich die Beleuchtung von nur einer Lichtquelle ohne Schatten gemacht, weil ich finde: Die Rechnung von diffusse, ambiente und spekulare Reflexion ist nicht so schwer. Ich hatte Problem mit der Richtung des Strahls von Lichtquelle oder von Kamera zur Objekt. Der Strahl muss immer von Objekt weg gehen, genau wie die Theorie Skript.</a:t>
+            </a:r>
+          </a:p>
+          <a:p>
+            <a:endParaRPr lang="de-DE" dirty="0"/>
           </a:p>
         </p:txBody>
       </p:sp>
       <p:pic>
         <p:nvPicPr>
-          <p:cNvPr id="9" name="Picture 8"/>
+          <p:cNvPr id="13" name="Picture 12"/>
           <p:cNvPicPr>
             <a:picLocks noChangeAspect="1"/>
           </p:cNvPicPr>
@@ -13047,24 +14061,54 @@
         </p:blipFill>
         <p:spPr>
           <a:xfrm>
-            <a:off x="4564074" y="3783789"/>
-            <a:ext cx="3063850" cy="2257217"/>
+            <a:off x="8809406" y="3824385"/>
+            <a:ext cx="2981123" cy="2196269"/>
           </a:xfrm>
           <a:prstGeom prst="rect">
             <a:avLst/>
           </a:prstGeom>
         </p:spPr>
       </p:pic>
-      <p:sp>
-        <p:nvSpPr>
-          <p:cNvPr id="10" name="TextBox 9"/>
+      <p:pic>
+        <p:nvPicPr>
+          <p:cNvPr id="14" name="Picture 13"/>
+          <p:cNvPicPr>
+            <a:picLocks noChangeAspect="1"/>
+          </p:cNvPicPr>
+          <p:nvPr/>
+        </p:nvPicPr>
+        <p:blipFill>
+          <a:blip r:embed="rId4">
+            <a:extLst>
+              <a:ext uri="{28A0092B-C50C-407E-A947-70E740481C1C}">
+                <a14:useLocalDpi xmlns:a14="http://schemas.microsoft.com/office/drawing/2010/main" val="0"/>
+              </a:ext>
+            </a:extLst>
+          </a:blip>
+          <a:stretch>
+            <a:fillRect/>
+          </a:stretch>
+        </p:blipFill>
+        <p:spPr>
+          <a:xfrm>
+            <a:off x="247829" y="4760373"/>
+            <a:ext cx="5251698" cy="1534020"/>
+          </a:xfrm>
+          <a:prstGeom prst="rect">
+            <a:avLst/>
+          </a:prstGeom>
+        </p:spPr>
+      </p:pic>
+      <p:sp>
+        <p:nvSpPr>
+          <p:cNvPr id="15" name="TextBox 14"/>
           <p:cNvSpPr txBox="1"/>
           <p:nvPr/>
         </p:nvSpPr>
         <p:spPr>
           <a:xfrm>
-            <a:off x="502634" y="3728483"/>
-            <a:ext cx="3462615" cy="584775"/>
+            <a:off x="241829" y="3928690"/>
+            <a:ext cx="7571629" cy="1200329"/>
           </a:xfrm>
           <a:prstGeom prst="rect">
             <a:avLst/>
@@ -13079,21 +14123,48 @@
           <a:p>
             <a:r>
               <a:rPr lang="de-DE" dirty="0"/>
-              <a:t>Hier zeigt Ergebniss von 2 Lichten:</a:t>
-            </a:r>
-          </a:p>
-          <a:p>
-            <a:r>
-              <a:rPr lang="de-DE" sz="1400" dirty="0"/>
-              <a:t>(Jede Objekte hat 2 Schatten)</a:t>
-            </a:r>
-          </a:p>
-        </p:txBody>
-      </p:sp>
+              <a:t>Noch eine Problem: wir müssen die normale Vektor und Schnittpunkt von der Objekt immer wieder rechnen und nutzen, so habe ich eine Hit Klasse definiert, die alle Information von Schnittpunkt – Hit speichern.</a:t>
+            </a:r>
+          </a:p>
+          <a:p>
+            <a:endParaRPr lang="de-DE" dirty="0"/>
+          </a:p>
+        </p:txBody>
+      </p:sp>
+      <p:pic>
+        <p:nvPicPr>
+          <p:cNvPr id="16" name="Picture 15"/>
+          <p:cNvPicPr>
+            <a:picLocks noChangeAspect="1"/>
+          </p:cNvPicPr>
+          <p:nvPr/>
+        </p:nvPicPr>
+        <p:blipFill>
+          <a:blip r:embed="rId5">
+            <a:extLst>
+              <a:ext uri="{28A0092B-C50C-407E-A947-70E740481C1C}">
+                <a14:useLocalDpi xmlns:a14="http://schemas.microsoft.com/office/drawing/2010/main" val="0"/>
+              </a:ext>
+            </a:extLst>
+          </a:blip>
+          <a:stretch>
+            <a:fillRect/>
+          </a:stretch>
+        </p:blipFill>
+        <p:spPr>
+          <a:xfrm>
+            <a:off x="401470" y="3614965"/>
+            <a:ext cx="6416040" cy="251460"/>
+          </a:xfrm>
+          <a:prstGeom prst="rect">
+            <a:avLst/>
+          </a:prstGeom>
+        </p:spPr>
+      </p:pic>
     </p:spTree>
     <p:extLst>
       <p:ext uri="{BB962C8B-B14F-4D97-AF65-F5344CB8AC3E}">
-        <p14:creationId xmlns:p14="http://schemas.microsoft.com/office/powerpoint/2010/main" val="2720940467"/>
+        <p14:creationId xmlns:p14="http://schemas.microsoft.com/office/powerpoint/2010/main" val="1048546712"/>
       </p:ext>
     </p:extLst>
   </p:cSld>
@@ -13643,16 +14714,46 @@
           </a:p>
         </p:txBody>
       </p:sp>
-      <p:sp>
-        <p:nvSpPr>
-          <p:cNvPr id="7" name="TextBox 6"/>
+      <p:pic>
+        <p:nvPicPr>
+          <p:cNvPr id="7" name="Picture 6"/>
+          <p:cNvPicPr>
+            <a:picLocks noChangeAspect="1"/>
+          </p:cNvPicPr>
+          <p:nvPr/>
+        </p:nvPicPr>
+        <p:blipFill>
+          <a:blip r:embed="rId2">
+            <a:extLst>
+              <a:ext uri="{28A0092B-C50C-407E-A947-70E740481C1C}">
+                <a14:useLocalDpi xmlns:a14="http://schemas.microsoft.com/office/drawing/2010/main" val="0"/>
+              </a:ext>
+            </a:extLst>
+          </a:blip>
+          <a:stretch>
+            <a:fillRect/>
+          </a:stretch>
+        </p:blipFill>
+        <p:spPr>
+          <a:xfrm>
+            <a:off x="8726680" y="1296290"/>
+            <a:ext cx="2962685" cy="2182686"/>
+          </a:xfrm>
+          <a:prstGeom prst="rect">
+            <a:avLst/>
+          </a:prstGeom>
+        </p:spPr>
+      </p:pic>
+      <p:sp>
+        <p:nvSpPr>
+          <p:cNvPr id="8" name="TextBox 7"/>
           <p:cNvSpPr txBox="1"/>
           <p:nvPr/>
         </p:nvSpPr>
         <p:spPr>
           <a:xfrm>
-            <a:off x="401471" y="1175329"/>
-            <a:ext cx="2256272" cy="523220"/>
+            <a:off x="502634" y="1296290"/>
+            <a:ext cx="7751035" cy="1754326"/>
           </a:xfrm>
           <a:prstGeom prst="rect">
             <a:avLst/>
@@ -13666,37 +14767,20 @@
           <a:lstStyle/>
           <a:p>
             <a:r>
-              <a:rPr lang="de-DE" sz="2800" dirty="0"/>
-              <a:t>Spiegelung:</a:t>
-            </a:r>
-          </a:p>
-        </p:txBody>
-      </p:sp>
-      <p:sp>
-        <p:nvSpPr>
-          <p:cNvPr id="8" name="TextBox 7"/>
-          <p:cNvSpPr txBox="1"/>
-          <p:nvPr/>
-        </p:nvSpPr>
-        <p:spPr>
-          <a:xfrm>
-            <a:off x="401470" y="1708689"/>
-            <a:ext cx="8391970" cy="646331"/>
-          </a:xfrm>
-          <a:prstGeom prst="rect">
-            <a:avLst/>
-          </a:prstGeom>
-          <a:noFill/>
-        </p:spPr>
-        <p:txBody>
-          <a:bodyPr wrap="square" rtlCol="0">
-            <a:spAutoFit/>
-          </a:bodyPr>
-          <a:lstStyle/>
-          <a:p>
-            <a:r>
               <a:rPr lang="de-DE" dirty="0"/>
-              <a:t>Erstmal rechne ich reflektVector des ankommenden Strahl von Objekt, und dann werden alle Lichten und Schatten mit raytrace rekursiv nochmal rechnen:</a:t>
+              <a:t>Beim Schatten habe ich Problem: Die Schatten und alle Lichten zeigen in falscher Richtung und haben die Boxen überhaupt kein Schatten.</a:t>
+            </a:r>
+          </a:p>
+          <a:p>
+            <a:r>
+              <a:rPr lang="de-DE" dirty="0"/>
+              <a:t>Am Anfang dachte ich: Das Problem ist unsere Richtung des normalen Vektors oder des Strahls von Lichtquelle zum Objekten.</a:t>
+            </a:r>
+          </a:p>
+          <a:p>
+            <a:r>
+              <a:rPr lang="de-DE" dirty="0"/>
+              <a:t>Aber nach einer Konsultation mit Adrian haben wir gefunden: Wenn die Entfernung von Objekten zu Kamera kleiner als 0 ist, gibt es kein Schatten.</a:t>
             </a:r>
           </a:p>
         </p:txBody>
@@ -13710,7 +14794,7 @@
           <p:nvPr/>
         </p:nvPicPr>
         <p:blipFill>
-          <a:blip r:embed="rId2">
+          <a:blip r:embed="rId3">
             <a:extLst>
               <a:ext uri="{28A0092B-C50C-407E-A947-70E740481C1C}">
                 <a14:useLocalDpi xmlns:a14="http://schemas.microsoft.com/office/drawing/2010/main" val="0"/>
@@ -13723,8 +14807,8 @@
         </p:blipFill>
         <p:spPr>
           <a:xfrm>
-            <a:off x="401470" y="2355020"/>
-            <a:ext cx="8325210" cy="1775327"/>
+            <a:off x="4564074" y="3783789"/>
+            <a:ext cx="3063850" cy="2257217"/>
           </a:xfrm>
           <a:prstGeom prst="rect">
             <a:avLst/>
@@ -13739,8 +14823,8 @@
         </p:nvSpPr>
         <p:spPr>
           <a:xfrm>
-            <a:off x="8878898" y="2697804"/>
-            <a:ext cx="2911632" cy="369332"/>
+            <a:off x="502634" y="3728483"/>
+            <a:ext cx="3462615" cy="584775"/>
           </a:xfrm>
           <a:prstGeom prst="rect">
             <a:avLst/>
@@ -13755,66 +14839,13 @@
           <a:p>
             <a:r>
               <a:rPr lang="de-DE" dirty="0"/>
-              <a:t>Wenn depth &lt; 0, aufhören!</a:t>
-            </a:r>
-          </a:p>
-        </p:txBody>
-      </p:sp>
-      <p:pic>
-        <p:nvPicPr>
-          <p:cNvPr id="11" name="Picture 10"/>
-          <p:cNvPicPr>
-            <a:picLocks noChangeAspect="1"/>
-          </p:cNvPicPr>
-          <p:nvPr/>
-        </p:nvPicPr>
-        <p:blipFill>
-          <a:blip r:embed="rId3">
-            <a:extLst>
-              <a:ext uri="{28A0092B-C50C-407E-A947-70E740481C1C}">
-                <a14:useLocalDpi xmlns:a14="http://schemas.microsoft.com/office/drawing/2010/main" val="0"/>
-              </a:ext>
-            </a:extLst>
-          </a:blip>
-          <a:stretch>
-            <a:fillRect/>
-          </a:stretch>
-        </p:blipFill>
-        <p:spPr>
-          <a:xfrm>
-            <a:off x="8874179" y="4130348"/>
-            <a:ext cx="2854034" cy="2102640"/>
-          </a:xfrm>
-          <a:prstGeom prst="rect">
-            <a:avLst/>
-          </a:prstGeom>
-        </p:spPr>
-      </p:pic>
-      <p:sp>
-        <p:nvSpPr>
-          <p:cNvPr id="12" name="TextBox 11"/>
-          <p:cNvSpPr txBox="1"/>
-          <p:nvPr/>
-        </p:nvSpPr>
-        <p:spPr>
-          <a:xfrm>
-            <a:off x="3657601" y="5051052"/>
-            <a:ext cx="5069080" cy="338554"/>
-          </a:xfrm>
-          <a:prstGeom prst="rect">
-            <a:avLst/>
-          </a:prstGeom>
-          <a:noFill/>
-        </p:spPr>
-        <p:txBody>
-          <a:bodyPr wrap="square" rtlCol="0">
-            <a:spAutoFit/>
-          </a:bodyPr>
-          <a:lstStyle/>
-          <a:p>
-            <a:r>
-              <a:rPr lang="de-DE" sz="1600" dirty="0"/>
-              <a:t>Ergebnis, wenn nur einmal die Spiegelung berechnet wird:</a:t>
+              <a:t>Hier zeigt Ergebniss von 2 Lichten:</a:t>
+            </a:r>
+          </a:p>
+          <a:p>
+            <a:r>
+              <a:rPr lang="de-DE" sz="1400" dirty="0"/>
+              <a:t>(Jede Objekte hat 2 Schatten)</a:t>
             </a:r>
           </a:p>
         </p:txBody>
@@ -13822,7 +14853,7 @@
     </p:spTree>
     <p:extLst>
       <p:ext uri="{BB962C8B-B14F-4D97-AF65-F5344CB8AC3E}">
-        <p14:creationId xmlns:p14="http://schemas.microsoft.com/office/powerpoint/2010/main" val="1397251565"/>
+        <p14:creationId xmlns:p14="http://schemas.microsoft.com/office/powerpoint/2010/main" val="2720940467"/>
       </p:ext>
     </p:extLst>
   </p:cSld>
@@ -14381,7 +15412,7 @@
         <p:spPr>
           <a:xfrm>
             <a:off x="401471" y="1175329"/>
-            <a:ext cx="2529736" cy="523220"/>
+            <a:ext cx="2256272" cy="523220"/>
           </a:xfrm>
           <a:prstGeom prst="rect">
             <a:avLst/>
@@ -14396,7 +15427,7 @@
           <a:p>
             <a:r>
               <a:rPr lang="de-DE" sz="2800" dirty="0"/>
-              <a:t>Tone Mapping:</a:t>
+              <a:t>Spiegelung:</a:t>
             </a:r>
           </a:p>
         </p:txBody>
@@ -14409,8 +15440,8 @@
         </p:nvSpPr>
         <p:spPr>
           <a:xfrm>
-            <a:off x="401470" y="1799970"/>
-            <a:ext cx="8391970" cy="1200329"/>
+            <a:off x="401470" y="1708689"/>
+            <a:ext cx="8391970" cy="646331"/>
           </a:xfrm>
           <a:prstGeom prst="rect">
             <a:avLst/>
@@ -14425,43 +15456,14 @@
           <a:p>
             <a:r>
               <a:rPr lang="de-DE" dirty="0"/>
-              <a:t>Ist die Kompression des Dynamikumfangs von Hockontrasbildern, also von digitalen Bildern mit hohem Helligkeitsumfang. Beim Tone Mapping wird der Kontrastumfang eines Hochkontrastbildes verringert, um es auf herkömmlichen Ausgabegeräten darstellen zu können.</a:t>
-            </a:r>
-          </a:p>
-        </p:txBody>
-      </p:sp>
-      <p:sp>
-        <p:nvSpPr>
-          <p:cNvPr id="13" name="TextBox 12"/>
-          <p:cNvSpPr txBox="1"/>
-          <p:nvPr/>
-        </p:nvSpPr>
-        <p:spPr>
-          <a:xfrm>
-            <a:off x="401470" y="3101720"/>
-            <a:ext cx="3973794" cy="369332"/>
-          </a:xfrm>
-          <a:prstGeom prst="rect">
-            <a:avLst/>
-          </a:prstGeom>
-          <a:noFill/>
-        </p:spPr>
-        <p:txBody>
-          <a:bodyPr wrap="square" rtlCol="0">
-            <a:spAutoFit/>
-          </a:bodyPr>
-          <a:lstStyle/>
-          <a:p>
-            <a:r>
-              <a:rPr lang="de-DE" dirty="0"/>
-              <a:t>Die Rechnung erfolgt mit dieser Formel: </a:t>
+              <a:t>Erstmal rechne ich reflektVector des ankommenden Strahl von Objekt, und dann werden alle Lichten und Schatten mit raytrace rekursiv nochmal rechnen:</a:t>
             </a:r>
           </a:p>
         </p:txBody>
       </p:sp>
       <p:pic>
         <p:nvPicPr>
-          <p:cNvPr id="14" name="Picture 13"/>
+          <p:cNvPr id="9" name="Picture 8"/>
           <p:cNvPicPr>
             <a:picLocks noChangeAspect="1"/>
           </p:cNvPicPr>
@@ -14481,17 +15483,46 @@
         </p:blipFill>
         <p:spPr>
           <a:xfrm>
-            <a:off x="4375264" y="3071089"/>
-            <a:ext cx="1808290" cy="426386"/>
+            <a:off x="401470" y="2355020"/>
+            <a:ext cx="8325210" cy="1775327"/>
           </a:xfrm>
           <a:prstGeom prst="rect">
             <a:avLst/>
           </a:prstGeom>
         </p:spPr>
       </p:pic>
+      <p:sp>
+        <p:nvSpPr>
+          <p:cNvPr id="10" name="TextBox 9"/>
+          <p:cNvSpPr txBox="1"/>
+          <p:nvPr/>
+        </p:nvSpPr>
+        <p:spPr>
+          <a:xfrm>
+            <a:off x="8878898" y="2697804"/>
+            <a:ext cx="2911632" cy="369332"/>
+          </a:xfrm>
+          <a:prstGeom prst="rect">
+            <a:avLst/>
+          </a:prstGeom>
+          <a:noFill/>
+        </p:spPr>
+        <p:txBody>
+          <a:bodyPr wrap="square" rtlCol="0">
+            <a:spAutoFit/>
+          </a:bodyPr>
+          <a:lstStyle/>
+          <a:p>
+            <a:r>
+              <a:rPr lang="de-DE" dirty="0"/>
+              <a:t>Wenn depth &lt; 0, aufhören!</a:t>
+            </a:r>
+          </a:p>
+        </p:txBody>
+      </p:sp>
       <p:pic>
         <p:nvPicPr>
-          <p:cNvPr id="15" name="Picture 14"/>
+          <p:cNvPr id="11" name="Picture 10"/>
           <p:cNvPicPr>
             <a:picLocks noChangeAspect="1"/>
           </p:cNvPicPr>
@@ -14511,90 +15542,24 @@
         </p:blipFill>
         <p:spPr>
           <a:xfrm>
-            <a:off x="401470" y="3557270"/>
-            <a:ext cx="3444240" cy="2537460"/>
+            <a:off x="8874179" y="4130348"/>
+            <a:ext cx="2854034" cy="2102640"/>
           </a:xfrm>
           <a:prstGeom prst="rect">
             <a:avLst/>
           </a:prstGeom>
         </p:spPr>
       </p:pic>
-      <p:pic>
-        <p:nvPicPr>
-          <p:cNvPr id="16" name="Picture 15"/>
-          <p:cNvPicPr>
-            <a:picLocks noChangeAspect="1"/>
-          </p:cNvPicPr>
-          <p:nvPr/>
-        </p:nvPicPr>
-        <p:blipFill>
-          <a:blip r:embed="rId4">
-            <a:extLst>
-              <a:ext uri="{28A0092B-C50C-407E-A947-70E740481C1C}">
-                <a14:useLocalDpi xmlns:a14="http://schemas.microsoft.com/office/drawing/2010/main" val="0"/>
-              </a:ext>
-            </a:extLst>
-          </a:blip>
-          <a:stretch>
-            <a:fillRect/>
-          </a:stretch>
-        </p:blipFill>
-        <p:spPr>
-          <a:xfrm>
-            <a:off x="7406488" y="3284282"/>
-            <a:ext cx="3822962" cy="2816474"/>
-          </a:xfrm>
-          <a:prstGeom prst="rect">
-            <a:avLst/>
-          </a:prstGeom>
-        </p:spPr>
-      </p:pic>
-      <p:cxnSp>
-        <p:nvCxnSpPr>
-          <p:cNvPr id="18" name="Straight Arrow Connector 17"/>
-          <p:cNvCxnSpPr/>
-          <p:nvPr/>
-        </p:nvCxnSpPr>
-        <p:spPr>
-          <a:xfrm>
-            <a:off x="4076344" y="4824330"/>
-            <a:ext cx="2828658" cy="0"/>
-          </a:xfrm>
-          <a:prstGeom prst="straightConnector1">
-            <a:avLst/>
-          </a:prstGeom>
-          <a:ln>
-            <a:solidFill>
-              <a:schemeClr val="tx1"/>
-            </a:solidFill>
-            <a:tailEnd type="triangle"/>
-          </a:ln>
-        </p:spPr>
-        <p:style>
-          <a:lnRef idx="1">
-            <a:schemeClr val="accent1"/>
-          </a:lnRef>
-          <a:fillRef idx="0">
-            <a:schemeClr val="accent1"/>
-          </a:fillRef>
-          <a:effectRef idx="0">
-            <a:schemeClr val="accent1"/>
-          </a:effectRef>
-          <a:fontRef idx="minor">
-            <a:schemeClr val="tx1"/>
-          </a:fontRef>
-        </p:style>
-      </p:cxnSp>
-      <p:sp>
-        <p:nvSpPr>
-          <p:cNvPr id="19" name="TextBox 18"/>
+      <p:sp>
+        <p:nvSpPr>
+          <p:cNvPr id="12" name="TextBox 11"/>
           <p:cNvSpPr txBox="1"/>
           <p:nvPr/>
         </p:nvSpPr>
         <p:spPr>
           <a:xfrm>
-            <a:off x="4577830" y="4486280"/>
-            <a:ext cx="3036337" cy="369332"/>
+            <a:off x="3657601" y="5051052"/>
+            <a:ext cx="5069080" cy="338554"/>
           </a:xfrm>
           <a:prstGeom prst="rect">
             <a:avLst/>
@@ -14608,8 +15573,8 @@
           <a:lstStyle/>
           <a:p>
             <a:r>
-              <a:rPr lang="de-DE" dirty="0"/>
-              <a:t>toneMapping();</a:t>
+              <a:rPr lang="de-DE" sz="1600" dirty="0"/>
+              <a:t>Ergebnis, wenn nur einmal die Spiegelung berechnet wird:</a:t>
             </a:r>
           </a:p>
         </p:txBody>
@@ -14617,7 +15582,7 @@
     </p:spTree>
     <p:extLst>
       <p:ext uri="{BB962C8B-B14F-4D97-AF65-F5344CB8AC3E}">
-        <p14:creationId xmlns:p14="http://schemas.microsoft.com/office/powerpoint/2010/main" val="1645730092"/>
+        <p14:creationId xmlns:p14="http://schemas.microsoft.com/office/powerpoint/2010/main" val="1397251565"/>
       </p:ext>
     </p:extLst>
   </p:cSld>
@@ -15191,7 +16156,7 @@
           <a:p>
             <a:r>
               <a:rPr lang="de-DE" sz="2800" dirty="0"/>
-              <a:t>Transformation</a:t>
+              <a:t>Tone Mapping:</a:t>
             </a:r>
           </a:p>
         </p:txBody>
@@ -15205,7 +16170,7 @@
         <p:spPr>
           <a:xfrm>
             <a:off x="401470" y="1799970"/>
-            <a:ext cx="11389060" cy="369332"/>
+            <a:ext cx="8391970" cy="1200329"/>
           </a:xfrm>
           <a:prstGeom prst="rect">
             <a:avLst/>
@@ -15220,28 +16185,73 @@
           <a:p>
             <a:r>
               <a:rPr lang="de-DE" dirty="0"/>
-              <a:t>Erfolgt durch </a:t>
-            </a:r>
-            <a:r>
-              <a:rPr lang="de-DE" dirty="0" err="1"/>
-              <a:t>Matrixmultiplication</a:t>
-            </a:r>
+              <a:t>Ist die Kompression des Dynamikumfangs von Hockontrasbildern, also von digitalen Bildern mit hohem Helligkeitsumfang. Beim Tone Mapping wird der Kontrastumfang eines Hochkontrastbildes verringert, um es auf herkömmlichen Ausgabegeräten darstellen zu können.</a:t>
+            </a:r>
+          </a:p>
+        </p:txBody>
+      </p:sp>
+      <p:sp>
+        <p:nvSpPr>
+          <p:cNvPr id="13" name="TextBox 12"/>
+          <p:cNvSpPr txBox="1"/>
+          <p:nvPr/>
+        </p:nvSpPr>
+        <p:spPr>
+          <a:xfrm>
+            <a:off x="401470" y="3101720"/>
+            <a:ext cx="3973794" cy="369332"/>
+          </a:xfrm>
+          <a:prstGeom prst="rect">
+            <a:avLst/>
+          </a:prstGeom>
+          <a:noFill/>
+        </p:spPr>
+        <p:txBody>
+          <a:bodyPr wrap="square" rtlCol="0">
+            <a:spAutoFit/>
+          </a:bodyPr>
+          <a:lstStyle/>
+          <a:p>
             <a:r>
               <a:rPr lang="de-DE" dirty="0"/>
-              <a:t>. Besteht aus 3 Arten: Translation, Rotation und Skalierung. </a:t>
+              <a:t>Die Rechnung erfolgt mit dieser Formel: </a:t>
             </a:r>
           </a:p>
         </p:txBody>
       </p:sp>
       <p:pic>
         <p:nvPicPr>
-          <p:cNvPr id="10" name="Grafik 9">
-            <a:extLst>
-              <a:ext uri="{FF2B5EF4-FFF2-40B4-BE49-F238E27FC236}">
-                <a16:creationId xmlns:a16="http://schemas.microsoft.com/office/drawing/2014/main" id="{6D241597-0D5E-4681-A6FD-E5ADD6FBD969}"/>
-              </a:ext>
-            </a:extLst>
-          </p:cNvPr>
+          <p:cNvPr id="14" name="Picture 13"/>
+          <p:cNvPicPr>
+            <a:picLocks noChangeAspect="1"/>
+          </p:cNvPicPr>
+          <p:nvPr/>
+        </p:nvPicPr>
+        <p:blipFill>
+          <a:blip r:embed="rId2">
+            <a:extLst>
+              <a:ext uri="{28A0092B-C50C-407E-A947-70E740481C1C}">
+                <a14:useLocalDpi xmlns:a14="http://schemas.microsoft.com/office/drawing/2010/main" val="0"/>
+              </a:ext>
+            </a:extLst>
+          </a:blip>
+          <a:stretch>
+            <a:fillRect/>
+          </a:stretch>
+        </p:blipFill>
+        <p:spPr>
+          <a:xfrm>
+            <a:off x="4375264" y="3071089"/>
+            <a:ext cx="1808290" cy="426386"/>
+          </a:xfrm>
+          <a:prstGeom prst="rect">
+            <a:avLst/>
+          </a:prstGeom>
+        </p:spPr>
+      </p:pic>
+      <p:pic>
+        <p:nvPicPr>
+          <p:cNvPr id="15" name="Picture 14"/>
           <p:cNvPicPr>
             <a:picLocks noChangeAspect="1"/>
           </p:cNvPicPr>
@@ -15261,8 +16271,8 @@
         </p:blipFill>
         <p:spPr>
           <a:xfrm>
-            <a:off x="432959" y="2607750"/>
-            <a:ext cx="1552792" cy="1524213"/>
+            <a:off x="401470" y="3557270"/>
+            <a:ext cx="3444240" cy="2537460"/>
           </a:xfrm>
           <a:prstGeom prst="rect">
             <a:avLst/>
@@ -15271,13 +16281,7 @@
       </p:pic>
       <p:pic>
         <p:nvPicPr>
-          <p:cNvPr id="12" name="Grafik 11">
-            <a:extLst>
-              <a:ext uri="{FF2B5EF4-FFF2-40B4-BE49-F238E27FC236}">
-                <a16:creationId xmlns:a16="http://schemas.microsoft.com/office/drawing/2014/main" id="{DB60B5E5-2178-4D4C-9E90-8EF09C098204}"/>
-              </a:ext>
-            </a:extLst>
-          </p:cNvPr>
+          <p:cNvPr id="16" name="Picture 15"/>
           <p:cNvPicPr>
             <a:picLocks noChangeAspect="1"/>
           </p:cNvPicPr>
@@ -15297,30 +16301,60 @@
         </p:blipFill>
         <p:spPr>
           <a:xfrm>
-            <a:off x="2345590" y="2585807"/>
-            <a:ext cx="1600423" cy="1552792"/>
+            <a:off x="7406488" y="3284282"/>
+            <a:ext cx="3822962" cy="2816474"/>
           </a:xfrm>
           <a:prstGeom prst="rect">
             <a:avLst/>
           </a:prstGeom>
         </p:spPr>
       </p:pic>
-      <p:sp>
-        <p:nvSpPr>
-          <p:cNvPr id="17" name="Textfeld 16">
-            <a:extLst>
-              <a:ext uri="{FF2B5EF4-FFF2-40B4-BE49-F238E27FC236}">
-                <a16:creationId xmlns:a16="http://schemas.microsoft.com/office/drawing/2014/main" id="{4E12FCC4-6251-47D5-9F5F-78CC6484915A}"/>
-              </a:ext>
-            </a:extLst>
-          </p:cNvPr>
+      <p:cxnSp>
+        <p:nvCxnSpPr>
+          <p:cNvPr id="18" name="Straight Arrow Connector 17"/>
+          <p:cNvCxnSpPr/>
+          <p:nvPr/>
+        </p:nvCxnSpPr>
+        <p:spPr>
+          <a:xfrm>
+            <a:off x="4076344" y="4824330"/>
+            <a:ext cx="2828658" cy="0"/>
+          </a:xfrm>
+          <a:prstGeom prst="straightConnector1">
+            <a:avLst/>
+          </a:prstGeom>
+          <a:ln>
+            <a:solidFill>
+              <a:schemeClr val="tx1"/>
+            </a:solidFill>
+            <a:tailEnd type="triangle"/>
+          </a:ln>
+        </p:spPr>
+        <p:style>
+          <a:lnRef idx="1">
+            <a:schemeClr val="accent1"/>
+          </a:lnRef>
+          <a:fillRef idx="0">
+            <a:schemeClr val="accent1"/>
+          </a:fillRef>
+          <a:effectRef idx="0">
+            <a:schemeClr val="accent1"/>
+          </a:effectRef>
+          <a:fontRef idx="minor">
+            <a:schemeClr val="tx1"/>
+          </a:fontRef>
+        </p:style>
+      </p:cxnSp>
+      <p:sp>
+        <p:nvSpPr>
+          <p:cNvPr id="19" name="TextBox 18"/>
           <p:cNvSpPr txBox="1"/>
           <p:nvPr/>
         </p:nvSpPr>
         <p:spPr>
           <a:xfrm>
-            <a:off x="516764" y="2206164"/>
-            <a:ext cx="1468987" cy="369332"/>
+            <a:off x="4577830" y="4486280"/>
+            <a:ext cx="3036337" cy="369332"/>
           </a:xfrm>
           <a:prstGeom prst="rect">
             <a:avLst/>
@@ -15335,403 +16369,15 @@
           <a:p>
             <a:r>
               <a:rPr lang="de-DE" dirty="0"/>
-              <a:t>Translation</a:t>
-            </a:r>
-          </a:p>
-        </p:txBody>
-      </p:sp>
-      <p:sp>
-        <p:nvSpPr>
-          <p:cNvPr id="20" name="Textfeld 19">
-            <a:extLst>
-              <a:ext uri="{FF2B5EF4-FFF2-40B4-BE49-F238E27FC236}">
-                <a16:creationId xmlns:a16="http://schemas.microsoft.com/office/drawing/2014/main" id="{295BCA8A-DAA5-46FD-BDA6-337C33BCFDC7}"/>
-              </a:ext>
-            </a:extLst>
-          </p:cNvPr>
-          <p:cNvSpPr txBox="1"/>
-          <p:nvPr/>
-        </p:nvSpPr>
-        <p:spPr>
-          <a:xfrm>
-            <a:off x="2411309" y="2221471"/>
-            <a:ext cx="1468987" cy="369332"/>
-          </a:xfrm>
-          <a:prstGeom prst="rect">
-            <a:avLst/>
-          </a:prstGeom>
-          <a:noFill/>
-        </p:spPr>
-        <p:txBody>
-          <a:bodyPr wrap="square" rtlCol="0">
-            <a:spAutoFit/>
-          </a:bodyPr>
-          <a:lstStyle/>
-          <a:p>
-            <a:r>
-              <a:rPr lang="de-DE" dirty="0"/>
-              <a:t>Skalierung</a:t>
-            </a:r>
-          </a:p>
-        </p:txBody>
-      </p:sp>
-      <p:pic>
-        <p:nvPicPr>
-          <p:cNvPr id="24" name="Grafik 23">
-            <a:extLst>
-              <a:ext uri="{FF2B5EF4-FFF2-40B4-BE49-F238E27FC236}">
-                <a16:creationId xmlns:a16="http://schemas.microsoft.com/office/drawing/2014/main" id="{87626871-2EC6-46B7-B66F-F1FA1B5646BD}"/>
-              </a:ext>
-            </a:extLst>
-          </p:cNvPr>
-          <p:cNvPicPr>
-            <a:picLocks noChangeAspect="1"/>
-          </p:cNvPicPr>
-          <p:nvPr/>
-        </p:nvPicPr>
-        <p:blipFill rotWithShape="1">
-          <a:blip r:embed="rId5">
-            <a:extLst>
-              <a:ext uri="{28A0092B-C50C-407E-A947-70E740481C1C}">
-                <a14:useLocalDpi xmlns:a14="http://schemas.microsoft.com/office/drawing/2010/main" val="0"/>
-              </a:ext>
-            </a:extLst>
-          </a:blip>
-          <a:srcRect l="49476" t="18769" r="20742" b="54758"/>
-          <a:stretch/>
-        </p:blipFill>
-        <p:spPr>
-          <a:xfrm>
-            <a:off x="8540337" y="2919397"/>
-            <a:ext cx="2006908" cy="1337938"/>
-          </a:xfrm>
-          <a:prstGeom prst="rect">
-            <a:avLst/>
-          </a:prstGeom>
-        </p:spPr>
-      </p:pic>
-      <p:pic>
-        <p:nvPicPr>
-          <p:cNvPr id="26" name="Grafik 25">
-            <a:extLst>
-              <a:ext uri="{FF2B5EF4-FFF2-40B4-BE49-F238E27FC236}">
-                <a16:creationId xmlns:a16="http://schemas.microsoft.com/office/drawing/2014/main" id="{F68704CB-1B7E-40F6-AB58-9274307ABD5F}"/>
-              </a:ext>
-            </a:extLst>
-          </p:cNvPr>
-          <p:cNvPicPr>
-            <a:picLocks noChangeAspect="1"/>
-          </p:cNvPicPr>
-          <p:nvPr/>
-        </p:nvPicPr>
-        <p:blipFill rotWithShape="1">
-          <a:blip r:embed="rId5">
-            <a:extLst>
-              <a:ext uri="{28A0092B-C50C-407E-A947-70E740481C1C}">
-                <a14:useLocalDpi xmlns:a14="http://schemas.microsoft.com/office/drawing/2010/main" val="0"/>
-              </a:ext>
-            </a:extLst>
-          </a:blip>
-          <a:srcRect l="50000" t="46426" r="21157" b="27935"/>
-          <a:stretch/>
-        </p:blipFill>
-        <p:spPr>
-          <a:xfrm>
-            <a:off x="6302082" y="2923599"/>
-            <a:ext cx="1943907" cy="1295978"/>
-          </a:xfrm>
-          <a:prstGeom prst="rect">
-            <a:avLst/>
-          </a:prstGeom>
-        </p:spPr>
-      </p:pic>
-      <p:pic>
-        <p:nvPicPr>
-          <p:cNvPr id="30" name="Grafik 29">
-            <a:extLst>
-              <a:ext uri="{FF2B5EF4-FFF2-40B4-BE49-F238E27FC236}">
-                <a16:creationId xmlns:a16="http://schemas.microsoft.com/office/drawing/2014/main" id="{8364FC87-9017-455D-AB68-8BD6862B3AA6}"/>
-              </a:ext>
-            </a:extLst>
-          </p:cNvPr>
-          <p:cNvPicPr>
-            <a:picLocks noChangeAspect="1"/>
-          </p:cNvPicPr>
-          <p:nvPr/>
-        </p:nvPicPr>
-        <p:blipFill>
-          <a:blip r:embed="rId6">
-            <a:extLst>
-              <a:ext uri="{28A0092B-C50C-407E-A947-70E740481C1C}">
-                <a14:useLocalDpi xmlns:a14="http://schemas.microsoft.com/office/drawing/2010/main" val="0"/>
-              </a:ext>
-            </a:extLst>
-          </a:blip>
-          <a:stretch>
-            <a:fillRect/>
-          </a:stretch>
-        </p:blipFill>
-        <p:spPr>
-          <a:xfrm>
-            <a:off x="4183612" y="2951317"/>
-            <a:ext cx="1824122" cy="1221045"/>
-          </a:xfrm>
-          <a:prstGeom prst="rect">
-            <a:avLst/>
-          </a:prstGeom>
-        </p:spPr>
-      </p:pic>
-      <p:sp>
-        <p:nvSpPr>
-          <p:cNvPr id="31" name="Textfeld 30">
-            <a:extLst>
-              <a:ext uri="{FF2B5EF4-FFF2-40B4-BE49-F238E27FC236}">
-                <a16:creationId xmlns:a16="http://schemas.microsoft.com/office/drawing/2014/main" id="{FA3A8E9E-14D4-4998-AE0E-62167A82F5E9}"/>
-              </a:ext>
-            </a:extLst>
-          </p:cNvPr>
-          <p:cNvSpPr txBox="1"/>
-          <p:nvPr/>
-        </p:nvSpPr>
-        <p:spPr>
-          <a:xfrm>
-            <a:off x="4183612" y="2216861"/>
-            <a:ext cx="1243930" cy="369332"/>
-          </a:xfrm>
-          <a:prstGeom prst="rect">
-            <a:avLst/>
-          </a:prstGeom>
-          <a:noFill/>
-        </p:spPr>
-        <p:txBody>
-          <a:bodyPr wrap="none" rtlCol="0">
-            <a:spAutoFit/>
-          </a:bodyPr>
-          <a:lstStyle/>
-          <a:p>
-            <a:r>
-              <a:rPr lang="de-DE" dirty="0"/>
-              <a:t>Drehmatrix</a:t>
-            </a:r>
-          </a:p>
-        </p:txBody>
-      </p:sp>
-      <p:sp>
-        <p:nvSpPr>
-          <p:cNvPr id="32" name="Textfeld 31">
-            <a:extLst>
-              <a:ext uri="{FF2B5EF4-FFF2-40B4-BE49-F238E27FC236}">
-                <a16:creationId xmlns:a16="http://schemas.microsoft.com/office/drawing/2014/main" id="{39BB9B0D-25F5-4E5A-9037-F575FB6EE128}"/>
-              </a:ext>
-            </a:extLst>
-          </p:cNvPr>
-          <p:cNvSpPr txBox="1"/>
-          <p:nvPr/>
-        </p:nvSpPr>
-        <p:spPr>
-          <a:xfrm>
-            <a:off x="4249329" y="2539800"/>
-            <a:ext cx="896399" cy="369332"/>
-          </a:xfrm>
-          <a:prstGeom prst="rect">
-            <a:avLst/>
-          </a:prstGeom>
-          <a:noFill/>
-        </p:spPr>
-        <p:txBody>
-          <a:bodyPr wrap="none" rtlCol="0">
-            <a:spAutoFit/>
-          </a:bodyPr>
-          <a:lstStyle/>
-          <a:p>
-            <a:r>
-              <a:rPr lang="de-DE" dirty="0"/>
-              <a:t>X -Ache</a:t>
-            </a:r>
-          </a:p>
-        </p:txBody>
-      </p:sp>
-      <p:sp>
-        <p:nvSpPr>
-          <p:cNvPr id="33" name="Textfeld 32">
-            <a:extLst>
-              <a:ext uri="{FF2B5EF4-FFF2-40B4-BE49-F238E27FC236}">
-                <a16:creationId xmlns:a16="http://schemas.microsoft.com/office/drawing/2014/main" id="{E38B3C6C-B824-4629-BFE7-8FF4FE673B26}"/>
-              </a:ext>
-            </a:extLst>
-          </p:cNvPr>
-          <p:cNvSpPr txBox="1"/>
-          <p:nvPr/>
-        </p:nvSpPr>
-        <p:spPr>
-          <a:xfrm>
-            <a:off x="6302082" y="2540098"/>
-            <a:ext cx="888385" cy="369332"/>
-          </a:xfrm>
-          <a:prstGeom prst="rect">
-            <a:avLst/>
-          </a:prstGeom>
-          <a:noFill/>
-        </p:spPr>
-        <p:txBody>
-          <a:bodyPr wrap="none" rtlCol="0">
-            <a:spAutoFit/>
-          </a:bodyPr>
-          <a:lstStyle/>
-          <a:p>
-            <a:r>
-              <a:rPr lang="de-DE" dirty="0"/>
-              <a:t>Y -Ache</a:t>
-            </a:r>
-          </a:p>
-        </p:txBody>
-      </p:sp>
-      <p:sp>
-        <p:nvSpPr>
-          <p:cNvPr id="34" name="Textfeld 33">
-            <a:extLst>
-              <a:ext uri="{FF2B5EF4-FFF2-40B4-BE49-F238E27FC236}">
-                <a16:creationId xmlns:a16="http://schemas.microsoft.com/office/drawing/2014/main" id="{98000A08-627D-4C74-9B83-456248FF213E}"/>
-              </a:ext>
-            </a:extLst>
-          </p:cNvPr>
-          <p:cNvSpPr txBox="1"/>
-          <p:nvPr/>
-        </p:nvSpPr>
-        <p:spPr>
-          <a:xfrm>
-            <a:off x="8660216" y="2522013"/>
-            <a:ext cx="883575" cy="369332"/>
-          </a:xfrm>
-          <a:prstGeom prst="rect">
-            <a:avLst/>
-          </a:prstGeom>
-          <a:noFill/>
-        </p:spPr>
-        <p:txBody>
-          <a:bodyPr wrap="none" rtlCol="0">
-            <a:spAutoFit/>
-          </a:bodyPr>
-          <a:lstStyle/>
-          <a:p>
-            <a:r>
-              <a:rPr lang="de-DE" dirty="0"/>
-              <a:t>Z -Ache</a:t>
-            </a:r>
-          </a:p>
-        </p:txBody>
-      </p:sp>
-      <p:pic>
-        <p:nvPicPr>
-          <p:cNvPr id="36" name="Grafik 35">
-            <a:extLst>
-              <a:ext uri="{FF2B5EF4-FFF2-40B4-BE49-F238E27FC236}">
-                <a16:creationId xmlns:a16="http://schemas.microsoft.com/office/drawing/2014/main" id="{ED4CBBD4-35AE-48C6-90A9-7A5209C4F5AD}"/>
-              </a:ext>
-            </a:extLst>
-          </p:cNvPr>
-          <p:cNvPicPr>
-            <a:picLocks noChangeAspect="1"/>
-          </p:cNvPicPr>
-          <p:nvPr/>
-        </p:nvPicPr>
-        <p:blipFill>
-          <a:blip r:embed="rId7">
-            <a:extLst>
-              <a:ext uri="{28A0092B-C50C-407E-A947-70E740481C1C}">
-                <a14:useLocalDpi xmlns:a14="http://schemas.microsoft.com/office/drawing/2010/main" val="0"/>
-              </a:ext>
-            </a:extLst>
-          </a:blip>
-          <a:stretch>
-            <a:fillRect/>
-          </a:stretch>
-        </p:blipFill>
-        <p:spPr>
-          <a:xfrm>
-            <a:off x="486990" y="4515060"/>
-            <a:ext cx="3848637" cy="438211"/>
-          </a:xfrm>
-          <a:prstGeom prst="rect">
-            <a:avLst/>
-          </a:prstGeom>
-        </p:spPr>
-      </p:pic>
-      <p:pic>
-        <p:nvPicPr>
-          <p:cNvPr id="38" name="Grafik 37">
-            <a:extLst>
-              <a:ext uri="{FF2B5EF4-FFF2-40B4-BE49-F238E27FC236}">
-                <a16:creationId xmlns:a16="http://schemas.microsoft.com/office/drawing/2014/main" id="{9D4F19DF-1F98-467F-A328-C3E4B874C72A}"/>
-              </a:ext>
-            </a:extLst>
-          </p:cNvPr>
-          <p:cNvPicPr>
-            <a:picLocks noChangeAspect="1"/>
-          </p:cNvPicPr>
-          <p:nvPr/>
-        </p:nvPicPr>
-        <p:blipFill>
-          <a:blip r:embed="rId8">
-            <a:extLst>
-              <a:ext uri="{28A0092B-C50C-407E-A947-70E740481C1C}">
-                <a14:useLocalDpi xmlns:a14="http://schemas.microsoft.com/office/drawing/2010/main" val="0"/>
-              </a:ext>
-            </a:extLst>
-          </a:blip>
-          <a:stretch>
-            <a:fillRect/>
-          </a:stretch>
-        </p:blipFill>
-        <p:spPr>
-          <a:xfrm>
-            <a:off x="487930" y="5042698"/>
-            <a:ext cx="2505425" cy="342948"/>
-          </a:xfrm>
-          <a:prstGeom prst="rect">
-            <a:avLst/>
-          </a:prstGeom>
-        </p:spPr>
-      </p:pic>
-      <p:pic>
-        <p:nvPicPr>
-          <p:cNvPr id="40" name="Grafik 39">
-            <a:extLst>
-              <a:ext uri="{FF2B5EF4-FFF2-40B4-BE49-F238E27FC236}">
-                <a16:creationId xmlns:a16="http://schemas.microsoft.com/office/drawing/2014/main" id="{4F60236F-67E4-42E8-8E66-33B95BF9664C}"/>
-              </a:ext>
-            </a:extLst>
-          </p:cNvPr>
-          <p:cNvPicPr>
-            <a:picLocks noChangeAspect="1"/>
-          </p:cNvPicPr>
-          <p:nvPr/>
-        </p:nvPicPr>
-        <p:blipFill rotWithShape="1">
-          <a:blip r:embed="rId9">
-            <a:extLst>
-              <a:ext uri="{28A0092B-C50C-407E-A947-70E740481C1C}">
-                <a14:useLocalDpi xmlns:a14="http://schemas.microsoft.com/office/drawing/2010/main" val="0"/>
-              </a:ext>
-            </a:extLst>
-          </a:blip>
-          <a:srcRect t="22659" b="31093"/>
-          <a:stretch/>
-        </p:blipFill>
-        <p:spPr>
-          <a:xfrm>
-            <a:off x="486990" y="5306056"/>
-            <a:ext cx="5401429" cy="202662"/>
-          </a:xfrm>
-          <a:prstGeom prst="rect">
-            <a:avLst/>
-          </a:prstGeom>
-        </p:spPr>
-      </p:pic>
+              <a:t>toneMapping();</a:t>
+            </a:r>
+          </a:p>
+        </p:txBody>
+      </p:sp>
     </p:spTree>
     <p:extLst>
       <p:ext uri="{BB962C8B-B14F-4D97-AF65-F5344CB8AC3E}">
-        <p14:creationId xmlns:p14="http://schemas.microsoft.com/office/powerpoint/2010/main" val="1294827138"/>
+        <p14:creationId xmlns:p14="http://schemas.microsoft.com/office/powerpoint/2010/main" val="1645730092"/>
       </p:ext>
     </p:extLst>
   </p:cSld>

--- a/Prasentation/raytracing.pptx
+++ b/Prasentation/raytracing.pptx
@@ -163,7 +163,7 @@
           <p:cNvPr id="2" name="Header Placeholder 1">
             <a:extLst>
               <a:ext uri="{FF2B5EF4-FFF2-40B4-BE49-F238E27FC236}">
-                <a16:creationId xmlns:a16="http://schemas.microsoft.com/office/drawing/2014/main" xmlns="" id="{B79BFBC2-2198-46A3-9EB2-B81AB4467CA0}"/>
+                <a16:creationId xmlns="" xmlns:a16="http://schemas.microsoft.com/office/drawing/2014/main" id="{B79BFBC2-2198-46A3-9EB2-B81AB4467CA0}"/>
               </a:ext>
             </a:extLst>
           </p:cNvPr>
@@ -200,7 +200,7 @@
           <p:cNvPr id="3" name="Date Placeholder 2">
             <a:extLst>
               <a:ext uri="{FF2B5EF4-FFF2-40B4-BE49-F238E27FC236}">
-                <a16:creationId xmlns:a16="http://schemas.microsoft.com/office/drawing/2014/main" xmlns="" id="{FF91BC7E-0C72-4340-BC40-CB9D7AD0A642}"/>
+                <a16:creationId xmlns="" xmlns:a16="http://schemas.microsoft.com/office/drawing/2014/main" id="{FF91BC7E-0C72-4340-BC40-CB9D7AD0A642}"/>
               </a:ext>
             </a:extLst>
           </p:cNvPr>
@@ -230,7 +230,7 @@
           <a:p>
             <a:fld id="{727CB3D3-9682-4CBA-94E8-ED2846373387}" type="datetimeFigureOut">
               <a:rPr lang="en-IN" smtClean="0"/>
-              <a:t>11-09-2018</a:t>
+              <a:t>12-09-2018</a:t>
             </a:fld>
             <a:endParaRPr lang="en-IN"/>
           </a:p>
@@ -241,7 +241,7 @@
           <p:cNvPr id="4" name="Footer Placeholder 3">
             <a:extLst>
               <a:ext uri="{FF2B5EF4-FFF2-40B4-BE49-F238E27FC236}">
-                <a16:creationId xmlns:a16="http://schemas.microsoft.com/office/drawing/2014/main" xmlns="" id="{A4C512CF-A139-416E-8EB7-8606C4564733}"/>
+                <a16:creationId xmlns="" xmlns:a16="http://schemas.microsoft.com/office/drawing/2014/main" id="{A4C512CF-A139-416E-8EB7-8606C4564733}"/>
               </a:ext>
             </a:extLst>
           </p:cNvPr>
@@ -278,7 +278,7 @@
           <p:cNvPr id="5" name="Slide Number Placeholder 4">
             <a:extLst>
               <a:ext uri="{FF2B5EF4-FFF2-40B4-BE49-F238E27FC236}">
-                <a16:creationId xmlns:a16="http://schemas.microsoft.com/office/drawing/2014/main" xmlns="" id="{35FEFB71-1A06-49BD-B2F6-901B54BDF87E}"/>
+                <a16:creationId xmlns="" xmlns:a16="http://schemas.microsoft.com/office/drawing/2014/main" id="{35FEFB71-1A06-49BD-B2F6-901B54BDF87E}"/>
               </a:ext>
             </a:extLst>
           </p:cNvPr>
@@ -407,7 +407,7 @@
           <a:p>
             <a:fld id="{1786D931-9A6C-4305-A044-6E643877EFD7}" type="datetimeFigureOut">
               <a:rPr lang="en-IN" smtClean="0"/>
-              <a:t>11-09-2018</a:t>
+              <a:t>12-09-2018</a:t>
             </a:fld>
             <a:endParaRPr lang="en-IN"/>
           </a:p>
@@ -697,7 +697,7 @@
           <p:cNvPr id="2" name="Title 1">
             <a:extLst>
               <a:ext uri="{FF2B5EF4-FFF2-40B4-BE49-F238E27FC236}">
-                <a16:creationId xmlns:a16="http://schemas.microsoft.com/office/drawing/2014/main" xmlns="" id="{E5BC5933-1ACE-460A-8B06-9C453B038B62}"/>
+                <a16:creationId xmlns="" xmlns:a16="http://schemas.microsoft.com/office/drawing/2014/main" id="{E5BC5933-1ACE-460A-8B06-9C453B038B62}"/>
               </a:ext>
             </a:extLst>
           </p:cNvPr>
@@ -735,7 +735,7 @@
           <p:cNvPr id="3" name="Subtitle 2">
             <a:extLst>
               <a:ext uri="{FF2B5EF4-FFF2-40B4-BE49-F238E27FC236}">
-                <a16:creationId xmlns:a16="http://schemas.microsoft.com/office/drawing/2014/main" xmlns="" id="{DD7FD7A1-B949-4B22-98AB-2D7ED90B1F4B}"/>
+                <a16:creationId xmlns="" xmlns:a16="http://schemas.microsoft.com/office/drawing/2014/main" id="{DD7FD7A1-B949-4B22-98AB-2D7ED90B1F4B}"/>
               </a:ext>
             </a:extLst>
           </p:cNvPr>
@@ -806,7 +806,7 @@
           <p:cNvPr id="4" name="Date Placeholder 3">
             <a:extLst>
               <a:ext uri="{FF2B5EF4-FFF2-40B4-BE49-F238E27FC236}">
-                <a16:creationId xmlns:a16="http://schemas.microsoft.com/office/drawing/2014/main" xmlns="" id="{0AAB9891-5781-44DE-B496-2AD7FEFCE2D5}"/>
+                <a16:creationId xmlns="" xmlns:a16="http://schemas.microsoft.com/office/drawing/2014/main" id="{0AAB9891-5781-44DE-B496-2AD7FEFCE2D5}"/>
               </a:ext>
             </a:extLst>
           </p:cNvPr>
@@ -824,7 +824,7 @@
           <a:p>
             <a:fld id="{38D69507-EEEA-4964-AC41-89F1B619239D}" type="datetime1">
               <a:rPr lang="en-US" smtClean="0"/>
-              <a:t>9/11/2018</a:t>
+              <a:t>9/12/2018</a:t>
             </a:fld>
             <a:endParaRPr lang="en-IN"/>
           </a:p>
@@ -835,7 +835,7 @@
           <p:cNvPr id="5" name="Footer Placeholder 4">
             <a:extLst>
               <a:ext uri="{FF2B5EF4-FFF2-40B4-BE49-F238E27FC236}">
-                <a16:creationId xmlns:a16="http://schemas.microsoft.com/office/drawing/2014/main" xmlns="" id="{F1C5BAB4-EC6F-4ADA-AA33-DCA7F62B076C}"/>
+                <a16:creationId xmlns="" xmlns:a16="http://schemas.microsoft.com/office/drawing/2014/main" id="{F1C5BAB4-EC6F-4ADA-AA33-DCA7F62B076C}"/>
               </a:ext>
             </a:extLst>
           </p:cNvPr>
@@ -863,7 +863,7 @@
           <p:cNvPr id="6" name="Slide Number Placeholder 5">
             <a:extLst>
               <a:ext uri="{FF2B5EF4-FFF2-40B4-BE49-F238E27FC236}">
-                <a16:creationId xmlns:a16="http://schemas.microsoft.com/office/drawing/2014/main" xmlns="" id="{77F8F9D2-4D22-47B0-BFD8-D11A180213AB}"/>
+                <a16:creationId xmlns="" xmlns:a16="http://schemas.microsoft.com/office/drawing/2014/main" id="{77F8F9D2-4D22-47B0-BFD8-D11A180213AB}"/>
               </a:ext>
             </a:extLst>
           </p:cNvPr>
@@ -922,7 +922,7 @@
           <p:cNvPr id="2" name="Title 1">
             <a:extLst>
               <a:ext uri="{FF2B5EF4-FFF2-40B4-BE49-F238E27FC236}">
-                <a16:creationId xmlns:a16="http://schemas.microsoft.com/office/drawing/2014/main" xmlns="" id="{E852BE02-349F-4AF0-A7C6-D687E30FF08C}"/>
+                <a16:creationId xmlns="" xmlns:a16="http://schemas.microsoft.com/office/drawing/2014/main" id="{E852BE02-349F-4AF0-A7C6-D687E30FF08C}"/>
               </a:ext>
             </a:extLst>
           </p:cNvPr>
@@ -951,7 +951,7 @@
           <p:cNvPr id="3" name="Vertical Text Placeholder 2">
             <a:extLst>
               <a:ext uri="{FF2B5EF4-FFF2-40B4-BE49-F238E27FC236}">
-                <a16:creationId xmlns:a16="http://schemas.microsoft.com/office/drawing/2014/main" xmlns="" id="{6F78F0CD-1C88-4713-B96F-10A7B0FBADCE}"/>
+                <a16:creationId xmlns="" xmlns:a16="http://schemas.microsoft.com/office/drawing/2014/main" id="{6F78F0CD-1C88-4713-B96F-10A7B0FBADCE}"/>
               </a:ext>
             </a:extLst>
           </p:cNvPr>
@@ -1009,7 +1009,7 @@
           <p:cNvPr id="4" name="Date Placeholder 3">
             <a:extLst>
               <a:ext uri="{FF2B5EF4-FFF2-40B4-BE49-F238E27FC236}">
-                <a16:creationId xmlns:a16="http://schemas.microsoft.com/office/drawing/2014/main" xmlns="" id="{26309E75-ACA3-4242-9F10-53E337E3F519}"/>
+                <a16:creationId xmlns="" xmlns:a16="http://schemas.microsoft.com/office/drawing/2014/main" id="{26309E75-ACA3-4242-9F10-53E337E3F519}"/>
               </a:ext>
             </a:extLst>
           </p:cNvPr>
@@ -1027,7 +1027,7 @@
           <a:p>
             <a:fld id="{4E9420F1-ECC8-4A62-B4FE-4F0906A849DF}" type="datetime1">
               <a:rPr lang="en-US" smtClean="0"/>
-              <a:t>9/11/2018</a:t>
+              <a:t>9/12/2018</a:t>
             </a:fld>
             <a:endParaRPr lang="en-IN"/>
           </a:p>
@@ -1038,7 +1038,7 @@
           <p:cNvPr id="5" name="Footer Placeholder 4">
             <a:extLst>
               <a:ext uri="{FF2B5EF4-FFF2-40B4-BE49-F238E27FC236}">
-                <a16:creationId xmlns:a16="http://schemas.microsoft.com/office/drawing/2014/main" xmlns="" id="{6D34FAF4-ACC9-4C2E-AA31-742B533C24ED}"/>
+                <a16:creationId xmlns="" xmlns:a16="http://schemas.microsoft.com/office/drawing/2014/main" id="{6D34FAF4-ACC9-4C2E-AA31-742B533C24ED}"/>
               </a:ext>
             </a:extLst>
           </p:cNvPr>
@@ -1066,7 +1066,7 @@
           <p:cNvPr id="6" name="Slide Number Placeholder 5">
             <a:extLst>
               <a:ext uri="{FF2B5EF4-FFF2-40B4-BE49-F238E27FC236}">
-                <a16:creationId xmlns:a16="http://schemas.microsoft.com/office/drawing/2014/main" xmlns="" id="{159A4F07-AD1F-4D49-B455-3BEAA12454C8}"/>
+                <a16:creationId xmlns="" xmlns:a16="http://schemas.microsoft.com/office/drawing/2014/main" id="{159A4F07-AD1F-4D49-B455-3BEAA12454C8}"/>
               </a:ext>
             </a:extLst>
           </p:cNvPr>
@@ -1125,7 +1125,7 @@
           <p:cNvPr id="2" name="Vertical Title 1">
             <a:extLst>
               <a:ext uri="{FF2B5EF4-FFF2-40B4-BE49-F238E27FC236}">
-                <a16:creationId xmlns:a16="http://schemas.microsoft.com/office/drawing/2014/main" xmlns="" id="{573F6228-C5DC-43A0-BC0C-0609ACE4AD70}"/>
+                <a16:creationId xmlns="" xmlns:a16="http://schemas.microsoft.com/office/drawing/2014/main" id="{573F6228-C5DC-43A0-BC0C-0609ACE4AD70}"/>
               </a:ext>
             </a:extLst>
           </p:cNvPr>
@@ -1159,7 +1159,7 @@
           <p:cNvPr id="3" name="Vertical Text Placeholder 2">
             <a:extLst>
               <a:ext uri="{FF2B5EF4-FFF2-40B4-BE49-F238E27FC236}">
-                <a16:creationId xmlns:a16="http://schemas.microsoft.com/office/drawing/2014/main" xmlns="" id="{5ABB8ECC-87EF-4A64-ABCD-EF659B3DEF1B}"/>
+                <a16:creationId xmlns="" xmlns:a16="http://schemas.microsoft.com/office/drawing/2014/main" id="{5ABB8ECC-87EF-4A64-ABCD-EF659B3DEF1B}"/>
               </a:ext>
             </a:extLst>
           </p:cNvPr>
@@ -1222,7 +1222,7 @@
           <p:cNvPr id="4" name="Date Placeholder 3">
             <a:extLst>
               <a:ext uri="{FF2B5EF4-FFF2-40B4-BE49-F238E27FC236}">
-                <a16:creationId xmlns:a16="http://schemas.microsoft.com/office/drawing/2014/main" xmlns="" id="{7DFC8D55-DDE8-4EA8-9EB7-78595B31F798}"/>
+                <a16:creationId xmlns="" xmlns:a16="http://schemas.microsoft.com/office/drawing/2014/main" id="{7DFC8D55-DDE8-4EA8-9EB7-78595B31F798}"/>
               </a:ext>
             </a:extLst>
           </p:cNvPr>
@@ -1240,7 +1240,7 @@
           <a:p>
             <a:fld id="{6D344871-4617-4FB3-9444-5D41983529EF}" type="datetime1">
               <a:rPr lang="en-US" smtClean="0"/>
-              <a:t>9/11/2018</a:t>
+              <a:t>9/12/2018</a:t>
             </a:fld>
             <a:endParaRPr lang="en-IN" dirty="0"/>
           </a:p>
@@ -1251,7 +1251,7 @@
           <p:cNvPr id="5" name="Footer Placeholder 4">
             <a:extLst>
               <a:ext uri="{FF2B5EF4-FFF2-40B4-BE49-F238E27FC236}">
-                <a16:creationId xmlns:a16="http://schemas.microsoft.com/office/drawing/2014/main" xmlns="" id="{CDA0D7D7-AEFD-48A8-82E8-9F3577F70CDB}"/>
+                <a16:creationId xmlns="" xmlns:a16="http://schemas.microsoft.com/office/drawing/2014/main" id="{CDA0D7D7-AEFD-48A8-82E8-9F3577F70CDB}"/>
               </a:ext>
             </a:extLst>
           </p:cNvPr>
@@ -1279,7 +1279,7 @@
           <p:cNvPr id="6" name="Slide Number Placeholder 5">
             <a:extLst>
               <a:ext uri="{FF2B5EF4-FFF2-40B4-BE49-F238E27FC236}">
-                <a16:creationId xmlns:a16="http://schemas.microsoft.com/office/drawing/2014/main" xmlns="" id="{30008636-19B9-4A6E-848A-BF06D8D7C3E2}"/>
+                <a16:creationId xmlns="" xmlns:a16="http://schemas.microsoft.com/office/drawing/2014/main" id="{30008636-19B9-4A6E-848A-BF06D8D7C3E2}"/>
               </a:ext>
             </a:extLst>
           </p:cNvPr>
@@ -1338,7 +1338,7 @@
           <p:cNvPr id="2" name="Title 1">
             <a:extLst>
               <a:ext uri="{FF2B5EF4-FFF2-40B4-BE49-F238E27FC236}">
-                <a16:creationId xmlns:a16="http://schemas.microsoft.com/office/drawing/2014/main" xmlns="" id="{F24437D7-4D3B-4254-AF22-BD6028D4A2AA}"/>
+                <a16:creationId xmlns="" xmlns:a16="http://schemas.microsoft.com/office/drawing/2014/main" id="{F24437D7-4D3B-4254-AF22-BD6028D4A2AA}"/>
               </a:ext>
             </a:extLst>
           </p:cNvPr>
@@ -1367,7 +1367,7 @@
           <p:cNvPr id="3" name="Date Placeholder 2">
             <a:extLst>
               <a:ext uri="{FF2B5EF4-FFF2-40B4-BE49-F238E27FC236}">
-                <a16:creationId xmlns:a16="http://schemas.microsoft.com/office/drawing/2014/main" xmlns="" id="{0983D8D3-69CB-453B-A1B2-A1A4AF30BB91}"/>
+                <a16:creationId xmlns="" xmlns:a16="http://schemas.microsoft.com/office/drawing/2014/main" id="{0983D8D3-69CB-453B-A1B2-A1A4AF30BB91}"/>
               </a:ext>
             </a:extLst>
           </p:cNvPr>
@@ -1407,7 +1407,7 @@
                   </a:schemeClr>
                 </a:solidFill>
               </a:rPr>
-              <a:t>9/11/2018</a:t>
+              <a:t>9/12/2018</a:t>
             </a:fld>
             <a:endParaRPr lang="en-IN" dirty="0">
               <a:solidFill>
@@ -1425,7 +1425,7 @@
           <p:cNvPr id="4" name="Footer Placeholder 3">
             <a:extLst>
               <a:ext uri="{FF2B5EF4-FFF2-40B4-BE49-F238E27FC236}">
-                <a16:creationId xmlns:a16="http://schemas.microsoft.com/office/drawing/2014/main" xmlns="" id="{54C28752-9E2E-41FD-8AFB-7C3BC0EB2744}"/>
+                <a16:creationId xmlns="" xmlns:a16="http://schemas.microsoft.com/office/drawing/2014/main" id="{54C28752-9E2E-41FD-8AFB-7C3BC0EB2744}"/>
               </a:ext>
             </a:extLst>
           </p:cNvPr>
@@ -1485,7 +1485,7 @@
           <p:cNvPr id="8" name="Straight Connector 7">
             <a:extLst>
               <a:ext uri="{FF2B5EF4-FFF2-40B4-BE49-F238E27FC236}">
-                <a16:creationId xmlns:a16="http://schemas.microsoft.com/office/drawing/2014/main" xmlns="" id="{5E6E1919-081F-4F3A-A8D9-1A7B4644E713}"/>
+                <a16:creationId xmlns="" xmlns:a16="http://schemas.microsoft.com/office/drawing/2014/main" id="{5E6E1919-081F-4F3A-A8D9-1A7B4644E713}"/>
               </a:ext>
             </a:extLst>
           </p:cNvPr>
@@ -1524,7 +1524,7 @@
           <p:cNvPr id="10" name="Date Placeholder 2">
             <a:extLst>
               <a:ext uri="{FF2B5EF4-FFF2-40B4-BE49-F238E27FC236}">
-                <a16:creationId xmlns:a16="http://schemas.microsoft.com/office/drawing/2014/main" xmlns="" id="{E00F0969-157C-4AE6-B3F2-76049D02A109}"/>
+                <a16:creationId xmlns="" xmlns:a16="http://schemas.microsoft.com/office/drawing/2014/main" id="{E00F0969-157C-4AE6-B3F2-76049D02A109}"/>
               </a:ext>
             </a:extLst>
           </p:cNvPr>
@@ -1704,7 +1704,7 @@
           <p:cNvPr id="2" name="Title 1">
             <a:extLst>
               <a:ext uri="{FF2B5EF4-FFF2-40B4-BE49-F238E27FC236}">
-                <a16:creationId xmlns:a16="http://schemas.microsoft.com/office/drawing/2014/main" xmlns="" id="{AC7531F7-58A9-40B7-9D74-8809AC614BB7}"/>
+                <a16:creationId xmlns="" xmlns:a16="http://schemas.microsoft.com/office/drawing/2014/main" id="{AC7531F7-58A9-40B7-9D74-8809AC614BB7}"/>
               </a:ext>
             </a:extLst>
           </p:cNvPr>
@@ -1733,7 +1733,7 @@
           <p:cNvPr id="3" name="Content Placeholder 2">
             <a:extLst>
               <a:ext uri="{FF2B5EF4-FFF2-40B4-BE49-F238E27FC236}">
-                <a16:creationId xmlns:a16="http://schemas.microsoft.com/office/drawing/2014/main" xmlns="" id="{A6487D5B-C3D2-43B4-804F-EC97B7520B58}"/>
+                <a16:creationId xmlns="" xmlns:a16="http://schemas.microsoft.com/office/drawing/2014/main" id="{A6487D5B-C3D2-43B4-804F-EC97B7520B58}"/>
               </a:ext>
             </a:extLst>
           </p:cNvPr>
@@ -1791,7 +1791,7 @@
           <p:cNvPr id="4" name="Date Placeholder 3">
             <a:extLst>
               <a:ext uri="{FF2B5EF4-FFF2-40B4-BE49-F238E27FC236}">
-                <a16:creationId xmlns:a16="http://schemas.microsoft.com/office/drawing/2014/main" xmlns="" id="{93D59530-7A8F-4CD7-B8B2-B0B957B28EF0}"/>
+                <a16:creationId xmlns="" xmlns:a16="http://schemas.microsoft.com/office/drawing/2014/main" id="{93D59530-7A8F-4CD7-B8B2-B0B957B28EF0}"/>
               </a:ext>
             </a:extLst>
           </p:cNvPr>
@@ -1809,7 +1809,7 @@
           <a:p>
             <a:fld id="{9C93AF68-106E-4554-A295-DF583C47C4C5}" type="datetime1">
               <a:rPr lang="en-US" smtClean="0"/>
-              <a:t>9/11/2018</a:t>
+              <a:t>9/12/2018</a:t>
             </a:fld>
             <a:endParaRPr lang="en-IN"/>
           </a:p>
@@ -1820,7 +1820,7 @@
           <p:cNvPr id="5" name="Footer Placeholder 4">
             <a:extLst>
               <a:ext uri="{FF2B5EF4-FFF2-40B4-BE49-F238E27FC236}">
-                <a16:creationId xmlns:a16="http://schemas.microsoft.com/office/drawing/2014/main" xmlns="" id="{352C0661-BC9D-4B8E-A94C-BFD488A3E8E9}"/>
+                <a16:creationId xmlns="" xmlns:a16="http://schemas.microsoft.com/office/drawing/2014/main" id="{352C0661-BC9D-4B8E-A94C-BFD488A3E8E9}"/>
               </a:ext>
             </a:extLst>
           </p:cNvPr>
@@ -1848,7 +1848,7 @@
           <p:cNvPr id="6" name="Slide Number Placeholder 5">
             <a:extLst>
               <a:ext uri="{FF2B5EF4-FFF2-40B4-BE49-F238E27FC236}">
-                <a16:creationId xmlns:a16="http://schemas.microsoft.com/office/drawing/2014/main" xmlns="" id="{1FD04A23-3071-41D6-96F9-BE13738682D8}"/>
+                <a16:creationId xmlns="" xmlns:a16="http://schemas.microsoft.com/office/drawing/2014/main" id="{1FD04A23-3071-41D6-96F9-BE13738682D8}"/>
               </a:ext>
             </a:extLst>
           </p:cNvPr>
@@ -1907,7 +1907,7 @@
           <p:cNvPr id="2" name="Title 1">
             <a:extLst>
               <a:ext uri="{FF2B5EF4-FFF2-40B4-BE49-F238E27FC236}">
-                <a16:creationId xmlns:a16="http://schemas.microsoft.com/office/drawing/2014/main" xmlns="" id="{19DD5A87-D79F-4245-95E2-D7B778EAA7CA}"/>
+                <a16:creationId xmlns="" xmlns:a16="http://schemas.microsoft.com/office/drawing/2014/main" id="{19DD5A87-D79F-4245-95E2-D7B778EAA7CA}"/>
               </a:ext>
             </a:extLst>
           </p:cNvPr>
@@ -1945,7 +1945,7 @@
           <p:cNvPr id="3" name="Text Placeholder 2">
             <a:extLst>
               <a:ext uri="{FF2B5EF4-FFF2-40B4-BE49-F238E27FC236}">
-                <a16:creationId xmlns:a16="http://schemas.microsoft.com/office/drawing/2014/main" xmlns="" id="{9835C8A4-B9DC-4126-8508-3AB17BB85594}"/>
+                <a16:creationId xmlns="" xmlns:a16="http://schemas.microsoft.com/office/drawing/2014/main" id="{9835C8A4-B9DC-4126-8508-3AB17BB85594}"/>
               </a:ext>
             </a:extLst>
           </p:cNvPr>
@@ -2070,7 +2070,7 @@
           <p:cNvPr id="4" name="Date Placeholder 3">
             <a:extLst>
               <a:ext uri="{FF2B5EF4-FFF2-40B4-BE49-F238E27FC236}">
-                <a16:creationId xmlns:a16="http://schemas.microsoft.com/office/drawing/2014/main" xmlns="" id="{B63F5ED3-888B-44D8-AEA3-760C5E03C503}"/>
+                <a16:creationId xmlns="" xmlns:a16="http://schemas.microsoft.com/office/drawing/2014/main" id="{B63F5ED3-888B-44D8-AEA3-760C5E03C503}"/>
               </a:ext>
             </a:extLst>
           </p:cNvPr>
@@ -2088,7 +2088,7 @@
           <a:p>
             <a:fld id="{4349FF82-B85A-4F04-B66A-EE752464CB47}" type="datetime1">
               <a:rPr lang="en-US" smtClean="0"/>
-              <a:t>9/11/2018</a:t>
+              <a:t>9/12/2018</a:t>
             </a:fld>
             <a:endParaRPr lang="en-IN"/>
           </a:p>
@@ -2099,7 +2099,7 @@
           <p:cNvPr id="5" name="Footer Placeholder 4">
             <a:extLst>
               <a:ext uri="{FF2B5EF4-FFF2-40B4-BE49-F238E27FC236}">
-                <a16:creationId xmlns:a16="http://schemas.microsoft.com/office/drawing/2014/main" xmlns="" id="{8F5B650E-833B-49D6-9601-855398677C8F}"/>
+                <a16:creationId xmlns="" xmlns:a16="http://schemas.microsoft.com/office/drawing/2014/main" id="{8F5B650E-833B-49D6-9601-855398677C8F}"/>
               </a:ext>
             </a:extLst>
           </p:cNvPr>
@@ -2127,7 +2127,7 @@
           <p:cNvPr id="6" name="Slide Number Placeholder 5">
             <a:extLst>
               <a:ext uri="{FF2B5EF4-FFF2-40B4-BE49-F238E27FC236}">
-                <a16:creationId xmlns:a16="http://schemas.microsoft.com/office/drawing/2014/main" xmlns="" id="{ADE76E39-7854-44CF-B5EF-1A018E2CA182}"/>
+                <a16:creationId xmlns="" xmlns:a16="http://schemas.microsoft.com/office/drawing/2014/main" id="{ADE76E39-7854-44CF-B5EF-1A018E2CA182}"/>
               </a:ext>
             </a:extLst>
           </p:cNvPr>
@@ -2186,7 +2186,7 @@
           <p:cNvPr id="2" name="Title 1">
             <a:extLst>
               <a:ext uri="{FF2B5EF4-FFF2-40B4-BE49-F238E27FC236}">
-                <a16:creationId xmlns:a16="http://schemas.microsoft.com/office/drawing/2014/main" xmlns="" id="{01CD7055-7F02-4EF3-82EC-0B3E9127208D}"/>
+                <a16:creationId xmlns="" xmlns:a16="http://schemas.microsoft.com/office/drawing/2014/main" id="{01CD7055-7F02-4EF3-82EC-0B3E9127208D}"/>
               </a:ext>
             </a:extLst>
           </p:cNvPr>
@@ -2215,7 +2215,7 @@
           <p:cNvPr id="3" name="Content Placeholder 2">
             <a:extLst>
               <a:ext uri="{FF2B5EF4-FFF2-40B4-BE49-F238E27FC236}">
-                <a16:creationId xmlns:a16="http://schemas.microsoft.com/office/drawing/2014/main" xmlns="" id="{92BFE6EC-5AC1-4C2E-BEE4-4D24B8E960F9}"/>
+                <a16:creationId xmlns="" xmlns:a16="http://schemas.microsoft.com/office/drawing/2014/main" id="{92BFE6EC-5AC1-4C2E-BEE4-4D24B8E960F9}"/>
               </a:ext>
             </a:extLst>
           </p:cNvPr>
@@ -2278,7 +2278,7 @@
           <p:cNvPr id="4" name="Content Placeholder 3">
             <a:extLst>
               <a:ext uri="{FF2B5EF4-FFF2-40B4-BE49-F238E27FC236}">
-                <a16:creationId xmlns:a16="http://schemas.microsoft.com/office/drawing/2014/main" xmlns="" id="{2710FE51-262F-46F0-80CC-FEB1647A9394}"/>
+                <a16:creationId xmlns="" xmlns:a16="http://schemas.microsoft.com/office/drawing/2014/main" id="{2710FE51-262F-46F0-80CC-FEB1647A9394}"/>
               </a:ext>
             </a:extLst>
           </p:cNvPr>
@@ -2371,7 +2371,7 @@
           <p:cNvPr id="2" name="Title 1">
             <a:extLst>
               <a:ext uri="{FF2B5EF4-FFF2-40B4-BE49-F238E27FC236}">
-                <a16:creationId xmlns:a16="http://schemas.microsoft.com/office/drawing/2014/main" xmlns="" id="{F71BC8D0-A076-4F4D-8DE7-D79DDA651F01}"/>
+                <a16:creationId xmlns="" xmlns:a16="http://schemas.microsoft.com/office/drawing/2014/main" id="{F71BC8D0-A076-4F4D-8DE7-D79DDA651F01}"/>
               </a:ext>
             </a:extLst>
           </p:cNvPr>
@@ -2405,7 +2405,7 @@
           <p:cNvPr id="3" name="Text Placeholder 2">
             <a:extLst>
               <a:ext uri="{FF2B5EF4-FFF2-40B4-BE49-F238E27FC236}">
-                <a16:creationId xmlns:a16="http://schemas.microsoft.com/office/drawing/2014/main" xmlns="" id="{BAF8532B-D279-4DD4-B484-8219644118A8}"/>
+                <a16:creationId xmlns="" xmlns:a16="http://schemas.microsoft.com/office/drawing/2014/main" id="{BAF8532B-D279-4DD4-B484-8219644118A8}"/>
               </a:ext>
             </a:extLst>
           </p:cNvPr>
@@ -2476,7 +2476,7 @@
           <p:cNvPr id="4" name="Content Placeholder 3">
             <a:extLst>
               <a:ext uri="{FF2B5EF4-FFF2-40B4-BE49-F238E27FC236}">
-                <a16:creationId xmlns:a16="http://schemas.microsoft.com/office/drawing/2014/main" xmlns="" id="{DD3A4C21-69C4-4207-80B5-1BE7EDE238AB}"/>
+                <a16:creationId xmlns="" xmlns:a16="http://schemas.microsoft.com/office/drawing/2014/main" id="{DD3A4C21-69C4-4207-80B5-1BE7EDE238AB}"/>
               </a:ext>
             </a:extLst>
           </p:cNvPr>
@@ -2539,7 +2539,7 @@
           <p:cNvPr id="5" name="Text Placeholder 4">
             <a:extLst>
               <a:ext uri="{FF2B5EF4-FFF2-40B4-BE49-F238E27FC236}">
-                <a16:creationId xmlns:a16="http://schemas.microsoft.com/office/drawing/2014/main" xmlns="" id="{6605F242-8C3C-4E15-A1FA-3B76D6B67A2D}"/>
+                <a16:creationId xmlns="" xmlns:a16="http://schemas.microsoft.com/office/drawing/2014/main" id="{6605F242-8C3C-4E15-A1FA-3B76D6B67A2D}"/>
               </a:ext>
             </a:extLst>
           </p:cNvPr>
@@ -2610,7 +2610,7 @@
           <p:cNvPr id="6" name="Content Placeholder 5">
             <a:extLst>
               <a:ext uri="{FF2B5EF4-FFF2-40B4-BE49-F238E27FC236}">
-                <a16:creationId xmlns:a16="http://schemas.microsoft.com/office/drawing/2014/main" xmlns="" id="{A073F289-1237-4F44-9727-AFB134F5EA5D}"/>
+                <a16:creationId xmlns="" xmlns:a16="http://schemas.microsoft.com/office/drawing/2014/main" id="{A073F289-1237-4F44-9727-AFB134F5EA5D}"/>
               </a:ext>
             </a:extLst>
           </p:cNvPr>
@@ -2673,7 +2673,7 @@
           <p:cNvPr id="7" name="Date Placeholder 6">
             <a:extLst>
               <a:ext uri="{FF2B5EF4-FFF2-40B4-BE49-F238E27FC236}">
-                <a16:creationId xmlns:a16="http://schemas.microsoft.com/office/drawing/2014/main" xmlns="" id="{FFE86BB1-13C4-4813-B8CE-D32F0B50FDA9}"/>
+                <a16:creationId xmlns="" xmlns:a16="http://schemas.microsoft.com/office/drawing/2014/main" id="{FFE86BB1-13C4-4813-B8CE-D32F0B50FDA9}"/>
               </a:ext>
             </a:extLst>
           </p:cNvPr>
@@ -2691,7 +2691,7 @@
           <a:p>
             <a:fld id="{A6050B9B-1BC8-4CA3-82DA-6F77721A2CD7}" type="datetime1">
               <a:rPr lang="en-US" smtClean="0"/>
-              <a:t>9/11/2018</a:t>
+              <a:t>9/12/2018</a:t>
             </a:fld>
             <a:endParaRPr lang="en-IN"/>
           </a:p>
@@ -2702,7 +2702,7 @@
           <p:cNvPr id="8" name="Footer Placeholder 7">
             <a:extLst>
               <a:ext uri="{FF2B5EF4-FFF2-40B4-BE49-F238E27FC236}">
-                <a16:creationId xmlns:a16="http://schemas.microsoft.com/office/drawing/2014/main" xmlns="" id="{EBF1F5FF-240A-45A7-9EEF-DC692A2A788F}"/>
+                <a16:creationId xmlns="" xmlns:a16="http://schemas.microsoft.com/office/drawing/2014/main" id="{EBF1F5FF-240A-45A7-9EEF-DC692A2A788F}"/>
               </a:ext>
             </a:extLst>
           </p:cNvPr>
@@ -2730,7 +2730,7 @@
           <p:cNvPr id="9" name="Slide Number Placeholder 8">
             <a:extLst>
               <a:ext uri="{FF2B5EF4-FFF2-40B4-BE49-F238E27FC236}">
-                <a16:creationId xmlns:a16="http://schemas.microsoft.com/office/drawing/2014/main" xmlns="" id="{18DCA60C-18B5-4E65-AE47-E0A9F13AA2EB}"/>
+                <a16:creationId xmlns="" xmlns:a16="http://schemas.microsoft.com/office/drawing/2014/main" id="{18DCA60C-18B5-4E65-AE47-E0A9F13AA2EB}"/>
               </a:ext>
             </a:extLst>
           </p:cNvPr>
@@ -2789,7 +2789,7 @@
           <p:cNvPr id="2" name="Title 1">
             <a:extLst>
               <a:ext uri="{FF2B5EF4-FFF2-40B4-BE49-F238E27FC236}">
-                <a16:creationId xmlns:a16="http://schemas.microsoft.com/office/drawing/2014/main" xmlns="" id="{DD5CA510-AEB8-4128-9EA1-2842F183F842}"/>
+                <a16:creationId xmlns="" xmlns:a16="http://schemas.microsoft.com/office/drawing/2014/main" id="{DD5CA510-AEB8-4128-9EA1-2842F183F842}"/>
               </a:ext>
             </a:extLst>
           </p:cNvPr>
@@ -2818,7 +2818,7 @@
           <p:cNvPr id="3" name="Date Placeholder 2">
             <a:extLst>
               <a:ext uri="{FF2B5EF4-FFF2-40B4-BE49-F238E27FC236}">
-                <a16:creationId xmlns:a16="http://schemas.microsoft.com/office/drawing/2014/main" xmlns="" id="{977611F6-736E-4C77-AEBB-EC129B6996C2}"/>
+                <a16:creationId xmlns="" xmlns:a16="http://schemas.microsoft.com/office/drawing/2014/main" id="{977611F6-736E-4C77-AEBB-EC129B6996C2}"/>
               </a:ext>
             </a:extLst>
           </p:cNvPr>
@@ -2836,7 +2836,7 @@
           <a:p>
             <a:fld id="{7BB3DCEF-6C7C-4D94-B98B-4760A5E4E479}" type="datetime1">
               <a:rPr lang="en-US" smtClean="0"/>
-              <a:t>9/11/2018</a:t>
+              <a:t>9/12/2018</a:t>
             </a:fld>
             <a:endParaRPr lang="en-IN"/>
           </a:p>
@@ -2847,7 +2847,7 @@
           <p:cNvPr id="4" name="Footer Placeholder 3">
             <a:extLst>
               <a:ext uri="{FF2B5EF4-FFF2-40B4-BE49-F238E27FC236}">
-                <a16:creationId xmlns:a16="http://schemas.microsoft.com/office/drawing/2014/main" xmlns="" id="{62933F78-2CEA-4DCE-AAA6-CF20AA95C26C}"/>
+                <a16:creationId xmlns="" xmlns:a16="http://schemas.microsoft.com/office/drawing/2014/main" id="{62933F78-2CEA-4DCE-AAA6-CF20AA95C26C}"/>
               </a:ext>
             </a:extLst>
           </p:cNvPr>
@@ -2875,7 +2875,7 @@
           <p:cNvPr id="5" name="Slide Number Placeholder 4">
             <a:extLst>
               <a:ext uri="{FF2B5EF4-FFF2-40B4-BE49-F238E27FC236}">
-                <a16:creationId xmlns:a16="http://schemas.microsoft.com/office/drawing/2014/main" xmlns="" id="{FDCB1C38-B552-4594-A0C6-19E123633E87}"/>
+                <a16:creationId xmlns="" xmlns:a16="http://schemas.microsoft.com/office/drawing/2014/main" id="{FDCB1C38-B552-4594-A0C6-19E123633E87}"/>
               </a:ext>
             </a:extLst>
           </p:cNvPr>
@@ -2934,7 +2934,7 @@
           <p:cNvPr id="2" name="Date Placeholder 1">
             <a:extLst>
               <a:ext uri="{FF2B5EF4-FFF2-40B4-BE49-F238E27FC236}">
-                <a16:creationId xmlns:a16="http://schemas.microsoft.com/office/drawing/2014/main" xmlns="" id="{CED5A8BD-EB5C-4AE7-AC1C-C92F49D2A5A9}"/>
+                <a16:creationId xmlns="" xmlns:a16="http://schemas.microsoft.com/office/drawing/2014/main" id="{CED5A8BD-EB5C-4AE7-AC1C-C92F49D2A5A9}"/>
               </a:ext>
             </a:extLst>
           </p:cNvPr>
@@ -2952,7 +2952,7 @@
           <a:p>
             <a:fld id="{27EA8829-E4BB-4FB8-829A-9DEDDC97D24F}" type="datetime1">
               <a:rPr lang="en-US" smtClean="0"/>
-              <a:t>9/11/2018</a:t>
+              <a:t>9/12/2018</a:t>
             </a:fld>
             <a:endParaRPr lang="en-IN"/>
           </a:p>
@@ -2963,7 +2963,7 @@
           <p:cNvPr id="3" name="Footer Placeholder 2">
             <a:extLst>
               <a:ext uri="{FF2B5EF4-FFF2-40B4-BE49-F238E27FC236}">
-                <a16:creationId xmlns:a16="http://schemas.microsoft.com/office/drawing/2014/main" xmlns="" id="{5DA128EA-B032-4074-BC07-E3D01FBA308D}"/>
+                <a16:creationId xmlns="" xmlns:a16="http://schemas.microsoft.com/office/drawing/2014/main" id="{5DA128EA-B032-4074-BC07-E3D01FBA308D}"/>
               </a:ext>
             </a:extLst>
           </p:cNvPr>
@@ -2991,7 +2991,7 @@
           <p:cNvPr id="4" name="Slide Number Placeholder 3">
             <a:extLst>
               <a:ext uri="{FF2B5EF4-FFF2-40B4-BE49-F238E27FC236}">
-                <a16:creationId xmlns:a16="http://schemas.microsoft.com/office/drawing/2014/main" xmlns="" id="{E657A638-4080-4865-AD33-09DE6E90D001}"/>
+                <a16:creationId xmlns="" xmlns:a16="http://schemas.microsoft.com/office/drawing/2014/main" id="{E657A638-4080-4865-AD33-09DE6E90D001}"/>
               </a:ext>
             </a:extLst>
           </p:cNvPr>
@@ -3050,7 +3050,7 @@
           <p:cNvPr id="2" name="Title 1">
             <a:extLst>
               <a:ext uri="{FF2B5EF4-FFF2-40B4-BE49-F238E27FC236}">
-                <a16:creationId xmlns:a16="http://schemas.microsoft.com/office/drawing/2014/main" xmlns="" id="{6798B78C-4287-4A9D-9364-3F918CA72C81}"/>
+                <a16:creationId xmlns="" xmlns:a16="http://schemas.microsoft.com/office/drawing/2014/main" id="{6798B78C-4287-4A9D-9364-3F918CA72C81}"/>
               </a:ext>
             </a:extLst>
           </p:cNvPr>
@@ -3088,7 +3088,7 @@
           <p:cNvPr id="3" name="Content Placeholder 2">
             <a:extLst>
               <a:ext uri="{FF2B5EF4-FFF2-40B4-BE49-F238E27FC236}">
-                <a16:creationId xmlns:a16="http://schemas.microsoft.com/office/drawing/2014/main" xmlns="" id="{C3550577-4DBB-4D22-9D7F-A701C3DF3A25}"/>
+                <a16:creationId xmlns="" xmlns:a16="http://schemas.microsoft.com/office/drawing/2014/main" id="{C3550577-4DBB-4D22-9D7F-A701C3DF3A25}"/>
               </a:ext>
             </a:extLst>
           </p:cNvPr>
@@ -3179,7 +3179,7 @@
           <p:cNvPr id="4" name="Text Placeholder 3">
             <a:extLst>
               <a:ext uri="{FF2B5EF4-FFF2-40B4-BE49-F238E27FC236}">
-                <a16:creationId xmlns:a16="http://schemas.microsoft.com/office/drawing/2014/main" xmlns="" id="{E7522999-BACF-4582-AB3E-59D3E4A867A9}"/>
+                <a16:creationId xmlns="" xmlns:a16="http://schemas.microsoft.com/office/drawing/2014/main" id="{E7522999-BACF-4582-AB3E-59D3E4A867A9}"/>
               </a:ext>
             </a:extLst>
           </p:cNvPr>
@@ -3250,7 +3250,7 @@
           <p:cNvPr id="5" name="Date Placeholder 4">
             <a:extLst>
               <a:ext uri="{FF2B5EF4-FFF2-40B4-BE49-F238E27FC236}">
-                <a16:creationId xmlns:a16="http://schemas.microsoft.com/office/drawing/2014/main" xmlns="" id="{AAE5E98F-521F-426F-92EB-49F91CAF1A2D}"/>
+                <a16:creationId xmlns="" xmlns:a16="http://schemas.microsoft.com/office/drawing/2014/main" id="{AAE5E98F-521F-426F-92EB-49F91CAF1A2D}"/>
               </a:ext>
             </a:extLst>
           </p:cNvPr>
@@ -3268,7 +3268,7 @@
           <a:p>
             <a:fld id="{339E292C-70A2-466B-A6AA-073D34F79EBD}" type="datetime1">
               <a:rPr lang="en-US" smtClean="0"/>
-              <a:t>9/11/2018</a:t>
+              <a:t>9/12/2018</a:t>
             </a:fld>
             <a:endParaRPr lang="en-IN"/>
           </a:p>
@@ -3279,7 +3279,7 @@
           <p:cNvPr id="6" name="Footer Placeholder 5">
             <a:extLst>
               <a:ext uri="{FF2B5EF4-FFF2-40B4-BE49-F238E27FC236}">
-                <a16:creationId xmlns:a16="http://schemas.microsoft.com/office/drawing/2014/main" xmlns="" id="{94F9DCA8-05E0-4CEC-9003-CC7329DB777E}"/>
+                <a16:creationId xmlns="" xmlns:a16="http://schemas.microsoft.com/office/drawing/2014/main" id="{94F9DCA8-05E0-4CEC-9003-CC7329DB777E}"/>
               </a:ext>
             </a:extLst>
           </p:cNvPr>
@@ -3307,7 +3307,7 @@
           <p:cNvPr id="7" name="Slide Number Placeholder 6">
             <a:extLst>
               <a:ext uri="{FF2B5EF4-FFF2-40B4-BE49-F238E27FC236}">
-                <a16:creationId xmlns:a16="http://schemas.microsoft.com/office/drawing/2014/main" xmlns="" id="{B52D49E5-39E9-450E-9BAC-1902FFA40648}"/>
+                <a16:creationId xmlns="" xmlns:a16="http://schemas.microsoft.com/office/drawing/2014/main" id="{B52D49E5-39E9-450E-9BAC-1902FFA40648}"/>
               </a:ext>
             </a:extLst>
           </p:cNvPr>
@@ -3366,7 +3366,7 @@
           <p:cNvPr id="2" name="Title 1">
             <a:extLst>
               <a:ext uri="{FF2B5EF4-FFF2-40B4-BE49-F238E27FC236}">
-                <a16:creationId xmlns:a16="http://schemas.microsoft.com/office/drawing/2014/main" xmlns="" id="{E38A7FCC-384F-420A-993E-54D258385FB4}"/>
+                <a16:creationId xmlns="" xmlns:a16="http://schemas.microsoft.com/office/drawing/2014/main" id="{E38A7FCC-384F-420A-993E-54D258385FB4}"/>
               </a:ext>
             </a:extLst>
           </p:cNvPr>
@@ -3404,7 +3404,7 @@
           <p:cNvPr id="3" name="Picture Placeholder 2">
             <a:extLst>
               <a:ext uri="{FF2B5EF4-FFF2-40B4-BE49-F238E27FC236}">
-                <a16:creationId xmlns:a16="http://schemas.microsoft.com/office/drawing/2014/main" xmlns="" id="{7E4ECFE1-69BD-4341-A317-3791147537D1}"/>
+                <a16:creationId xmlns="" xmlns:a16="http://schemas.microsoft.com/office/drawing/2014/main" id="{7E4ECFE1-69BD-4341-A317-3791147537D1}"/>
               </a:ext>
             </a:extLst>
           </p:cNvPr>
@@ -3471,7 +3471,7 @@
           <p:cNvPr id="4" name="Text Placeholder 3">
             <a:extLst>
               <a:ext uri="{FF2B5EF4-FFF2-40B4-BE49-F238E27FC236}">
-                <a16:creationId xmlns:a16="http://schemas.microsoft.com/office/drawing/2014/main" xmlns="" id="{B82AD758-7601-4A87-AF7B-600FDD6D17D6}"/>
+                <a16:creationId xmlns="" xmlns:a16="http://schemas.microsoft.com/office/drawing/2014/main" id="{B82AD758-7601-4A87-AF7B-600FDD6D17D6}"/>
               </a:ext>
             </a:extLst>
           </p:cNvPr>
@@ -3542,7 +3542,7 @@
           <p:cNvPr id="5" name="Date Placeholder 4">
             <a:extLst>
               <a:ext uri="{FF2B5EF4-FFF2-40B4-BE49-F238E27FC236}">
-                <a16:creationId xmlns:a16="http://schemas.microsoft.com/office/drawing/2014/main" xmlns="" id="{ADA6082D-8C4A-4BB7-9AFE-16DADD6B7B6F}"/>
+                <a16:creationId xmlns="" xmlns:a16="http://schemas.microsoft.com/office/drawing/2014/main" id="{ADA6082D-8C4A-4BB7-9AFE-16DADD6B7B6F}"/>
               </a:ext>
             </a:extLst>
           </p:cNvPr>
@@ -3560,7 +3560,7 @@
           <a:p>
             <a:fld id="{7F96983B-C021-4463-AEEB-0487B7DE15FC}" type="datetime1">
               <a:rPr lang="en-US" smtClean="0"/>
-              <a:t>9/11/2018</a:t>
+              <a:t>9/12/2018</a:t>
             </a:fld>
             <a:endParaRPr lang="en-IN"/>
           </a:p>
@@ -3571,7 +3571,7 @@
           <p:cNvPr id="6" name="Footer Placeholder 5">
             <a:extLst>
               <a:ext uri="{FF2B5EF4-FFF2-40B4-BE49-F238E27FC236}">
-                <a16:creationId xmlns:a16="http://schemas.microsoft.com/office/drawing/2014/main" xmlns="" id="{15FF11C7-F99A-447F-9D49-B09DCF645860}"/>
+                <a16:creationId xmlns="" xmlns:a16="http://schemas.microsoft.com/office/drawing/2014/main" id="{15FF11C7-F99A-447F-9D49-B09DCF645860}"/>
               </a:ext>
             </a:extLst>
           </p:cNvPr>
@@ -3599,7 +3599,7 @@
           <p:cNvPr id="7" name="Slide Number Placeholder 6">
             <a:extLst>
               <a:ext uri="{FF2B5EF4-FFF2-40B4-BE49-F238E27FC236}">
-                <a16:creationId xmlns:a16="http://schemas.microsoft.com/office/drawing/2014/main" xmlns="" id="{03DA21CD-1E89-4E9D-8076-56FF6054F325}"/>
+                <a16:creationId xmlns="" xmlns:a16="http://schemas.microsoft.com/office/drawing/2014/main" id="{03DA21CD-1E89-4E9D-8076-56FF6054F325}"/>
               </a:ext>
             </a:extLst>
           </p:cNvPr>
@@ -3663,7 +3663,7 @@
           <p:cNvPr id="2" name="Title Placeholder 1">
             <a:extLst>
               <a:ext uri="{FF2B5EF4-FFF2-40B4-BE49-F238E27FC236}">
-                <a16:creationId xmlns:a16="http://schemas.microsoft.com/office/drawing/2014/main" xmlns="" id="{A0A622CE-8CA6-494D-94A6-BC43BC13C31D}"/>
+                <a16:creationId xmlns="" xmlns:a16="http://schemas.microsoft.com/office/drawing/2014/main" id="{A0A622CE-8CA6-494D-94A6-BC43BC13C31D}"/>
               </a:ext>
             </a:extLst>
           </p:cNvPr>
@@ -3702,7 +3702,7 @@
           <p:cNvPr id="3" name="Text Placeholder 2">
             <a:extLst>
               <a:ext uri="{FF2B5EF4-FFF2-40B4-BE49-F238E27FC236}">
-                <a16:creationId xmlns:a16="http://schemas.microsoft.com/office/drawing/2014/main" xmlns="" id="{2897D63F-B318-4D28-9EAD-6A1B1FD36976}"/>
+                <a16:creationId xmlns="" xmlns:a16="http://schemas.microsoft.com/office/drawing/2014/main" id="{2897D63F-B318-4D28-9EAD-6A1B1FD36976}"/>
               </a:ext>
             </a:extLst>
           </p:cNvPr>
@@ -3770,7 +3770,7 @@
           <p:cNvPr id="4" name="Date Placeholder 3">
             <a:extLst>
               <a:ext uri="{FF2B5EF4-FFF2-40B4-BE49-F238E27FC236}">
-                <a16:creationId xmlns:a16="http://schemas.microsoft.com/office/drawing/2014/main" xmlns="" id="{184D99BC-6479-4914-AF03-F0ED15CDB36B}"/>
+                <a16:creationId xmlns="" xmlns:a16="http://schemas.microsoft.com/office/drawing/2014/main" id="{184D99BC-6479-4914-AF03-F0ED15CDB36B}"/>
               </a:ext>
             </a:extLst>
           </p:cNvPr>
@@ -3806,7 +3806,7 @@
           <a:p>
             <a:fld id="{4AC68366-01C1-4B35-AF5D-CCC67BA95106}" type="datetime1">
               <a:rPr lang="en-US" smtClean="0"/>
-              <a:t>9/11/2018</a:t>
+              <a:t>9/12/2018</a:t>
             </a:fld>
             <a:endParaRPr lang="en-IN"/>
           </a:p>
@@ -3817,7 +3817,7 @@
           <p:cNvPr id="5" name="Footer Placeholder 4">
             <a:extLst>
               <a:ext uri="{FF2B5EF4-FFF2-40B4-BE49-F238E27FC236}">
-                <a16:creationId xmlns:a16="http://schemas.microsoft.com/office/drawing/2014/main" xmlns="" id="{4345C3BD-3D0D-4E8D-AC47-299937A47A58}"/>
+                <a16:creationId xmlns="" xmlns:a16="http://schemas.microsoft.com/office/drawing/2014/main" id="{4345C3BD-3D0D-4E8D-AC47-299937A47A58}"/>
               </a:ext>
             </a:extLst>
           </p:cNvPr>
@@ -3863,7 +3863,7 @@
           <p:cNvPr id="6" name="Slide Number Placeholder 5">
             <a:extLst>
               <a:ext uri="{FF2B5EF4-FFF2-40B4-BE49-F238E27FC236}">
-                <a16:creationId xmlns:a16="http://schemas.microsoft.com/office/drawing/2014/main" xmlns="" id="{6E801136-EAB4-444B-A0E7-33399A7BEB31}"/>
+                <a16:creationId xmlns="" xmlns:a16="http://schemas.microsoft.com/office/drawing/2014/main" id="{6E801136-EAB4-444B-A0E7-33399A7BEB31}"/>
               </a:ext>
             </a:extLst>
           </p:cNvPr>
@@ -4233,7 +4233,7 @@
           <p:cNvPr id="5" name="Rectangle 4">
             <a:extLst>
               <a:ext uri="{FF2B5EF4-FFF2-40B4-BE49-F238E27FC236}">
-                <a16:creationId xmlns:a16="http://schemas.microsoft.com/office/drawing/2014/main" xmlns="" id="{C51C950A-E31E-416F-8640-D2B78EAD4B9B}"/>
+                <a16:creationId xmlns="" xmlns:a16="http://schemas.microsoft.com/office/drawing/2014/main" id="{C51C950A-E31E-416F-8640-D2B78EAD4B9B}"/>
               </a:ext>
             </a:extLst>
           </p:cNvPr>
@@ -4280,7 +4280,7 @@
           <p:cNvPr id="6" name="Rectangle 5">
             <a:extLst>
               <a:ext uri="{FF2B5EF4-FFF2-40B4-BE49-F238E27FC236}">
-                <a16:creationId xmlns:a16="http://schemas.microsoft.com/office/drawing/2014/main" xmlns="" id="{24E7FFBD-1F79-4309-9FA2-375DF46F9F10}"/>
+                <a16:creationId xmlns="" xmlns:a16="http://schemas.microsoft.com/office/drawing/2014/main" id="{24E7FFBD-1F79-4309-9FA2-375DF46F9F10}"/>
               </a:ext>
             </a:extLst>
           </p:cNvPr>
@@ -4319,7 +4319,7 @@
           <p:cNvPr id="13" name="Date Placeholder 2">
             <a:extLst>
               <a:ext uri="{FF2B5EF4-FFF2-40B4-BE49-F238E27FC236}">
-                <a16:creationId xmlns:a16="http://schemas.microsoft.com/office/drawing/2014/main" xmlns="" id="{CF0E13E0-3A7C-4B34-8560-EB7544F93A86}"/>
+                <a16:creationId xmlns="" xmlns:a16="http://schemas.microsoft.com/office/drawing/2014/main" id="{CF0E13E0-3A7C-4B34-8560-EB7544F93A86}"/>
               </a:ext>
             </a:extLst>
           </p:cNvPr>
@@ -4456,7 +4456,7 @@
           <p:cNvPr id="14" name="Date Placeholder 2">
             <a:extLst>
               <a:ext uri="{FF2B5EF4-FFF2-40B4-BE49-F238E27FC236}">
-                <a16:creationId xmlns:a16="http://schemas.microsoft.com/office/drawing/2014/main" xmlns="" id="{FEFC45B0-A45F-4AD1-9B02-07D26B99CABB}"/>
+                <a16:creationId xmlns="" xmlns:a16="http://schemas.microsoft.com/office/drawing/2014/main" id="{FEFC45B0-A45F-4AD1-9B02-07D26B99CABB}"/>
               </a:ext>
             </a:extLst>
           </p:cNvPr>
@@ -4630,7 +4630,7 @@
           <p:cNvPr id="6" name="Date Placeholder 2">
             <a:extLst>
               <a:ext uri="{FF2B5EF4-FFF2-40B4-BE49-F238E27FC236}">
-                <a16:creationId xmlns:a16="http://schemas.microsoft.com/office/drawing/2014/main" xmlns="" id="{180FC470-B565-4FB6-B0D5-7C8F5744990B}"/>
+                <a16:creationId xmlns="" xmlns:a16="http://schemas.microsoft.com/office/drawing/2014/main" id="{180FC470-B565-4FB6-B0D5-7C8F5744990B}"/>
               </a:ext>
             </a:extLst>
           </p:cNvPr>
@@ -4675,11 +4675,7 @@
             </a:r>
             <a:r>
               <a:rPr lang="en-IN" dirty="0" smtClean="0"/>
-              <a:t> Dang</a:t>
-            </a:r>
-            <a:r>
-              <a:rPr lang="en-IN" dirty="0" smtClean="0"/>
-              <a:t>, </a:t>
+              <a:t> Dang, </a:t>
             </a:r>
             <a:r>
               <a:rPr lang="en-IN" dirty="0" err="1" smtClean="0"/>
@@ -4727,7 +4723,7 @@
           <p:cNvPr id="7" name="Footer Placeholder 3">
             <a:extLst>
               <a:ext uri="{FF2B5EF4-FFF2-40B4-BE49-F238E27FC236}">
-                <a16:creationId xmlns:a16="http://schemas.microsoft.com/office/drawing/2014/main" xmlns="" id="{AA1A078D-2DA1-41AC-A894-48E19FF3FAE3}"/>
+                <a16:creationId xmlns="" xmlns:a16="http://schemas.microsoft.com/office/drawing/2014/main" id="{AA1A078D-2DA1-41AC-A894-48E19FF3FAE3}"/>
               </a:ext>
             </a:extLst>
           </p:cNvPr>
@@ -4794,7 +4790,7 @@
           <p:cNvPr id="9" name="Date Placeholder 2">
             <a:extLst>
               <a:ext uri="{FF2B5EF4-FFF2-40B4-BE49-F238E27FC236}">
-                <a16:creationId xmlns:a16="http://schemas.microsoft.com/office/drawing/2014/main" xmlns="" id="{254BB5F0-2280-4072-A92F-9321101FB009}"/>
+                <a16:creationId xmlns="" xmlns:a16="http://schemas.microsoft.com/office/drawing/2014/main" id="{254BB5F0-2280-4072-A92F-9321101FB009}"/>
               </a:ext>
             </a:extLst>
           </p:cNvPr>
@@ -4930,7 +4926,7 @@
           <p:cNvPr id="10" name="Straight Connector 9">
             <a:extLst>
               <a:ext uri="{FF2B5EF4-FFF2-40B4-BE49-F238E27FC236}">
-                <a16:creationId xmlns:a16="http://schemas.microsoft.com/office/drawing/2014/main" xmlns="" id="{0B6697B4-1AD9-4089-92FD-6CFE29B6E807}"/>
+                <a16:creationId xmlns="" xmlns:a16="http://schemas.microsoft.com/office/drawing/2014/main" id="{0B6697B4-1AD9-4089-92FD-6CFE29B6E807}"/>
               </a:ext>
             </a:extLst>
           </p:cNvPr>
@@ -5165,7 +5161,7 @@
           <p:cNvPr id="2" name="Date Placeholder 2">
             <a:extLst>
               <a:ext uri="{FF2B5EF4-FFF2-40B4-BE49-F238E27FC236}">
-                <a16:creationId xmlns:a16="http://schemas.microsoft.com/office/drawing/2014/main" xmlns="" id="{180FC470-B565-4FB6-B0D5-7C8F5744990B}"/>
+                <a16:creationId xmlns="" xmlns:a16="http://schemas.microsoft.com/office/drawing/2014/main" id="{180FC470-B565-4FB6-B0D5-7C8F5744990B}"/>
               </a:ext>
             </a:extLst>
           </p:cNvPr>
@@ -5210,11 +5206,7 @@
             </a:r>
             <a:r>
               <a:rPr lang="en-IN" dirty="0" smtClean="0"/>
-              <a:t> Dang</a:t>
-            </a:r>
-            <a:r>
-              <a:rPr lang="en-IN" dirty="0" smtClean="0"/>
-              <a:t>, </a:t>
+              <a:t> Dang, </a:t>
             </a:r>
             <a:r>
               <a:rPr lang="en-IN" dirty="0" err="1" smtClean="0"/>
@@ -5262,7 +5254,7 @@
           <p:cNvPr id="3" name="Footer Placeholder 3">
             <a:extLst>
               <a:ext uri="{FF2B5EF4-FFF2-40B4-BE49-F238E27FC236}">
-                <a16:creationId xmlns:a16="http://schemas.microsoft.com/office/drawing/2014/main" xmlns="" id="{AA1A078D-2DA1-41AC-A894-48E19FF3FAE3}"/>
+                <a16:creationId xmlns="" xmlns:a16="http://schemas.microsoft.com/office/drawing/2014/main" id="{AA1A078D-2DA1-41AC-A894-48E19FF3FAE3}"/>
               </a:ext>
             </a:extLst>
           </p:cNvPr>
@@ -5329,7 +5321,7 @@
           <p:cNvPr id="4" name="Date Placeholder 2">
             <a:extLst>
               <a:ext uri="{FF2B5EF4-FFF2-40B4-BE49-F238E27FC236}">
-                <a16:creationId xmlns:a16="http://schemas.microsoft.com/office/drawing/2014/main" xmlns="" id="{254BB5F0-2280-4072-A92F-9321101FB009}"/>
+                <a16:creationId xmlns="" xmlns:a16="http://schemas.microsoft.com/office/drawing/2014/main" id="{254BB5F0-2280-4072-A92F-9321101FB009}"/>
               </a:ext>
             </a:extLst>
           </p:cNvPr>
@@ -5465,7 +5457,7 @@
           <p:cNvPr id="5" name="Straight Connector 4">
             <a:extLst>
               <a:ext uri="{FF2B5EF4-FFF2-40B4-BE49-F238E27FC236}">
-                <a16:creationId xmlns:a16="http://schemas.microsoft.com/office/drawing/2014/main" xmlns="" id="{0B6697B4-1AD9-4089-92FD-6CFE29B6E807}"/>
+                <a16:creationId xmlns="" xmlns:a16="http://schemas.microsoft.com/office/drawing/2014/main" id="{0B6697B4-1AD9-4089-92FD-6CFE29B6E807}"/>
               </a:ext>
             </a:extLst>
           </p:cNvPr>
@@ -5880,7 +5872,7 @@
           <p:cNvPr id="2" name="Date Placeholder 2">
             <a:extLst>
               <a:ext uri="{FF2B5EF4-FFF2-40B4-BE49-F238E27FC236}">
-                <a16:creationId xmlns:a16="http://schemas.microsoft.com/office/drawing/2014/main" xmlns="" id="{180FC470-B565-4FB6-B0D5-7C8F5744990B}"/>
+                <a16:creationId xmlns="" xmlns:a16="http://schemas.microsoft.com/office/drawing/2014/main" id="{180FC470-B565-4FB6-B0D5-7C8F5744990B}"/>
               </a:ext>
             </a:extLst>
           </p:cNvPr>
@@ -5925,11 +5917,7 @@
             </a:r>
             <a:r>
               <a:rPr lang="en-IN" dirty="0" smtClean="0"/>
-              <a:t> Dang</a:t>
-            </a:r>
-            <a:r>
-              <a:rPr lang="en-IN" dirty="0" smtClean="0"/>
-              <a:t>, </a:t>
+              <a:t> Dang, </a:t>
             </a:r>
             <a:r>
               <a:rPr lang="en-IN" dirty="0" err="1" smtClean="0"/>
@@ -5977,7 +5965,7 @@
           <p:cNvPr id="3" name="Footer Placeholder 3">
             <a:extLst>
               <a:ext uri="{FF2B5EF4-FFF2-40B4-BE49-F238E27FC236}">
-                <a16:creationId xmlns:a16="http://schemas.microsoft.com/office/drawing/2014/main" xmlns="" id="{AA1A078D-2DA1-41AC-A894-48E19FF3FAE3}"/>
+                <a16:creationId xmlns="" xmlns:a16="http://schemas.microsoft.com/office/drawing/2014/main" id="{AA1A078D-2DA1-41AC-A894-48E19FF3FAE3}"/>
               </a:ext>
             </a:extLst>
           </p:cNvPr>
@@ -6044,7 +6032,7 @@
           <p:cNvPr id="4" name="Date Placeholder 2">
             <a:extLst>
               <a:ext uri="{FF2B5EF4-FFF2-40B4-BE49-F238E27FC236}">
-                <a16:creationId xmlns:a16="http://schemas.microsoft.com/office/drawing/2014/main" xmlns="" id="{254BB5F0-2280-4072-A92F-9321101FB009}"/>
+                <a16:creationId xmlns="" xmlns:a16="http://schemas.microsoft.com/office/drawing/2014/main" id="{254BB5F0-2280-4072-A92F-9321101FB009}"/>
               </a:ext>
             </a:extLst>
           </p:cNvPr>
@@ -6180,7 +6168,7 @@
           <p:cNvPr id="5" name="Straight Connector 4">
             <a:extLst>
               <a:ext uri="{FF2B5EF4-FFF2-40B4-BE49-F238E27FC236}">
-                <a16:creationId xmlns:a16="http://schemas.microsoft.com/office/drawing/2014/main" xmlns="" id="{0B6697B4-1AD9-4089-92FD-6CFE29B6E807}"/>
+                <a16:creationId xmlns="" xmlns:a16="http://schemas.microsoft.com/office/drawing/2014/main" id="{0B6697B4-1AD9-4089-92FD-6CFE29B6E807}"/>
               </a:ext>
             </a:extLst>
           </p:cNvPr>
@@ -6411,6 +6399,36 @@
           </a:p>
         </p:txBody>
       </p:sp>
+      <p:pic>
+        <p:nvPicPr>
+          <p:cNvPr id="7" name="Picture 6"/>
+          <p:cNvPicPr>
+            <a:picLocks noChangeAspect="1"/>
+          </p:cNvPicPr>
+          <p:nvPr/>
+        </p:nvPicPr>
+        <p:blipFill>
+          <a:blip r:embed="rId2">
+            <a:extLst>
+              <a:ext uri="{28A0092B-C50C-407E-A947-70E740481C1C}">
+                <a14:useLocalDpi xmlns:a14="http://schemas.microsoft.com/office/drawing/2010/main" val="0"/>
+              </a:ext>
+            </a:extLst>
+          </a:blip>
+          <a:stretch>
+            <a:fillRect/>
+          </a:stretch>
+        </p:blipFill>
+        <p:spPr>
+          <a:xfrm>
+            <a:off x="4224727" y="1310318"/>
+            <a:ext cx="4030631" cy="4742224"/>
+          </a:xfrm>
+          <a:prstGeom prst="rect">
+            <a:avLst/>
+          </a:prstGeom>
+        </p:spPr>
+      </p:pic>
     </p:spTree>
     <p:extLst>
       <p:ext uri="{BB962C8B-B14F-4D97-AF65-F5344CB8AC3E}">
@@ -6453,7 +6471,7 @@
           <p:cNvPr id="2" name="Date Placeholder 2">
             <a:extLst>
               <a:ext uri="{FF2B5EF4-FFF2-40B4-BE49-F238E27FC236}">
-                <a16:creationId xmlns:a16="http://schemas.microsoft.com/office/drawing/2014/main" xmlns="" id="{180FC470-B565-4FB6-B0D5-7C8F5744990B}"/>
+                <a16:creationId xmlns="" xmlns:a16="http://schemas.microsoft.com/office/drawing/2014/main" id="{180FC470-B565-4FB6-B0D5-7C8F5744990B}"/>
               </a:ext>
             </a:extLst>
           </p:cNvPr>
@@ -6498,11 +6516,7 @@
             </a:r>
             <a:r>
               <a:rPr lang="en-IN" dirty="0" smtClean="0"/>
-              <a:t> Dang</a:t>
-            </a:r>
-            <a:r>
-              <a:rPr lang="en-IN" dirty="0" smtClean="0"/>
-              <a:t>, </a:t>
+              <a:t> Dang, </a:t>
             </a:r>
             <a:r>
               <a:rPr lang="en-IN" dirty="0" err="1" smtClean="0"/>
@@ -6550,7 +6564,7 @@
           <p:cNvPr id="3" name="Footer Placeholder 3">
             <a:extLst>
               <a:ext uri="{FF2B5EF4-FFF2-40B4-BE49-F238E27FC236}">
-                <a16:creationId xmlns:a16="http://schemas.microsoft.com/office/drawing/2014/main" xmlns="" id="{AA1A078D-2DA1-41AC-A894-48E19FF3FAE3}"/>
+                <a16:creationId xmlns="" xmlns:a16="http://schemas.microsoft.com/office/drawing/2014/main" id="{AA1A078D-2DA1-41AC-A894-48E19FF3FAE3}"/>
               </a:ext>
             </a:extLst>
           </p:cNvPr>
@@ -6617,7 +6631,7 @@
           <p:cNvPr id="4" name="Date Placeholder 2">
             <a:extLst>
               <a:ext uri="{FF2B5EF4-FFF2-40B4-BE49-F238E27FC236}">
-                <a16:creationId xmlns:a16="http://schemas.microsoft.com/office/drawing/2014/main" xmlns="" id="{254BB5F0-2280-4072-A92F-9321101FB009}"/>
+                <a16:creationId xmlns="" xmlns:a16="http://schemas.microsoft.com/office/drawing/2014/main" id="{254BB5F0-2280-4072-A92F-9321101FB009}"/>
               </a:ext>
             </a:extLst>
           </p:cNvPr>
@@ -6753,7 +6767,7 @@
           <p:cNvPr id="5" name="Straight Connector 4">
             <a:extLst>
               <a:ext uri="{FF2B5EF4-FFF2-40B4-BE49-F238E27FC236}">
-                <a16:creationId xmlns:a16="http://schemas.microsoft.com/office/drawing/2014/main" xmlns="" id="{0B6697B4-1AD9-4089-92FD-6CFE29B6E807}"/>
+                <a16:creationId xmlns="" xmlns:a16="http://schemas.microsoft.com/office/drawing/2014/main" id="{0B6697B4-1AD9-4089-92FD-6CFE29B6E807}"/>
               </a:ext>
             </a:extLst>
           </p:cNvPr>
@@ -7272,7 +7286,7 @@
           <p:cNvPr id="2" name="Date Placeholder 2">
             <a:extLst>
               <a:ext uri="{FF2B5EF4-FFF2-40B4-BE49-F238E27FC236}">
-                <a16:creationId xmlns:a16="http://schemas.microsoft.com/office/drawing/2014/main" xmlns="" id="{180FC470-B565-4FB6-B0D5-7C8F5744990B}"/>
+                <a16:creationId xmlns="" xmlns:a16="http://schemas.microsoft.com/office/drawing/2014/main" id="{180FC470-B565-4FB6-B0D5-7C8F5744990B}"/>
               </a:ext>
             </a:extLst>
           </p:cNvPr>
@@ -7317,11 +7331,7 @@
             </a:r>
             <a:r>
               <a:rPr lang="en-IN" dirty="0" smtClean="0"/>
-              <a:t> Dang</a:t>
-            </a:r>
-            <a:r>
-              <a:rPr lang="en-IN" dirty="0" smtClean="0"/>
-              <a:t>, </a:t>
+              <a:t> Dang, </a:t>
             </a:r>
             <a:r>
               <a:rPr lang="en-IN" dirty="0" err="1" smtClean="0"/>
@@ -7369,7 +7379,7 @@
           <p:cNvPr id="3" name="Footer Placeholder 3">
             <a:extLst>
               <a:ext uri="{FF2B5EF4-FFF2-40B4-BE49-F238E27FC236}">
-                <a16:creationId xmlns:a16="http://schemas.microsoft.com/office/drawing/2014/main" xmlns="" id="{AA1A078D-2DA1-41AC-A894-48E19FF3FAE3}"/>
+                <a16:creationId xmlns="" xmlns:a16="http://schemas.microsoft.com/office/drawing/2014/main" id="{AA1A078D-2DA1-41AC-A894-48E19FF3FAE3}"/>
               </a:ext>
             </a:extLst>
           </p:cNvPr>
@@ -7436,7 +7446,7 @@
           <p:cNvPr id="4" name="Date Placeholder 2">
             <a:extLst>
               <a:ext uri="{FF2B5EF4-FFF2-40B4-BE49-F238E27FC236}">
-                <a16:creationId xmlns:a16="http://schemas.microsoft.com/office/drawing/2014/main" xmlns="" id="{254BB5F0-2280-4072-A92F-9321101FB009}"/>
+                <a16:creationId xmlns="" xmlns:a16="http://schemas.microsoft.com/office/drawing/2014/main" id="{254BB5F0-2280-4072-A92F-9321101FB009}"/>
               </a:ext>
             </a:extLst>
           </p:cNvPr>
@@ -7572,7 +7582,7 @@
           <p:cNvPr id="5" name="Straight Connector 4">
             <a:extLst>
               <a:ext uri="{FF2B5EF4-FFF2-40B4-BE49-F238E27FC236}">
-                <a16:creationId xmlns:a16="http://schemas.microsoft.com/office/drawing/2014/main" xmlns="" id="{0B6697B4-1AD9-4089-92FD-6CFE29B6E807}"/>
+                <a16:creationId xmlns="" xmlns:a16="http://schemas.microsoft.com/office/drawing/2014/main" id="{0B6697B4-1AD9-4089-92FD-6CFE29B6E807}"/>
               </a:ext>
             </a:extLst>
           </p:cNvPr>
@@ -7799,7 +7809,6 @@
               <a:rPr lang="de-DE" sz="3600" dirty="0"/>
               <a:t>Evolution des Systems</a:t>
             </a:r>
-            <a:endParaRPr lang="de-DE" sz="3600" dirty="0"/>
           </a:p>
         </p:txBody>
       </p:sp>
@@ -7929,7 +7938,15 @@
           <a:p>
             <a:r>
               <a:rPr lang="de-DE" dirty="0" smtClean="0"/>
-              <a:t>Hier zeigt Ergebniss von 2 Lichten:</a:t>
+              <a:t>Hier zeigt </a:t>
+            </a:r>
+            <a:r>
+              <a:rPr lang="de-DE" dirty="0" smtClean="0"/>
+              <a:t>Ergebnis </a:t>
+            </a:r>
+            <a:r>
+              <a:rPr lang="de-DE" dirty="0" smtClean="0"/>
+              <a:t>von 2 Lichten:</a:t>
             </a:r>
           </a:p>
           <a:p>
@@ -7983,7 +8000,7 @@
           <p:cNvPr id="2" name="Date Placeholder 2">
             <a:extLst>
               <a:ext uri="{FF2B5EF4-FFF2-40B4-BE49-F238E27FC236}">
-                <a16:creationId xmlns:a16="http://schemas.microsoft.com/office/drawing/2014/main" xmlns="" id="{180FC470-B565-4FB6-B0D5-7C8F5744990B}"/>
+                <a16:creationId xmlns="" xmlns:a16="http://schemas.microsoft.com/office/drawing/2014/main" id="{180FC470-B565-4FB6-B0D5-7C8F5744990B}"/>
               </a:ext>
             </a:extLst>
           </p:cNvPr>
@@ -8028,11 +8045,7 @@
             </a:r>
             <a:r>
               <a:rPr lang="en-IN" dirty="0" smtClean="0"/>
-              <a:t> Dang</a:t>
-            </a:r>
-            <a:r>
-              <a:rPr lang="en-IN" dirty="0" smtClean="0"/>
-              <a:t>, </a:t>
+              <a:t> Dang, </a:t>
             </a:r>
             <a:r>
               <a:rPr lang="en-IN" dirty="0" err="1" smtClean="0"/>
@@ -8080,7 +8093,7 @@
           <p:cNvPr id="3" name="Footer Placeholder 3">
             <a:extLst>
               <a:ext uri="{FF2B5EF4-FFF2-40B4-BE49-F238E27FC236}">
-                <a16:creationId xmlns:a16="http://schemas.microsoft.com/office/drawing/2014/main" xmlns="" id="{AA1A078D-2DA1-41AC-A894-48E19FF3FAE3}"/>
+                <a16:creationId xmlns="" xmlns:a16="http://schemas.microsoft.com/office/drawing/2014/main" id="{AA1A078D-2DA1-41AC-A894-48E19FF3FAE3}"/>
               </a:ext>
             </a:extLst>
           </p:cNvPr>
@@ -8147,7 +8160,7 @@
           <p:cNvPr id="4" name="Date Placeholder 2">
             <a:extLst>
               <a:ext uri="{FF2B5EF4-FFF2-40B4-BE49-F238E27FC236}">
-                <a16:creationId xmlns:a16="http://schemas.microsoft.com/office/drawing/2014/main" xmlns="" id="{254BB5F0-2280-4072-A92F-9321101FB009}"/>
+                <a16:creationId xmlns="" xmlns:a16="http://schemas.microsoft.com/office/drawing/2014/main" id="{254BB5F0-2280-4072-A92F-9321101FB009}"/>
               </a:ext>
             </a:extLst>
           </p:cNvPr>
@@ -8283,7 +8296,7 @@
           <p:cNvPr id="5" name="Straight Connector 4">
             <a:extLst>
               <a:ext uri="{FF2B5EF4-FFF2-40B4-BE49-F238E27FC236}">
-                <a16:creationId xmlns:a16="http://schemas.microsoft.com/office/drawing/2014/main" xmlns="" id="{0B6697B4-1AD9-4089-92FD-6CFE29B6E807}"/>
+                <a16:creationId xmlns="" xmlns:a16="http://schemas.microsoft.com/office/drawing/2014/main" id="{0B6697B4-1AD9-4089-92FD-6CFE29B6E807}"/>
               </a:ext>
             </a:extLst>
           </p:cNvPr>
@@ -8510,7 +8523,6 @@
               <a:rPr lang="de-DE" sz="3600" dirty="0"/>
               <a:t>Evolution des Systems</a:t>
             </a:r>
-            <a:endParaRPr lang="de-DE" sz="3600" dirty="0"/>
           </a:p>
         </p:txBody>
       </p:sp>
@@ -8568,7 +8580,15 @@
           <a:p>
             <a:r>
               <a:rPr lang="de-DE" dirty="0" smtClean="0"/>
-              <a:t>Erstmal rechne ich reflektVector des ankommenden Strahl von Objekt, und dann werden alle Lichten und Schatten mit raytrace rekursiv nochmal rechnen:</a:t>
+              <a:t>Erstmal rechne ich reflektVector des ankommenden </a:t>
+            </a:r>
+            <a:r>
+              <a:rPr lang="de-DE" dirty="0" smtClean="0"/>
+              <a:t>Strahls </a:t>
+            </a:r>
+            <a:r>
+              <a:rPr lang="de-DE" dirty="0" smtClean="0"/>
+              <a:t>von Objekt, und dann werden alle Lichten und Schatten mit raytrace rekursiv nochmal rechnen:</a:t>
             </a:r>
             <a:endParaRPr lang="de-DE" dirty="0"/>
           </a:p>
@@ -8735,7 +8755,7 @@
           <p:cNvPr id="2" name="Date Placeholder 2">
             <a:extLst>
               <a:ext uri="{FF2B5EF4-FFF2-40B4-BE49-F238E27FC236}">
-                <a16:creationId xmlns:a16="http://schemas.microsoft.com/office/drawing/2014/main" xmlns="" id="{180FC470-B565-4FB6-B0D5-7C8F5744990B}"/>
+                <a16:creationId xmlns="" xmlns:a16="http://schemas.microsoft.com/office/drawing/2014/main" id="{180FC470-B565-4FB6-B0D5-7C8F5744990B}"/>
               </a:ext>
             </a:extLst>
           </p:cNvPr>
@@ -8780,11 +8800,7 @@
             </a:r>
             <a:r>
               <a:rPr lang="en-IN" dirty="0" smtClean="0"/>
-              <a:t> Dang</a:t>
-            </a:r>
-            <a:r>
-              <a:rPr lang="en-IN" dirty="0" smtClean="0"/>
-              <a:t>, </a:t>
+              <a:t> Dang, </a:t>
             </a:r>
             <a:r>
               <a:rPr lang="en-IN" dirty="0" err="1" smtClean="0"/>
@@ -8832,7 +8848,7 @@
           <p:cNvPr id="3" name="Footer Placeholder 3">
             <a:extLst>
               <a:ext uri="{FF2B5EF4-FFF2-40B4-BE49-F238E27FC236}">
-                <a16:creationId xmlns:a16="http://schemas.microsoft.com/office/drawing/2014/main" xmlns="" id="{AA1A078D-2DA1-41AC-A894-48E19FF3FAE3}"/>
+                <a16:creationId xmlns="" xmlns:a16="http://schemas.microsoft.com/office/drawing/2014/main" id="{AA1A078D-2DA1-41AC-A894-48E19FF3FAE3}"/>
               </a:ext>
             </a:extLst>
           </p:cNvPr>
@@ -8899,7 +8915,7 @@
           <p:cNvPr id="4" name="Date Placeholder 2">
             <a:extLst>
               <a:ext uri="{FF2B5EF4-FFF2-40B4-BE49-F238E27FC236}">
-                <a16:creationId xmlns:a16="http://schemas.microsoft.com/office/drawing/2014/main" xmlns="" id="{254BB5F0-2280-4072-A92F-9321101FB009}"/>
+                <a16:creationId xmlns="" xmlns:a16="http://schemas.microsoft.com/office/drawing/2014/main" id="{254BB5F0-2280-4072-A92F-9321101FB009}"/>
               </a:ext>
             </a:extLst>
           </p:cNvPr>
@@ -9035,7 +9051,7 @@
           <p:cNvPr id="5" name="Straight Connector 4">
             <a:extLst>
               <a:ext uri="{FF2B5EF4-FFF2-40B4-BE49-F238E27FC236}">
-                <a16:creationId xmlns:a16="http://schemas.microsoft.com/office/drawing/2014/main" xmlns="" id="{0B6697B4-1AD9-4089-92FD-6CFE29B6E807}"/>
+                <a16:creationId xmlns="" xmlns:a16="http://schemas.microsoft.com/office/drawing/2014/main" id="{0B6697B4-1AD9-4089-92FD-6CFE29B6E807}"/>
               </a:ext>
             </a:extLst>
           </p:cNvPr>
@@ -9262,7 +9278,6 @@
               <a:rPr lang="de-DE" sz="3600" dirty="0"/>
               <a:t>Evolution des Systems</a:t>
             </a:r>
-            <a:endParaRPr lang="de-DE" sz="3600" dirty="0"/>
           </a:p>
         </p:txBody>
       </p:sp>
@@ -9305,7 +9320,7 @@
         <p:spPr>
           <a:xfrm>
             <a:off x="401470" y="1799970"/>
-            <a:ext cx="8391970" cy="1200329"/>
+            <a:ext cx="8391970" cy="923330"/>
           </a:xfrm>
           <a:prstGeom prst="rect">
             <a:avLst/>
@@ -9340,9 +9355,16 @@
             </a:r>
             <a:r>
               <a:rPr lang="de-DE" dirty="0"/>
-              <a:t>also von digitalen Bildern mit hohem Helligkeitsumfang. Beim Tone Mapping wird der Kontrastumfang eines Hochkontrastbildes verringert, um es auf herkömmlichen Ausgabegeräten darstellen zu können.</a:t>
-            </a:r>
-            <a:endParaRPr lang="de-DE" dirty="0"/>
+              <a:t>also von digitalen Bildern mit hohem Helligkeitsumfang. Beim Tone Mapping wird der Kontrastumfang </a:t>
+            </a:r>
+            <a:r>
+              <a:rPr lang="de-DE" dirty="0" smtClean="0"/>
+              <a:t>verringert</a:t>
+            </a:r>
+            <a:r>
+              <a:rPr lang="de-DE" dirty="0"/>
+              <a:t>, um es auf herkömmlichen Ausgabegeräten darstellen zu können.</a:t>
+            </a:r>
           </a:p>
         </p:txBody>
       </p:sp>
@@ -9458,7 +9480,7 @@
         </p:blipFill>
         <p:spPr>
           <a:xfrm>
-            <a:off x="7406488" y="3284282"/>
+            <a:off x="7406488" y="3262709"/>
             <a:ext cx="3822962" cy="2816474"/>
           </a:xfrm>
           <a:prstGeom prst="rect">
